--- a/figures/figures.pptx
+++ b/figures/figures.pptx
@@ -5,10 +5,11 @@
     <p:sldMasterId id="2147483648" r:id="rId1"/>
   </p:sldMasterIdLst>
   <p:notesMasterIdLst>
-    <p:notesMasterId r:id="rId3"/>
+    <p:notesMasterId r:id="rId4"/>
   </p:notesMasterIdLst>
   <p:sldIdLst>
     <p:sldId id="256" r:id="rId2"/>
+    <p:sldId id="257" r:id="rId3"/>
   </p:sldIdLst>
   <p:sldSz cx="12192000" cy="6858000"/>
   <p:notesSz cx="6858000" cy="9144000"/>
@@ -107,6 +108,11 @@
       </a:defRPr>
     </a:lvl9pPr>
   </p:defaultTextStyle>
+  <p:extLst>
+    <p:ext uri="{EFAFB233-063F-42B5-8137-9DF3F51BA10A}">
+      <p15:sldGuideLst xmlns:p15="http://schemas.microsoft.com/office/powerpoint/2012/main"/>
+    </p:ext>
+  </p:extLst>
 </p:presentation>
 </file>
 
@@ -192,7 +198,7 @@
           <a:p>
             <a:fld id="{408416C6-49CC-1E4E-9E74-F6B4A8781F61}" type="datetimeFigureOut">
               <a:rPr lang="en-US" smtClean="0"/>
-              <a:t>11/7/16</a:t>
+              <a:t>11/8/16</a:t>
             </a:fld>
             <a:endParaRPr lang="en-US"/>
           </a:p>
@@ -544,6 +550,90 @@
 </p:notes>
 </file>
 
+<file path=ppt/notesSlides/notesSlide2.xml><?xml version="1.0" encoding="utf-8"?>
+<p:notes xmlns:a="http://schemas.openxmlformats.org/drawingml/2006/main" xmlns:r="http://schemas.openxmlformats.org/officeDocument/2006/relationships" xmlns:p="http://schemas.openxmlformats.org/presentationml/2006/main">
+  <p:cSld>
+    <p:spTree>
+      <p:nvGrpSpPr>
+        <p:cNvPr id="1" name=""/>
+        <p:cNvGrpSpPr/>
+        <p:nvPr/>
+      </p:nvGrpSpPr>
+      <p:grpSpPr>
+        <a:xfrm>
+          <a:off x="0" y="0"/>
+          <a:ext cx="0" cy="0"/>
+          <a:chOff x="0" y="0"/>
+          <a:chExt cx="0" cy="0"/>
+        </a:xfrm>
+      </p:grpSpPr>
+      <p:sp>
+        <p:nvSpPr>
+          <p:cNvPr id="2" name="Slide Image Placeholder 1"/>
+          <p:cNvSpPr>
+            <a:spLocks noGrp="1" noRot="1" noChangeAspect="1"/>
+          </p:cNvSpPr>
+          <p:nvPr>
+            <p:ph type="sldImg"/>
+          </p:nvPr>
+        </p:nvSpPr>
+        <p:spPr/>
+      </p:sp>
+      <p:sp>
+        <p:nvSpPr>
+          <p:cNvPr id="3" name="Notes Placeholder 2"/>
+          <p:cNvSpPr>
+            <a:spLocks noGrp="1"/>
+          </p:cNvSpPr>
+          <p:nvPr>
+            <p:ph type="body" idx="1"/>
+          </p:nvPr>
+        </p:nvSpPr>
+        <p:spPr/>
+        <p:txBody>
+          <a:bodyPr/>
+          <a:lstStyle/>
+          <a:p>
+            <a:endParaRPr lang="en-US" dirty="0"/>
+          </a:p>
+        </p:txBody>
+      </p:sp>
+      <p:sp>
+        <p:nvSpPr>
+          <p:cNvPr id="4" name="Slide Number Placeholder 3"/>
+          <p:cNvSpPr>
+            <a:spLocks noGrp="1"/>
+          </p:cNvSpPr>
+          <p:nvPr>
+            <p:ph type="sldNum" sz="quarter" idx="10"/>
+          </p:nvPr>
+        </p:nvSpPr>
+        <p:spPr/>
+        <p:txBody>
+          <a:bodyPr/>
+          <a:lstStyle/>
+          <a:p>
+            <a:fld id="{B0DEB76D-F3F5-5948-B3EE-A967BEDAE6F6}" type="slidenum">
+              <a:rPr lang="en-US" smtClean="0"/>
+              <a:t>2</a:t>
+            </a:fld>
+            <a:endParaRPr lang="en-US"/>
+          </a:p>
+        </p:txBody>
+      </p:sp>
+    </p:spTree>
+    <p:extLst>
+      <p:ext uri="{BB962C8B-B14F-4D97-AF65-F5344CB8AC3E}">
+        <p14:creationId xmlns:p14="http://schemas.microsoft.com/office/powerpoint/2010/main" val="973222096"/>
+      </p:ext>
+    </p:extLst>
+  </p:cSld>
+  <p:clrMapOvr>
+    <a:masterClrMapping/>
+  </p:clrMapOvr>
+</p:notes>
+</file>
+
 <file path=ppt/slideLayouts/slideLayout1.xml><?xml version="1.0" encoding="utf-8"?>
 <p:sldLayout xmlns:a="http://schemas.openxmlformats.org/drawingml/2006/main" xmlns:r="http://schemas.openxmlformats.org/officeDocument/2006/relationships" xmlns:p="http://schemas.openxmlformats.org/presentationml/2006/main" type="title" preserve="1">
   <p:cSld name="Title Slide">
@@ -675,7 +765,7 @@
           <a:p>
             <a:fld id="{61455DB2-C591-B64E-8B2D-5C06E7D02A5A}" type="datetimeFigureOut">
               <a:rPr lang="en-US" smtClean="0"/>
-              <a:t>11/7/16</a:t>
+              <a:t>11/8/16</a:t>
             </a:fld>
             <a:endParaRPr lang="en-US"/>
           </a:p>
@@ -845,7 +935,7 @@
           <a:p>
             <a:fld id="{61455DB2-C591-B64E-8B2D-5C06E7D02A5A}" type="datetimeFigureOut">
               <a:rPr lang="en-US" smtClean="0"/>
-              <a:t>11/7/16</a:t>
+              <a:t>11/8/16</a:t>
             </a:fld>
             <a:endParaRPr lang="en-US"/>
           </a:p>
@@ -1025,7 +1115,7 @@
           <a:p>
             <a:fld id="{61455DB2-C591-B64E-8B2D-5C06E7D02A5A}" type="datetimeFigureOut">
               <a:rPr lang="en-US" smtClean="0"/>
-              <a:t>11/7/16</a:t>
+              <a:t>11/8/16</a:t>
             </a:fld>
             <a:endParaRPr lang="en-US"/>
           </a:p>
@@ -1195,7 +1285,7 @@
           <a:p>
             <a:fld id="{61455DB2-C591-B64E-8B2D-5C06E7D02A5A}" type="datetimeFigureOut">
               <a:rPr lang="en-US" smtClean="0"/>
-              <a:t>11/7/16</a:t>
+              <a:t>11/8/16</a:t>
             </a:fld>
             <a:endParaRPr lang="en-US"/>
           </a:p>
@@ -1441,7 +1531,7 @@
           <a:p>
             <a:fld id="{61455DB2-C591-B64E-8B2D-5C06E7D02A5A}" type="datetimeFigureOut">
               <a:rPr lang="en-US" smtClean="0"/>
-              <a:t>11/7/16</a:t>
+              <a:t>11/8/16</a:t>
             </a:fld>
             <a:endParaRPr lang="en-US"/>
           </a:p>
@@ -1673,7 +1763,7 @@
           <a:p>
             <a:fld id="{61455DB2-C591-B64E-8B2D-5C06E7D02A5A}" type="datetimeFigureOut">
               <a:rPr lang="en-US" smtClean="0"/>
-              <a:t>11/7/16</a:t>
+              <a:t>11/8/16</a:t>
             </a:fld>
             <a:endParaRPr lang="en-US"/>
           </a:p>
@@ -2040,7 +2130,7 @@
           <a:p>
             <a:fld id="{61455DB2-C591-B64E-8B2D-5C06E7D02A5A}" type="datetimeFigureOut">
               <a:rPr lang="en-US" smtClean="0"/>
-              <a:t>11/7/16</a:t>
+              <a:t>11/8/16</a:t>
             </a:fld>
             <a:endParaRPr lang="en-US"/>
           </a:p>
@@ -2158,7 +2248,7 @@
           <a:p>
             <a:fld id="{61455DB2-C591-B64E-8B2D-5C06E7D02A5A}" type="datetimeFigureOut">
               <a:rPr lang="en-US" smtClean="0"/>
-              <a:t>11/7/16</a:t>
+              <a:t>11/8/16</a:t>
             </a:fld>
             <a:endParaRPr lang="en-US"/>
           </a:p>
@@ -2253,7 +2343,7 @@
           <a:p>
             <a:fld id="{61455DB2-C591-B64E-8B2D-5C06E7D02A5A}" type="datetimeFigureOut">
               <a:rPr lang="en-US" smtClean="0"/>
-              <a:t>11/7/16</a:t>
+              <a:t>11/8/16</a:t>
             </a:fld>
             <a:endParaRPr lang="en-US"/>
           </a:p>
@@ -2530,7 +2620,7 @@
           <a:p>
             <a:fld id="{61455DB2-C591-B64E-8B2D-5C06E7D02A5A}" type="datetimeFigureOut">
               <a:rPr lang="en-US" smtClean="0"/>
-              <a:t>11/7/16</a:t>
+              <a:t>11/8/16</a:t>
             </a:fld>
             <a:endParaRPr lang="en-US"/>
           </a:p>
@@ -2783,7 +2873,7 @@
           <a:p>
             <a:fld id="{61455DB2-C591-B64E-8B2D-5C06E7D02A5A}" type="datetimeFigureOut">
               <a:rPr lang="en-US" smtClean="0"/>
-              <a:t>11/7/16</a:t>
+              <a:t>11/8/16</a:t>
             </a:fld>
             <a:endParaRPr lang="en-US"/>
           </a:p>
@@ -2996,7 +3086,7 @@
           <a:p>
             <a:fld id="{61455DB2-C591-B64E-8B2D-5C06E7D02A5A}" type="datetimeFigureOut">
               <a:rPr lang="en-US" smtClean="0"/>
-              <a:t>11/7/16</a:t>
+              <a:t>11/8/16</a:t>
             </a:fld>
             <a:endParaRPr lang="en-US"/>
           </a:p>
@@ -4223,6 +4313,1748 @@
     <p:extLst>
       <p:ext uri="{BB962C8B-B14F-4D97-AF65-F5344CB8AC3E}">
         <p14:creationId xmlns:p14="http://schemas.microsoft.com/office/powerpoint/2010/main" val="1470484764"/>
+      </p:ext>
+    </p:extLst>
+  </p:cSld>
+  <p:clrMapOvr>
+    <a:masterClrMapping/>
+  </p:clrMapOvr>
+</p:sld>
+</file>
+
+<file path=ppt/slides/slide2.xml><?xml version="1.0" encoding="utf-8"?>
+<p:sld xmlns:a="http://schemas.openxmlformats.org/drawingml/2006/main" xmlns:r="http://schemas.openxmlformats.org/officeDocument/2006/relationships" xmlns:p="http://schemas.openxmlformats.org/presentationml/2006/main">
+  <p:cSld>
+    <p:spTree>
+      <p:nvGrpSpPr>
+        <p:cNvPr id="1" name=""/>
+        <p:cNvGrpSpPr/>
+        <p:nvPr/>
+      </p:nvGrpSpPr>
+      <p:grpSpPr>
+        <a:xfrm>
+          <a:off x="0" y="0"/>
+          <a:ext cx="0" cy="0"/>
+          <a:chOff x="0" y="0"/>
+          <a:chExt cx="0" cy="0"/>
+        </a:xfrm>
+      </p:grpSpPr>
+      <p:sp>
+        <p:nvSpPr>
+          <p:cNvPr id="5" name="TextBox 4"/>
+          <p:cNvSpPr txBox="1"/>
+          <p:nvPr/>
+        </p:nvSpPr>
+        <p:spPr>
+          <a:xfrm>
+            <a:off x="4525928" y="541614"/>
+            <a:ext cx="849913" cy="523220"/>
+          </a:xfrm>
+          <a:prstGeom prst="rect">
+            <a:avLst/>
+          </a:prstGeom>
+          <a:noFill/>
+          <a:ln>
+            <a:noFill/>
+          </a:ln>
+        </p:spPr>
+        <p:txBody>
+          <a:bodyPr wrap="none" rtlCol="0">
+            <a:spAutoFit/>
+          </a:bodyPr>
+          <a:lstStyle/>
+          <a:p>
+            <a:pPr algn="ctr"/>
+            <a:r>
+              <a:rPr lang="en-US" sz="1400" dirty="0" smtClean="0">
+                <a:solidFill>
+                  <a:schemeClr val="bg1">
+                    <a:lumMod val="50000"/>
+                  </a:schemeClr>
+                </a:solidFill>
+                <a:latin typeface="Raleway" charset="0"/>
+                <a:ea typeface="Raleway" charset="0"/>
+                <a:cs typeface="Raleway" charset="0"/>
+              </a:rPr>
+              <a:t>T</a:t>
+            </a:r>
+            <a:r>
+              <a:rPr lang="en-US" sz="1400" dirty="0" smtClean="0">
+                <a:solidFill>
+                  <a:schemeClr val="bg1">
+                    <a:lumMod val="50000"/>
+                  </a:schemeClr>
+                </a:solidFill>
+                <a:latin typeface="Raleway" charset="0"/>
+                <a:ea typeface="Raleway" charset="0"/>
+                <a:cs typeface="Raleway" charset="0"/>
+              </a:rPr>
+              <a:t>raining</a:t>
+            </a:r>
+            <a:endParaRPr lang="en-US" sz="1400" dirty="0" smtClean="0">
+              <a:solidFill>
+                <a:schemeClr val="bg1">
+                  <a:lumMod val="50000"/>
+                </a:schemeClr>
+              </a:solidFill>
+              <a:latin typeface="Raleway" charset="0"/>
+              <a:ea typeface="Raleway" charset="0"/>
+              <a:cs typeface="Raleway" charset="0"/>
+            </a:endParaRPr>
+          </a:p>
+          <a:p>
+            <a:pPr algn="ctr"/>
+            <a:r>
+              <a:rPr lang="en-US" sz="1400" dirty="0" smtClean="0">
+                <a:solidFill>
+                  <a:schemeClr val="bg1">
+                    <a:lumMod val="50000"/>
+                  </a:schemeClr>
+                </a:solidFill>
+                <a:latin typeface="Raleway" charset="0"/>
+                <a:ea typeface="Raleway" charset="0"/>
+                <a:cs typeface="Raleway" charset="0"/>
+              </a:rPr>
+              <a:t>data</a:t>
+            </a:r>
+            <a:endParaRPr lang="en-US" sz="1400" dirty="0">
+              <a:solidFill>
+                <a:schemeClr val="bg1">
+                  <a:lumMod val="50000"/>
+                </a:schemeClr>
+              </a:solidFill>
+              <a:latin typeface="Raleway" charset="0"/>
+              <a:ea typeface="Raleway" charset="0"/>
+              <a:cs typeface="Raleway" charset="0"/>
+            </a:endParaRPr>
+          </a:p>
+        </p:txBody>
+      </p:sp>
+      <p:sp>
+        <p:nvSpPr>
+          <p:cNvPr id="8" name="Oval 7"/>
+          <p:cNvSpPr/>
+          <p:nvPr/>
+        </p:nvSpPr>
+        <p:spPr>
+          <a:xfrm>
+            <a:off x="5608419" y="5178278"/>
+            <a:ext cx="763675" cy="763675"/>
+          </a:xfrm>
+          <a:prstGeom prst="ellipse">
+            <a:avLst/>
+          </a:prstGeom>
+          <a:solidFill>
+            <a:schemeClr val="bg1"/>
+          </a:solidFill>
+          <a:ln w="28575">
+            <a:solidFill>
+              <a:schemeClr val="bg1">
+                <a:lumMod val="50000"/>
+              </a:schemeClr>
+            </a:solidFill>
+          </a:ln>
+        </p:spPr>
+        <p:style>
+          <a:lnRef idx="2">
+            <a:schemeClr val="accent1">
+              <a:shade val="50000"/>
+            </a:schemeClr>
+          </a:lnRef>
+          <a:fillRef idx="1">
+            <a:schemeClr val="accent1"/>
+          </a:fillRef>
+          <a:effectRef idx="0">
+            <a:schemeClr val="accent1"/>
+          </a:effectRef>
+          <a:fontRef idx="minor">
+            <a:schemeClr val="lt1"/>
+          </a:fontRef>
+        </p:style>
+        <p:txBody>
+          <a:bodyPr rtlCol="0" anchor="ctr"/>
+          <a:lstStyle/>
+          <a:p>
+            <a:pPr algn="ctr"/>
+            <a:r>
+              <a:rPr lang="en-US" sz="2400" smtClean="0">
+                <a:solidFill>
+                  <a:schemeClr val="bg1">
+                    <a:lumMod val="50000"/>
+                  </a:schemeClr>
+                </a:solidFill>
+                <a:latin typeface="Arvo" charset="0"/>
+                <a:ea typeface="Arvo" charset="0"/>
+                <a:cs typeface="Arvo" charset="0"/>
+              </a:rPr>
+              <a:t>C</a:t>
+            </a:r>
+            <a:endParaRPr lang="en-US" sz="2400" dirty="0">
+              <a:solidFill>
+                <a:schemeClr val="bg1">
+                  <a:lumMod val="50000"/>
+                </a:schemeClr>
+              </a:solidFill>
+              <a:latin typeface="Arvo" charset="0"/>
+              <a:ea typeface="Arvo" charset="0"/>
+              <a:cs typeface="Arvo" charset="0"/>
+            </a:endParaRPr>
+          </a:p>
+        </p:txBody>
+      </p:sp>
+      <p:sp>
+        <p:nvSpPr>
+          <p:cNvPr id="9" name="TextBox 8"/>
+          <p:cNvSpPr txBox="1"/>
+          <p:nvPr/>
+        </p:nvSpPr>
+        <p:spPr>
+          <a:xfrm>
+            <a:off x="3646110" y="541614"/>
+            <a:ext cx="553357" cy="523220"/>
+          </a:xfrm>
+          <a:prstGeom prst="rect">
+            <a:avLst/>
+          </a:prstGeom>
+          <a:noFill/>
+        </p:spPr>
+        <p:txBody>
+          <a:bodyPr wrap="none" rtlCol="0">
+            <a:spAutoFit/>
+          </a:bodyPr>
+          <a:lstStyle/>
+          <a:p>
+            <a:pPr algn="ctr"/>
+            <a:r>
+              <a:rPr lang="en-US" sz="1400" dirty="0">
+                <a:solidFill>
+                  <a:schemeClr val="bg1">
+                    <a:lumMod val="50000"/>
+                  </a:schemeClr>
+                </a:solidFill>
+                <a:latin typeface="Raleway" charset="0"/>
+                <a:ea typeface="Raleway" charset="0"/>
+                <a:cs typeface="Raleway" charset="0"/>
+              </a:rPr>
+              <a:t>T</a:t>
+            </a:r>
+            <a:r>
+              <a:rPr lang="en-US" sz="1400" dirty="0" smtClean="0">
+                <a:solidFill>
+                  <a:schemeClr val="bg1">
+                    <a:lumMod val="50000"/>
+                  </a:schemeClr>
+                </a:solidFill>
+                <a:latin typeface="Raleway" charset="0"/>
+                <a:ea typeface="Raleway" charset="0"/>
+                <a:cs typeface="Raleway" charset="0"/>
+              </a:rPr>
+              <a:t>est</a:t>
+            </a:r>
+            <a:endParaRPr lang="en-US" sz="1400" dirty="0" smtClean="0">
+              <a:solidFill>
+                <a:schemeClr val="bg1">
+                  <a:lumMod val="50000"/>
+                </a:schemeClr>
+              </a:solidFill>
+              <a:latin typeface="Raleway" charset="0"/>
+              <a:ea typeface="Raleway" charset="0"/>
+              <a:cs typeface="Raleway" charset="0"/>
+            </a:endParaRPr>
+          </a:p>
+          <a:p>
+            <a:pPr algn="ctr"/>
+            <a:r>
+              <a:rPr lang="en-US" sz="1400" dirty="0" smtClean="0">
+                <a:solidFill>
+                  <a:schemeClr val="bg1">
+                    <a:lumMod val="50000"/>
+                  </a:schemeClr>
+                </a:solidFill>
+                <a:latin typeface="Raleway" charset="0"/>
+                <a:ea typeface="Raleway" charset="0"/>
+                <a:cs typeface="Raleway" charset="0"/>
+              </a:rPr>
+              <a:t>data</a:t>
+            </a:r>
+            <a:endParaRPr lang="en-US" sz="1400" dirty="0">
+              <a:solidFill>
+                <a:schemeClr val="bg1">
+                  <a:lumMod val="50000"/>
+                </a:schemeClr>
+              </a:solidFill>
+              <a:latin typeface="Raleway" charset="0"/>
+              <a:ea typeface="Raleway" charset="0"/>
+              <a:cs typeface="Raleway" charset="0"/>
+            </a:endParaRPr>
+          </a:p>
+        </p:txBody>
+      </p:sp>
+      <p:cxnSp>
+        <p:nvCxnSpPr>
+          <p:cNvPr id="13" name="Elbow Connector 12"/>
+          <p:cNvCxnSpPr/>
+          <p:nvPr/>
+        </p:nvCxnSpPr>
+        <p:spPr>
+          <a:xfrm>
+            <a:off x="2091493" y="5264468"/>
+            <a:ext cx="4507618" cy="767641"/>
+          </a:xfrm>
+          <a:prstGeom prst="bentConnector3">
+            <a:avLst>
+              <a:gd name="adj1" fmla="val 1849"/>
+            </a:avLst>
+          </a:prstGeom>
+          <a:ln w="28575">
+            <a:solidFill>
+              <a:schemeClr val="accent5"/>
+            </a:solidFill>
+          </a:ln>
+        </p:spPr>
+        <p:style>
+          <a:lnRef idx="1">
+            <a:schemeClr val="accent1"/>
+          </a:lnRef>
+          <a:fillRef idx="0">
+            <a:schemeClr val="accent1"/>
+          </a:fillRef>
+          <a:effectRef idx="0">
+            <a:schemeClr val="accent1"/>
+          </a:effectRef>
+          <a:fontRef idx="minor">
+            <a:schemeClr val="tx1"/>
+          </a:fontRef>
+        </p:style>
+      </p:cxnSp>
+      <p:cxnSp>
+        <p:nvCxnSpPr>
+          <p:cNvPr id="20" name="Straight Arrow Connector 19"/>
+          <p:cNvCxnSpPr/>
+          <p:nvPr/>
+        </p:nvCxnSpPr>
+        <p:spPr>
+          <a:xfrm flipV="1">
+            <a:off x="6599111" y="4620314"/>
+            <a:ext cx="0" cy="1411795"/>
+          </a:xfrm>
+          <a:prstGeom prst="straightConnector1">
+            <a:avLst/>
+          </a:prstGeom>
+          <a:ln w="28575">
+            <a:solidFill>
+              <a:schemeClr val="accent5"/>
+            </a:solidFill>
+            <a:tailEnd type="triangle"/>
+          </a:ln>
+        </p:spPr>
+        <p:style>
+          <a:lnRef idx="1">
+            <a:schemeClr val="accent1"/>
+          </a:lnRef>
+          <a:fillRef idx="0">
+            <a:schemeClr val="accent1"/>
+          </a:fillRef>
+          <a:effectRef idx="0">
+            <a:schemeClr val="accent1"/>
+          </a:effectRef>
+          <a:fontRef idx="minor">
+            <a:schemeClr val="tx1"/>
+          </a:fontRef>
+        </p:style>
+      </p:cxnSp>
+      <p:sp>
+        <p:nvSpPr>
+          <p:cNvPr id="4" name="Rectangle 3"/>
+          <p:cNvSpPr/>
+          <p:nvPr/>
+        </p:nvSpPr>
+        <p:spPr>
+          <a:xfrm>
+            <a:off x="4199467" y="1360746"/>
+            <a:ext cx="3544942" cy="1925560"/>
+          </a:xfrm>
+          <a:prstGeom prst="rect">
+            <a:avLst/>
+          </a:prstGeom>
+          <a:solidFill>
+            <a:schemeClr val="bg1"/>
+          </a:solidFill>
+          <a:ln w="28575">
+            <a:solidFill>
+              <a:schemeClr val="bg1">
+                <a:lumMod val="50000"/>
+              </a:schemeClr>
+            </a:solidFill>
+          </a:ln>
+        </p:spPr>
+        <p:style>
+          <a:lnRef idx="2">
+            <a:schemeClr val="accent1">
+              <a:shade val="50000"/>
+            </a:schemeClr>
+          </a:lnRef>
+          <a:fillRef idx="1">
+            <a:schemeClr val="accent1"/>
+          </a:fillRef>
+          <a:effectRef idx="0">
+            <a:schemeClr val="accent1"/>
+          </a:effectRef>
+          <a:fontRef idx="minor">
+            <a:schemeClr val="lt1"/>
+          </a:fontRef>
+        </p:style>
+        <p:txBody>
+          <a:bodyPr rtlCol="0" anchor="ctr"/>
+          <a:lstStyle/>
+          <a:p>
+            <a:pPr algn="ctr"/>
+            <a:endParaRPr lang="en-US" dirty="0">
+              <a:solidFill>
+                <a:schemeClr val="bg1">
+                  <a:lumMod val="50000"/>
+                </a:schemeClr>
+              </a:solidFill>
+              <a:latin typeface="Raleway" charset="0"/>
+              <a:ea typeface="Raleway" charset="0"/>
+              <a:cs typeface="Raleway" charset="0"/>
+            </a:endParaRPr>
+          </a:p>
+        </p:txBody>
+      </p:sp>
+      <p:sp>
+        <p:nvSpPr>
+          <p:cNvPr id="23" name="Rectangle 22"/>
+          <p:cNvSpPr/>
+          <p:nvPr/>
+        </p:nvSpPr>
+        <p:spPr>
+          <a:xfrm>
+            <a:off x="4417694" y="2721264"/>
+            <a:ext cx="1065125" cy="357847"/>
+          </a:xfrm>
+          <a:prstGeom prst="rect">
+            <a:avLst/>
+          </a:prstGeom>
+          <a:solidFill>
+            <a:schemeClr val="bg1"/>
+          </a:solidFill>
+          <a:ln w="28575">
+            <a:solidFill>
+              <a:schemeClr val="accent2"/>
+            </a:solidFill>
+          </a:ln>
+        </p:spPr>
+        <p:style>
+          <a:lnRef idx="2">
+            <a:schemeClr val="accent1">
+              <a:shade val="50000"/>
+            </a:schemeClr>
+          </a:lnRef>
+          <a:fillRef idx="1">
+            <a:schemeClr val="accent1"/>
+          </a:fillRef>
+          <a:effectRef idx="0">
+            <a:schemeClr val="accent1"/>
+          </a:effectRef>
+          <a:fontRef idx="minor">
+            <a:schemeClr val="lt1"/>
+          </a:fontRef>
+        </p:style>
+        <p:txBody>
+          <a:bodyPr rot="0" spcFirstLastPara="0" vertOverflow="overflow" horzOverflow="overflow" vert="horz" wrap="square" lIns="91440" tIns="45720" rIns="91440" bIns="45720" numCol="1" spcCol="0" rtlCol="0" fromWordArt="0" anchor="ctr" anchorCtr="0" forceAA="0" compatLnSpc="1">
+            <a:prstTxWarp prst="textNoShape">
+              <a:avLst/>
+            </a:prstTxWarp>
+            <a:noAutofit/>
+          </a:bodyPr>
+          <a:lstStyle/>
+          <a:p>
+            <a:pPr algn="ctr"/>
+            <a:r>
+              <a:rPr lang="en-US" sz="1600" dirty="0">
+                <a:solidFill>
+                  <a:schemeClr val="accent2"/>
+                </a:solidFill>
+                <a:latin typeface="Raleway" charset="0"/>
+                <a:ea typeface="Raleway" charset="0"/>
+                <a:cs typeface="Raleway" charset="0"/>
+              </a:rPr>
+              <a:t>C</a:t>
+            </a:r>
+            <a:r>
+              <a:rPr lang="en-US" sz="1600" dirty="0" smtClean="0">
+                <a:solidFill>
+                  <a:schemeClr val="accent2"/>
+                </a:solidFill>
+                <a:latin typeface="Raleway" charset="0"/>
+                <a:ea typeface="Raleway" charset="0"/>
+                <a:cs typeface="Raleway" charset="0"/>
+              </a:rPr>
+              <a:t>hecker</a:t>
+            </a:r>
+            <a:endParaRPr lang="en-US" sz="1600" dirty="0" smtClean="0">
+              <a:solidFill>
+                <a:schemeClr val="accent2"/>
+              </a:solidFill>
+              <a:latin typeface="Raleway" charset="0"/>
+              <a:ea typeface="Raleway" charset="0"/>
+              <a:cs typeface="Raleway" charset="0"/>
+            </a:endParaRPr>
+          </a:p>
+        </p:txBody>
+      </p:sp>
+      <p:sp>
+        <p:nvSpPr>
+          <p:cNvPr id="37" name="Rectangle 36"/>
+          <p:cNvSpPr/>
+          <p:nvPr/>
+        </p:nvSpPr>
+        <p:spPr>
+          <a:xfrm>
+            <a:off x="2423088" y="5715585"/>
+            <a:ext cx="2308798" cy="623723"/>
+          </a:xfrm>
+          <a:prstGeom prst="rect">
+            <a:avLst/>
+          </a:prstGeom>
+          <a:solidFill>
+            <a:schemeClr val="bg1"/>
+          </a:solidFill>
+          <a:ln w="28575">
+            <a:solidFill>
+              <a:schemeClr val="accent5"/>
+            </a:solidFill>
+          </a:ln>
+        </p:spPr>
+        <p:style>
+          <a:lnRef idx="2">
+            <a:schemeClr val="accent1">
+              <a:shade val="50000"/>
+            </a:schemeClr>
+          </a:lnRef>
+          <a:fillRef idx="1">
+            <a:schemeClr val="accent1"/>
+          </a:fillRef>
+          <a:effectRef idx="0">
+            <a:schemeClr val="accent1"/>
+          </a:effectRef>
+          <a:fontRef idx="minor">
+            <a:schemeClr val="lt1"/>
+          </a:fontRef>
+        </p:style>
+        <p:txBody>
+          <a:bodyPr rot="0" spcFirstLastPara="0" vertOverflow="overflow" horzOverflow="overflow" vert="horz" wrap="square" lIns="91440" tIns="45720" rIns="91440" bIns="45720" numCol="1" spcCol="0" rtlCol="0" fromWordArt="0" anchor="ctr" anchorCtr="0" forceAA="0" compatLnSpc="1">
+            <a:prstTxWarp prst="textNoShape">
+              <a:avLst/>
+            </a:prstTxWarp>
+            <a:noAutofit/>
+          </a:bodyPr>
+          <a:lstStyle/>
+          <a:p>
+            <a:pPr algn="ctr"/>
+            <a:r>
+              <a:rPr lang="en-US" dirty="0" smtClean="0">
+                <a:solidFill>
+                  <a:schemeClr val="accent5"/>
+                </a:solidFill>
+                <a:latin typeface="Raleway" charset="0"/>
+                <a:ea typeface="Raleway" charset="0"/>
+                <a:cs typeface="Raleway" charset="0"/>
+              </a:rPr>
+              <a:t>conditional prediction repair</a:t>
+            </a:r>
+          </a:p>
+        </p:txBody>
+      </p:sp>
+      <p:sp>
+        <p:nvSpPr>
+          <p:cNvPr id="46" name="TextBox 45"/>
+          <p:cNvSpPr txBox="1"/>
+          <p:nvPr/>
+        </p:nvSpPr>
+        <p:spPr>
+          <a:xfrm>
+            <a:off x="6931208" y="5385137"/>
+            <a:ext cx="1265090" cy="369332"/>
+          </a:xfrm>
+          <a:prstGeom prst="rect">
+            <a:avLst/>
+          </a:prstGeom>
+          <a:noFill/>
+        </p:spPr>
+        <p:txBody>
+          <a:bodyPr wrap="none" rtlCol="0">
+            <a:spAutoFit/>
+          </a:bodyPr>
+          <a:lstStyle/>
+          <a:p>
+            <a:r>
+              <a:rPr lang="en-US" dirty="0" smtClean="0">
+                <a:solidFill>
+                  <a:schemeClr val="accent5"/>
+                </a:solidFill>
+                <a:latin typeface="Raleway" charset="0"/>
+                <a:ea typeface="Raleway" charset="0"/>
+                <a:cs typeface="Raleway" charset="0"/>
+              </a:rPr>
+              <a:t>prediction</a:t>
+            </a:r>
+            <a:endParaRPr lang="en-US" dirty="0">
+              <a:solidFill>
+                <a:schemeClr val="accent5"/>
+              </a:solidFill>
+              <a:latin typeface="Raleway" charset="0"/>
+              <a:ea typeface="Raleway" charset="0"/>
+              <a:cs typeface="Raleway" charset="0"/>
+            </a:endParaRPr>
+          </a:p>
+        </p:txBody>
+      </p:sp>
+      <p:grpSp>
+        <p:nvGrpSpPr>
+          <p:cNvPr id="55" name="Group 54"/>
+          <p:cNvGrpSpPr/>
+          <p:nvPr/>
+        </p:nvGrpSpPr>
+        <p:grpSpPr>
+          <a:xfrm>
+            <a:off x="6942855" y="5924143"/>
+            <a:ext cx="1364476" cy="379380"/>
+            <a:chOff x="371789" y="4541855"/>
+            <a:chExt cx="1364476" cy="379380"/>
+          </a:xfrm>
+        </p:grpSpPr>
+        <p:cxnSp>
+          <p:nvCxnSpPr>
+            <p:cNvPr id="48" name="Straight Arrow Connector 47"/>
+            <p:cNvCxnSpPr/>
+            <p:nvPr/>
+          </p:nvCxnSpPr>
+          <p:spPr>
+            <a:xfrm flipV="1">
+              <a:off x="434173" y="4911187"/>
+              <a:ext cx="1302092" cy="10048"/>
+            </a:xfrm>
+            <a:prstGeom prst="straightConnector1">
+              <a:avLst/>
+            </a:prstGeom>
+            <a:ln w="38100">
+              <a:solidFill>
+                <a:schemeClr val="accent5"/>
+              </a:solidFill>
+              <a:tailEnd type="triangle"/>
+            </a:ln>
+          </p:spPr>
+          <p:style>
+            <a:lnRef idx="1">
+              <a:schemeClr val="accent1"/>
+            </a:lnRef>
+            <a:fillRef idx="0">
+              <a:schemeClr val="accent1"/>
+            </a:fillRef>
+            <a:effectRef idx="0">
+              <a:schemeClr val="accent1"/>
+            </a:effectRef>
+            <a:fontRef idx="minor">
+              <a:schemeClr val="tx1"/>
+            </a:fontRef>
+          </p:style>
+        </p:cxnSp>
+        <p:sp>
+          <p:nvSpPr>
+            <p:cNvPr id="50" name="TextBox 49"/>
+            <p:cNvSpPr txBox="1"/>
+            <p:nvPr/>
+          </p:nvSpPr>
+          <p:spPr>
+            <a:xfrm>
+              <a:off x="371789" y="4541855"/>
+              <a:ext cx="1364476" cy="369332"/>
+            </a:xfrm>
+            <a:prstGeom prst="rect">
+              <a:avLst/>
+            </a:prstGeom>
+            <a:noFill/>
+          </p:spPr>
+          <p:txBody>
+            <a:bodyPr wrap="none" rtlCol="0">
+              <a:spAutoFit/>
+            </a:bodyPr>
+            <a:lstStyle/>
+            <a:p>
+              <a:r>
+                <a:rPr lang="en-US" dirty="0" smtClean="0">
+                  <a:solidFill>
+                    <a:schemeClr val="accent5"/>
+                  </a:solidFill>
+                  <a:latin typeface="Raleway" charset="0"/>
+                  <a:ea typeface="Raleway" charset="0"/>
+                  <a:cs typeface="Raleway" charset="0"/>
+                </a:rPr>
+                <a:t>online flow</a:t>
+              </a:r>
+              <a:endParaRPr lang="en-US" dirty="0">
+                <a:solidFill>
+                  <a:schemeClr val="accent5"/>
+                </a:solidFill>
+                <a:latin typeface="Raleway" charset="0"/>
+                <a:ea typeface="Raleway" charset="0"/>
+                <a:cs typeface="Raleway" charset="0"/>
+              </a:endParaRPr>
+            </a:p>
+          </p:txBody>
+        </p:sp>
+      </p:grpSp>
+      <p:grpSp>
+        <p:nvGrpSpPr>
+          <p:cNvPr id="54" name="Group 53"/>
+          <p:cNvGrpSpPr/>
+          <p:nvPr/>
+        </p:nvGrpSpPr>
+        <p:grpSpPr>
+          <a:xfrm>
+            <a:off x="6932803" y="6421815"/>
+            <a:ext cx="1383712" cy="379380"/>
+            <a:chOff x="3044651" y="4441371"/>
+            <a:chExt cx="1383712" cy="379380"/>
+          </a:xfrm>
+        </p:grpSpPr>
+        <p:cxnSp>
+          <p:nvCxnSpPr>
+            <p:cNvPr id="49" name="Straight Arrow Connector 48"/>
+            <p:cNvCxnSpPr/>
+            <p:nvPr/>
+          </p:nvCxnSpPr>
+          <p:spPr>
+            <a:xfrm flipV="1">
+              <a:off x="3130061" y="4810703"/>
+              <a:ext cx="1298302" cy="10048"/>
+            </a:xfrm>
+            <a:prstGeom prst="straightConnector1">
+              <a:avLst/>
+            </a:prstGeom>
+            <a:ln w="38100">
+              <a:solidFill>
+                <a:schemeClr val="accent2"/>
+              </a:solidFill>
+              <a:tailEnd type="triangle"/>
+            </a:ln>
+          </p:spPr>
+          <p:style>
+            <a:lnRef idx="1">
+              <a:schemeClr val="accent1"/>
+            </a:lnRef>
+            <a:fillRef idx="0">
+              <a:schemeClr val="accent1"/>
+            </a:fillRef>
+            <a:effectRef idx="0">
+              <a:schemeClr val="accent1"/>
+            </a:effectRef>
+            <a:fontRef idx="minor">
+              <a:schemeClr val="tx1"/>
+            </a:fontRef>
+          </p:style>
+        </p:cxnSp>
+        <p:sp>
+          <p:nvSpPr>
+            <p:cNvPr id="51" name="TextBox 50"/>
+            <p:cNvSpPr txBox="1"/>
+            <p:nvPr/>
+          </p:nvSpPr>
+          <p:spPr>
+            <a:xfrm>
+              <a:off x="3044651" y="4441371"/>
+              <a:ext cx="1383712" cy="369332"/>
+            </a:xfrm>
+            <a:prstGeom prst="rect">
+              <a:avLst/>
+            </a:prstGeom>
+            <a:noFill/>
+          </p:spPr>
+          <p:txBody>
+            <a:bodyPr wrap="none" rtlCol="0">
+              <a:spAutoFit/>
+            </a:bodyPr>
+            <a:lstStyle/>
+            <a:p>
+              <a:r>
+                <a:rPr lang="en-US" dirty="0" smtClean="0">
+                  <a:solidFill>
+                    <a:schemeClr val="accent2"/>
+                  </a:solidFill>
+                  <a:latin typeface="Raleway" charset="0"/>
+                  <a:ea typeface="Raleway" charset="0"/>
+                  <a:cs typeface="Raleway" charset="0"/>
+                </a:rPr>
+                <a:t>offline flow</a:t>
+              </a:r>
+              <a:endParaRPr lang="en-US" dirty="0">
+                <a:solidFill>
+                  <a:schemeClr val="accent2"/>
+                </a:solidFill>
+                <a:latin typeface="Raleway" charset="0"/>
+                <a:ea typeface="Raleway" charset="0"/>
+                <a:cs typeface="Raleway" charset="0"/>
+              </a:endParaRPr>
+            </a:p>
+          </p:txBody>
+        </p:sp>
+      </p:grpSp>
+      <p:grpSp>
+        <p:nvGrpSpPr>
+          <p:cNvPr id="18" name="Group 17"/>
+          <p:cNvGrpSpPr/>
+          <p:nvPr/>
+        </p:nvGrpSpPr>
+        <p:grpSpPr>
+          <a:xfrm>
+            <a:off x="5767696" y="2369407"/>
+            <a:ext cx="1662829" cy="712458"/>
+            <a:chOff x="5767696" y="2276273"/>
+            <a:chExt cx="1662829" cy="712458"/>
+          </a:xfrm>
+        </p:grpSpPr>
+        <p:sp>
+          <p:nvSpPr>
+            <p:cNvPr id="25" name="Rectangle 24"/>
+            <p:cNvSpPr/>
+            <p:nvPr/>
+          </p:nvSpPr>
+          <p:spPr>
+            <a:xfrm>
+              <a:off x="5767696" y="2276273"/>
+              <a:ext cx="1662829" cy="712458"/>
+            </a:xfrm>
+            <a:prstGeom prst="rect">
+              <a:avLst/>
+            </a:prstGeom>
+            <a:solidFill>
+              <a:schemeClr val="bg1"/>
+            </a:solidFill>
+            <a:ln w="28575">
+              <a:solidFill>
+                <a:schemeClr val="accent1"/>
+              </a:solidFill>
+            </a:ln>
+          </p:spPr>
+          <p:style>
+            <a:lnRef idx="2">
+              <a:schemeClr val="accent1">
+                <a:shade val="50000"/>
+              </a:schemeClr>
+            </a:lnRef>
+            <a:fillRef idx="1">
+              <a:schemeClr val="accent1"/>
+            </a:fillRef>
+            <a:effectRef idx="0">
+              <a:schemeClr val="accent1"/>
+            </a:effectRef>
+            <a:fontRef idx="minor">
+              <a:schemeClr val="lt1"/>
+            </a:fontRef>
+          </p:style>
+          <p:txBody>
+            <a:bodyPr rot="0" spcFirstLastPara="0" vertOverflow="overflow" horzOverflow="overflow" vert="horz" wrap="square" lIns="91440" tIns="45720" rIns="91440" bIns="45720" numCol="1" spcCol="0" rtlCol="0" fromWordArt="0" anchor="t" anchorCtr="0" forceAA="0" compatLnSpc="1">
+              <a:prstTxWarp prst="textNoShape">
+                <a:avLst/>
+              </a:prstTxWarp>
+              <a:noAutofit/>
+            </a:bodyPr>
+            <a:lstStyle/>
+            <a:p>
+              <a:pPr algn="ctr"/>
+              <a:r>
+                <a:rPr lang="en-US" sz="1400" dirty="0" smtClean="0">
+                  <a:solidFill>
+                    <a:schemeClr val="accent1"/>
+                  </a:solidFill>
+                  <a:latin typeface="Raleway" charset="0"/>
+                  <a:ea typeface="Raleway" charset="0"/>
+                  <a:cs typeface="Raleway" charset="0"/>
+                </a:rPr>
+                <a:t>Repair Selector</a:t>
+              </a:r>
+              <a:endParaRPr lang="en-US" sz="1400" dirty="0" smtClean="0">
+                <a:solidFill>
+                  <a:schemeClr val="accent1"/>
+                </a:solidFill>
+                <a:latin typeface="Raleway" charset="0"/>
+                <a:ea typeface="Raleway" charset="0"/>
+                <a:cs typeface="Raleway" charset="0"/>
+              </a:endParaRPr>
+            </a:p>
+          </p:txBody>
+        </p:sp>
+        <p:sp>
+          <p:nvSpPr>
+            <p:cNvPr id="26" name="Rectangle 25"/>
+            <p:cNvSpPr/>
+            <p:nvPr/>
+          </p:nvSpPr>
+          <p:spPr>
+            <a:xfrm>
+              <a:off x="5928868" y="2656823"/>
+              <a:ext cx="1340484" cy="214282"/>
+            </a:xfrm>
+            <a:prstGeom prst="rect">
+              <a:avLst/>
+            </a:prstGeom>
+            <a:solidFill>
+              <a:schemeClr val="accent1"/>
+            </a:solidFill>
+            <a:ln w="28575">
+              <a:solidFill>
+                <a:schemeClr val="accent1"/>
+              </a:solidFill>
+            </a:ln>
+          </p:spPr>
+          <p:style>
+            <a:lnRef idx="2">
+              <a:schemeClr val="accent1">
+                <a:shade val="50000"/>
+              </a:schemeClr>
+            </a:lnRef>
+            <a:fillRef idx="1">
+              <a:schemeClr val="accent1"/>
+            </a:fillRef>
+            <a:effectRef idx="0">
+              <a:schemeClr val="accent1"/>
+            </a:effectRef>
+            <a:fontRef idx="minor">
+              <a:schemeClr val="lt1"/>
+            </a:fontRef>
+          </p:style>
+          <p:txBody>
+            <a:bodyPr rot="0" spcFirstLastPara="0" vertOverflow="overflow" horzOverflow="overflow" vert="horz" wrap="square" lIns="91440" tIns="45720" rIns="91440" bIns="45720" numCol="1" spcCol="0" rtlCol="0" fromWordArt="0" anchor="ctr" anchorCtr="0" forceAA="0" compatLnSpc="1">
+              <a:prstTxWarp prst="textNoShape">
+                <a:avLst/>
+              </a:prstTxWarp>
+              <a:noAutofit/>
+            </a:bodyPr>
+            <a:lstStyle/>
+            <a:p>
+              <a:pPr algn="ctr"/>
+              <a:r>
+                <a:rPr lang="en-US" sz="1400" smtClean="0">
+                  <a:solidFill>
+                    <a:schemeClr val="bg1"/>
+                  </a:solidFill>
+                  <a:latin typeface="Raleway" charset="0"/>
+                  <a:ea typeface="Raleway" charset="0"/>
+                  <a:cs typeface="Raleway" charset="0"/>
+                </a:rPr>
+                <a:t>Library</a:t>
+              </a:r>
+              <a:endParaRPr lang="en-US" sz="1400" dirty="0" smtClean="0">
+                <a:solidFill>
+                  <a:schemeClr val="bg1"/>
+                </a:solidFill>
+                <a:latin typeface="Raleway" charset="0"/>
+                <a:ea typeface="Raleway" charset="0"/>
+                <a:cs typeface="Raleway" charset="0"/>
+              </a:endParaRPr>
+            </a:p>
+          </p:txBody>
+        </p:sp>
+      </p:grpSp>
+      <p:grpSp>
+        <p:nvGrpSpPr>
+          <p:cNvPr id="17" name="Group 16"/>
+          <p:cNvGrpSpPr/>
+          <p:nvPr/>
+        </p:nvGrpSpPr>
+        <p:grpSpPr>
+          <a:xfrm>
+            <a:off x="5767695" y="1529833"/>
+            <a:ext cx="1662829" cy="712458"/>
+            <a:chOff x="5767695" y="1529833"/>
+            <a:chExt cx="1662829" cy="712458"/>
+          </a:xfrm>
+        </p:grpSpPr>
+        <p:sp>
+          <p:nvSpPr>
+            <p:cNvPr id="21" name="Rectangle 20"/>
+            <p:cNvSpPr/>
+            <p:nvPr/>
+          </p:nvSpPr>
+          <p:spPr>
+            <a:xfrm>
+              <a:off x="5767695" y="1529833"/>
+              <a:ext cx="1662829" cy="712458"/>
+            </a:xfrm>
+            <a:prstGeom prst="rect">
+              <a:avLst/>
+            </a:prstGeom>
+            <a:solidFill>
+              <a:schemeClr val="bg1"/>
+            </a:solidFill>
+            <a:ln w="28575">
+              <a:solidFill>
+                <a:schemeClr val="accent1"/>
+              </a:solidFill>
+            </a:ln>
+          </p:spPr>
+          <p:style>
+            <a:lnRef idx="2">
+              <a:schemeClr val="accent1">
+                <a:shade val="50000"/>
+              </a:schemeClr>
+            </a:lnRef>
+            <a:fillRef idx="1">
+              <a:schemeClr val="accent1"/>
+            </a:fillRef>
+            <a:effectRef idx="0">
+              <a:schemeClr val="accent1"/>
+            </a:effectRef>
+            <a:fontRef idx="minor">
+              <a:schemeClr val="lt1"/>
+            </a:fontRef>
+          </p:style>
+          <p:txBody>
+            <a:bodyPr rot="0" spcFirstLastPara="0" vertOverflow="overflow" horzOverflow="overflow" vert="horz" wrap="square" lIns="91440" tIns="45720" rIns="91440" bIns="45720" numCol="1" spcCol="0" rtlCol="0" fromWordArt="0" anchor="t" anchorCtr="0" forceAA="0" compatLnSpc="1">
+              <a:prstTxWarp prst="textNoShape">
+                <a:avLst/>
+              </a:prstTxWarp>
+              <a:noAutofit/>
+            </a:bodyPr>
+            <a:lstStyle/>
+            <a:p>
+              <a:pPr algn="ctr"/>
+              <a:r>
+                <a:rPr lang="en-US" sz="1400" dirty="0" smtClean="0">
+                  <a:solidFill>
+                    <a:schemeClr val="accent1"/>
+                  </a:solidFill>
+                  <a:latin typeface="Raleway" charset="0"/>
+                  <a:ea typeface="Raleway" charset="0"/>
+                  <a:cs typeface="Raleway" charset="0"/>
+                </a:rPr>
+                <a:t>Detector Selector</a:t>
+              </a:r>
+              <a:endParaRPr lang="en-US" sz="1400" dirty="0" smtClean="0">
+                <a:solidFill>
+                  <a:schemeClr val="accent1"/>
+                </a:solidFill>
+                <a:latin typeface="Raleway" charset="0"/>
+                <a:ea typeface="Raleway" charset="0"/>
+                <a:cs typeface="Raleway" charset="0"/>
+              </a:endParaRPr>
+            </a:p>
+          </p:txBody>
+        </p:sp>
+        <p:sp>
+          <p:nvSpPr>
+            <p:cNvPr id="27" name="Rectangle 26"/>
+            <p:cNvSpPr/>
+            <p:nvPr/>
+          </p:nvSpPr>
+          <p:spPr>
+            <a:xfrm>
+              <a:off x="5915233" y="1915791"/>
+              <a:ext cx="1340484" cy="214282"/>
+            </a:xfrm>
+            <a:prstGeom prst="rect">
+              <a:avLst/>
+            </a:prstGeom>
+            <a:solidFill>
+              <a:schemeClr val="accent1"/>
+            </a:solidFill>
+            <a:ln w="28575">
+              <a:solidFill>
+                <a:schemeClr val="accent1"/>
+              </a:solidFill>
+            </a:ln>
+          </p:spPr>
+          <p:style>
+            <a:lnRef idx="2">
+              <a:schemeClr val="accent1">
+                <a:shade val="50000"/>
+              </a:schemeClr>
+            </a:lnRef>
+            <a:fillRef idx="1">
+              <a:schemeClr val="accent1"/>
+            </a:fillRef>
+            <a:effectRef idx="0">
+              <a:schemeClr val="accent1"/>
+            </a:effectRef>
+            <a:fontRef idx="minor">
+              <a:schemeClr val="lt1"/>
+            </a:fontRef>
+          </p:style>
+          <p:txBody>
+            <a:bodyPr rot="0" spcFirstLastPara="0" vertOverflow="overflow" horzOverflow="overflow" vert="horz" wrap="square" lIns="91440" tIns="45720" rIns="91440" bIns="45720" numCol="1" spcCol="0" rtlCol="0" fromWordArt="0" anchor="ctr" anchorCtr="0" forceAA="0" compatLnSpc="1">
+              <a:prstTxWarp prst="textNoShape">
+                <a:avLst/>
+              </a:prstTxWarp>
+              <a:noAutofit/>
+            </a:bodyPr>
+            <a:lstStyle/>
+            <a:p>
+              <a:pPr algn="ctr"/>
+              <a:r>
+                <a:rPr lang="en-US" sz="1400" smtClean="0">
+                  <a:solidFill>
+                    <a:schemeClr val="bg1"/>
+                  </a:solidFill>
+                  <a:latin typeface="Raleway" charset="0"/>
+                  <a:ea typeface="Raleway" charset="0"/>
+                  <a:cs typeface="Raleway" charset="0"/>
+                </a:rPr>
+                <a:t>Library</a:t>
+              </a:r>
+              <a:endParaRPr lang="en-US" sz="1400" dirty="0" smtClean="0">
+                <a:solidFill>
+                  <a:schemeClr val="bg1"/>
+                </a:solidFill>
+                <a:latin typeface="Raleway" charset="0"/>
+                <a:ea typeface="Raleway" charset="0"/>
+                <a:cs typeface="Raleway" charset="0"/>
+              </a:endParaRPr>
+            </a:p>
+          </p:txBody>
+        </p:sp>
+      </p:grpSp>
+      <p:sp>
+        <p:nvSpPr>
+          <p:cNvPr id="28" name="Rectangle 27"/>
+          <p:cNvSpPr/>
+          <p:nvPr/>
+        </p:nvSpPr>
+        <p:spPr>
+          <a:xfrm>
+            <a:off x="4418321" y="1580634"/>
+            <a:ext cx="1063870" cy="938009"/>
+          </a:xfrm>
+          <a:prstGeom prst="rect">
+            <a:avLst/>
+          </a:prstGeom>
+          <a:solidFill>
+            <a:schemeClr val="bg1"/>
+          </a:solidFill>
+          <a:ln w="28575">
+            <a:solidFill>
+              <a:schemeClr val="accent2"/>
+            </a:solidFill>
+          </a:ln>
+        </p:spPr>
+        <p:style>
+          <a:lnRef idx="2">
+            <a:schemeClr val="accent1">
+              <a:shade val="50000"/>
+            </a:schemeClr>
+          </a:lnRef>
+          <a:fillRef idx="1">
+            <a:schemeClr val="accent1"/>
+          </a:fillRef>
+          <a:effectRef idx="0">
+            <a:schemeClr val="accent1"/>
+          </a:effectRef>
+          <a:fontRef idx="minor">
+            <a:schemeClr val="lt1"/>
+          </a:fontRef>
+        </p:style>
+        <p:txBody>
+          <a:bodyPr rot="0" spcFirstLastPara="0" vertOverflow="overflow" horzOverflow="overflow" vert="horz" wrap="square" lIns="91440" tIns="45720" rIns="91440" bIns="45720" numCol="1" spcCol="0" rtlCol="0" fromWordArt="0" anchor="ctr" anchorCtr="0" forceAA="0" compatLnSpc="1">
+            <a:prstTxWarp prst="textNoShape">
+              <a:avLst/>
+            </a:prstTxWarp>
+            <a:noAutofit/>
+          </a:bodyPr>
+          <a:lstStyle/>
+          <a:p>
+            <a:pPr algn="ctr"/>
+            <a:r>
+              <a:rPr lang="en-US" sz="1600" dirty="0" smtClean="0">
+                <a:solidFill>
+                  <a:schemeClr val="accent2"/>
+                </a:solidFill>
+                <a:latin typeface="Raleway" charset="0"/>
+                <a:ea typeface="Raleway" charset="0"/>
+                <a:cs typeface="Raleway" charset="0"/>
+              </a:rPr>
+              <a:t>Boost &amp; Clean</a:t>
+            </a:r>
+            <a:endParaRPr lang="en-US" sz="1600" dirty="0" smtClean="0">
+              <a:solidFill>
+                <a:schemeClr val="accent2"/>
+              </a:solidFill>
+              <a:latin typeface="Raleway" charset="0"/>
+              <a:ea typeface="Raleway" charset="0"/>
+              <a:cs typeface="Raleway" charset="0"/>
+            </a:endParaRPr>
+          </a:p>
+        </p:txBody>
+      </p:sp>
+      <p:cxnSp>
+        <p:nvCxnSpPr>
+          <p:cNvPr id="32" name="Straight Arrow Connector 31"/>
+          <p:cNvCxnSpPr>
+            <a:stCxn id="5" idx="2"/>
+          </p:cNvCxnSpPr>
+          <p:nvPr/>
+        </p:nvCxnSpPr>
+        <p:spPr>
+          <a:xfrm flipH="1">
+            <a:off x="4950257" y="1064834"/>
+            <a:ext cx="628" cy="515800"/>
+          </a:xfrm>
+          <a:prstGeom prst="straightConnector1">
+            <a:avLst/>
+          </a:prstGeom>
+          <a:ln w="28575">
+            <a:solidFill>
+              <a:schemeClr val="bg1">
+                <a:lumMod val="50000"/>
+              </a:schemeClr>
+            </a:solidFill>
+            <a:tailEnd type="triangle"/>
+          </a:ln>
+        </p:spPr>
+        <p:style>
+          <a:lnRef idx="1">
+            <a:schemeClr val="accent1"/>
+          </a:lnRef>
+          <a:fillRef idx="0">
+            <a:schemeClr val="accent1"/>
+          </a:fillRef>
+          <a:effectRef idx="0">
+            <a:schemeClr val="accent1"/>
+          </a:effectRef>
+          <a:fontRef idx="minor">
+            <a:schemeClr val="tx1"/>
+          </a:fontRef>
+        </p:style>
+      </p:cxnSp>
+      <p:cxnSp>
+        <p:nvCxnSpPr>
+          <p:cNvPr id="34" name="Straight Arrow Connector 33"/>
+          <p:cNvCxnSpPr/>
+          <p:nvPr/>
+        </p:nvCxnSpPr>
+        <p:spPr>
+          <a:xfrm flipH="1">
+            <a:off x="5482819" y="1915791"/>
+            <a:ext cx="285506" cy="0"/>
+          </a:xfrm>
+          <a:prstGeom prst="straightConnector1">
+            <a:avLst/>
+          </a:prstGeom>
+          <a:ln w="28575">
+            <a:solidFill>
+              <a:schemeClr val="bg1">
+                <a:lumMod val="50000"/>
+              </a:schemeClr>
+            </a:solidFill>
+            <a:tailEnd type="triangle"/>
+          </a:ln>
+        </p:spPr>
+        <p:style>
+          <a:lnRef idx="1">
+            <a:schemeClr val="accent1"/>
+          </a:lnRef>
+          <a:fillRef idx="0">
+            <a:schemeClr val="accent1"/>
+          </a:fillRef>
+          <a:effectRef idx="0">
+            <a:schemeClr val="accent1"/>
+          </a:effectRef>
+          <a:fontRef idx="minor">
+            <a:schemeClr val="tx1"/>
+          </a:fontRef>
+        </p:style>
+      </p:cxnSp>
+      <p:cxnSp>
+        <p:nvCxnSpPr>
+          <p:cNvPr id="36" name="Straight Arrow Connector 35"/>
+          <p:cNvCxnSpPr/>
+          <p:nvPr/>
+        </p:nvCxnSpPr>
+        <p:spPr>
+          <a:xfrm flipH="1">
+            <a:off x="5482819" y="2411741"/>
+            <a:ext cx="285506" cy="0"/>
+          </a:xfrm>
+          <a:prstGeom prst="straightConnector1">
+            <a:avLst/>
+          </a:prstGeom>
+          <a:ln w="28575">
+            <a:solidFill>
+              <a:schemeClr val="bg1">
+                <a:lumMod val="50000"/>
+              </a:schemeClr>
+            </a:solidFill>
+            <a:tailEnd type="triangle"/>
+          </a:ln>
+        </p:spPr>
+        <p:style>
+          <a:lnRef idx="1">
+            <a:schemeClr val="accent1"/>
+          </a:lnRef>
+          <a:fillRef idx="0">
+            <a:schemeClr val="accent1"/>
+          </a:fillRef>
+          <a:effectRef idx="0">
+            <a:schemeClr val="accent1"/>
+          </a:effectRef>
+          <a:fontRef idx="minor">
+            <a:schemeClr val="tx1"/>
+          </a:fontRef>
+        </p:style>
+      </p:cxnSp>
+      <p:cxnSp>
+        <p:nvCxnSpPr>
+          <p:cNvPr id="43" name="Straight Arrow Connector 42"/>
+          <p:cNvCxnSpPr/>
+          <p:nvPr/>
+        </p:nvCxnSpPr>
+        <p:spPr>
+          <a:xfrm flipH="1" flipV="1">
+            <a:off x="4759754" y="2514408"/>
+            <a:ext cx="1" cy="204908"/>
+          </a:xfrm>
+          <a:prstGeom prst="straightConnector1">
+            <a:avLst/>
+          </a:prstGeom>
+          <a:ln w="28575">
+            <a:solidFill>
+              <a:schemeClr val="accent2"/>
+            </a:solidFill>
+            <a:headEnd type="triangle" w="med" len="med"/>
+            <a:tailEnd type="none" w="med" len="med"/>
+          </a:ln>
+        </p:spPr>
+        <p:style>
+          <a:lnRef idx="1">
+            <a:schemeClr val="accent1"/>
+          </a:lnRef>
+          <a:fillRef idx="0">
+            <a:schemeClr val="accent1"/>
+          </a:fillRef>
+          <a:effectRef idx="0">
+            <a:schemeClr val="accent1"/>
+          </a:effectRef>
+          <a:fontRef idx="minor">
+            <a:schemeClr val="tx1"/>
+          </a:fontRef>
+        </p:style>
+      </p:cxnSp>
+      <p:cxnSp>
+        <p:nvCxnSpPr>
+          <p:cNvPr id="52" name="Straight Arrow Connector 51"/>
+          <p:cNvCxnSpPr/>
+          <p:nvPr/>
+        </p:nvCxnSpPr>
+        <p:spPr>
+          <a:xfrm flipH="1" flipV="1">
+            <a:off x="5140757" y="2514408"/>
+            <a:ext cx="1" cy="204908"/>
+          </a:xfrm>
+          <a:prstGeom prst="straightConnector1">
+            <a:avLst/>
+          </a:prstGeom>
+          <a:ln w="28575">
+            <a:solidFill>
+              <a:schemeClr val="accent2"/>
+            </a:solidFill>
+            <a:headEnd type="none" w="med" len="med"/>
+            <a:tailEnd type="triangle" w="med" len="med"/>
+          </a:ln>
+        </p:spPr>
+        <p:style>
+          <a:lnRef idx="1">
+            <a:schemeClr val="accent1"/>
+          </a:lnRef>
+          <a:fillRef idx="0">
+            <a:schemeClr val="accent1"/>
+          </a:fillRef>
+          <a:effectRef idx="0">
+            <a:schemeClr val="accent1"/>
+          </a:effectRef>
+          <a:fontRef idx="minor">
+            <a:schemeClr val="tx1"/>
+          </a:fontRef>
+        </p:style>
+      </p:cxnSp>
+      <p:pic>
+        <p:nvPicPr>
+          <p:cNvPr id="56" name="Picture 55"/>
+          <p:cNvPicPr>
+            <a:picLocks noChangeAspect="1"/>
+          </p:cNvPicPr>
+          <p:nvPr/>
+        </p:nvPicPr>
+        <p:blipFill>
+          <a:blip r:embed="rId3"/>
+          <a:stretch>
+            <a:fillRect/>
+          </a:stretch>
+        </p:blipFill>
+        <p:spPr>
+          <a:xfrm>
+            <a:off x="8043507" y="1972402"/>
+            <a:ext cx="728871" cy="728871"/>
+          </a:xfrm>
+          <a:prstGeom prst="rect">
+            <a:avLst/>
+          </a:prstGeom>
+        </p:spPr>
+      </p:pic>
+      <p:cxnSp>
+        <p:nvCxnSpPr>
+          <p:cNvPr id="58" name="Elbow Connector 57"/>
+          <p:cNvCxnSpPr>
+            <a:stCxn id="56" idx="0"/>
+          </p:cNvCxnSpPr>
+          <p:nvPr/>
+        </p:nvCxnSpPr>
+        <p:spPr>
+          <a:xfrm rot="16200000" flipV="1">
+            <a:off x="8011144" y="1575602"/>
+            <a:ext cx="137160" cy="656439"/>
+          </a:xfrm>
+          <a:prstGeom prst="bentConnector2">
+            <a:avLst/>
+          </a:prstGeom>
+          <a:ln w="38100">
+            <a:solidFill>
+              <a:schemeClr val="bg1">
+                <a:lumMod val="50000"/>
+              </a:schemeClr>
+            </a:solidFill>
+            <a:tailEnd type="triangle"/>
+          </a:ln>
+        </p:spPr>
+        <p:style>
+          <a:lnRef idx="1">
+            <a:schemeClr val="accent1"/>
+          </a:lnRef>
+          <a:fillRef idx="0">
+            <a:schemeClr val="accent1"/>
+          </a:fillRef>
+          <a:effectRef idx="0">
+            <a:schemeClr val="accent1"/>
+          </a:effectRef>
+          <a:fontRef idx="minor">
+            <a:schemeClr val="tx1"/>
+          </a:fontRef>
+        </p:style>
+      </p:cxnSp>
+      <p:sp>
+        <p:nvSpPr>
+          <p:cNvPr id="45" name="TextBox 44"/>
+          <p:cNvSpPr txBox="1"/>
+          <p:nvPr/>
+        </p:nvSpPr>
+        <p:spPr>
+          <a:xfrm>
+            <a:off x="7871118" y="1473584"/>
+            <a:ext cx="1002197" cy="307777"/>
+          </a:xfrm>
+          <a:prstGeom prst="rect">
+            <a:avLst/>
+          </a:prstGeom>
+          <a:noFill/>
+        </p:spPr>
+        <p:txBody>
+          <a:bodyPr wrap="none" rtlCol="0">
+            <a:spAutoFit/>
+          </a:bodyPr>
+          <a:lstStyle/>
+          <a:p>
+            <a:r>
+              <a:rPr lang="en-US" sz="1400" smtClean="0">
+                <a:solidFill>
+                  <a:schemeClr val="bg1">
+                    <a:lumMod val="50000"/>
+                  </a:schemeClr>
+                </a:solidFill>
+                <a:latin typeface="Raleway" charset="0"/>
+                <a:ea typeface="Raleway" charset="0"/>
+                <a:cs typeface="Raleway" charset="0"/>
+              </a:rPr>
+              <a:t>Detectors</a:t>
+            </a:r>
+            <a:endParaRPr lang="en-US" sz="1400" dirty="0">
+              <a:solidFill>
+                <a:schemeClr val="bg1">
+                  <a:lumMod val="50000"/>
+                </a:schemeClr>
+              </a:solidFill>
+              <a:latin typeface="Raleway" charset="0"/>
+              <a:ea typeface="Raleway" charset="0"/>
+              <a:cs typeface="Raleway" charset="0"/>
+            </a:endParaRPr>
+          </a:p>
+        </p:txBody>
+      </p:sp>
+      <p:cxnSp>
+        <p:nvCxnSpPr>
+          <p:cNvPr id="61" name="Elbow Connector 60"/>
+          <p:cNvCxnSpPr>
+            <a:stCxn id="56" idx="2"/>
+          </p:cNvCxnSpPr>
+          <p:nvPr/>
+        </p:nvCxnSpPr>
+        <p:spPr>
+          <a:xfrm rot="5400000">
+            <a:off x="8019324" y="2449813"/>
+            <a:ext cx="137160" cy="640080"/>
+          </a:xfrm>
+          <a:prstGeom prst="bentConnector2">
+            <a:avLst/>
+          </a:prstGeom>
+          <a:ln w="38100">
+            <a:solidFill>
+              <a:schemeClr val="bg1">
+                <a:lumMod val="50000"/>
+              </a:schemeClr>
+            </a:solidFill>
+            <a:tailEnd type="triangle"/>
+          </a:ln>
+        </p:spPr>
+        <p:style>
+          <a:lnRef idx="1">
+            <a:schemeClr val="accent1"/>
+          </a:lnRef>
+          <a:fillRef idx="0">
+            <a:schemeClr val="accent1"/>
+          </a:fillRef>
+          <a:effectRef idx="0">
+            <a:schemeClr val="accent1"/>
+          </a:effectRef>
+          <a:fontRef idx="minor">
+            <a:schemeClr val="tx1"/>
+          </a:fontRef>
+        </p:style>
+      </p:cxnSp>
+      <p:sp>
+        <p:nvSpPr>
+          <p:cNvPr id="65" name="TextBox 64"/>
+          <p:cNvSpPr txBox="1"/>
+          <p:nvPr/>
+        </p:nvSpPr>
+        <p:spPr>
+          <a:xfrm>
+            <a:off x="7871118" y="2912992"/>
+            <a:ext cx="805029" cy="307777"/>
+          </a:xfrm>
+          <a:prstGeom prst="rect">
+            <a:avLst/>
+          </a:prstGeom>
+          <a:noFill/>
+        </p:spPr>
+        <p:txBody>
+          <a:bodyPr wrap="none" rtlCol="0">
+            <a:spAutoFit/>
+          </a:bodyPr>
+          <a:lstStyle/>
+          <a:p>
+            <a:r>
+              <a:rPr lang="en-US" sz="1400" dirty="0" smtClean="0">
+                <a:solidFill>
+                  <a:schemeClr val="bg1">
+                    <a:lumMod val="50000"/>
+                  </a:schemeClr>
+                </a:solidFill>
+                <a:latin typeface="Raleway" charset="0"/>
+                <a:ea typeface="Raleway" charset="0"/>
+                <a:cs typeface="Raleway" charset="0"/>
+              </a:rPr>
+              <a:t>Repairs</a:t>
+            </a:r>
+            <a:endParaRPr lang="en-US" sz="1400" dirty="0">
+              <a:solidFill>
+                <a:schemeClr val="bg1">
+                  <a:lumMod val="50000"/>
+                </a:schemeClr>
+              </a:solidFill>
+              <a:latin typeface="Raleway" charset="0"/>
+              <a:ea typeface="Raleway" charset="0"/>
+              <a:cs typeface="Raleway" charset="0"/>
+            </a:endParaRPr>
+          </a:p>
+        </p:txBody>
+      </p:sp>
+      <p:cxnSp>
+        <p:nvCxnSpPr>
+          <p:cNvPr id="66" name="Straight Arrow Connector 65"/>
+          <p:cNvCxnSpPr>
+            <a:endCxn id="68" idx="0"/>
+          </p:cNvCxnSpPr>
+          <p:nvPr/>
+        </p:nvCxnSpPr>
+        <p:spPr>
+          <a:xfrm>
+            <a:off x="4943903" y="3046152"/>
+            <a:ext cx="3278" cy="377326"/>
+          </a:xfrm>
+          <a:prstGeom prst="straightConnector1">
+            <a:avLst/>
+          </a:prstGeom>
+          <a:ln w="28575">
+            <a:solidFill>
+              <a:schemeClr val="bg1">
+                <a:lumMod val="50000"/>
+              </a:schemeClr>
+            </a:solidFill>
+            <a:tailEnd type="triangle"/>
+          </a:ln>
+        </p:spPr>
+        <p:style>
+          <a:lnRef idx="1">
+            <a:schemeClr val="accent1"/>
+          </a:lnRef>
+          <a:fillRef idx="0">
+            <a:schemeClr val="accent1"/>
+          </a:fillRef>
+          <a:effectRef idx="0">
+            <a:schemeClr val="accent1"/>
+          </a:effectRef>
+          <a:fontRef idx="minor">
+            <a:schemeClr val="tx1"/>
+          </a:fontRef>
+        </p:style>
+      </p:cxnSp>
+      <p:sp>
+        <p:nvSpPr>
+          <p:cNvPr id="68" name="TextBox 67"/>
+          <p:cNvSpPr txBox="1"/>
+          <p:nvPr/>
+        </p:nvSpPr>
+        <p:spPr>
+          <a:xfrm>
+            <a:off x="4360322" y="3423478"/>
+            <a:ext cx="1173718" cy="523220"/>
+          </a:xfrm>
+          <a:prstGeom prst="rect">
+            <a:avLst/>
+          </a:prstGeom>
+          <a:noFill/>
+          <a:ln>
+            <a:noFill/>
+          </a:ln>
+        </p:spPr>
+        <p:txBody>
+          <a:bodyPr wrap="none" rtlCol="0">
+            <a:spAutoFit/>
+          </a:bodyPr>
+          <a:lstStyle/>
+          <a:p>
+            <a:pPr algn="ctr"/>
+            <a:r>
+              <a:rPr lang="en-US" sz="1400" dirty="0" smtClean="0">
+                <a:solidFill>
+                  <a:schemeClr val="bg1">
+                    <a:lumMod val="50000"/>
+                  </a:schemeClr>
+                </a:solidFill>
+                <a:latin typeface="Raleway" charset="0"/>
+                <a:ea typeface="Raleway" charset="0"/>
+                <a:cs typeface="Raleway" charset="0"/>
+              </a:rPr>
+              <a:t>Conditional </a:t>
+            </a:r>
+          </a:p>
+          <a:p>
+            <a:pPr algn="ctr"/>
+            <a:r>
+              <a:rPr lang="en-US" sz="1400" dirty="0" smtClean="0">
+                <a:solidFill>
+                  <a:schemeClr val="bg1">
+                    <a:lumMod val="50000"/>
+                  </a:schemeClr>
+                </a:solidFill>
+                <a:latin typeface="Raleway" charset="0"/>
+                <a:ea typeface="Raleway" charset="0"/>
+                <a:cs typeface="Raleway" charset="0"/>
+              </a:rPr>
+              <a:t>Repairs </a:t>
+            </a:r>
+            <a:r>
+              <a:rPr lang="en-US" sz="1400" dirty="0" smtClean="0">
+                <a:solidFill>
+                  <a:schemeClr val="bg1">
+                    <a:lumMod val="50000"/>
+                  </a:schemeClr>
+                </a:solidFill>
+                <a:latin typeface="Alegreya" charset="0"/>
+                <a:ea typeface="Alegreya" charset="0"/>
+                <a:cs typeface="Alegreya" charset="0"/>
+              </a:rPr>
+              <a:t>L</a:t>
+            </a:r>
+            <a:r>
+              <a:rPr lang="en-US" sz="1400" baseline="30000" dirty="0" smtClean="0">
+                <a:solidFill>
+                  <a:schemeClr val="bg1">
+                    <a:lumMod val="50000"/>
+                  </a:schemeClr>
+                </a:solidFill>
+                <a:latin typeface="Alegreya" charset="0"/>
+                <a:ea typeface="Alegreya" charset="0"/>
+                <a:cs typeface="Alegreya" charset="0"/>
+              </a:rPr>
+              <a:t>*</a:t>
+            </a:r>
+            <a:endParaRPr lang="en-US" sz="1400" dirty="0">
+              <a:solidFill>
+                <a:schemeClr val="bg1">
+                  <a:lumMod val="50000"/>
+                </a:schemeClr>
+              </a:solidFill>
+              <a:latin typeface="Alegreya" charset="0"/>
+              <a:ea typeface="Alegreya" charset="0"/>
+              <a:cs typeface="Alegreya" charset="0"/>
+            </a:endParaRPr>
+          </a:p>
+        </p:txBody>
+      </p:sp>
+      <p:cxnSp>
+        <p:nvCxnSpPr>
+          <p:cNvPr id="73" name="Elbow Connector 72"/>
+          <p:cNvCxnSpPr>
+            <a:stCxn id="9" idx="2"/>
+            <a:endCxn id="23" idx="1"/>
+          </p:cNvCxnSpPr>
+          <p:nvPr/>
+        </p:nvCxnSpPr>
+        <p:spPr>
+          <a:xfrm rot="16200000" flipH="1">
+            <a:off x="3252564" y="1735058"/>
+            <a:ext cx="1835354" cy="494905"/>
+          </a:xfrm>
+          <a:prstGeom prst="bentConnector2">
+            <a:avLst/>
+          </a:prstGeom>
+          <a:ln w="28575">
+            <a:solidFill>
+              <a:schemeClr val="bg1">
+                <a:lumMod val="50000"/>
+              </a:schemeClr>
+            </a:solidFill>
+            <a:tailEnd type="triangle"/>
+          </a:ln>
+        </p:spPr>
+        <p:style>
+          <a:lnRef idx="1">
+            <a:schemeClr val="accent1"/>
+          </a:lnRef>
+          <a:fillRef idx="0">
+            <a:schemeClr val="accent1"/>
+          </a:fillRef>
+          <a:effectRef idx="0">
+            <a:schemeClr val="accent1"/>
+          </a:effectRef>
+          <a:fontRef idx="minor">
+            <a:schemeClr val="tx1"/>
+          </a:fontRef>
+        </p:style>
+      </p:cxnSp>
+    </p:spTree>
+    <p:extLst>
+      <p:ext uri="{BB962C8B-B14F-4D97-AF65-F5344CB8AC3E}">
+        <p14:creationId xmlns:p14="http://schemas.microsoft.com/office/powerpoint/2010/main" val="1813031397"/>
       </p:ext>
     </p:extLst>
   </p:cSld>

--- a/figures/figures.pptx
+++ b/figures/figures.pptx
@@ -5,11 +5,13 @@
     <p:sldMasterId id="2147483648" r:id="rId1"/>
   </p:sldMasterIdLst>
   <p:notesMasterIdLst>
-    <p:notesMasterId r:id="rId4"/>
+    <p:notesMasterId r:id="rId6"/>
   </p:notesMasterIdLst>
   <p:sldIdLst>
     <p:sldId id="256" r:id="rId2"/>
     <p:sldId id="257" r:id="rId3"/>
+    <p:sldId id="258" r:id="rId4"/>
+    <p:sldId id="259" r:id="rId5"/>
   </p:sldIdLst>
   <p:sldSz cx="12192000" cy="6858000"/>
   <p:notesSz cx="6858000" cy="9144000"/>
@@ -625,6 +627,174 @@
     <p:extLst>
       <p:ext uri="{BB962C8B-B14F-4D97-AF65-F5344CB8AC3E}">
         <p14:creationId xmlns:p14="http://schemas.microsoft.com/office/powerpoint/2010/main" val="973222096"/>
+      </p:ext>
+    </p:extLst>
+  </p:cSld>
+  <p:clrMapOvr>
+    <a:masterClrMapping/>
+  </p:clrMapOvr>
+</p:notes>
+</file>
+
+<file path=ppt/notesSlides/notesSlide3.xml><?xml version="1.0" encoding="utf-8"?>
+<p:notes xmlns:a="http://schemas.openxmlformats.org/drawingml/2006/main" xmlns:r="http://schemas.openxmlformats.org/officeDocument/2006/relationships" xmlns:p="http://schemas.openxmlformats.org/presentationml/2006/main">
+  <p:cSld>
+    <p:spTree>
+      <p:nvGrpSpPr>
+        <p:cNvPr id="1" name=""/>
+        <p:cNvGrpSpPr/>
+        <p:nvPr/>
+      </p:nvGrpSpPr>
+      <p:grpSpPr>
+        <a:xfrm>
+          <a:off x="0" y="0"/>
+          <a:ext cx="0" cy="0"/>
+          <a:chOff x="0" y="0"/>
+          <a:chExt cx="0" cy="0"/>
+        </a:xfrm>
+      </p:grpSpPr>
+      <p:sp>
+        <p:nvSpPr>
+          <p:cNvPr id="2" name="Slide Image Placeholder 1"/>
+          <p:cNvSpPr>
+            <a:spLocks noGrp="1" noRot="1" noChangeAspect="1"/>
+          </p:cNvSpPr>
+          <p:nvPr>
+            <p:ph type="sldImg"/>
+          </p:nvPr>
+        </p:nvSpPr>
+        <p:spPr/>
+      </p:sp>
+      <p:sp>
+        <p:nvSpPr>
+          <p:cNvPr id="3" name="Notes Placeholder 2"/>
+          <p:cNvSpPr>
+            <a:spLocks noGrp="1"/>
+          </p:cNvSpPr>
+          <p:nvPr>
+            <p:ph type="body" idx="1"/>
+          </p:nvPr>
+        </p:nvSpPr>
+        <p:spPr/>
+        <p:txBody>
+          <a:bodyPr/>
+          <a:lstStyle/>
+          <a:p>
+            <a:endParaRPr lang="en-US" dirty="0"/>
+          </a:p>
+        </p:txBody>
+      </p:sp>
+      <p:sp>
+        <p:nvSpPr>
+          <p:cNvPr id="4" name="Slide Number Placeholder 3"/>
+          <p:cNvSpPr>
+            <a:spLocks noGrp="1"/>
+          </p:cNvSpPr>
+          <p:nvPr>
+            <p:ph type="sldNum" sz="quarter" idx="10"/>
+          </p:nvPr>
+        </p:nvSpPr>
+        <p:spPr/>
+        <p:txBody>
+          <a:bodyPr/>
+          <a:lstStyle/>
+          <a:p>
+            <a:fld id="{B0DEB76D-F3F5-5948-B3EE-A967BEDAE6F6}" type="slidenum">
+              <a:rPr lang="en-US" smtClean="0"/>
+              <a:t>3</a:t>
+            </a:fld>
+            <a:endParaRPr lang="en-US"/>
+          </a:p>
+        </p:txBody>
+      </p:sp>
+    </p:spTree>
+    <p:extLst>
+      <p:ext uri="{BB962C8B-B14F-4D97-AF65-F5344CB8AC3E}">
+        <p14:creationId xmlns:p14="http://schemas.microsoft.com/office/powerpoint/2010/main" val="1592470929"/>
+      </p:ext>
+    </p:extLst>
+  </p:cSld>
+  <p:clrMapOvr>
+    <a:masterClrMapping/>
+  </p:clrMapOvr>
+</p:notes>
+</file>
+
+<file path=ppt/notesSlides/notesSlide4.xml><?xml version="1.0" encoding="utf-8"?>
+<p:notes xmlns:a="http://schemas.openxmlformats.org/drawingml/2006/main" xmlns:r="http://schemas.openxmlformats.org/officeDocument/2006/relationships" xmlns:p="http://schemas.openxmlformats.org/presentationml/2006/main">
+  <p:cSld>
+    <p:spTree>
+      <p:nvGrpSpPr>
+        <p:cNvPr id="1" name=""/>
+        <p:cNvGrpSpPr/>
+        <p:nvPr/>
+      </p:nvGrpSpPr>
+      <p:grpSpPr>
+        <a:xfrm>
+          <a:off x="0" y="0"/>
+          <a:ext cx="0" cy="0"/>
+          <a:chOff x="0" y="0"/>
+          <a:chExt cx="0" cy="0"/>
+        </a:xfrm>
+      </p:grpSpPr>
+      <p:sp>
+        <p:nvSpPr>
+          <p:cNvPr id="2" name="Slide Image Placeholder 1"/>
+          <p:cNvSpPr>
+            <a:spLocks noGrp="1" noRot="1" noChangeAspect="1"/>
+          </p:cNvSpPr>
+          <p:nvPr>
+            <p:ph type="sldImg"/>
+          </p:nvPr>
+        </p:nvSpPr>
+        <p:spPr/>
+      </p:sp>
+      <p:sp>
+        <p:nvSpPr>
+          <p:cNvPr id="3" name="Notes Placeholder 2"/>
+          <p:cNvSpPr>
+            <a:spLocks noGrp="1"/>
+          </p:cNvSpPr>
+          <p:nvPr>
+            <p:ph type="body" idx="1"/>
+          </p:nvPr>
+        </p:nvSpPr>
+        <p:spPr/>
+        <p:txBody>
+          <a:bodyPr/>
+          <a:lstStyle/>
+          <a:p>
+            <a:endParaRPr lang="en-US" dirty="0"/>
+          </a:p>
+        </p:txBody>
+      </p:sp>
+      <p:sp>
+        <p:nvSpPr>
+          <p:cNvPr id="4" name="Slide Number Placeholder 3"/>
+          <p:cNvSpPr>
+            <a:spLocks noGrp="1"/>
+          </p:cNvSpPr>
+          <p:nvPr>
+            <p:ph type="sldNum" sz="quarter" idx="10"/>
+          </p:nvPr>
+        </p:nvSpPr>
+        <p:spPr/>
+        <p:txBody>
+          <a:bodyPr/>
+          <a:lstStyle/>
+          <a:p>
+            <a:fld id="{B0DEB76D-F3F5-5948-B3EE-A967BEDAE6F6}" type="slidenum">
+              <a:rPr lang="en-US" smtClean="0"/>
+              <a:t>4</a:t>
+            </a:fld>
+            <a:endParaRPr lang="en-US"/>
+          </a:p>
+        </p:txBody>
+      </p:sp>
+    </p:spTree>
+    <p:extLst>
+      <p:ext uri="{BB962C8B-B14F-4D97-AF65-F5344CB8AC3E}">
+        <p14:creationId xmlns:p14="http://schemas.microsoft.com/office/powerpoint/2010/main" val="1885393130"/>
       </p:ext>
     </p:extLst>
   </p:cSld>
@@ -4376,31 +4546,8 @@
                 <a:ea typeface="Raleway" charset="0"/>
                 <a:cs typeface="Raleway" charset="0"/>
               </a:rPr>
-              <a:t>T</a:t>
-            </a:r>
-            <a:r>
-              <a:rPr lang="en-US" sz="1400" dirty="0" smtClean="0">
-                <a:solidFill>
-                  <a:schemeClr val="bg1">
-                    <a:lumMod val="50000"/>
-                  </a:schemeClr>
-                </a:solidFill>
-                <a:latin typeface="Raleway" charset="0"/>
-                <a:ea typeface="Raleway" charset="0"/>
-                <a:cs typeface="Raleway" charset="0"/>
-              </a:rPr>
-              <a:t>raining</a:t>
-            </a:r>
-            <a:endParaRPr lang="en-US" sz="1400" dirty="0" smtClean="0">
-              <a:solidFill>
-                <a:schemeClr val="bg1">
-                  <a:lumMod val="50000"/>
-                </a:schemeClr>
-              </a:solidFill>
-              <a:latin typeface="Raleway" charset="0"/>
-              <a:ea typeface="Raleway" charset="0"/>
-              <a:cs typeface="Raleway" charset="0"/>
-            </a:endParaRPr>
+              <a:t>Training</a:t>
+            </a:r>
           </a:p>
           <a:p>
             <a:pPr algn="ctr"/>
@@ -4551,16 +4698,6 @@
               </a:rPr>
               <a:t>est</a:t>
             </a:r>
-            <a:endParaRPr lang="en-US" sz="1400" dirty="0" smtClean="0">
-              <a:solidFill>
-                <a:schemeClr val="bg1">
-                  <a:lumMod val="50000"/>
-                </a:schemeClr>
-              </a:solidFill>
-              <a:latin typeface="Raleway" charset="0"/>
-              <a:ea typeface="Raleway" charset="0"/>
-              <a:cs typeface="Raleway" charset="0"/>
-            </a:endParaRPr>
           </a:p>
           <a:p>
             <a:pPr algn="ctr"/>
@@ -4793,14 +4930,6 @@
               </a:rPr>
               <a:t>hecker</a:t>
             </a:r>
-            <a:endParaRPr lang="en-US" sz="1600" dirty="0" smtClean="0">
-              <a:solidFill>
-                <a:schemeClr val="accent2"/>
-              </a:solidFill>
-              <a:latin typeface="Raleway" charset="0"/>
-              <a:ea typeface="Raleway" charset="0"/>
-              <a:cs typeface="Raleway" charset="0"/>
-            </a:endParaRPr>
           </a:p>
         </p:txBody>
       </p:sp>
@@ -5175,14 +5304,6 @@
                 </a:rPr>
                 <a:t>Repair Selector</a:t>
               </a:r>
-              <a:endParaRPr lang="en-US" sz="1400" dirty="0" smtClean="0">
-                <a:solidFill>
-                  <a:schemeClr val="accent1"/>
-                </a:solidFill>
-                <a:latin typeface="Raleway" charset="0"/>
-                <a:ea typeface="Raleway" charset="0"/>
-                <a:cs typeface="Raleway" charset="0"/>
-              </a:endParaRPr>
             </a:p>
           </p:txBody>
         </p:sp>
@@ -5332,14 +5453,6 @@
                 </a:rPr>
                 <a:t>Detector Selector</a:t>
               </a:r>
-              <a:endParaRPr lang="en-US" sz="1400" dirty="0" smtClean="0">
-                <a:solidFill>
-                  <a:schemeClr val="accent1"/>
-                </a:solidFill>
-                <a:latin typeface="Raleway" charset="0"/>
-                <a:ea typeface="Raleway" charset="0"/>
-                <a:cs typeface="Raleway" charset="0"/>
-              </a:endParaRPr>
             </a:p>
           </p:txBody>
         </p:sp>
@@ -5423,8 +5536,8 @@
         </p:nvSpPr>
         <p:spPr>
           <a:xfrm>
-            <a:off x="4418321" y="1580634"/>
-            <a:ext cx="1063870" cy="938009"/>
+            <a:off x="4418321" y="1529834"/>
+            <a:ext cx="1063870" cy="988810"/>
           </a:xfrm>
           <a:prstGeom prst="rect">
             <a:avLst/>
@@ -5475,14 +5588,6 @@
               </a:rPr>
               <a:t>Boost &amp; Clean</a:t>
             </a:r>
-            <a:endParaRPr lang="en-US" sz="1600" dirty="0" smtClean="0">
-              <a:solidFill>
-                <a:schemeClr val="accent2"/>
-              </a:solidFill>
-              <a:latin typeface="Raleway" charset="0"/>
-              <a:ea typeface="Raleway" charset="0"/>
-              <a:cs typeface="Raleway" charset="0"/>
-            </a:endParaRPr>
           </a:p>
         </p:txBody>
       </p:sp>
@@ -5880,14 +5985,15 @@
         <p:nvCxnSpPr>
           <p:cNvPr id="66" name="Straight Arrow Connector 65"/>
           <p:cNvCxnSpPr>
+            <a:stCxn id="23" idx="2"/>
             <a:endCxn id="68" idx="0"/>
           </p:cNvCxnSpPr>
           <p:nvPr/>
         </p:nvCxnSpPr>
         <p:spPr>
-          <a:xfrm>
-            <a:off x="4943903" y="3046152"/>
-            <a:ext cx="3278" cy="377326"/>
+          <a:xfrm flipH="1">
+            <a:off x="4947181" y="3079111"/>
+            <a:ext cx="3076" cy="344367"/>
           </a:xfrm>
           <a:prstGeom prst="straightConnector1">
             <a:avLst/>
@@ -6055,6 +6161,2751 @@
     <p:extLst>
       <p:ext uri="{BB962C8B-B14F-4D97-AF65-F5344CB8AC3E}">
         <p14:creationId xmlns:p14="http://schemas.microsoft.com/office/powerpoint/2010/main" val="1813031397"/>
+      </p:ext>
+    </p:extLst>
+  </p:cSld>
+  <p:clrMapOvr>
+    <a:masterClrMapping/>
+  </p:clrMapOvr>
+</p:sld>
+</file>
+
+<file path=ppt/slides/slide3.xml><?xml version="1.0" encoding="utf-8"?>
+<p:sld xmlns:a="http://schemas.openxmlformats.org/drawingml/2006/main" xmlns:r="http://schemas.openxmlformats.org/officeDocument/2006/relationships" xmlns:p="http://schemas.openxmlformats.org/presentationml/2006/main">
+  <p:cSld>
+    <p:spTree>
+      <p:nvGrpSpPr>
+        <p:cNvPr id="1" name=""/>
+        <p:cNvGrpSpPr/>
+        <p:nvPr/>
+      </p:nvGrpSpPr>
+      <p:grpSpPr>
+        <a:xfrm>
+          <a:off x="0" y="0"/>
+          <a:ext cx="0" cy="0"/>
+          <a:chOff x="0" y="0"/>
+          <a:chExt cx="0" cy="0"/>
+        </a:xfrm>
+      </p:grpSpPr>
+      <p:cxnSp>
+        <p:nvCxnSpPr>
+          <p:cNvPr id="40" name="Straight Arrow Connector 39"/>
+          <p:cNvCxnSpPr/>
+          <p:nvPr/>
+        </p:nvCxnSpPr>
+        <p:spPr>
+          <a:xfrm flipV="1">
+            <a:off x="3872278" y="3285068"/>
+            <a:ext cx="24135" cy="3315635"/>
+          </a:xfrm>
+          <a:prstGeom prst="straightConnector1">
+            <a:avLst/>
+          </a:prstGeom>
+          <a:ln w="28575">
+            <a:solidFill>
+              <a:schemeClr val="bg1">
+                <a:lumMod val="50000"/>
+              </a:schemeClr>
+            </a:solidFill>
+            <a:prstDash val="sysDot"/>
+            <a:headEnd type="none" w="med" len="med"/>
+            <a:tailEnd type="none" w="med" len="med"/>
+          </a:ln>
+        </p:spPr>
+        <p:style>
+          <a:lnRef idx="1">
+            <a:schemeClr val="accent1"/>
+          </a:lnRef>
+          <a:fillRef idx="0">
+            <a:schemeClr val="accent1"/>
+          </a:fillRef>
+          <a:effectRef idx="0">
+            <a:schemeClr val="accent1"/>
+          </a:effectRef>
+          <a:fontRef idx="minor">
+            <a:schemeClr val="tx1"/>
+          </a:fontRef>
+        </p:style>
+      </p:cxnSp>
+      <p:sp>
+        <p:nvSpPr>
+          <p:cNvPr id="5" name="TextBox 4"/>
+          <p:cNvSpPr txBox="1"/>
+          <p:nvPr/>
+        </p:nvSpPr>
+        <p:spPr>
+          <a:xfrm>
+            <a:off x="1472361" y="659506"/>
+            <a:ext cx="1400395" cy="584775"/>
+          </a:xfrm>
+          <a:prstGeom prst="rect">
+            <a:avLst/>
+          </a:prstGeom>
+          <a:noFill/>
+          <a:ln>
+            <a:noFill/>
+          </a:ln>
+        </p:spPr>
+        <p:txBody>
+          <a:bodyPr wrap="square" rtlCol="0">
+            <a:spAutoFit/>
+          </a:bodyPr>
+          <a:lstStyle/>
+          <a:p>
+            <a:pPr algn="ctr"/>
+            <a:r>
+              <a:rPr lang="en-US" sz="1600" dirty="0" smtClean="0">
+                <a:solidFill>
+                  <a:srgbClr val="FF0000"/>
+                </a:solidFill>
+                <a:latin typeface="Raleway" charset="0"/>
+                <a:ea typeface="Raleway" charset="0"/>
+                <a:cs typeface="Raleway" charset="0"/>
+              </a:rPr>
+              <a:t>Dirty</a:t>
+            </a:r>
+          </a:p>
+          <a:p>
+            <a:pPr algn="ctr"/>
+            <a:r>
+              <a:rPr lang="en-US" sz="1600" dirty="0" smtClean="0">
+                <a:solidFill>
+                  <a:srgbClr val="FF0000"/>
+                </a:solidFill>
+                <a:latin typeface="Raleway" charset="0"/>
+                <a:ea typeface="Raleway" charset="0"/>
+                <a:cs typeface="Raleway" charset="0"/>
+              </a:rPr>
+              <a:t>training data</a:t>
+            </a:r>
+            <a:endParaRPr lang="en-US" sz="1600" dirty="0">
+              <a:solidFill>
+                <a:srgbClr val="FF0000"/>
+              </a:solidFill>
+              <a:latin typeface="Raleway" charset="0"/>
+              <a:ea typeface="Raleway" charset="0"/>
+              <a:cs typeface="Raleway" charset="0"/>
+            </a:endParaRPr>
+          </a:p>
+        </p:txBody>
+      </p:sp>
+      <p:sp>
+        <p:nvSpPr>
+          <p:cNvPr id="8" name="Oval 7"/>
+          <p:cNvSpPr/>
+          <p:nvPr/>
+        </p:nvSpPr>
+        <p:spPr>
+          <a:xfrm>
+            <a:off x="5627080" y="572234"/>
+            <a:ext cx="763675" cy="763675"/>
+          </a:xfrm>
+          <a:prstGeom prst="ellipse">
+            <a:avLst/>
+          </a:prstGeom>
+          <a:solidFill>
+            <a:schemeClr val="bg1"/>
+          </a:solidFill>
+          <a:ln w="28575">
+            <a:solidFill>
+              <a:schemeClr val="bg1">
+                <a:lumMod val="50000"/>
+              </a:schemeClr>
+            </a:solidFill>
+          </a:ln>
+        </p:spPr>
+        <p:style>
+          <a:lnRef idx="2">
+            <a:schemeClr val="accent1">
+              <a:shade val="50000"/>
+            </a:schemeClr>
+          </a:lnRef>
+          <a:fillRef idx="1">
+            <a:schemeClr val="accent1"/>
+          </a:fillRef>
+          <a:effectRef idx="0">
+            <a:schemeClr val="accent1"/>
+          </a:effectRef>
+          <a:fontRef idx="minor">
+            <a:schemeClr val="lt1"/>
+          </a:fontRef>
+        </p:style>
+        <p:txBody>
+          <a:bodyPr rtlCol="0" anchor="ctr"/>
+          <a:lstStyle/>
+          <a:p>
+            <a:pPr algn="ctr"/>
+            <a:r>
+              <a:rPr lang="en-US" dirty="0">
+                <a:solidFill>
+                  <a:schemeClr val="bg1">
+                    <a:lumMod val="50000"/>
+                  </a:schemeClr>
+                </a:solidFill>
+                <a:latin typeface="Arvo" charset="0"/>
+                <a:ea typeface="Arvo" charset="0"/>
+                <a:cs typeface="Arvo" charset="0"/>
+              </a:rPr>
+              <a:t>C</a:t>
+            </a:r>
+            <a:endParaRPr lang="en-US" dirty="0">
+              <a:solidFill>
+                <a:schemeClr val="bg1">
+                  <a:lumMod val="50000"/>
+                </a:schemeClr>
+              </a:solidFill>
+              <a:latin typeface="Arvo" charset="0"/>
+              <a:ea typeface="Arvo" charset="0"/>
+              <a:cs typeface="Arvo" charset="0"/>
+            </a:endParaRPr>
+          </a:p>
+        </p:txBody>
+      </p:sp>
+      <p:sp>
+        <p:nvSpPr>
+          <p:cNvPr id="9" name="TextBox 8"/>
+          <p:cNvSpPr txBox="1"/>
+          <p:nvPr/>
+        </p:nvSpPr>
+        <p:spPr>
+          <a:xfrm>
+            <a:off x="5500605" y="2000437"/>
+            <a:ext cx="1016625" cy="584775"/>
+          </a:xfrm>
+          <a:prstGeom prst="rect">
+            <a:avLst/>
+          </a:prstGeom>
+          <a:noFill/>
+        </p:spPr>
+        <p:txBody>
+          <a:bodyPr wrap="none" rtlCol="0">
+            <a:spAutoFit/>
+          </a:bodyPr>
+          <a:lstStyle/>
+          <a:p>
+            <a:pPr algn="ctr"/>
+            <a:r>
+              <a:rPr lang="en-US" sz="1600" dirty="0" smtClean="0">
+                <a:solidFill>
+                  <a:srgbClr val="FF0000"/>
+                </a:solidFill>
+                <a:latin typeface="Raleway" charset="0"/>
+                <a:ea typeface="Raleway" charset="0"/>
+                <a:cs typeface="Raleway" charset="0"/>
+              </a:rPr>
+              <a:t>Dirty </a:t>
+            </a:r>
+          </a:p>
+          <a:p>
+            <a:pPr algn="ctr"/>
+            <a:r>
+              <a:rPr lang="en-US" sz="1600" dirty="0" smtClean="0">
+                <a:solidFill>
+                  <a:srgbClr val="FF0000"/>
+                </a:solidFill>
+                <a:latin typeface="Raleway" charset="0"/>
+                <a:ea typeface="Raleway" charset="0"/>
+                <a:cs typeface="Raleway" charset="0"/>
+              </a:rPr>
+              <a:t>test data</a:t>
+            </a:r>
+            <a:endParaRPr lang="en-US" sz="1600" dirty="0">
+              <a:solidFill>
+                <a:srgbClr val="FF0000"/>
+              </a:solidFill>
+              <a:latin typeface="Raleway" charset="0"/>
+              <a:ea typeface="Raleway" charset="0"/>
+              <a:cs typeface="Raleway" charset="0"/>
+            </a:endParaRPr>
+          </a:p>
+        </p:txBody>
+      </p:sp>
+      <p:cxnSp>
+        <p:nvCxnSpPr>
+          <p:cNvPr id="24" name="Elbow Connector 23"/>
+          <p:cNvCxnSpPr>
+            <a:stCxn id="5" idx="3"/>
+            <a:endCxn id="8" idx="2"/>
+          </p:cNvCxnSpPr>
+          <p:nvPr/>
+        </p:nvCxnSpPr>
+        <p:spPr>
+          <a:xfrm>
+            <a:off x="2872756" y="951894"/>
+            <a:ext cx="2754324" cy="2178"/>
+          </a:xfrm>
+          <a:prstGeom prst="bentConnector3">
+            <a:avLst>
+              <a:gd name="adj1" fmla="val 50000"/>
+            </a:avLst>
+          </a:prstGeom>
+          <a:ln w="28575">
+            <a:solidFill>
+              <a:schemeClr val="bg1">
+                <a:lumMod val="50000"/>
+              </a:schemeClr>
+            </a:solidFill>
+            <a:tailEnd type="triangle"/>
+          </a:ln>
+        </p:spPr>
+        <p:style>
+          <a:lnRef idx="1">
+            <a:schemeClr val="accent1"/>
+          </a:lnRef>
+          <a:fillRef idx="0">
+            <a:schemeClr val="accent1"/>
+          </a:fillRef>
+          <a:effectRef idx="0">
+            <a:schemeClr val="accent1"/>
+          </a:effectRef>
+          <a:fontRef idx="minor">
+            <a:schemeClr val="tx1"/>
+          </a:fontRef>
+        </p:style>
+      </p:cxnSp>
+      <p:sp>
+        <p:nvSpPr>
+          <p:cNvPr id="4" name="Rectangle 3"/>
+          <p:cNvSpPr/>
+          <p:nvPr/>
+        </p:nvSpPr>
+        <p:spPr>
+          <a:xfrm>
+            <a:off x="3056467" y="651899"/>
+            <a:ext cx="1413843" cy="623162"/>
+          </a:xfrm>
+          <a:prstGeom prst="rect">
+            <a:avLst/>
+          </a:prstGeom>
+          <a:solidFill>
+            <a:srgbClr val="FF0000"/>
+          </a:solidFill>
+          <a:ln w="28575">
+            <a:solidFill>
+              <a:srgbClr val="FF0000"/>
+            </a:solidFill>
+          </a:ln>
+        </p:spPr>
+        <p:style>
+          <a:lnRef idx="2">
+            <a:schemeClr val="accent1">
+              <a:shade val="50000"/>
+            </a:schemeClr>
+          </a:lnRef>
+          <a:fillRef idx="1">
+            <a:schemeClr val="accent1"/>
+          </a:fillRef>
+          <a:effectRef idx="0">
+            <a:schemeClr val="accent1"/>
+          </a:effectRef>
+          <a:fontRef idx="minor">
+            <a:schemeClr val="lt1"/>
+          </a:fontRef>
+        </p:style>
+        <p:txBody>
+          <a:bodyPr rtlCol="0" anchor="ctr"/>
+          <a:lstStyle/>
+          <a:p>
+            <a:pPr algn="ctr"/>
+            <a:r>
+              <a:rPr lang="en-US" sz="1400" smtClean="0">
+                <a:solidFill>
+                  <a:schemeClr val="bg1"/>
+                </a:solidFill>
+                <a:latin typeface="Raleway" charset="0"/>
+                <a:ea typeface="Raleway" charset="0"/>
+                <a:cs typeface="Raleway" charset="0"/>
+              </a:rPr>
+              <a:t>Detect Training Errors</a:t>
+            </a:r>
+            <a:endParaRPr lang="en-US" sz="1400" dirty="0">
+              <a:solidFill>
+                <a:schemeClr val="bg1"/>
+              </a:solidFill>
+              <a:latin typeface="Raleway" charset="0"/>
+              <a:ea typeface="Raleway" charset="0"/>
+              <a:cs typeface="Raleway" charset="0"/>
+            </a:endParaRPr>
+          </a:p>
+        </p:txBody>
+      </p:sp>
+      <p:sp>
+        <p:nvSpPr>
+          <p:cNvPr id="23" name="Rectangle 22"/>
+          <p:cNvSpPr/>
+          <p:nvPr/>
+        </p:nvSpPr>
+        <p:spPr>
+          <a:xfrm>
+            <a:off x="4675464" y="651898"/>
+            <a:ext cx="698400" cy="623723"/>
+          </a:xfrm>
+          <a:prstGeom prst="rect">
+            <a:avLst/>
+          </a:prstGeom>
+          <a:solidFill>
+            <a:schemeClr val="bg1"/>
+          </a:solidFill>
+          <a:ln w="28575">
+            <a:solidFill>
+              <a:schemeClr val="bg1">
+                <a:lumMod val="50000"/>
+              </a:schemeClr>
+            </a:solidFill>
+          </a:ln>
+        </p:spPr>
+        <p:style>
+          <a:lnRef idx="2">
+            <a:schemeClr val="accent1">
+              <a:shade val="50000"/>
+            </a:schemeClr>
+          </a:lnRef>
+          <a:fillRef idx="1">
+            <a:schemeClr val="accent1"/>
+          </a:fillRef>
+          <a:effectRef idx="0">
+            <a:schemeClr val="accent1"/>
+          </a:effectRef>
+          <a:fontRef idx="minor">
+            <a:schemeClr val="lt1"/>
+          </a:fontRef>
+        </p:style>
+        <p:txBody>
+          <a:bodyPr rot="0" spcFirstLastPara="0" vertOverflow="overflow" horzOverflow="overflow" vert="horz" wrap="square" lIns="91440" tIns="45720" rIns="91440" bIns="45720" numCol="1" spcCol="0" rtlCol="0" fromWordArt="0" anchor="ctr" anchorCtr="0" forceAA="0" compatLnSpc="1">
+            <a:prstTxWarp prst="textNoShape">
+              <a:avLst/>
+            </a:prstTxWarp>
+            <a:noAutofit/>
+          </a:bodyPr>
+          <a:lstStyle/>
+          <a:p>
+            <a:pPr algn="ctr"/>
+            <a:r>
+              <a:rPr lang="en-US" smtClean="0">
+                <a:solidFill>
+                  <a:schemeClr val="bg1">
+                    <a:lumMod val="50000"/>
+                  </a:schemeClr>
+                </a:solidFill>
+                <a:latin typeface="Raleway" charset="0"/>
+                <a:ea typeface="Raleway" charset="0"/>
+                <a:cs typeface="Raleway" charset="0"/>
+              </a:rPr>
+              <a:t>train</a:t>
+            </a:r>
+          </a:p>
+        </p:txBody>
+      </p:sp>
+      <p:cxnSp>
+        <p:nvCxnSpPr>
+          <p:cNvPr id="31" name="Straight Arrow Connector 30"/>
+          <p:cNvCxnSpPr>
+            <a:stCxn id="8" idx="6"/>
+          </p:cNvCxnSpPr>
+          <p:nvPr/>
+        </p:nvCxnSpPr>
+        <p:spPr>
+          <a:xfrm flipV="1">
+            <a:off x="6390755" y="951894"/>
+            <a:ext cx="582805" cy="2178"/>
+          </a:xfrm>
+          <a:prstGeom prst="straightConnector1">
+            <a:avLst/>
+          </a:prstGeom>
+          <a:ln w="28575">
+            <a:solidFill>
+              <a:schemeClr val="bg1">
+                <a:lumMod val="50000"/>
+              </a:schemeClr>
+            </a:solidFill>
+            <a:tailEnd type="triangle"/>
+          </a:ln>
+        </p:spPr>
+        <p:style>
+          <a:lnRef idx="1">
+            <a:schemeClr val="accent1"/>
+          </a:lnRef>
+          <a:fillRef idx="0">
+            <a:schemeClr val="accent1"/>
+          </a:fillRef>
+          <a:effectRef idx="0">
+            <a:schemeClr val="accent1"/>
+          </a:effectRef>
+          <a:fontRef idx="minor">
+            <a:schemeClr val="tx1"/>
+          </a:fontRef>
+        </p:style>
+      </p:cxnSp>
+      <p:sp>
+        <p:nvSpPr>
+          <p:cNvPr id="37" name="Rectangle 36"/>
+          <p:cNvSpPr/>
+          <p:nvPr/>
+        </p:nvSpPr>
+        <p:spPr>
+          <a:xfrm>
+            <a:off x="2441749" y="2049342"/>
+            <a:ext cx="2308798" cy="623723"/>
+          </a:xfrm>
+          <a:prstGeom prst="rect">
+            <a:avLst/>
+          </a:prstGeom>
+          <a:solidFill>
+            <a:schemeClr val="bg1"/>
+          </a:solidFill>
+          <a:ln w="28575">
+            <a:solidFill>
+              <a:schemeClr val="accent5"/>
+            </a:solidFill>
+          </a:ln>
+        </p:spPr>
+        <p:style>
+          <a:lnRef idx="2">
+            <a:schemeClr val="accent1">
+              <a:shade val="50000"/>
+            </a:schemeClr>
+          </a:lnRef>
+          <a:fillRef idx="1">
+            <a:schemeClr val="accent1"/>
+          </a:fillRef>
+          <a:effectRef idx="0">
+            <a:schemeClr val="accent1"/>
+          </a:effectRef>
+          <a:fontRef idx="minor">
+            <a:schemeClr val="lt1"/>
+          </a:fontRef>
+        </p:style>
+        <p:txBody>
+          <a:bodyPr rot="0" spcFirstLastPara="0" vertOverflow="overflow" horzOverflow="overflow" vert="horz" wrap="square" lIns="91440" tIns="45720" rIns="91440" bIns="45720" numCol="1" spcCol="0" rtlCol="0" fromWordArt="0" anchor="ctr" anchorCtr="0" forceAA="0" compatLnSpc="1">
+            <a:prstTxWarp prst="textNoShape">
+              <a:avLst/>
+            </a:prstTxWarp>
+            <a:noAutofit/>
+          </a:bodyPr>
+          <a:lstStyle/>
+          <a:p>
+            <a:pPr algn="ctr"/>
+            <a:r>
+              <a:rPr lang="en-US" dirty="0" smtClean="0">
+                <a:solidFill>
+                  <a:schemeClr val="accent5"/>
+                </a:solidFill>
+                <a:latin typeface="Raleway" charset="0"/>
+                <a:ea typeface="Raleway" charset="0"/>
+                <a:cs typeface="Raleway" charset="0"/>
+              </a:rPr>
+              <a:t>conditional prediction repair</a:t>
+            </a:r>
+          </a:p>
+        </p:txBody>
+      </p:sp>
+      <p:sp>
+        <p:nvSpPr>
+          <p:cNvPr id="46" name="TextBox 45"/>
+          <p:cNvSpPr txBox="1"/>
+          <p:nvPr/>
+        </p:nvSpPr>
+        <p:spPr>
+          <a:xfrm>
+            <a:off x="6949869" y="779093"/>
+            <a:ext cx="1265090" cy="369332"/>
+          </a:xfrm>
+          <a:prstGeom prst="rect">
+            <a:avLst/>
+          </a:prstGeom>
+          <a:noFill/>
+        </p:spPr>
+        <p:txBody>
+          <a:bodyPr wrap="none" rtlCol="0">
+            <a:spAutoFit/>
+          </a:bodyPr>
+          <a:lstStyle/>
+          <a:p>
+            <a:r>
+              <a:rPr lang="en-US" dirty="0" smtClean="0">
+                <a:solidFill>
+                  <a:schemeClr val="bg1">
+                    <a:lumMod val="50000"/>
+                  </a:schemeClr>
+                </a:solidFill>
+                <a:latin typeface="Raleway" charset="0"/>
+                <a:ea typeface="Raleway" charset="0"/>
+                <a:cs typeface="Raleway" charset="0"/>
+              </a:rPr>
+              <a:t>prediction</a:t>
+            </a:r>
+            <a:endParaRPr lang="en-US" dirty="0">
+              <a:solidFill>
+                <a:schemeClr val="bg1">
+                  <a:lumMod val="50000"/>
+                </a:schemeClr>
+              </a:solidFill>
+              <a:latin typeface="Raleway" charset="0"/>
+              <a:ea typeface="Raleway" charset="0"/>
+              <a:cs typeface="Raleway" charset="0"/>
+            </a:endParaRPr>
+          </a:p>
+        </p:txBody>
+      </p:sp>
+      <p:grpSp>
+        <p:nvGrpSpPr>
+          <p:cNvPr id="55" name="Group 54"/>
+          <p:cNvGrpSpPr/>
+          <p:nvPr/>
+        </p:nvGrpSpPr>
+        <p:grpSpPr>
+          <a:xfrm>
+            <a:off x="6961516" y="2257900"/>
+            <a:ext cx="1364476" cy="379380"/>
+            <a:chOff x="371789" y="4541855"/>
+            <a:chExt cx="1364476" cy="379380"/>
+          </a:xfrm>
+        </p:grpSpPr>
+        <p:cxnSp>
+          <p:nvCxnSpPr>
+            <p:cNvPr id="48" name="Straight Arrow Connector 47"/>
+            <p:cNvCxnSpPr/>
+            <p:nvPr/>
+          </p:nvCxnSpPr>
+          <p:spPr>
+            <a:xfrm flipV="1">
+              <a:off x="434173" y="4911187"/>
+              <a:ext cx="1302092" cy="10048"/>
+            </a:xfrm>
+            <a:prstGeom prst="straightConnector1">
+              <a:avLst/>
+            </a:prstGeom>
+            <a:ln w="38100">
+              <a:solidFill>
+                <a:schemeClr val="accent5"/>
+              </a:solidFill>
+              <a:tailEnd type="triangle"/>
+            </a:ln>
+          </p:spPr>
+          <p:style>
+            <a:lnRef idx="1">
+              <a:schemeClr val="accent1"/>
+            </a:lnRef>
+            <a:fillRef idx="0">
+              <a:schemeClr val="accent1"/>
+            </a:fillRef>
+            <a:effectRef idx="0">
+              <a:schemeClr val="accent1"/>
+            </a:effectRef>
+            <a:fontRef idx="minor">
+              <a:schemeClr val="tx1"/>
+            </a:fontRef>
+          </p:style>
+        </p:cxnSp>
+        <p:sp>
+          <p:nvSpPr>
+            <p:cNvPr id="50" name="TextBox 49"/>
+            <p:cNvSpPr txBox="1"/>
+            <p:nvPr/>
+          </p:nvSpPr>
+          <p:spPr>
+            <a:xfrm>
+              <a:off x="371789" y="4541855"/>
+              <a:ext cx="1364476" cy="369332"/>
+            </a:xfrm>
+            <a:prstGeom prst="rect">
+              <a:avLst/>
+            </a:prstGeom>
+            <a:noFill/>
+          </p:spPr>
+          <p:txBody>
+            <a:bodyPr wrap="none" rtlCol="0">
+              <a:spAutoFit/>
+            </a:bodyPr>
+            <a:lstStyle/>
+            <a:p>
+              <a:r>
+                <a:rPr lang="en-US" dirty="0" smtClean="0">
+                  <a:solidFill>
+                    <a:schemeClr val="accent5"/>
+                  </a:solidFill>
+                  <a:latin typeface="Raleway" charset="0"/>
+                  <a:ea typeface="Raleway" charset="0"/>
+                  <a:cs typeface="Raleway" charset="0"/>
+                </a:rPr>
+                <a:t>online flow</a:t>
+              </a:r>
+              <a:endParaRPr lang="en-US" dirty="0">
+                <a:solidFill>
+                  <a:schemeClr val="accent5"/>
+                </a:solidFill>
+                <a:latin typeface="Raleway" charset="0"/>
+                <a:ea typeface="Raleway" charset="0"/>
+                <a:cs typeface="Raleway" charset="0"/>
+              </a:endParaRPr>
+            </a:p>
+          </p:txBody>
+        </p:sp>
+      </p:grpSp>
+      <p:grpSp>
+        <p:nvGrpSpPr>
+          <p:cNvPr id="54" name="Group 53"/>
+          <p:cNvGrpSpPr/>
+          <p:nvPr/>
+        </p:nvGrpSpPr>
+        <p:grpSpPr>
+          <a:xfrm>
+            <a:off x="6951464" y="1815771"/>
+            <a:ext cx="1383712" cy="379380"/>
+            <a:chOff x="3044651" y="4441371"/>
+            <a:chExt cx="1383712" cy="379380"/>
+          </a:xfrm>
+        </p:grpSpPr>
+        <p:cxnSp>
+          <p:nvCxnSpPr>
+            <p:cNvPr id="49" name="Straight Arrow Connector 48"/>
+            <p:cNvCxnSpPr/>
+            <p:nvPr/>
+          </p:nvCxnSpPr>
+          <p:spPr>
+            <a:xfrm flipV="1">
+              <a:off x="3130061" y="4810703"/>
+              <a:ext cx="1298302" cy="10048"/>
+            </a:xfrm>
+            <a:prstGeom prst="straightConnector1">
+              <a:avLst/>
+            </a:prstGeom>
+            <a:ln w="38100">
+              <a:solidFill>
+                <a:schemeClr val="accent2"/>
+              </a:solidFill>
+              <a:tailEnd type="triangle"/>
+            </a:ln>
+          </p:spPr>
+          <p:style>
+            <a:lnRef idx="1">
+              <a:schemeClr val="accent1"/>
+            </a:lnRef>
+            <a:fillRef idx="0">
+              <a:schemeClr val="accent1"/>
+            </a:fillRef>
+            <a:effectRef idx="0">
+              <a:schemeClr val="accent1"/>
+            </a:effectRef>
+            <a:fontRef idx="minor">
+              <a:schemeClr val="tx1"/>
+            </a:fontRef>
+          </p:style>
+        </p:cxnSp>
+        <p:sp>
+          <p:nvSpPr>
+            <p:cNvPr id="51" name="TextBox 50"/>
+            <p:cNvSpPr txBox="1"/>
+            <p:nvPr/>
+          </p:nvSpPr>
+          <p:spPr>
+            <a:xfrm>
+              <a:off x="3044651" y="4441371"/>
+              <a:ext cx="1383712" cy="369332"/>
+            </a:xfrm>
+            <a:prstGeom prst="rect">
+              <a:avLst/>
+            </a:prstGeom>
+            <a:noFill/>
+          </p:spPr>
+          <p:txBody>
+            <a:bodyPr wrap="none" rtlCol="0">
+              <a:spAutoFit/>
+            </a:bodyPr>
+            <a:lstStyle/>
+            <a:p>
+              <a:r>
+                <a:rPr lang="en-US" dirty="0" smtClean="0">
+                  <a:solidFill>
+                    <a:schemeClr val="accent2"/>
+                  </a:solidFill>
+                  <a:latin typeface="Raleway" charset="0"/>
+                  <a:ea typeface="Raleway" charset="0"/>
+                  <a:cs typeface="Raleway" charset="0"/>
+                </a:rPr>
+                <a:t>offline flow</a:t>
+              </a:r>
+              <a:endParaRPr lang="en-US" dirty="0">
+                <a:solidFill>
+                  <a:schemeClr val="accent2"/>
+                </a:solidFill>
+                <a:latin typeface="Raleway" charset="0"/>
+                <a:ea typeface="Raleway" charset="0"/>
+                <a:cs typeface="Raleway" charset="0"/>
+              </a:endParaRPr>
+            </a:p>
+          </p:txBody>
+        </p:sp>
+      </p:grpSp>
+      <p:sp>
+        <p:nvSpPr>
+          <p:cNvPr id="7" name="TextBox 6"/>
+          <p:cNvSpPr txBox="1"/>
+          <p:nvPr/>
+        </p:nvSpPr>
+        <p:spPr>
+          <a:xfrm>
+            <a:off x="5644014" y="988881"/>
+            <a:ext cx="756938" cy="246221"/>
+          </a:xfrm>
+          <a:prstGeom prst="rect">
+            <a:avLst/>
+          </a:prstGeom>
+          <a:noFill/>
+        </p:spPr>
+        <p:txBody>
+          <a:bodyPr wrap="none" rtlCol="0">
+            <a:spAutoFit/>
+          </a:bodyPr>
+          <a:lstStyle/>
+          <a:p>
+            <a:pPr algn="ctr"/>
+            <a:r>
+              <a:rPr lang="en-US" sz="1000" dirty="0" smtClean="0">
+                <a:solidFill>
+                  <a:schemeClr val="bg1">
+                    <a:lumMod val="50000"/>
+                  </a:schemeClr>
+                </a:solidFill>
+                <a:latin typeface="Arvo" charset="0"/>
+                <a:ea typeface="Arvo" charset="0"/>
+                <a:cs typeface="Arvo" charset="0"/>
+              </a:rPr>
+              <a:t>classifier</a:t>
+            </a:r>
+            <a:endParaRPr lang="en-US" sz="1000" dirty="0">
+              <a:solidFill>
+                <a:schemeClr val="bg1">
+                  <a:lumMod val="50000"/>
+                </a:schemeClr>
+              </a:solidFill>
+              <a:latin typeface="Arvo" charset="0"/>
+              <a:ea typeface="Arvo" charset="0"/>
+              <a:cs typeface="Arvo" charset="0"/>
+            </a:endParaRPr>
+          </a:p>
+        </p:txBody>
+      </p:sp>
+      <p:cxnSp>
+        <p:nvCxnSpPr>
+          <p:cNvPr id="26" name="Straight Arrow Connector 25"/>
+          <p:cNvCxnSpPr>
+            <a:stCxn id="9" idx="0"/>
+            <a:endCxn id="8" idx="4"/>
+          </p:cNvCxnSpPr>
+          <p:nvPr/>
+        </p:nvCxnSpPr>
+        <p:spPr>
+          <a:xfrm flipV="1">
+            <a:off x="6008918" y="1335909"/>
+            <a:ext cx="0" cy="664528"/>
+          </a:xfrm>
+          <a:prstGeom prst="straightConnector1">
+            <a:avLst/>
+          </a:prstGeom>
+          <a:ln w="28575">
+            <a:solidFill>
+              <a:schemeClr val="bg1">
+                <a:lumMod val="50000"/>
+              </a:schemeClr>
+            </a:solidFill>
+            <a:tailEnd type="triangle"/>
+          </a:ln>
+        </p:spPr>
+        <p:style>
+          <a:lnRef idx="1">
+            <a:schemeClr val="accent1"/>
+          </a:lnRef>
+          <a:fillRef idx="0">
+            <a:schemeClr val="accent1"/>
+          </a:fillRef>
+          <a:effectRef idx="0">
+            <a:schemeClr val="accent1"/>
+          </a:effectRef>
+          <a:fontRef idx="minor">
+            <a:schemeClr val="tx1"/>
+          </a:fontRef>
+        </p:style>
+      </p:cxnSp>
+      <p:sp>
+        <p:nvSpPr>
+          <p:cNvPr id="32" name="TextBox 31"/>
+          <p:cNvSpPr txBox="1"/>
+          <p:nvPr/>
+        </p:nvSpPr>
+        <p:spPr>
+          <a:xfrm>
+            <a:off x="1494798" y="4226370"/>
+            <a:ext cx="1439704" cy="338554"/>
+          </a:xfrm>
+          <a:prstGeom prst="rect">
+            <a:avLst/>
+          </a:prstGeom>
+          <a:noFill/>
+          <a:ln>
+            <a:noFill/>
+          </a:ln>
+        </p:spPr>
+        <p:txBody>
+          <a:bodyPr wrap="square" rtlCol="0">
+            <a:spAutoFit/>
+          </a:bodyPr>
+          <a:lstStyle/>
+          <a:p>
+            <a:pPr algn="r"/>
+            <a:r>
+              <a:rPr lang="en-US" sz="1600" dirty="0" err="1" smtClean="0">
+                <a:solidFill>
+                  <a:srgbClr val="FF0000"/>
+                </a:solidFill>
+                <a:latin typeface="Raleway" charset="0"/>
+                <a:ea typeface="Raleway" charset="0"/>
+                <a:cs typeface="Raleway" charset="0"/>
+              </a:rPr>
+              <a:t>n_emp</a:t>
+            </a:r>
+            <a:r>
+              <a:rPr lang="en-US" sz="1600" dirty="0" smtClean="0">
+                <a:solidFill>
+                  <a:srgbClr val="FF0000"/>
+                </a:solidFill>
+                <a:latin typeface="Raleway" charset="0"/>
+                <a:ea typeface="Raleway" charset="0"/>
+                <a:cs typeface="Raleway" charset="0"/>
+              </a:rPr>
+              <a:t> = null</a:t>
+            </a:r>
+            <a:endParaRPr lang="en-US" sz="1600" dirty="0">
+              <a:solidFill>
+                <a:srgbClr val="FF0000"/>
+              </a:solidFill>
+              <a:latin typeface="Raleway" charset="0"/>
+              <a:ea typeface="Raleway" charset="0"/>
+              <a:cs typeface="Raleway" charset="0"/>
+            </a:endParaRPr>
+          </a:p>
+        </p:txBody>
+      </p:sp>
+      <p:cxnSp>
+        <p:nvCxnSpPr>
+          <p:cNvPr id="33" name="Straight Arrow Connector 32"/>
+          <p:cNvCxnSpPr>
+            <a:stCxn id="32" idx="3"/>
+            <a:endCxn id="34" idx="2"/>
+          </p:cNvCxnSpPr>
+          <p:nvPr/>
+        </p:nvCxnSpPr>
+        <p:spPr>
+          <a:xfrm>
+            <a:off x="2934502" y="4395647"/>
+            <a:ext cx="574974" cy="1"/>
+          </a:xfrm>
+          <a:prstGeom prst="straightConnector1">
+            <a:avLst/>
+          </a:prstGeom>
+          <a:ln w="28575">
+            <a:solidFill>
+              <a:schemeClr val="bg1">
+                <a:lumMod val="50000"/>
+              </a:schemeClr>
+            </a:solidFill>
+            <a:tailEnd type="triangle"/>
+          </a:ln>
+        </p:spPr>
+        <p:style>
+          <a:lnRef idx="1">
+            <a:schemeClr val="accent1"/>
+          </a:lnRef>
+          <a:fillRef idx="0">
+            <a:schemeClr val="accent1"/>
+          </a:fillRef>
+          <a:effectRef idx="0">
+            <a:schemeClr val="accent1"/>
+          </a:effectRef>
+          <a:fontRef idx="minor">
+            <a:schemeClr val="tx1"/>
+          </a:fontRef>
+        </p:style>
+      </p:cxnSp>
+      <p:sp>
+        <p:nvSpPr>
+          <p:cNvPr id="17" name="TextBox 16"/>
+          <p:cNvSpPr txBox="1"/>
+          <p:nvPr/>
+        </p:nvSpPr>
+        <p:spPr>
+          <a:xfrm>
+            <a:off x="2934684" y="4019289"/>
+            <a:ext cx="603050" cy="338554"/>
+          </a:xfrm>
+          <a:prstGeom prst="rect">
+            <a:avLst/>
+          </a:prstGeom>
+          <a:noFill/>
+        </p:spPr>
+        <p:txBody>
+          <a:bodyPr wrap="none" rtlCol="0">
+            <a:spAutoFit/>
+          </a:bodyPr>
+          <a:lstStyle/>
+          <a:p>
+            <a:pPr algn="ctr"/>
+            <a:r>
+              <a:rPr lang="en-US" sz="1600" smtClean="0">
+                <a:solidFill>
+                  <a:schemeClr val="bg1">
+                    <a:lumMod val="50000"/>
+                  </a:schemeClr>
+                </a:solidFill>
+                <a:latin typeface="Raleway" charset="0"/>
+                <a:ea typeface="Raleway" charset="0"/>
+                <a:cs typeface="Raleway" charset="0"/>
+              </a:rPr>
+              <a:t>train</a:t>
+            </a:r>
+            <a:endParaRPr lang="en-US" sz="1600">
+              <a:solidFill>
+                <a:schemeClr val="bg1">
+                  <a:lumMod val="50000"/>
+                </a:schemeClr>
+              </a:solidFill>
+              <a:latin typeface="Raleway" charset="0"/>
+              <a:ea typeface="Raleway" charset="0"/>
+              <a:cs typeface="Raleway" charset="0"/>
+            </a:endParaRPr>
+          </a:p>
+        </p:txBody>
+      </p:sp>
+      <p:sp>
+        <p:nvSpPr>
+          <p:cNvPr id="34" name="Oval 33"/>
+          <p:cNvSpPr/>
+          <p:nvPr/>
+        </p:nvSpPr>
+        <p:spPr>
+          <a:xfrm>
+            <a:off x="3509476" y="4013810"/>
+            <a:ext cx="763675" cy="763675"/>
+          </a:xfrm>
+          <a:prstGeom prst="ellipse">
+            <a:avLst/>
+          </a:prstGeom>
+          <a:solidFill>
+            <a:schemeClr val="bg1"/>
+          </a:solidFill>
+          <a:ln w="28575">
+            <a:solidFill>
+              <a:schemeClr val="bg1">
+                <a:lumMod val="50000"/>
+              </a:schemeClr>
+            </a:solidFill>
+          </a:ln>
+        </p:spPr>
+        <p:style>
+          <a:lnRef idx="2">
+            <a:schemeClr val="accent1">
+              <a:shade val="50000"/>
+            </a:schemeClr>
+          </a:lnRef>
+          <a:fillRef idx="1">
+            <a:schemeClr val="accent1"/>
+          </a:fillRef>
+          <a:effectRef idx="0">
+            <a:schemeClr val="accent1"/>
+          </a:effectRef>
+          <a:fontRef idx="minor">
+            <a:schemeClr val="lt1"/>
+          </a:fontRef>
+        </p:style>
+        <p:txBody>
+          <a:bodyPr rtlCol="0" anchor="ctr"/>
+          <a:lstStyle/>
+          <a:p>
+            <a:pPr algn="ctr"/>
+            <a:r>
+              <a:rPr lang="en-US" dirty="0">
+                <a:solidFill>
+                  <a:schemeClr val="bg1">
+                    <a:lumMod val="50000"/>
+                  </a:schemeClr>
+                </a:solidFill>
+                <a:latin typeface="Arvo" charset="0"/>
+                <a:ea typeface="Arvo" charset="0"/>
+                <a:cs typeface="Arvo" charset="0"/>
+              </a:rPr>
+              <a:t>C</a:t>
+            </a:r>
+            <a:endParaRPr lang="en-US" dirty="0">
+              <a:solidFill>
+                <a:schemeClr val="bg1">
+                  <a:lumMod val="50000"/>
+                </a:schemeClr>
+              </a:solidFill>
+              <a:latin typeface="Arvo" charset="0"/>
+              <a:ea typeface="Arvo" charset="0"/>
+              <a:cs typeface="Arvo" charset="0"/>
+            </a:endParaRPr>
+          </a:p>
+        </p:txBody>
+      </p:sp>
+      <p:sp>
+        <p:nvSpPr>
+          <p:cNvPr id="35" name="TextBox 34"/>
+          <p:cNvSpPr txBox="1"/>
+          <p:nvPr/>
+        </p:nvSpPr>
+        <p:spPr>
+          <a:xfrm>
+            <a:off x="3517943" y="4422777"/>
+            <a:ext cx="756938" cy="246221"/>
+          </a:xfrm>
+          <a:prstGeom prst="rect">
+            <a:avLst/>
+          </a:prstGeom>
+          <a:noFill/>
+        </p:spPr>
+        <p:txBody>
+          <a:bodyPr wrap="none" rtlCol="0">
+            <a:spAutoFit/>
+          </a:bodyPr>
+          <a:lstStyle/>
+          <a:p>
+            <a:pPr algn="ctr"/>
+            <a:r>
+              <a:rPr lang="en-US" sz="1000" smtClean="0">
+                <a:solidFill>
+                  <a:schemeClr val="bg1">
+                    <a:lumMod val="50000"/>
+                  </a:schemeClr>
+                </a:solidFill>
+                <a:latin typeface="Arvo" charset="0"/>
+                <a:ea typeface="Arvo" charset="0"/>
+                <a:cs typeface="Arvo" charset="0"/>
+              </a:rPr>
+              <a:t>classifier</a:t>
+            </a:r>
+            <a:endParaRPr lang="en-US" sz="1000" dirty="0">
+              <a:solidFill>
+                <a:schemeClr val="bg1">
+                  <a:lumMod val="50000"/>
+                </a:schemeClr>
+              </a:solidFill>
+              <a:latin typeface="Arvo" charset="0"/>
+              <a:ea typeface="Arvo" charset="0"/>
+              <a:cs typeface="Arvo" charset="0"/>
+            </a:endParaRPr>
+          </a:p>
+        </p:txBody>
+      </p:sp>
+      <p:sp>
+        <p:nvSpPr>
+          <p:cNvPr id="28" name="TextBox 27"/>
+          <p:cNvSpPr txBox="1"/>
+          <p:nvPr/>
+        </p:nvSpPr>
+        <p:spPr>
+          <a:xfrm>
+            <a:off x="1596177" y="3519476"/>
+            <a:ext cx="2111475" cy="338554"/>
+          </a:xfrm>
+          <a:prstGeom prst="rect">
+            <a:avLst/>
+          </a:prstGeom>
+          <a:noFill/>
+        </p:spPr>
+        <p:txBody>
+          <a:bodyPr wrap="none" rtlCol="0">
+            <a:spAutoFit/>
+          </a:bodyPr>
+          <a:lstStyle/>
+          <a:p>
+            <a:r>
+              <a:rPr lang="en-US" sz="1600" dirty="0" smtClean="0">
+                <a:solidFill>
+                  <a:srgbClr val="FF0000"/>
+                </a:solidFill>
+                <a:latin typeface="Arvo" charset="0"/>
+                <a:ea typeface="Arvo" charset="0"/>
+                <a:cs typeface="Arvo" charset="0"/>
+              </a:rPr>
+              <a:t>Dirty Training Data</a:t>
+            </a:r>
+          </a:p>
+        </p:txBody>
+      </p:sp>
+      <p:sp>
+        <p:nvSpPr>
+          <p:cNvPr id="43" name="TextBox 42"/>
+          <p:cNvSpPr txBox="1"/>
+          <p:nvPr/>
+        </p:nvSpPr>
+        <p:spPr>
+          <a:xfrm>
+            <a:off x="4681848" y="3519476"/>
+            <a:ext cx="1722972" cy="338554"/>
+          </a:xfrm>
+          <a:prstGeom prst="rect">
+            <a:avLst/>
+          </a:prstGeom>
+          <a:noFill/>
+        </p:spPr>
+        <p:txBody>
+          <a:bodyPr wrap="none" rtlCol="0">
+            <a:spAutoFit/>
+          </a:bodyPr>
+          <a:lstStyle/>
+          <a:p>
+            <a:r>
+              <a:rPr lang="en-US" sz="1600" dirty="0" smtClean="0">
+                <a:solidFill>
+                  <a:schemeClr val="accent5"/>
+                </a:solidFill>
+                <a:latin typeface="Arvo" charset="0"/>
+                <a:ea typeface="Arvo" charset="0"/>
+                <a:cs typeface="Arvo" charset="0"/>
+              </a:rPr>
+              <a:t>Clean Test Data</a:t>
+            </a:r>
+          </a:p>
+        </p:txBody>
+      </p:sp>
+      <p:sp>
+        <p:nvSpPr>
+          <p:cNvPr id="52" name="TextBox 51"/>
+          <p:cNvSpPr txBox="1"/>
+          <p:nvPr/>
+        </p:nvSpPr>
+        <p:spPr>
+          <a:xfrm>
+            <a:off x="4832722" y="4389468"/>
+            <a:ext cx="1422953" cy="338554"/>
+          </a:xfrm>
+          <a:prstGeom prst="rect">
+            <a:avLst/>
+          </a:prstGeom>
+          <a:noFill/>
+          <a:ln>
+            <a:noFill/>
+          </a:ln>
+        </p:spPr>
+        <p:txBody>
+          <a:bodyPr wrap="square" rtlCol="0">
+            <a:spAutoFit/>
+          </a:bodyPr>
+          <a:lstStyle/>
+          <a:p>
+            <a:r>
+              <a:rPr lang="en-US" sz="1600" dirty="0" err="1" smtClean="0">
+                <a:solidFill>
+                  <a:schemeClr val="accent5"/>
+                </a:solidFill>
+                <a:latin typeface="Raleway" charset="0"/>
+                <a:ea typeface="Raleway" charset="0"/>
+                <a:cs typeface="Raleway" charset="0"/>
+              </a:rPr>
+              <a:t>n_emp</a:t>
+            </a:r>
+            <a:r>
+              <a:rPr lang="en-US" sz="1600" dirty="0" smtClean="0">
+                <a:solidFill>
+                  <a:schemeClr val="accent5"/>
+                </a:solidFill>
+                <a:latin typeface="Raleway" charset="0"/>
+                <a:ea typeface="Raleway" charset="0"/>
+                <a:cs typeface="Raleway" charset="0"/>
+              </a:rPr>
+              <a:t> = 99</a:t>
+            </a:r>
+            <a:endParaRPr lang="en-US" sz="1600" dirty="0">
+              <a:solidFill>
+                <a:schemeClr val="accent5"/>
+              </a:solidFill>
+              <a:latin typeface="Raleway" charset="0"/>
+              <a:ea typeface="Raleway" charset="0"/>
+              <a:cs typeface="Raleway" charset="0"/>
+            </a:endParaRPr>
+          </a:p>
+        </p:txBody>
+      </p:sp>
+      <p:sp>
+        <p:nvSpPr>
+          <p:cNvPr id="39" name="TextBox 38"/>
+          <p:cNvSpPr txBox="1"/>
+          <p:nvPr/>
+        </p:nvSpPr>
+        <p:spPr>
+          <a:xfrm>
+            <a:off x="4835214" y="4035792"/>
+            <a:ext cx="1144865" cy="338554"/>
+          </a:xfrm>
+          <a:prstGeom prst="rect">
+            <a:avLst/>
+          </a:prstGeom>
+          <a:noFill/>
+        </p:spPr>
+        <p:txBody>
+          <a:bodyPr wrap="none" rtlCol="0">
+            <a:spAutoFit/>
+          </a:bodyPr>
+          <a:lstStyle/>
+          <a:p>
+            <a:r>
+              <a:rPr lang="en-US" sz="1600" smtClean="0">
+                <a:solidFill>
+                  <a:schemeClr val="bg1">
+                    <a:lumMod val="50000"/>
+                  </a:schemeClr>
+                </a:solidFill>
+                <a:latin typeface="Raleway" charset="0"/>
+                <a:ea typeface="Raleway" charset="0"/>
+                <a:cs typeface="Raleway" charset="0"/>
+              </a:rPr>
+              <a:t>prediction</a:t>
+            </a:r>
+          </a:p>
+        </p:txBody>
+      </p:sp>
+      <p:cxnSp>
+        <p:nvCxnSpPr>
+          <p:cNvPr id="53" name="Straight Arrow Connector 52"/>
+          <p:cNvCxnSpPr/>
+          <p:nvPr/>
+        </p:nvCxnSpPr>
+        <p:spPr>
+          <a:xfrm flipV="1">
+            <a:off x="4249918" y="4557656"/>
+            <a:ext cx="582805" cy="2178"/>
+          </a:xfrm>
+          <a:prstGeom prst="straightConnector1">
+            <a:avLst/>
+          </a:prstGeom>
+          <a:ln w="28575">
+            <a:solidFill>
+              <a:schemeClr val="bg1">
+                <a:lumMod val="50000"/>
+              </a:schemeClr>
+            </a:solidFill>
+            <a:headEnd type="triangle" w="med" len="med"/>
+            <a:tailEnd type="none" w="med" len="med"/>
+          </a:ln>
+        </p:spPr>
+        <p:style>
+          <a:lnRef idx="1">
+            <a:schemeClr val="accent1"/>
+          </a:lnRef>
+          <a:fillRef idx="0">
+            <a:schemeClr val="accent1"/>
+          </a:fillRef>
+          <a:effectRef idx="0">
+            <a:schemeClr val="accent1"/>
+          </a:effectRef>
+          <a:fontRef idx="minor">
+            <a:schemeClr val="tx1"/>
+          </a:fontRef>
+        </p:style>
+      </p:cxnSp>
+      <p:cxnSp>
+        <p:nvCxnSpPr>
+          <p:cNvPr id="56" name="Straight Arrow Connector 55"/>
+          <p:cNvCxnSpPr/>
+          <p:nvPr/>
+        </p:nvCxnSpPr>
+        <p:spPr>
+          <a:xfrm flipV="1">
+            <a:off x="4265320" y="4238433"/>
+            <a:ext cx="582805" cy="2178"/>
+          </a:xfrm>
+          <a:prstGeom prst="straightConnector1">
+            <a:avLst/>
+          </a:prstGeom>
+          <a:ln w="28575">
+            <a:solidFill>
+              <a:schemeClr val="bg1">
+                <a:lumMod val="50000"/>
+              </a:schemeClr>
+            </a:solidFill>
+            <a:tailEnd type="triangle"/>
+          </a:ln>
+        </p:spPr>
+        <p:style>
+          <a:lnRef idx="1">
+            <a:schemeClr val="accent1"/>
+          </a:lnRef>
+          <a:fillRef idx="0">
+            <a:schemeClr val="accent1"/>
+          </a:fillRef>
+          <a:effectRef idx="0">
+            <a:schemeClr val="accent1"/>
+          </a:effectRef>
+          <a:fontRef idx="minor">
+            <a:schemeClr val="tx1"/>
+          </a:fontRef>
+        </p:style>
+      </p:cxnSp>
+      <p:sp>
+        <p:nvSpPr>
+          <p:cNvPr id="29" name="TextBox 28"/>
+          <p:cNvSpPr txBox="1"/>
+          <p:nvPr/>
+        </p:nvSpPr>
+        <p:spPr>
+          <a:xfrm>
+            <a:off x="2583102" y="3044176"/>
+            <a:ext cx="2616422" cy="338554"/>
+          </a:xfrm>
+          <a:prstGeom prst="rect">
+            <a:avLst/>
+          </a:prstGeom>
+          <a:solidFill>
+            <a:schemeClr val="bg1"/>
+          </a:solidFill>
+        </p:spPr>
+        <p:txBody>
+          <a:bodyPr wrap="none" rtlCol="0">
+            <a:spAutoFit/>
+          </a:bodyPr>
+          <a:lstStyle/>
+          <a:p>
+            <a:r>
+              <a:rPr lang="en-US" sz="1600" dirty="0">
+                <a:solidFill>
+                  <a:schemeClr val="accent5"/>
+                </a:solidFill>
+                <a:latin typeface="Arvo" charset="0"/>
+                <a:ea typeface="Arvo" charset="0"/>
+                <a:cs typeface="Arvo" charset="0"/>
+              </a:rPr>
+              <a:t>I</a:t>
+            </a:r>
+            <a:r>
+              <a:rPr lang="en-US" sz="1600" dirty="0" smtClean="0">
+                <a:solidFill>
+                  <a:schemeClr val="accent5"/>
+                </a:solidFill>
+                <a:latin typeface="Arvo" charset="0"/>
+                <a:ea typeface="Arvo" charset="0"/>
+                <a:cs typeface="Arvo" charset="0"/>
+              </a:rPr>
+              <a:t>nvariant: </a:t>
+            </a:r>
+            <a:r>
+              <a:rPr lang="en-US" sz="1600" dirty="0" err="1" smtClean="0">
+                <a:solidFill>
+                  <a:schemeClr val="accent5"/>
+                </a:solidFill>
+                <a:latin typeface="Raleway" charset="0"/>
+                <a:ea typeface="Raleway" charset="0"/>
+                <a:cs typeface="Raleway" charset="0"/>
+              </a:rPr>
+              <a:t>n_emp</a:t>
+            </a:r>
+            <a:r>
+              <a:rPr lang="en-US" sz="1600" dirty="0" smtClean="0">
+                <a:solidFill>
+                  <a:schemeClr val="accent5"/>
+                </a:solidFill>
+                <a:latin typeface="Raleway" charset="0"/>
+                <a:ea typeface="Raleway" charset="0"/>
+                <a:cs typeface="Raleway" charset="0"/>
+              </a:rPr>
+              <a:t> = NULL</a:t>
+            </a:r>
+          </a:p>
+        </p:txBody>
+      </p:sp>
+      <p:sp>
+        <p:nvSpPr>
+          <p:cNvPr id="57" name="TextBox 56"/>
+          <p:cNvSpPr txBox="1"/>
+          <p:nvPr/>
+        </p:nvSpPr>
+        <p:spPr>
+          <a:xfrm>
+            <a:off x="1494798" y="5749108"/>
+            <a:ext cx="1439704" cy="338554"/>
+          </a:xfrm>
+          <a:prstGeom prst="rect">
+            <a:avLst/>
+          </a:prstGeom>
+          <a:noFill/>
+          <a:ln>
+            <a:noFill/>
+          </a:ln>
+        </p:spPr>
+        <p:txBody>
+          <a:bodyPr wrap="square" rtlCol="0">
+            <a:spAutoFit/>
+          </a:bodyPr>
+          <a:lstStyle/>
+          <a:p>
+            <a:pPr algn="r"/>
+            <a:r>
+              <a:rPr lang="en-US" sz="1600" dirty="0" err="1" smtClean="0">
+                <a:solidFill>
+                  <a:schemeClr val="accent5"/>
+                </a:solidFill>
+                <a:latin typeface="Raleway" charset="0"/>
+                <a:ea typeface="Raleway" charset="0"/>
+                <a:cs typeface="Raleway" charset="0"/>
+              </a:rPr>
+              <a:t>n_emp</a:t>
+            </a:r>
+            <a:r>
+              <a:rPr lang="en-US" sz="1600" dirty="0" smtClean="0">
+                <a:solidFill>
+                  <a:schemeClr val="accent5"/>
+                </a:solidFill>
+                <a:latin typeface="Raleway" charset="0"/>
+                <a:ea typeface="Raleway" charset="0"/>
+                <a:cs typeface="Raleway" charset="0"/>
+              </a:rPr>
+              <a:t> = 10</a:t>
+            </a:r>
+            <a:endParaRPr lang="en-US" sz="1600" dirty="0">
+              <a:solidFill>
+                <a:schemeClr val="accent5"/>
+              </a:solidFill>
+              <a:latin typeface="Raleway" charset="0"/>
+              <a:ea typeface="Raleway" charset="0"/>
+              <a:cs typeface="Raleway" charset="0"/>
+            </a:endParaRPr>
+          </a:p>
+        </p:txBody>
+      </p:sp>
+      <p:cxnSp>
+        <p:nvCxnSpPr>
+          <p:cNvPr id="58" name="Straight Arrow Connector 57"/>
+          <p:cNvCxnSpPr/>
+          <p:nvPr/>
+        </p:nvCxnSpPr>
+        <p:spPr>
+          <a:xfrm>
+            <a:off x="2934502" y="5918385"/>
+            <a:ext cx="574974" cy="1"/>
+          </a:xfrm>
+          <a:prstGeom prst="straightConnector1">
+            <a:avLst/>
+          </a:prstGeom>
+          <a:ln w="28575">
+            <a:solidFill>
+              <a:schemeClr val="bg1">
+                <a:lumMod val="50000"/>
+              </a:schemeClr>
+            </a:solidFill>
+            <a:tailEnd type="triangle"/>
+          </a:ln>
+        </p:spPr>
+        <p:style>
+          <a:lnRef idx="1">
+            <a:schemeClr val="accent1"/>
+          </a:lnRef>
+          <a:fillRef idx="0">
+            <a:schemeClr val="accent1"/>
+          </a:fillRef>
+          <a:effectRef idx="0">
+            <a:schemeClr val="accent1"/>
+          </a:effectRef>
+          <a:fontRef idx="minor">
+            <a:schemeClr val="tx1"/>
+          </a:fontRef>
+        </p:style>
+      </p:cxnSp>
+      <p:sp>
+        <p:nvSpPr>
+          <p:cNvPr id="59" name="TextBox 58"/>
+          <p:cNvSpPr txBox="1"/>
+          <p:nvPr/>
+        </p:nvSpPr>
+        <p:spPr>
+          <a:xfrm>
+            <a:off x="2934684" y="5542027"/>
+            <a:ext cx="603050" cy="338554"/>
+          </a:xfrm>
+          <a:prstGeom prst="rect">
+            <a:avLst/>
+          </a:prstGeom>
+          <a:noFill/>
+        </p:spPr>
+        <p:txBody>
+          <a:bodyPr wrap="none" rtlCol="0">
+            <a:spAutoFit/>
+          </a:bodyPr>
+          <a:lstStyle/>
+          <a:p>
+            <a:pPr algn="ctr"/>
+            <a:r>
+              <a:rPr lang="en-US" sz="1600" smtClean="0">
+                <a:solidFill>
+                  <a:schemeClr val="bg1">
+                    <a:lumMod val="50000"/>
+                  </a:schemeClr>
+                </a:solidFill>
+                <a:latin typeface="Raleway" charset="0"/>
+                <a:ea typeface="Raleway" charset="0"/>
+                <a:cs typeface="Raleway" charset="0"/>
+              </a:rPr>
+              <a:t>train</a:t>
+            </a:r>
+            <a:endParaRPr lang="en-US" sz="1600">
+              <a:solidFill>
+                <a:schemeClr val="bg1">
+                  <a:lumMod val="50000"/>
+                </a:schemeClr>
+              </a:solidFill>
+              <a:latin typeface="Raleway" charset="0"/>
+              <a:ea typeface="Raleway" charset="0"/>
+              <a:cs typeface="Raleway" charset="0"/>
+            </a:endParaRPr>
+          </a:p>
+        </p:txBody>
+      </p:sp>
+      <p:sp>
+        <p:nvSpPr>
+          <p:cNvPr id="60" name="Oval 59"/>
+          <p:cNvSpPr/>
+          <p:nvPr/>
+        </p:nvSpPr>
+        <p:spPr>
+          <a:xfrm>
+            <a:off x="3509476" y="5536548"/>
+            <a:ext cx="763675" cy="763675"/>
+          </a:xfrm>
+          <a:prstGeom prst="ellipse">
+            <a:avLst/>
+          </a:prstGeom>
+          <a:solidFill>
+            <a:schemeClr val="bg1"/>
+          </a:solidFill>
+          <a:ln w="28575">
+            <a:solidFill>
+              <a:schemeClr val="bg1">
+                <a:lumMod val="50000"/>
+              </a:schemeClr>
+            </a:solidFill>
+          </a:ln>
+        </p:spPr>
+        <p:style>
+          <a:lnRef idx="2">
+            <a:schemeClr val="accent1">
+              <a:shade val="50000"/>
+            </a:schemeClr>
+          </a:lnRef>
+          <a:fillRef idx="1">
+            <a:schemeClr val="accent1"/>
+          </a:fillRef>
+          <a:effectRef idx="0">
+            <a:schemeClr val="accent1"/>
+          </a:effectRef>
+          <a:fontRef idx="minor">
+            <a:schemeClr val="lt1"/>
+          </a:fontRef>
+        </p:style>
+        <p:txBody>
+          <a:bodyPr rtlCol="0" anchor="ctr"/>
+          <a:lstStyle/>
+          <a:p>
+            <a:pPr algn="ctr"/>
+            <a:r>
+              <a:rPr lang="en-US" dirty="0">
+                <a:solidFill>
+                  <a:schemeClr val="bg1">
+                    <a:lumMod val="50000"/>
+                  </a:schemeClr>
+                </a:solidFill>
+                <a:latin typeface="Arvo" charset="0"/>
+                <a:ea typeface="Arvo" charset="0"/>
+                <a:cs typeface="Arvo" charset="0"/>
+              </a:rPr>
+              <a:t>C</a:t>
+            </a:r>
+            <a:endParaRPr lang="en-US" dirty="0">
+              <a:solidFill>
+                <a:schemeClr val="bg1">
+                  <a:lumMod val="50000"/>
+                </a:schemeClr>
+              </a:solidFill>
+              <a:latin typeface="Arvo" charset="0"/>
+              <a:ea typeface="Arvo" charset="0"/>
+              <a:cs typeface="Arvo" charset="0"/>
+            </a:endParaRPr>
+          </a:p>
+        </p:txBody>
+      </p:sp>
+      <p:sp>
+        <p:nvSpPr>
+          <p:cNvPr id="61" name="TextBox 60"/>
+          <p:cNvSpPr txBox="1"/>
+          <p:nvPr/>
+        </p:nvSpPr>
+        <p:spPr>
+          <a:xfrm>
+            <a:off x="3517943" y="5945515"/>
+            <a:ext cx="756938" cy="246221"/>
+          </a:xfrm>
+          <a:prstGeom prst="rect">
+            <a:avLst/>
+          </a:prstGeom>
+          <a:noFill/>
+        </p:spPr>
+        <p:txBody>
+          <a:bodyPr wrap="none" rtlCol="0">
+            <a:spAutoFit/>
+          </a:bodyPr>
+          <a:lstStyle/>
+          <a:p>
+            <a:pPr algn="ctr"/>
+            <a:r>
+              <a:rPr lang="en-US" sz="1000" smtClean="0">
+                <a:solidFill>
+                  <a:schemeClr val="bg1">
+                    <a:lumMod val="50000"/>
+                  </a:schemeClr>
+                </a:solidFill>
+                <a:latin typeface="Arvo" charset="0"/>
+                <a:ea typeface="Arvo" charset="0"/>
+                <a:cs typeface="Arvo" charset="0"/>
+              </a:rPr>
+              <a:t>classifier</a:t>
+            </a:r>
+            <a:endParaRPr lang="en-US" sz="1000" dirty="0">
+              <a:solidFill>
+                <a:schemeClr val="bg1">
+                  <a:lumMod val="50000"/>
+                </a:schemeClr>
+              </a:solidFill>
+              <a:latin typeface="Arvo" charset="0"/>
+              <a:ea typeface="Arvo" charset="0"/>
+              <a:cs typeface="Arvo" charset="0"/>
+            </a:endParaRPr>
+          </a:p>
+        </p:txBody>
+      </p:sp>
+      <p:sp>
+        <p:nvSpPr>
+          <p:cNvPr id="62" name="TextBox 61"/>
+          <p:cNvSpPr txBox="1"/>
+          <p:nvPr/>
+        </p:nvSpPr>
+        <p:spPr>
+          <a:xfrm>
+            <a:off x="1596177" y="5042214"/>
+            <a:ext cx="2186817" cy="338554"/>
+          </a:xfrm>
+          <a:prstGeom prst="rect">
+            <a:avLst/>
+          </a:prstGeom>
+          <a:noFill/>
+        </p:spPr>
+        <p:txBody>
+          <a:bodyPr wrap="none" rtlCol="0">
+            <a:spAutoFit/>
+          </a:bodyPr>
+          <a:lstStyle/>
+          <a:p>
+            <a:r>
+              <a:rPr lang="en-US" sz="1600" dirty="0" smtClean="0">
+                <a:solidFill>
+                  <a:schemeClr val="accent5"/>
+                </a:solidFill>
+                <a:latin typeface="Arvo" charset="0"/>
+                <a:ea typeface="Arvo" charset="0"/>
+                <a:cs typeface="Arvo" charset="0"/>
+              </a:rPr>
+              <a:t>Clean Training Data</a:t>
+            </a:r>
+          </a:p>
+        </p:txBody>
+      </p:sp>
+      <p:sp>
+        <p:nvSpPr>
+          <p:cNvPr id="63" name="TextBox 62"/>
+          <p:cNvSpPr txBox="1"/>
+          <p:nvPr/>
+        </p:nvSpPr>
+        <p:spPr>
+          <a:xfrm>
+            <a:off x="4681848" y="5042214"/>
+            <a:ext cx="1647631" cy="338554"/>
+          </a:xfrm>
+          <a:prstGeom prst="rect">
+            <a:avLst/>
+          </a:prstGeom>
+          <a:noFill/>
+        </p:spPr>
+        <p:txBody>
+          <a:bodyPr wrap="none" rtlCol="0">
+            <a:spAutoFit/>
+          </a:bodyPr>
+          <a:lstStyle/>
+          <a:p>
+            <a:r>
+              <a:rPr lang="en-US" sz="1600" dirty="0" smtClean="0">
+                <a:solidFill>
+                  <a:srgbClr val="FF0000"/>
+                </a:solidFill>
+                <a:latin typeface="Arvo" charset="0"/>
+                <a:ea typeface="Arvo" charset="0"/>
+                <a:cs typeface="Arvo" charset="0"/>
+              </a:rPr>
+              <a:t>Dirty Test Data</a:t>
+            </a:r>
+          </a:p>
+        </p:txBody>
+      </p:sp>
+      <p:sp>
+        <p:nvSpPr>
+          <p:cNvPr id="64" name="TextBox 63"/>
+          <p:cNvSpPr txBox="1"/>
+          <p:nvPr/>
+        </p:nvSpPr>
+        <p:spPr>
+          <a:xfrm>
+            <a:off x="4832722" y="5912206"/>
+            <a:ext cx="1422953" cy="338554"/>
+          </a:xfrm>
+          <a:prstGeom prst="rect">
+            <a:avLst/>
+          </a:prstGeom>
+          <a:noFill/>
+          <a:ln>
+            <a:noFill/>
+          </a:ln>
+        </p:spPr>
+        <p:txBody>
+          <a:bodyPr wrap="square" rtlCol="0">
+            <a:spAutoFit/>
+          </a:bodyPr>
+          <a:lstStyle/>
+          <a:p>
+            <a:r>
+              <a:rPr lang="en-US" sz="1600" dirty="0" err="1" smtClean="0">
+                <a:solidFill>
+                  <a:srgbClr val="FF0000"/>
+                </a:solidFill>
+                <a:latin typeface="Raleway" charset="0"/>
+                <a:ea typeface="Raleway" charset="0"/>
+                <a:cs typeface="Raleway" charset="0"/>
+              </a:rPr>
+              <a:t>n_emp</a:t>
+            </a:r>
+            <a:r>
+              <a:rPr lang="en-US" sz="1600" dirty="0" smtClean="0">
+                <a:solidFill>
+                  <a:srgbClr val="FF0000"/>
+                </a:solidFill>
+                <a:latin typeface="Raleway" charset="0"/>
+                <a:ea typeface="Raleway" charset="0"/>
+                <a:cs typeface="Raleway" charset="0"/>
+              </a:rPr>
+              <a:t> = null</a:t>
+            </a:r>
+            <a:endParaRPr lang="en-US" sz="1600" dirty="0">
+              <a:solidFill>
+                <a:srgbClr val="FF0000"/>
+              </a:solidFill>
+              <a:latin typeface="Raleway" charset="0"/>
+              <a:ea typeface="Raleway" charset="0"/>
+              <a:cs typeface="Raleway" charset="0"/>
+            </a:endParaRPr>
+          </a:p>
+        </p:txBody>
+      </p:sp>
+      <p:sp>
+        <p:nvSpPr>
+          <p:cNvPr id="65" name="TextBox 64"/>
+          <p:cNvSpPr txBox="1"/>
+          <p:nvPr/>
+        </p:nvSpPr>
+        <p:spPr>
+          <a:xfrm>
+            <a:off x="4835214" y="5558530"/>
+            <a:ext cx="1144865" cy="338554"/>
+          </a:xfrm>
+          <a:prstGeom prst="rect">
+            <a:avLst/>
+          </a:prstGeom>
+          <a:noFill/>
+        </p:spPr>
+        <p:txBody>
+          <a:bodyPr wrap="none" rtlCol="0">
+            <a:spAutoFit/>
+          </a:bodyPr>
+          <a:lstStyle/>
+          <a:p>
+            <a:r>
+              <a:rPr lang="en-US" sz="1600" smtClean="0">
+                <a:solidFill>
+                  <a:schemeClr val="bg1">
+                    <a:lumMod val="50000"/>
+                  </a:schemeClr>
+                </a:solidFill>
+                <a:latin typeface="Raleway" charset="0"/>
+                <a:ea typeface="Raleway" charset="0"/>
+                <a:cs typeface="Raleway" charset="0"/>
+              </a:rPr>
+              <a:t>prediction</a:t>
+            </a:r>
+          </a:p>
+        </p:txBody>
+      </p:sp>
+      <p:cxnSp>
+        <p:nvCxnSpPr>
+          <p:cNvPr id="66" name="Straight Arrow Connector 65"/>
+          <p:cNvCxnSpPr/>
+          <p:nvPr/>
+        </p:nvCxnSpPr>
+        <p:spPr>
+          <a:xfrm flipV="1">
+            <a:off x="4249918" y="6080394"/>
+            <a:ext cx="582805" cy="2178"/>
+          </a:xfrm>
+          <a:prstGeom prst="straightConnector1">
+            <a:avLst/>
+          </a:prstGeom>
+          <a:ln w="28575">
+            <a:solidFill>
+              <a:schemeClr val="bg1">
+                <a:lumMod val="50000"/>
+              </a:schemeClr>
+            </a:solidFill>
+            <a:headEnd type="triangle" w="med" len="med"/>
+            <a:tailEnd type="none" w="med" len="med"/>
+          </a:ln>
+        </p:spPr>
+        <p:style>
+          <a:lnRef idx="1">
+            <a:schemeClr val="accent1"/>
+          </a:lnRef>
+          <a:fillRef idx="0">
+            <a:schemeClr val="accent1"/>
+          </a:fillRef>
+          <a:effectRef idx="0">
+            <a:schemeClr val="accent1"/>
+          </a:effectRef>
+          <a:fontRef idx="minor">
+            <a:schemeClr val="tx1"/>
+          </a:fontRef>
+        </p:style>
+      </p:cxnSp>
+      <p:cxnSp>
+        <p:nvCxnSpPr>
+          <p:cNvPr id="67" name="Straight Arrow Connector 66"/>
+          <p:cNvCxnSpPr/>
+          <p:nvPr/>
+        </p:nvCxnSpPr>
+        <p:spPr>
+          <a:xfrm flipV="1">
+            <a:off x="4265320" y="5761171"/>
+            <a:ext cx="582805" cy="2178"/>
+          </a:xfrm>
+          <a:prstGeom prst="straightConnector1">
+            <a:avLst/>
+          </a:prstGeom>
+          <a:ln w="28575">
+            <a:solidFill>
+              <a:schemeClr val="bg1">
+                <a:lumMod val="50000"/>
+              </a:schemeClr>
+            </a:solidFill>
+            <a:tailEnd type="triangle"/>
+          </a:ln>
+        </p:spPr>
+        <p:style>
+          <a:lnRef idx="1">
+            <a:schemeClr val="accent1"/>
+          </a:lnRef>
+          <a:fillRef idx="0">
+            <a:schemeClr val="accent1"/>
+          </a:fillRef>
+          <a:effectRef idx="0">
+            <a:schemeClr val="accent1"/>
+          </a:effectRef>
+          <a:fontRef idx="minor">
+            <a:schemeClr val="tx1"/>
+          </a:fontRef>
+        </p:style>
+      </p:cxnSp>
+    </p:spTree>
+    <p:extLst>
+      <p:ext uri="{BB962C8B-B14F-4D97-AF65-F5344CB8AC3E}">
+        <p14:creationId xmlns:p14="http://schemas.microsoft.com/office/powerpoint/2010/main" val="1266582399"/>
+      </p:ext>
+    </p:extLst>
+  </p:cSld>
+  <p:clrMapOvr>
+    <a:masterClrMapping/>
+  </p:clrMapOvr>
+</p:sld>
+</file>
+
+<file path=ppt/slides/slide4.xml><?xml version="1.0" encoding="utf-8"?>
+<p:sld xmlns:a="http://schemas.openxmlformats.org/drawingml/2006/main" xmlns:r="http://schemas.openxmlformats.org/officeDocument/2006/relationships" xmlns:p="http://schemas.openxmlformats.org/presentationml/2006/main">
+  <p:cSld>
+    <p:spTree>
+      <p:nvGrpSpPr>
+        <p:cNvPr id="1" name=""/>
+        <p:cNvGrpSpPr/>
+        <p:nvPr/>
+      </p:nvGrpSpPr>
+      <p:grpSpPr>
+        <a:xfrm>
+          <a:off x="0" y="0"/>
+          <a:ext cx="0" cy="0"/>
+          <a:chOff x="0" y="0"/>
+          <a:chExt cx="0" cy="0"/>
+        </a:xfrm>
+      </p:grpSpPr>
+      <p:cxnSp>
+        <p:nvCxnSpPr>
+          <p:cNvPr id="40" name="Straight Arrow Connector 39"/>
+          <p:cNvCxnSpPr/>
+          <p:nvPr/>
+        </p:nvCxnSpPr>
+        <p:spPr>
+          <a:xfrm flipV="1">
+            <a:off x="3872278" y="3285068"/>
+            <a:ext cx="24135" cy="3315635"/>
+          </a:xfrm>
+          <a:prstGeom prst="straightConnector1">
+            <a:avLst/>
+          </a:prstGeom>
+          <a:ln w="28575">
+            <a:solidFill>
+              <a:schemeClr val="bg1">
+                <a:lumMod val="50000"/>
+              </a:schemeClr>
+            </a:solidFill>
+            <a:prstDash val="sysDot"/>
+            <a:headEnd type="none" w="med" len="med"/>
+            <a:tailEnd type="none" w="med" len="med"/>
+          </a:ln>
+        </p:spPr>
+        <p:style>
+          <a:lnRef idx="1">
+            <a:schemeClr val="accent1"/>
+          </a:lnRef>
+          <a:fillRef idx="0">
+            <a:schemeClr val="accent1"/>
+          </a:fillRef>
+          <a:effectRef idx="0">
+            <a:schemeClr val="accent1"/>
+          </a:effectRef>
+          <a:fontRef idx="minor">
+            <a:schemeClr val="tx1"/>
+          </a:fontRef>
+        </p:style>
+      </p:cxnSp>
+      <p:sp>
+        <p:nvSpPr>
+          <p:cNvPr id="32" name="TextBox 31"/>
+          <p:cNvSpPr txBox="1"/>
+          <p:nvPr/>
+        </p:nvSpPr>
+        <p:spPr>
+          <a:xfrm>
+            <a:off x="1494798" y="4226370"/>
+            <a:ext cx="1439704" cy="338554"/>
+          </a:xfrm>
+          <a:prstGeom prst="rect">
+            <a:avLst/>
+          </a:prstGeom>
+          <a:noFill/>
+          <a:ln>
+            <a:noFill/>
+          </a:ln>
+        </p:spPr>
+        <p:txBody>
+          <a:bodyPr wrap="square" rtlCol="0">
+            <a:spAutoFit/>
+          </a:bodyPr>
+          <a:lstStyle/>
+          <a:p>
+            <a:pPr algn="r"/>
+            <a:r>
+              <a:rPr lang="en-US" sz="1600" dirty="0" err="1" smtClean="0">
+                <a:solidFill>
+                  <a:srgbClr val="FF0000"/>
+                </a:solidFill>
+                <a:latin typeface="Raleway" charset="0"/>
+                <a:ea typeface="Raleway" charset="0"/>
+                <a:cs typeface="Raleway" charset="0"/>
+              </a:rPr>
+              <a:t>n_emp</a:t>
+            </a:r>
+            <a:r>
+              <a:rPr lang="en-US" sz="1600" dirty="0" smtClean="0">
+                <a:solidFill>
+                  <a:srgbClr val="FF0000"/>
+                </a:solidFill>
+                <a:latin typeface="Raleway" charset="0"/>
+                <a:ea typeface="Raleway" charset="0"/>
+                <a:cs typeface="Raleway" charset="0"/>
+              </a:rPr>
+              <a:t> = null</a:t>
+            </a:r>
+            <a:endParaRPr lang="en-US" sz="1600" dirty="0">
+              <a:solidFill>
+                <a:srgbClr val="FF0000"/>
+              </a:solidFill>
+              <a:latin typeface="Raleway" charset="0"/>
+              <a:ea typeface="Raleway" charset="0"/>
+              <a:cs typeface="Raleway" charset="0"/>
+            </a:endParaRPr>
+          </a:p>
+        </p:txBody>
+      </p:sp>
+      <p:cxnSp>
+        <p:nvCxnSpPr>
+          <p:cNvPr id="33" name="Straight Arrow Connector 32"/>
+          <p:cNvCxnSpPr>
+            <a:stCxn id="32" idx="3"/>
+            <a:endCxn id="34" idx="2"/>
+          </p:cNvCxnSpPr>
+          <p:nvPr/>
+        </p:nvCxnSpPr>
+        <p:spPr>
+          <a:xfrm>
+            <a:off x="2934502" y="4395647"/>
+            <a:ext cx="574974" cy="1"/>
+          </a:xfrm>
+          <a:prstGeom prst="straightConnector1">
+            <a:avLst/>
+          </a:prstGeom>
+          <a:ln w="28575">
+            <a:solidFill>
+              <a:schemeClr val="bg1">
+                <a:lumMod val="50000"/>
+              </a:schemeClr>
+            </a:solidFill>
+            <a:tailEnd type="triangle"/>
+          </a:ln>
+        </p:spPr>
+        <p:style>
+          <a:lnRef idx="1">
+            <a:schemeClr val="accent1"/>
+          </a:lnRef>
+          <a:fillRef idx="0">
+            <a:schemeClr val="accent1"/>
+          </a:fillRef>
+          <a:effectRef idx="0">
+            <a:schemeClr val="accent1"/>
+          </a:effectRef>
+          <a:fontRef idx="minor">
+            <a:schemeClr val="tx1"/>
+          </a:fontRef>
+        </p:style>
+      </p:cxnSp>
+      <p:sp>
+        <p:nvSpPr>
+          <p:cNvPr id="17" name="TextBox 16"/>
+          <p:cNvSpPr txBox="1"/>
+          <p:nvPr/>
+        </p:nvSpPr>
+        <p:spPr>
+          <a:xfrm>
+            <a:off x="2934684" y="4019289"/>
+            <a:ext cx="603050" cy="338554"/>
+          </a:xfrm>
+          <a:prstGeom prst="rect">
+            <a:avLst/>
+          </a:prstGeom>
+          <a:noFill/>
+        </p:spPr>
+        <p:txBody>
+          <a:bodyPr wrap="none" rtlCol="0">
+            <a:spAutoFit/>
+          </a:bodyPr>
+          <a:lstStyle/>
+          <a:p>
+            <a:pPr algn="ctr"/>
+            <a:r>
+              <a:rPr lang="en-US" sz="1600" smtClean="0">
+                <a:solidFill>
+                  <a:schemeClr val="bg1">
+                    <a:lumMod val="50000"/>
+                  </a:schemeClr>
+                </a:solidFill>
+                <a:latin typeface="Raleway" charset="0"/>
+                <a:ea typeface="Raleway" charset="0"/>
+                <a:cs typeface="Raleway" charset="0"/>
+              </a:rPr>
+              <a:t>train</a:t>
+            </a:r>
+            <a:endParaRPr lang="en-US" sz="1600">
+              <a:solidFill>
+                <a:schemeClr val="bg1">
+                  <a:lumMod val="50000"/>
+                </a:schemeClr>
+              </a:solidFill>
+              <a:latin typeface="Raleway" charset="0"/>
+              <a:ea typeface="Raleway" charset="0"/>
+              <a:cs typeface="Raleway" charset="0"/>
+            </a:endParaRPr>
+          </a:p>
+        </p:txBody>
+      </p:sp>
+      <p:sp>
+        <p:nvSpPr>
+          <p:cNvPr id="34" name="Oval 33"/>
+          <p:cNvSpPr/>
+          <p:nvPr/>
+        </p:nvSpPr>
+        <p:spPr>
+          <a:xfrm>
+            <a:off x="3509476" y="4013810"/>
+            <a:ext cx="763675" cy="763675"/>
+          </a:xfrm>
+          <a:prstGeom prst="ellipse">
+            <a:avLst/>
+          </a:prstGeom>
+          <a:solidFill>
+            <a:schemeClr val="bg1"/>
+          </a:solidFill>
+          <a:ln w="28575">
+            <a:solidFill>
+              <a:schemeClr val="bg1">
+                <a:lumMod val="50000"/>
+              </a:schemeClr>
+            </a:solidFill>
+          </a:ln>
+        </p:spPr>
+        <p:style>
+          <a:lnRef idx="2">
+            <a:schemeClr val="accent1">
+              <a:shade val="50000"/>
+            </a:schemeClr>
+          </a:lnRef>
+          <a:fillRef idx="1">
+            <a:schemeClr val="accent1"/>
+          </a:fillRef>
+          <a:effectRef idx="0">
+            <a:schemeClr val="accent1"/>
+          </a:effectRef>
+          <a:fontRef idx="minor">
+            <a:schemeClr val="lt1"/>
+          </a:fontRef>
+        </p:style>
+        <p:txBody>
+          <a:bodyPr rtlCol="0" anchor="ctr"/>
+          <a:lstStyle/>
+          <a:p>
+            <a:pPr algn="ctr"/>
+            <a:r>
+              <a:rPr lang="en-US" dirty="0">
+                <a:solidFill>
+                  <a:schemeClr val="bg1">
+                    <a:lumMod val="50000"/>
+                  </a:schemeClr>
+                </a:solidFill>
+                <a:latin typeface="Arvo" charset="0"/>
+                <a:ea typeface="Arvo" charset="0"/>
+                <a:cs typeface="Arvo" charset="0"/>
+              </a:rPr>
+              <a:t>C</a:t>
+            </a:r>
+            <a:endParaRPr lang="en-US" dirty="0">
+              <a:solidFill>
+                <a:schemeClr val="bg1">
+                  <a:lumMod val="50000"/>
+                </a:schemeClr>
+              </a:solidFill>
+              <a:latin typeface="Arvo" charset="0"/>
+              <a:ea typeface="Arvo" charset="0"/>
+              <a:cs typeface="Arvo" charset="0"/>
+            </a:endParaRPr>
+          </a:p>
+        </p:txBody>
+      </p:sp>
+      <p:sp>
+        <p:nvSpPr>
+          <p:cNvPr id="35" name="TextBox 34"/>
+          <p:cNvSpPr txBox="1"/>
+          <p:nvPr/>
+        </p:nvSpPr>
+        <p:spPr>
+          <a:xfrm>
+            <a:off x="3517943" y="4439711"/>
+            <a:ext cx="756938" cy="246221"/>
+          </a:xfrm>
+          <a:prstGeom prst="rect">
+            <a:avLst/>
+          </a:prstGeom>
+          <a:noFill/>
+        </p:spPr>
+        <p:txBody>
+          <a:bodyPr wrap="none" rtlCol="0">
+            <a:spAutoFit/>
+          </a:bodyPr>
+          <a:lstStyle/>
+          <a:p>
+            <a:pPr algn="ctr"/>
+            <a:r>
+              <a:rPr lang="en-US" sz="1000" smtClean="0">
+                <a:solidFill>
+                  <a:schemeClr val="bg1">
+                    <a:lumMod val="50000"/>
+                  </a:schemeClr>
+                </a:solidFill>
+                <a:latin typeface="Arvo" charset="0"/>
+                <a:ea typeface="Arvo" charset="0"/>
+                <a:cs typeface="Arvo" charset="0"/>
+              </a:rPr>
+              <a:t>classifier</a:t>
+            </a:r>
+            <a:endParaRPr lang="en-US" sz="1000" dirty="0">
+              <a:solidFill>
+                <a:schemeClr val="bg1">
+                  <a:lumMod val="50000"/>
+                </a:schemeClr>
+              </a:solidFill>
+              <a:latin typeface="Arvo" charset="0"/>
+              <a:ea typeface="Arvo" charset="0"/>
+              <a:cs typeface="Arvo" charset="0"/>
+            </a:endParaRPr>
+          </a:p>
+        </p:txBody>
+      </p:sp>
+      <p:sp>
+        <p:nvSpPr>
+          <p:cNvPr id="28" name="TextBox 27"/>
+          <p:cNvSpPr txBox="1"/>
+          <p:nvPr/>
+        </p:nvSpPr>
+        <p:spPr>
+          <a:xfrm>
+            <a:off x="1596177" y="3578745"/>
+            <a:ext cx="2111475" cy="338554"/>
+          </a:xfrm>
+          <a:prstGeom prst="rect">
+            <a:avLst/>
+          </a:prstGeom>
+          <a:noFill/>
+        </p:spPr>
+        <p:txBody>
+          <a:bodyPr wrap="none" rtlCol="0">
+            <a:spAutoFit/>
+          </a:bodyPr>
+          <a:lstStyle/>
+          <a:p>
+            <a:r>
+              <a:rPr lang="en-US" sz="1600" dirty="0" smtClean="0">
+                <a:solidFill>
+                  <a:srgbClr val="FF0000"/>
+                </a:solidFill>
+                <a:latin typeface="Arvo" charset="0"/>
+                <a:ea typeface="Arvo" charset="0"/>
+                <a:cs typeface="Arvo" charset="0"/>
+              </a:rPr>
+              <a:t>Dirty Training Data</a:t>
+            </a:r>
+          </a:p>
+        </p:txBody>
+      </p:sp>
+      <p:sp>
+        <p:nvSpPr>
+          <p:cNvPr id="29" name="TextBox 28"/>
+          <p:cNvSpPr txBox="1"/>
+          <p:nvPr/>
+        </p:nvSpPr>
+        <p:spPr>
+          <a:xfrm>
+            <a:off x="2583102" y="3069574"/>
+            <a:ext cx="2834430" cy="338554"/>
+          </a:xfrm>
+          <a:prstGeom prst="rect">
+            <a:avLst/>
+          </a:prstGeom>
+          <a:solidFill>
+            <a:schemeClr val="bg1"/>
+          </a:solidFill>
+        </p:spPr>
+        <p:txBody>
+          <a:bodyPr wrap="none" rtlCol="0">
+            <a:spAutoFit/>
+          </a:bodyPr>
+          <a:lstStyle/>
+          <a:p>
+            <a:r>
+              <a:rPr lang="en-US" sz="1600" dirty="0">
+                <a:solidFill>
+                  <a:schemeClr val="accent5"/>
+                </a:solidFill>
+                <a:latin typeface="Arvo" charset="0"/>
+                <a:ea typeface="Arvo" charset="0"/>
+                <a:cs typeface="Arvo" charset="0"/>
+              </a:rPr>
+              <a:t>I</a:t>
+            </a:r>
+            <a:r>
+              <a:rPr lang="en-US" sz="1600" dirty="0" smtClean="0">
+                <a:solidFill>
+                  <a:schemeClr val="accent5"/>
+                </a:solidFill>
+                <a:latin typeface="Arvo" charset="0"/>
+                <a:ea typeface="Arvo" charset="0"/>
+                <a:cs typeface="Arvo" charset="0"/>
+              </a:rPr>
+              <a:t>nvariant: </a:t>
+            </a:r>
+            <a:r>
+              <a:rPr lang="en-US" sz="1600" dirty="0" err="1" smtClean="0">
+                <a:solidFill>
+                  <a:schemeClr val="accent5"/>
+                </a:solidFill>
+                <a:latin typeface="Raleway" charset="0"/>
+                <a:ea typeface="Raleway" charset="0"/>
+                <a:cs typeface="Raleway" charset="0"/>
+              </a:rPr>
+              <a:t>n_emp</a:t>
+            </a:r>
+            <a:r>
+              <a:rPr lang="en-US" sz="1600" dirty="0" smtClean="0">
+                <a:solidFill>
+                  <a:schemeClr val="accent5"/>
+                </a:solidFill>
+                <a:latin typeface="Raleway" charset="0"/>
+                <a:ea typeface="Raleway" charset="0"/>
+                <a:cs typeface="Raleway" charset="0"/>
+              </a:rPr>
+              <a:t> is not null</a:t>
+            </a:r>
+          </a:p>
+        </p:txBody>
+      </p:sp>
+      <p:sp>
+        <p:nvSpPr>
+          <p:cNvPr id="60" name="Oval 59"/>
+          <p:cNvSpPr/>
+          <p:nvPr/>
+        </p:nvSpPr>
+        <p:spPr>
+          <a:xfrm>
+            <a:off x="3509476" y="5536548"/>
+            <a:ext cx="763675" cy="763675"/>
+          </a:xfrm>
+          <a:prstGeom prst="ellipse">
+            <a:avLst/>
+          </a:prstGeom>
+          <a:solidFill>
+            <a:schemeClr val="bg1"/>
+          </a:solidFill>
+          <a:ln w="28575">
+            <a:solidFill>
+              <a:schemeClr val="bg1">
+                <a:lumMod val="50000"/>
+              </a:schemeClr>
+            </a:solidFill>
+          </a:ln>
+        </p:spPr>
+        <p:style>
+          <a:lnRef idx="2">
+            <a:schemeClr val="accent1">
+              <a:shade val="50000"/>
+            </a:schemeClr>
+          </a:lnRef>
+          <a:fillRef idx="1">
+            <a:schemeClr val="accent1"/>
+          </a:fillRef>
+          <a:effectRef idx="0">
+            <a:schemeClr val="accent1"/>
+          </a:effectRef>
+          <a:fontRef idx="minor">
+            <a:schemeClr val="lt1"/>
+          </a:fontRef>
+        </p:style>
+        <p:txBody>
+          <a:bodyPr rtlCol="0" anchor="ctr"/>
+          <a:lstStyle/>
+          <a:p>
+            <a:pPr algn="ctr"/>
+            <a:r>
+              <a:rPr lang="en-US" dirty="0">
+                <a:solidFill>
+                  <a:schemeClr val="bg1">
+                    <a:lumMod val="50000"/>
+                  </a:schemeClr>
+                </a:solidFill>
+                <a:latin typeface="Arvo" charset="0"/>
+                <a:ea typeface="Arvo" charset="0"/>
+                <a:cs typeface="Arvo" charset="0"/>
+              </a:rPr>
+              <a:t>C</a:t>
+            </a:r>
+            <a:endParaRPr lang="en-US" dirty="0">
+              <a:solidFill>
+                <a:schemeClr val="bg1">
+                  <a:lumMod val="50000"/>
+                </a:schemeClr>
+              </a:solidFill>
+              <a:latin typeface="Arvo" charset="0"/>
+              <a:ea typeface="Arvo" charset="0"/>
+              <a:cs typeface="Arvo" charset="0"/>
+            </a:endParaRPr>
+          </a:p>
+        </p:txBody>
+      </p:sp>
+      <p:sp>
+        <p:nvSpPr>
+          <p:cNvPr id="61" name="TextBox 60"/>
+          <p:cNvSpPr txBox="1"/>
+          <p:nvPr/>
+        </p:nvSpPr>
+        <p:spPr>
+          <a:xfrm>
+            <a:off x="3517943" y="5962449"/>
+            <a:ext cx="756938" cy="246221"/>
+          </a:xfrm>
+          <a:prstGeom prst="rect">
+            <a:avLst/>
+          </a:prstGeom>
+          <a:noFill/>
+        </p:spPr>
+        <p:txBody>
+          <a:bodyPr wrap="none" rtlCol="0">
+            <a:spAutoFit/>
+          </a:bodyPr>
+          <a:lstStyle/>
+          <a:p>
+            <a:pPr algn="ctr"/>
+            <a:r>
+              <a:rPr lang="en-US" sz="1000" smtClean="0">
+                <a:solidFill>
+                  <a:schemeClr val="bg1">
+                    <a:lumMod val="50000"/>
+                  </a:schemeClr>
+                </a:solidFill>
+                <a:latin typeface="Arvo" charset="0"/>
+                <a:ea typeface="Arvo" charset="0"/>
+                <a:cs typeface="Arvo" charset="0"/>
+              </a:rPr>
+              <a:t>classifier</a:t>
+            </a:r>
+            <a:endParaRPr lang="en-US" sz="1000" dirty="0">
+              <a:solidFill>
+                <a:schemeClr val="bg1">
+                  <a:lumMod val="50000"/>
+                </a:schemeClr>
+              </a:solidFill>
+              <a:latin typeface="Arvo" charset="0"/>
+              <a:ea typeface="Arvo" charset="0"/>
+              <a:cs typeface="Arvo" charset="0"/>
+            </a:endParaRPr>
+          </a:p>
+        </p:txBody>
+      </p:sp>
+      <p:sp>
+        <p:nvSpPr>
+          <p:cNvPr id="63" name="TextBox 62"/>
+          <p:cNvSpPr txBox="1"/>
+          <p:nvPr/>
+        </p:nvSpPr>
+        <p:spPr>
+          <a:xfrm>
+            <a:off x="4681848" y="5101483"/>
+            <a:ext cx="1647631" cy="338554"/>
+          </a:xfrm>
+          <a:prstGeom prst="rect">
+            <a:avLst/>
+          </a:prstGeom>
+          <a:noFill/>
+        </p:spPr>
+        <p:txBody>
+          <a:bodyPr wrap="none" rtlCol="0">
+            <a:spAutoFit/>
+          </a:bodyPr>
+          <a:lstStyle/>
+          <a:p>
+            <a:r>
+              <a:rPr lang="en-US" sz="1600" dirty="0" smtClean="0">
+                <a:solidFill>
+                  <a:srgbClr val="FF0000"/>
+                </a:solidFill>
+                <a:latin typeface="Arvo" charset="0"/>
+                <a:ea typeface="Arvo" charset="0"/>
+                <a:cs typeface="Arvo" charset="0"/>
+              </a:rPr>
+              <a:t>Dirty Test Data</a:t>
+            </a:r>
+          </a:p>
+        </p:txBody>
+      </p:sp>
+      <p:sp>
+        <p:nvSpPr>
+          <p:cNvPr id="64" name="TextBox 63"/>
+          <p:cNvSpPr txBox="1"/>
+          <p:nvPr/>
+        </p:nvSpPr>
+        <p:spPr>
+          <a:xfrm>
+            <a:off x="4832722" y="5912206"/>
+            <a:ext cx="1422953" cy="338554"/>
+          </a:xfrm>
+          <a:prstGeom prst="rect">
+            <a:avLst/>
+          </a:prstGeom>
+          <a:noFill/>
+          <a:ln>
+            <a:noFill/>
+          </a:ln>
+        </p:spPr>
+        <p:txBody>
+          <a:bodyPr wrap="square" rtlCol="0">
+            <a:spAutoFit/>
+          </a:bodyPr>
+          <a:lstStyle/>
+          <a:p>
+            <a:r>
+              <a:rPr lang="en-US" sz="1600" dirty="0" err="1" smtClean="0">
+                <a:solidFill>
+                  <a:srgbClr val="FF0000"/>
+                </a:solidFill>
+                <a:latin typeface="Raleway" charset="0"/>
+                <a:ea typeface="Raleway" charset="0"/>
+                <a:cs typeface="Raleway" charset="0"/>
+              </a:rPr>
+              <a:t>n_emp</a:t>
+            </a:r>
+            <a:r>
+              <a:rPr lang="en-US" sz="1600" dirty="0" smtClean="0">
+                <a:solidFill>
+                  <a:srgbClr val="FF0000"/>
+                </a:solidFill>
+                <a:latin typeface="Raleway" charset="0"/>
+                <a:ea typeface="Raleway" charset="0"/>
+                <a:cs typeface="Raleway" charset="0"/>
+              </a:rPr>
+              <a:t> = null</a:t>
+            </a:r>
+            <a:endParaRPr lang="en-US" sz="1600" dirty="0">
+              <a:solidFill>
+                <a:srgbClr val="FF0000"/>
+              </a:solidFill>
+              <a:latin typeface="Raleway" charset="0"/>
+              <a:ea typeface="Raleway" charset="0"/>
+              <a:cs typeface="Raleway" charset="0"/>
+            </a:endParaRPr>
+          </a:p>
+        </p:txBody>
+      </p:sp>
+      <p:sp>
+        <p:nvSpPr>
+          <p:cNvPr id="65" name="TextBox 64"/>
+          <p:cNvSpPr txBox="1"/>
+          <p:nvPr/>
+        </p:nvSpPr>
+        <p:spPr>
+          <a:xfrm>
+            <a:off x="4835214" y="5558530"/>
+            <a:ext cx="1144865" cy="338554"/>
+          </a:xfrm>
+          <a:prstGeom prst="rect">
+            <a:avLst/>
+          </a:prstGeom>
+          <a:noFill/>
+        </p:spPr>
+        <p:txBody>
+          <a:bodyPr wrap="none" rtlCol="0">
+            <a:spAutoFit/>
+          </a:bodyPr>
+          <a:lstStyle/>
+          <a:p>
+            <a:r>
+              <a:rPr lang="en-US" sz="1600" smtClean="0">
+                <a:solidFill>
+                  <a:schemeClr val="bg1">
+                    <a:lumMod val="50000"/>
+                  </a:schemeClr>
+                </a:solidFill>
+                <a:latin typeface="Raleway" charset="0"/>
+                <a:ea typeface="Raleway" charset="0"/>
+                <a:cs typeface="Raleway" charset="0"/>
+              </a:rPr>
+              <a:t>prediction</a:t>
+            </a:r>
+          </a:p>
+        </p:txBody>
+      </p:sp>
+      <p:cxnSp>
+        <p:nvCxnSpPr>
+          <p:cNvPr id="66" name="Straight Arrow Connector 65"/>
+          <p:cNvCxnSpPr/>
+          <p:nvPr/>
+        </p:nvCxnSpPr>
+        <p:spPr>
+          <a:xfrm flipV="1">
+            <a:off x="4249918" y="6080394"/>
+            <a:ext cx="582805" cy="2178"/>
+          </a:xfrm>
+          <a:prstGeom prst="straightConnector1">
+            <a:avLst/>
+          </a:prstGeom>
+          <a:ln w="28575">
+            <a:solidFill>
+              <a:schemeClr val="bg1">
+                <a:lumMod val="50000"/>
+              </a:schemeClr>
+            </a:solidFill>
+            <a:headEnd type="triangle" w="med" len="med"/>
+            <a:tailEnd type="none" w="med" len="med"/>
+          </a:ln>
+        </p:spPr>
+        <p:style>
+          <a:lnRef idx="1">
+            <a:schemeClr val="accent1"/>
+          </a:lnRef>
+          <a:fillRef idx="0">
+            <a:schemeClr val="accent1"/>
+          </a:fillRef>
+          <a:effectRef idx="0">
+            <a:schemeClr val="accent1"/>
+          </a:effectRef>
+          <a:fontRef idx="minor">
+            <a:schemeClr val="tx1"/>
+          </a:fontRef>
+        </p:style>
+      </p:cxnSp>
+      <p:cxnSp>
+        <p:nvCxnSpPr>
+          <p:cNvPr id="67" name="Straight Arrow Connector 66"/>
+          <p:cNvCxnSpPr/>
+          <p:nvPr/>
+        </p:nvCxnSpPr>
+        <p:spPr>
+          <a:xfrm flipV="1">
+            <a:off x="4265320" y="5761171"/>
+            <a:ext cx="582805" cy="2178"/>
+          </a:xfrm>
+          <a:prstGeom prst="straightConnector1">
+            <a:avLst/>
+          </a:prstGeom>
+          <a:ln w="28575">
+            <a:solidFill>
+              <a:schemeClr val="bg1">
+                <a:lumMod val="50000"/>
+              </a:schemeClr>
+            </a:solidFill>
+            <a:tailEnd type="triangle"/>
+          </a:ln>
+        </p:spPr>
+        <p:style>
+          <a:lnRef idx="1">
+            <a:schemeClr val="accent1"/>
+          </a:lnRef>
+          <a:fillRef idx="0">
+            <a:schemeClr val="accent1"/>
+          </a:fillRef>
+          <a:effectRef idx="0">
+            <a:schemeClr val="accent1"/>
+          </a:effectRef>
+          <a:fontRef idx="minor">
+            <a:schemeClr val="tx1"/>
+          </a:fontRef>
+        </p:style>
+      </p:cxnSp>
+    </p:spTree>
+    <p:extLst>
+      <p:ext uri="{BB962C8B-B14F-4D97-AF65-F5344CB8AC3E}">
+        <p14:creationId xmlns:p14="http://schemas.microsoft.com/office/powerpoint/2010/main" val="1662185558"/>
       </p:ext>
     </p:extLst>
   </p:cSld>
@@ -6361,6 +9212,28 @@
         </a:fontRef>
       </a:style>
     </a:spDef>
+    <a:txDef>
+      <a:spPr>
+        <a:noFill/>
+      </a:spPr>
+      <a:bodyPr wrap="none" rtlCol="0">
+        <a:spAutoFit/>
+      </a:bodyPr>
+      <a:lstStyle>
+        <a:defPPr>
+          <a:defRPr sz="1600" smtClean="0">
+            <a:solidFill>
+              <a:schemeClr val="bg1">
+                <a:lumMod val="50000"/>
+              </a:schemeClr>
+            </a:solidFill>
+            <a:latin typeface="Raleway" charset="0"/>
+            <a:ea typeface="Raleway" charset="0"/>
+            <a:cs typeface="Raleway" charset="0"/>
+          </a:defRPr>
+        </a:defPPr>
+      </a:lstStyle>
+    </a:txDef>
   </a:objectDefaults>
   <a:extraClrSchemeLst/>
   <a:extLst>

--- a/figures/figures.pptx
+++ b/figures/figures.pptx
@@ -8155,6 +8155,61 @@
           <a:chExt cx="0" cy="0"/>
         </a:xfrm>
       </p:grpSpPr>
+      <p:sp>
+        <p:nvSpPr>
+          <p:cNvPr id="2" name="Rectangle 1"/>
+          <p:cNvSpPr/>
+          <p:nvPr/>
+        </p:nvSpPr>
+        <p:spPr>
+          <a:xfrm>
+            <a:off x="1060704" y="2937933"/>
+            <a:ext cx="5693664" cy="3523827"/>
+          </a:xfrm>
+          <a:prstGeom prst="rect">
+            <a:avLst/>
+          </a:prstGeom>
+          <a:solidFill>
+            <a:schemeClr val="bg1"/>
+          </a:solidFill>
+          <a:ln w="28575">
+            <a:noFill/>
+          </a:ln>
+        </p:spPr>
+        <p:style>
+          <a:lnRef idx="2">
+            <a:schemeClr val="accent1">
+              <a:shade val="50000"/>
+            </a:schemeClr>
+          </a:lnRef>
+          <a:fillRef idx="1">
+            <a:schemeClr val="accent1"/>
+          </a:fillRef>
+          <a:effectRef idx="0">
+            <a:schemeClr val="accent1"/>
+          </a:effectRef>
+          <a:fontRef idx="minor">
+            <a:schemeClr val="lt1"/>
+          </a:fontRef>
+        </p:style>
+        <p:txBody>
+          <a:bodyPr rtlCol="0" anchor="ctr"/>
+          <a:lstStyle/>
+          <a:p>
+            <a:pPr algn="ctr"/>
+            <a:endParaRPr lang="en-US" smtClean="0">
+              <a:solidFill>
+                <a:schemeClr val="bg1">
+                  <a:lumMod val="50000"/>
+                </a:schemeClr>
+              </a:solidFill>
+              <a:latin typeface="Raleway" charset="0"/>
+              <a:ea typeface="Raleway" charset="0"/>
+              <a:cs typeface="Raleway" charset="0"/>
+            </a:endParaRPr>
+          </a:p>
+        </p:txBody>
+      </p:sp>
       <p:cxnSp>
         <p:nvCxnSpPr>
           <p:cNvPr id="40" name="Straight Arrow Connector 39"/>
@@ -8163,8 +8218,8 @@
         </p:nvCxnSpPr>
         <p:spPr>
           <a:xfrm flipV="1">
-            <a:off x="3872278" y="3285068"/>
-            <a:ext cx="24135" cy="3315635"/>
+            <a:off x="3891313" y="3285069"/>
+            <a:ext cx="0" cy="3079155"/>
           </a:xfrm>
           <a:prstGeom prst="straightConnector1">
             <a:avLst/>
@@ -8203,7 +8258,7 @@
         </p:nvSpPr>
         <p:spPr>
           <a:xfrm>
-            <a:off x="1494798" y="4226370"/>
+            <a:off x="1543438" y="4250757"/>
             <a:ext cx="1439704" cy="338554"/>
           </a:xfrm>
           <a:prstGeom prst="rect">
@@ -8241,7 +8296,7 @@
                 <a:ea typeface="Raleway" charset="0"/>
                 <a:cs typeface="Raleway" charset="0"/>
               </a:rPr>
-              <a:t> = null</a:t>
+              <a:t> = 0</a:t>
             </a:r>
             <a:endParaRPr lang="en-US" sz="1600" dirty="0">
               <a:solidFill>
@@ -8265,8 +8320,8 @@
         </p:nvCxnSpPr>
         <p:spPr>
           <a:xfrm>
-            <a:off x="2934502" y="4395647"/>
-            <a:ext cx="574974" cy="1"/>
+            <a:off x="2983142" y="4420034"/>
+            <a:ext cx="526334" cy="1"/>
           </a:xfrm>
           <a:prstGeom prst="straightConnector1">
             <a:avLst/>
@@ -8303,7 +8358,7 @@
         </p:nvSpPr>
         <p:spPr>
           <a:xfrm>
-            <a:off x="2934684" y="4019289"/>
+            <a:off x="2934684" y="4043676"/>
             <a:ext cx="603050" cy="338554"/>
           </a:xfrm>
           <a:prstGeom prst="rect">
@@ -8352,7 +8407,7 @@
         </p:nvSpPr>
         <p:spPr>
           <a:xfrm>
-            <a:off x="3509476" y="4013810"/>
+            <a:off x="3509476" y="4038197"/>
             <a:ext cx="763675" cy="763675"/>
           </a:xfrm>
           <a:prstGeom prst="ellipse">
@@ -8424,7 +8479,7 @@
         </p:nvSpPr>
         <p:spPr>
           <a:xfrm>
-            <a:off x="3517943" y="4439711"/>
+            <a:off x="3517943" y="4464098"/>
             <a:ext cx="756938" cy="246221"/>
           </a:xfrm>
           <a:prstGeom prst="rect">
@@ -8473,8 +8528,8 @@
         </p:nvSpPr>
         <p:spPr>
           <a:xfrm>
-            <a:off x="1596177" y="3578745"/>
-            <a:ext cx="2111475" cy="338554"/>
+            <a:off x="1543936" y="4610952"/>
+            <a:ext cx="1633781" cy="276999"/>
           </a:xfrm>
           <a:prstGeom prst="rect">
             <a:avLst/>
@@ -8488,7 +8543,7 @@
           <a:lstStyle/>
           <a:p>
             <a:r>
-              <a:rPr lang="en-US" sz="1600" dirty="0" smtClean="0">
+              <a:rPr lang="en-US" sz="1200" dirty="0" smtClean="0">
                 <a:solidFill>
                   <a:srgbClr val="FF0000"/>
                 </a:solidFill>
@@ -8510,7 +8565,7 @@
         <p:spPr>
           <a:xfrm>
             <a:off x="2583102" y="3069574"/>
-            <a:ext cx="2834430" cy="338554"/>
+            <a:ext cx="2201244" cy="338554"/>
           </a:xfrm>
           <a:prstGeom prst="rect">
             <a:avLst/>
@@ -8567,7 +8622,7 @@
                 <a:ea typeface="Raleway" charset="0"/>
                 <a:cs typeface="Raleway" charset="0"/>
               </a:rPr>
-              <a:t> is not null</a:t>
+              <a:t> &gt; 0</a:t>
             </a:r>
           </a:p>
         </p:txBody>
@@ -8580,7 +8635,7 @@
         </p:nvSpPr>
         <p:spPr>
           <a:xfrm>
-            <a:off x="3509476" y="5536548"/>
+            <a:off x="3509476" y="5256132"/>
             <a:ext cx="763675" cy="763675"/>
           </a:xfrm>
           <a:prstGeom prst="ellipse">
@@ -8652,7 +8707,7 @@
         </p:nvSpPr>
         <p:spPr>
           <a:xfrm>
-            <a:off x="3517943" y="5962449"/>
+            <a:off x="3517943" y="5682033"/>
             <a:ext cx="756938" cy="246221"/>
           </a:xfrm>
           <a:prstGeom prst="rect">
@@ -8701,8 +8756,8 @@
         </p:nvSpPr>
         <p:spPr>
           <a:xfrm>
-            <a:off x="4681848" y="5101483"/>
-            <a:ext cx="1647631" cy="338554"/>
+            <a:off x="4888814" y="5981733"/>
+            <a:ext cx="1285095" cy="276999"/>
           </a:xfrm>
           <a:prstGeom prst="rect">
             <a:avLst/>
@@ -8716,7 +8771,7 @@
           <a:lstStyle/>
           <a:p>
             <a:r>
-              <a:rPr lang="en-US" sz="1600" dirty="0" smtClean="0">
+              <a:rPr lang="en-US" sz="1200" dirty="0" smtClean="0">
                 <a:solidFill>
                   <a:srgbClr val="FF0000"/>
                 </a:solidFill>
@@ -8737,7 +8792,7 @@
         </p:nvSpPr>
         <p:spPr>
           <a:xfrm>
-            <a:off x="4832722" y="5912206"/>
+            <a:off x="4836819" y="5631790"/>
             <a:ext cx="1422953" cy="338554"/>
           </a:xfrm>
           <a:prstGeom prst="rect">
@@ -8795,8 +8850,8 @@
         </p:nvSpPr>
         <p:spPr>
           <a:xfrm>
-            <a:off x="4835214" y="5558530"/>
-            <a:ext cx="1144865" cy="338554"/>
+            <a:off x="4836819" y="5278114"/>
+            <a:ext cx="1630575" cy="338554"/>
           </a:xfrm>
           <a:prstGeom prst="rect">
             <a:avLst/>
@@ -8810,7 +8865,7 @@
           <a:lstStyle/>
           <a:p>
             <a:r>
-              <a:rPr lang="en-US" sz="1600" smtClean="0">
+              <a:rPr lang="en-US" sz="1600" dirty="0" smtClean="0">
                 <a:solidFill>
                   <a:schemeClr val="bg1">
                     <a:lumMod val="50000"/>
@@ -8820,7 +8875,7 @@
                 <a:ea typeface="Raleway" charset="0"/>
                 <a:cs typeface="Raleway" charset="0"/>
               </a:rPr>
-              <a:t>prediction</a:t>
+              <a:t>predicted label</a:t>
             </a:r>
           </a:p>
         </p:txBody>
@@ -8833,7 +8888,7 @@
         </p:nvCxnSpPr>
         <p:spPr>
           <a:xfrm flipV="1">
-            <a:off x="4249918" y="6080394"/>
+            <a:off x="4249918" y="5799978"/>
             <a:ext cx="582805" cy="2178"/>
           </a:xfrm>
           <a:prstGeom prst="straightConnector1">
@@ -8872,7 +8927,7 @@
         </p:nvCxnSpPr>
         <p:spPr>
           <a:xfrm flipV="1">
-            <a:off x="4265320" y="5761171"/>
+            <a:off x="4265320" y="5480755"/>
             <a:ext cx="582805" cy="2178"/>
           </a:xfrm>
           <a:prstGeom prst="straightConnector1">
@@ -8902,6 +8957,99 @@
           </a:fontRef>
         </p:style>
       </p:cxnSp>
+      <p:grpSp>
+        <p:nvGrpSpPr>
+          <p:cNvPr id="10" name="Group 9"/>
+          <p:cNvGrpSpPr/>
+          <p:nvPr/>
+        </p:nvGrpSpPr>
+        <p:grpSpPr>
+          <a:xfrm>
+            <a:off x="1554024" y="3463474"/>
+            <a:ext cx="4880718" cy="404086"/>
+            <a:chOff x="1841553" y="3463474"/>
+            <a:chExt cx="4880718" cy="404086"/>
+          </a:xfrm>
+        </p:grpSpPr>
+        <p:sp>
+          <p:nvSpPr>
+            <p:cNvPr id="3" name="TextBox 2"/>
+            <p:cNvSpPr txBox="1"/>
+            <p:nvPr/>
+          </p:nvSpPr>
+          <p:spPr>
+            <a:xfrm>
+              <a:off x="1841553" y="3467450"/>
+              <a:ext cx="1994457" cy="400110"/>
+            </a:xfrm>
+            <a:prstGeom prst="rect">
+              <a:avLst/>
+            </a:prstGeom>
+            <a:noFill/>
+          </p:spPr>
+          <p:txBody>
+            <a:bodyPr wrap="none" rtlCol="0">
+              <a:spAutoFit/>
+            </a:bodyPr>
+            <a:lstStyle/>
+            <a:p>
+              <a:pPr algn="ctr"/>
+              <a:r>
+                <a:rPr lang="en-US" sz="2000" dirty="0" smtClean="0">
+                  <a:solidFill>
+                    <a:schemeClr val="bg1">
+                      <a:lumMod val="50000"/>
+                    </a:schemeClr>
+                  </a:solidFill>
+                  <a:latin typeface="Raleway" charset="0"/>
+                  <a:ea typeface="Raleway" charset="0"/>
+                  <a:cs typeface="Raleway" charset="0"/>
+                </a:rPr>
+                <a:t>Offline Training</a:t>
+              </a:r>
+            </a:p>
+          </p:txBody>
+        </p:sp>
+        <p:sp>
+          <p:nvSpPr>
+            <p:cNvPr id="6" name="TextBox 5"/>
+            <p:cNvSpPr txBox="1"/>
+            <p:nvPr/>
+          </p:nvSpPr>
+          <p:spPr>
+            <a:xfrm>
+              <a:off x="4501791" y="3463474"/>
+              <a:ext cx="2220480" cy="400110"/>
+            </a:xfrm>
+            <a:prstGeom prst="rect">
+              <a:avLst/>
+            </a:prstGeom>
+            <a:noFill/>
+          </p:spPr>
+          <p:txBody>
+            <a:bodyPr wrap="none" rtlCol="0">
+              <a:spAutoFit/>
+            </a:bodyPr>
+            <a:lstStyle/>
+            <a:p>
+              <a:pPr algn="ctr"/>
+              <a:r>
+                <a:rPr lang="en-US" sz="2000" dirty="0" smtClean="0">
+                  <a:solidFill>
+                    <a:schemeClr val="bg1">
+                      <a:lumMod val="50000"/>
+                    </a:schemeClr>
+                  </a:solidFill>
+                  <a:latin typeface="Raleway" charset="0"/>
+                  <a:ea typeface="Raleway" charset="0"/>
+                  <a:cs typeface="Raleway" charset="0"/>
+                </a:rPr>
+                <a:t>Online Prediction</a:t>
+              </a:r>
+            </a:p>
+          </p:txBody>
+        </p:sp>
+      </p:grpSp>
     </p:spTree>
     <p:extLst>
       <p:ext uri="{BB962C8B-B14F-4D97-AF65-F5344CB8AC3E}">

--- a/figures/figures.pptx
+++ b/figures/figures.pptx
@@ -5,13 +5,14 @@
     <p:sldMasterId id="2147483648" r:id="rId1"/>
   </p:sldMasterIdLst>
   <p:notesMasterIdLst>
-    <p:notesMasterId r:id="rId6"/>
+    <p:notesMasterId r:id="rId7"/>
   </p:notesMasterIdLst>
   <p:sldIdLst>
     <p:sldId id="256" r:id="rId2"/>
     <p:sldId id="257" r:id="rId3"/>
-    <p:sldId id="258" r:id="rId4"/>
-    <p:sldId id="259" r:id="rId5"/>
+    <p:sldId id="260" r:id="rId4"/>
+    <p:sldId id="258" r:id="rId5"/>
+    <p:sldId id="259" r:id="rId6"/>
   </p:sldIdLst>
   <p:sldSz cx="12192000" cy="6858000"/>
   <p:notesSz cx="6858000" cy="9144000"/>
@@ -710,7 +711,7 @@
     </p:spTree>
     <p:extLst>
       <p:ext uri="{BB962C8B-B14F-4D97-AF65-F5344CB8AC3E}">
-        <p14:creationId xmlns:p14="http://schemas.microsoft.com/office/powerpoint/2010/main" val="1592470929"/>
+        <p14:creationId xmlns:p14="http://schemas.microsoft.com/office/powerpoint/2010/main" val="1684192160"/>
       </p:ext>
     </p:extLst>
   </p:cSld>
@@ -786,6 +787,90 @@
             <a:fld id="{B0DEB76D-F3F5-5948-B3EE-A967BEDAE6F6}" type="slidenum">
               <a:rPr lang="en-US" smtClean="0"/>
               <a:t>4</a:t>
+            </a:fld>
+            <a:endParaRPr lang="en-US"/>
+          </a:p>
+        </p:txBody>
+      </p:sp>
+    </p:spTree>
+    <p:extLst>
+      <p:ext uri="{BB962C8B-B14F-4D97-AF65-F5344CB8AC3E}">
+        <p14:creationId xmlns:p14="http://schemas.microsoft.com/office/powerpoint/2010/main" val="1592470929"/>
+      </p:ext>
+    </p:extLst>
+  </p:cSld>
+  <p:clrMapOvr>
+    <a:masterClrMapping/>
+  </p:clrMapOvr>
+</p:notes>
+</file>
+
+<file path=ppt/notesSlides/notesSlide5.xml><?xml version="1.0" encoding="utf-8"?>
+<p:notes xmlns:a="http://schemas.openxmlformats.org/drawingml/2006/main" xmlns:r="http://schemas.openxmlformats.org/officeDocument/2006/relationships" xmlns:p="http://schemas.openxmlformats.org/presentationml/2006/main">
+  <p:cSld>
+    <p:spTree>
+      <p:nvGrpSpPr>
+        <p:cNvPr id="1" name=""/>
+        <p:cNvGrpSpPr/>
+        <p:nvPr/>
+      </p:nvGrpSpPr>
+      <p:grpSpPr>
+        <a:xfrm>
+          <a:off x="0" y="0"/>
+          <a:ext cx="0" cy="0"/>
+          <a:chOff x="0" y="0"/>
+          <a:chExt cx="0" cy="0"/>
+        </a:xfrm>
+      </p:grpSpPr>
+      <p:sp>
+        <p:nvSpPr>
+          <p:cNvPr id="2" name="Slide Image Placeholder 1"/>
+          <p:cNvSpPr>
+            <a:spLocks noGrp="1" noRot="1" noChangeAspect="1"/>
+          </p:cNvSpPr>
+          <p:nvPr>
+            <p:ph type="sldImg"/>
+          </p:nvPr>
+        </p:nvSpPr>
+        <p:spPr/>
+      </p:sp>
+      <p:sp>
+        <p:nvSpPr>
+          <p:cNvPr id="3" name="Notes Placeholder 2"/>
+          <p:cNvSpPr>
+            <a:spLocks noGrp="1"/>
+          </p:cNvSpPr>
+          <p:nvPr>
+            <p:ph type="body" idx="1"/>
+          </p:nvPr>
+        </p:nvSpPr>
+        <p:spPr/>
+        <p:txBody>
+          <a:bodyPr/>
+          <a:lstStyle/>
+          <a:p>
+            <a:endParaRPr lang="en-US" dirty="0"/>
+          </a:p>
+        </p:txBody>
+      </p:sp>
+      <p:sp>
+        <p:nvSpPr>
+          <p:cNvPr id="4" name="Slide Number Placeholder 3"/>
+          <p:cNvSpPr>
+            <a:spLocks noGrp="1"/>
+          </p:cNvSpPr>
+          <p:nvPr>
+            <p:ph type="sldNum" sz="quarter" idx="10"/>
+          </p:nvPr>
+        </p:nvSpPr>
+        <p:spPr/>
+        <p:txBody>
+          <a:bodyPr/>
+          <a:lstStyle/>
+          <a:p>
+            <a:fld id="{B0DEB76D-F3F5-5948-B3EE-A967BEDAE6F6}" type="slidenum">
+              <a:rPr lang="en-US" smtClean="0"/>
+              <a:t>5</a:t>
             </a:fld>
             <a:endParaRPr lang="en-US"/>
           </a:p>
@@ -4909,7 +4994,7 @@
           <a:p>
             <a:pPr algn="ctr"/>
             <a:r>
-              <a:rPr lang="en-US" sz="1600" dirty="0">
+              <a:rPr lang="en-US" sz="1600" dirty="0" smtClean="0">
                 <a:solidFill>
                   <a:schemeClr val="accent2"/>
                 </a:solidFill>
@@ -4917,19 +5002,16 @@
                 <a:ea typeface="Raleway" charset="0"/>
                 <a:cs typeface="Raleway" charset="0"/>
               </a:rPr>
-              <a:t>C</a:t>
-            </a:r>
-            <a:r>
-              <a:rPr lang="en-US" sz="1600" dirty="0" smtClean="0">
-                <a:solidFill>
-                  <a:schemeClr val="accent2"/>
-                </a:solidFill>
-                <a:latin typeface="Raleway" charset="0"/>
-                <a:ea typeface="Raleway" charset="0"/>
-                <a:cs typeface="Raleway" charset="0"/>
-              </a:rPr>
-              <a:t>hecker</a:t>
-            </a:r>
+              <a:t>Evaluate accuracy</a:t>
+            </a:r>
+            <a:endParaRPr lang="en-US" sz="1600" dirty="0" smtClean="0">
+              <a:solidFill>
+                <a:schemeClr val="accent2"/>
+              </a:solidFill>
+              <a:latin typeface="Raleway" charset="0"/>
+              <a:ea typeface="Raleway" charset="0"/>
+              <a:cs typeface="Raleway" charset="0"/>
+            </a:endParaRPr>
           </a:p>
         </p:txBody>
       </p:sp>
@@ -6187,46 +6269,6 @@
           <a:chExt cx="0" cy="0"/>
         </a:xfrm>
       </p:grpSpPr>
-      <p:cxnSp>
-        <p:nvCxnSpPr>
-          <p:cNvPr id="40" name="Straight Arrow Connector 39"/>
-          <p:cNvCxnSpPr/>
-          <p:nvPr/>
-        </p:nvCxnSpPr>
-        <p:spPr>
-          <a:xfrm flipV="1">
-            <a:off x="3872278" y="3285068"/>
-            <a:ext cx="24135" cy="3315635"/>
-          </a:xfrm>
-          <a:prstGeom prst="straightConnector1">
-            <a:avLst/>
-          </a:prstGeom>
-          <a:ln w="28575">
-            <a:solidFill>
-              <a:schemeClr val="bg1">
-                <a:lumMod val="50000"/>
-              </a:schemeClr>
-            </a:solidFill>
-            <a:prstDash val="sysDot"/>
-            <a:headEnd type="none" w="med" len="med"/>
-            <a:tailEnd type="none" w="med" len="med"/>
-          </a:ln>
-        </p:spPr>
-        <p:style>
-          <a:lnRef idx="1">
-            <a:schemeClr val="accent1"/>
-          </a:lnRef>
-          <a:fillRef idx="0">
-            <a:schemeClr val="accent1"/>
-          </a:fillRef>
-          <a:effectRef idx="0">
-            <a:schemeClr val="accent1"/>
-          </a:effectRef>
-          <a:fontRef idx="minor">
-            <a:schemeClr val="tx1"/>
-          </a:fontRef>
-        </p:style>
-      </p:cxnSp>
       <p:sp>
         <p:nvSpPr>
           <p:cNvPr id="5" name="TextBox 4"/>
@@ -6235,8 +6277,8 @@
         </p:nvSpPr>
         <p:spPr>
           <a:xfrm>
-            <a:off x="1472361" y="659506"/>
-            <a:ext cx="1400395" cy="584775"/>
+            <a:off x="4365492" y="541614"/>
+            <a:ext cx="849913" cy="523220"/>
           </a:xfrm>
           <a:prstGeom prst="rect">
             <a:avLst/>
@@ -6247,40 +6289,46 @@
           </a:ln>
         </p:spPr>
         <p:txBody>
-          <a:bodyPr wrap="square" rtlCol="0">
+          <a:bodyPr wrap="none" rtlCol="0">
             <a:spAutoFit/>
           </a:bodyPr>
           <a:lstStyle/>
           <a:p>
             <a:pPr algn="ctr"/>
             <a:r>
-              <a:rPr lang="en-US" sz="1600" dirty="0" smtClean="0">
-                <a:solidFill>
-                  <a:srgbClr val="FF0000"/>
+              <a:rPr lang="en-US" sz="1400" dirty="0" smtClean="0">
+                <a:solidFill>
+                  <a:schemeClr val="bg1">
+                    <a:lumMod val="50000"/>
+                  </a:schemeClr>
                 </a:solidFill>
                 <a:latin typeface="Raleway" charset="0"/>
                 <a:ea typeface="Raleway" charset="0"/>
                 <a:cs typeface="Raleway" charset="0"/>
               </a:rPr>
-              <a:t>Dirty</a:t>
+              <a:t>Training</a:t>
             </a:r>
           </a:p>
           <a:p>
             <a:pPr algn="ctr"/>
             <a:r>
-              <a:rPr lang="en-US" sz="1600" dirty="0" smtClean="0">
-                <a:solidFill>
-                  <a:srgbClr val="FF0000"/>
+              <a:rPr lang="en-US" sz="1400" dirty="0" smtClean="0">
+                <a:solidFill>
+                  <a:schemeClr val="bg1">
+                    <a:lumMod val="50000"/>
+                  </a:schemeClr>
                 </a:solidFill>
                 <a:latin typeface="Raleway" charset="0"/>
                 <a:ea typeface="Raleway" charset="0"/>
                 <a:cs typeface="Raleway" charset="0"/>
               </a:rPr>
-              <a:t>training data</a:t>
-            </a:r>
-            <a:endParaRPr lang="en-US" sz="1600" dirty="0">
+              <a:t>data</a:t>
+            </a:r>
+            <a:endParaRPr lang="en-US" sz="1400" dirty="0">
               <a:solidFill>
-                <a:srgbClr val="FF0000"/>
+                <a:schemeClr val="bg1">
+                  <a:lumMod val="50000"/>
+                </a:schemeClr>
               </a:solidFill>
               <a:latin typeface="Raleway" charset="0"/>
               <a:ea typeface="Raleway" charset="0"/>
@@ -6297,7 +6345,7 @@
         </p:nvSpPr>
         <p:spPr>
           <a:xfrm>
-            <a:off x="5627080" y="572234"/>
+            <a:off x="5608419" y="5178278"/>
             <a:ext cx="763675" cy="763675"/>
           </a:xfrm>
           <a:prstGeom prst="ellipse">
@@ -6336,7 +6384,7 @@
           <a:p>
             <a:pPr algn="ctr"/>
             <a:r>
-              <a:rPr lang="en-US" dirty="0">
+              <a:rPr lang="en-US" sz="2400" smtClean="0">
                 <a:solidFill>
                   <a:schemeClr val="bg1">
                     <a:lumMod val="50000"/>
@@ -6348,7 +6396,7 @@
               </a:rPr>
               <a:t>C</a:t>
             </a:r>
-            <a:endParaRPr lang="en-US" dirty="0">
+            <a:endParaRPr lang="en-US" sz="2400" dirty="0">
               <a:solidFill>
                 <a:schemeClr val="bg1">
                   <a:lumMod val="50000"/>
@@ -6369,8 +6417,8 @@
         </p:nvSpPr>
         <p:spPr>
           <a:xfrm>
-            <a:off x="5500605" y="2000437"/>
-            <a:ext cx="1016625" cy="584775"/>
+            <a:off x="3544509" y="541614"/>
+            <a:ext cx="553357" cy="523220"/>
           </a:xfrm>
           <a:prstGeom prst="rect">
             <a:avLst/>
@@ -6385,33 +6433,52 @@
           <a:p>
             <a:pPr algn="ctr"/>
             <a:r>
-              <a:rPr lang="en-US" sz="1600" dirty="0" smtClean="0">
-                <a:solidFill>
-                  <a:srgbClr val="FF0000"/>
+              <a:rPr lang="en-US" sz="1400" dirty="0">
+                <a:solidFill>
+                  <a:schemeClr val="bg1">
+                    <a:lumMod val="50000"/>
+                  </a:schemeClr>
                 </a:solidFill>
                 <a:latin typeface="Raleway" charset="0"/>
                 <a:ea typeface="Raleway" charset="0"/>
                 <a:cs typeface="Raleway" charset="0"/>
               </a:rPr>
-              <a:t>Dirty </a:t>
-            </a:r>
-          </a:p>
-          <a:p>
-            <a:pPr algn="ctr"/>
-            <a:r>
-              <a:rPr lang="en-US" sz="1600" dirty="0" smtClean="0">
-                <a:solidFill>
-                  <a:srgbClr val="FF0000"/>
+              <a:t>T</a:t>
+            </a:r>
+            <a:r>
+              <a:rPr lang="en-US" sz="1400" dirty="0" smtClean="0">
+                <a:solidFill>
+                  <a:schemeClr val="bg1">
+                    <a:lumMod val="50000"/>
+                  </a:schemeClr>
                 </a:solidFill>
                 <a:latin typeface="Raleway" charset="0"/>
                 <a:ea typeface="Raleway" charset="0"/>
                 <a:cs typeface="Raleway" charset="0"/>
               </a:rPr>
-              <a:t>test data</a:t>
-            </a:r>
-            <a:endParaRPr lang="en-US" sz="1600" dirty="0">
+              <a:t>est</a:t>
+            </a:r>
+          </a:p>
+          <a:p>
+            <a:pPr algn="ctr"/>
+            <a:r>
+              <a:rPr lang="en-US" sz="1400" dirty="0" smtClean="0">
+                <a:solidFill>
+                  <a:schemeClr val="bg1">
+                    <a:lumMod val="50000"/>
+                  </a:schemeClr>
+                </a:solidFill>
+                <a:latin typeface="Raleway" charset="0"/>
+                <a:ea typeface="Raleway" charset="0"/>
+                <a:cs typeface="Raleway" charset="0"/>
+              </a:rPr>
+              <a:t>data</a:t>
+            </a:r>
+            <a:endParaRPr lang="en-US" sz="1400" dirty="0">
               <a:solidFill>
-                <a:srgbClr val="FF0000"/>
+                <a:schemeClr val="bg1">
+                  <a:lumMod val="50000"/>
+                </a:schemeClr>
               </a:solidFill>
               <a:latin typeface="Raleway" charset="0"/>
               <a:ea typeface="Raleway" charset="0"/>
@@ -6422,30 +6489,24 @@
       </p:sp>
       <p:cxnSp>
         <p:nvCxnSpPr>
-          <p:cNvPr id="24" name="Elbow Connector 23"/>
-          <p:cNvCxnSpPr>
-            <a:stCxn id="5" idx="3"/>
-            <a:endCxn id="8" idx="2"/>
-          </p:cNvCxnSpPr>
+          <p:cNvPr id="13" name="Elbow Connector 12"/>
+          <p:cNvCxnSpPr/>
           <p:nvPr/>
         </p:nvCxnSpPr>
         <p:spPr>
           <a:xfrm>
-            <a:off x="2872756" y="951894"/>
-            <a:ext cx="2754324" cy="2178"/>
+            <a:off x="2091493" y="5264468"/>
+            <a:ext cx="4507618" cy="767641"/>
           </a:xfrm>
           <a:prstGeom prst="bentConnector3">
             <a:avLst>
-              <a:gd name="adj1" fmla="val 50000"/>
+              <a:gd name="adj1" fmla="val 1849"/>
             </a:avLst>
           </a:prstGeom>
           <a:ln w="28575">
             <a:solidFill>
-              <a:schemeClr val="bg1">
-                <a:lumMod val="50000"/>
-              </a:schemeClr>
+              <a:schemeClr val="accent5"/>
             </a:solidFill>
-            <a:tailEnd type="triangle"/>
           </a:ln>
         </p:spPr>
         <p:style>
@@ -6463,6 +6524,42 @@
           </a:fontRef>
         </p:style>
       </p:cxnSp>
+      <p:cxnSp>
+        <p:nvCxnSpPr>
+          <p:cNvPr id="20" name="Straight Arrow Connector 19"/>
+          <p:cNvCxnSpPr/>
+          <p:nvPr/>
+        </p:nvCxnSpPr>
+        <p:spPr>
+          <a:xfrm flipV="1">
+            <a:off x="6599111" y="4620314"/>
+            <a:ext cx="0" cy="1411795"/>
+          </a:xfrm>
+          <a:prstGeom prst="straightConnector1">
+            <a:avLst/>
+          </a:prstGeom>
+          <a:ln w="28575">
+            <a:solidFill>
+              <a:schemeClr val="accent5"/>
+            </a:solidFill>
+            <a:tailEnd type="triangle"/>
+          </a:ln>
+        </p:spPr>
+        <p:style>
+          <a:lnRef idx="1">
+            <a:schemeClr val="accent1"/>
+          </a:lnRef>
+          <a:fillRef idx="0">
+            <a:schemeClr val="accent1"/>
+          </a:fillRef>
+          <a:effectRef idx="0">
+            <a:schemeClr val="accent1"/>
+          </a:effectRef>
+          <a:fontRef idx="minor">
+            <a:schemeClr val="tx1"/>
+          </a:fontRef>
+        </p:style>
+      </p:cxnSp>
       <p:sp>
         <p:nvSpPr>
           <p:cNvPr id="4" name="Rectangle 3"/>
@@ -6471,74 +6568,8 @@
         </p:nvSpPr>
         <p:spPr>
           <a:xfrm>
-            <a:off x="3056467" y="651899"/>
-            <a:ext cx="1413843" cy="623162"/>
-          </a:xfrm>
-          <a:prstGeom prst="rect">
-            <a:avLst/>
-          </a:prstGeom>
-          <a:solidFill>
-            <a:srgbClr val="FF0000"/>
-          </a:solidFill>
-          <a:ln w="28575">
-            <a:solidFill>
-              <a:srgbClr val="FF0000"/>
-            </a:solidFill>
-          </a:ln>
-        </p:spPr>
-        <p:style>
-          <a:lnRef idx="2">
-            <a:schemeClr val="accent1">
-              <a:shade val="50000"/>
-            </a:schemeClr>
-          </a:lnRef>
-          <a:fillRef idx="1">
-            <a:schemeClr val="accent1"/>
-          </a:fillRef>
-          <a:effectRef idx="0">
-            <a:schemeClr val="accent1"/>
-          </a:effectRef>
-          <a:fontRef idx="minor">
-            <a:schemeClr val="lt1"/>
-          </a:fontRef>
-        </p:style>
-        <p:txBody>
-          <a:bodyPr rtlCol="0" anchor="ctr"/>
-          <a:lstStyle/>
-          <a:p>
-            <a:pPr algn="ctr"/>
-            <a:r>
-              <a:rPr lang="en-US" sz="1400" smtClean="0">
-                <a:solidFill>
-                  <a:schemeClr val="bg1"/>
-                </a:solidFill>
-                <a:latin typeface="Raleway" charset="0"/>
-                <a:ea typeface="Raleway" charset="0"/>
-                <a:cs typeface="Raleway" charset="0"/>
-              </a:rPr>
-              <a:t>Detect Training Errors</a:t>
-            </a:r>
-            <a:endParaRPr lang="en-US" sz="1400" dirty="0">
-              <a:solidFill>
-                <a:schemeClr val="bg1"/>
-              </a:solidFill>
-              <a:latin typeface="Raleway" charset="0"/>
-              <a:ea typeface="Raleway" charset="0"/>
-              <a:cs typeface="Raleway" charset="0"/>
-            </a:endParaRPr>
-          </a:p>
-        </p:txBody>
-      </p:sp>
-      <p:sp>
-        <p:nvSpPr>
-          <p:cNvPr id="23" name="Rectangle 22"/>
-          <p:cNvSpPr/>
-          <p:nvPr/>
-        </p:nvSpPr>
-        <p:spPr>
-          <a:xfrm>
-            <a:off x="4675464" y="651898"/>
-            <a:ext cx="698400" cy="623723"/>
+            <a:off x="3937000" y="1360746"/>
+            <a:ext cx="3640668" cy="1925560"/>
           </a:xfrm>
           <a:prstGeom prst="rect">
             <a:avLst/>
@@ -6571,169 +6602,10 @@
           </a:fontRef>
         </p:style>
         <p:txBody>
-          <a:bodyPr rot="0" spcFirstLastPara="0" vertOverflow="overflow" horzOverflow="overflow" vert="horz" wrap="square" lIns="91440" tIns="45720" rIns="91440" bIns="45720" numCol="1" spcCol="0" rtlCol="0" fromWordArt="0" anchor="ctr" anchorCtr="0" forceAA="0" compatLnSpc="1">
-            <a:prstTxWarp prst="textNoShape">
-              <a:avLst/>
-            </a:prstTxWarp>
-            <a:noAutofit/>
-          </a:bodyPr>
+          <a:bodyPr rtlCol="0" anchor="ctr"/>
           <a:lstStyle/>
           <a:p>
             <a:pPr algn="ctr"/>
-            <a:r>
-              <a:rPr lang="en-US" smtClean="0">
-                <a:solidFill>
-                  <a:schemeClr val="bg1">
-                    <a:lumMod val="50000"/>
-                  </a:schemeClr>
-                </a:solidFill>
-                <a:latin typeface="Raleway" charset="0"/>
-                <a:ea typeface="Raleway" charset="0"/>
-                <a:cs typeface="Raleway" charset="0"/>
-              </a:rPr>
-              <a:t>train</a:t>
-            </a:r>
-          </a:p>
-        </p:txBody>
-      </p:sp>
-      <p:cxnSp>
-        <p:nvCxnSpPr>
-          <p:cNvPr id="31" name="Straight Arrow Connector 30"/>
-          <p:cNvCxnSpPr>
-            <a:stCxn id="8" idx="6"/>
-          </p:cNvCxnSpPr>
-          <p:nvPr/>
-        </p:nvCxnSpPr>
-        <p:spPr>
-          <a:xfrm flipV="1">
-            <a:off x="6390755" y="951894"/>
-            <a:ext cx="582805" cy="2178"/>
-          </a:xfrm>
-          <a:prstGeom prst="straightConnector1">
-            <a:avLst/>
-          </a:prstGeom>
-          <a:ln w="28575">
-            <a:solidFill>
-              <a:schemeClr val="bg1">
-                <a:lumMod val="50000"/>
-              </a:schemeClr>
-            </a:solidFill>
-            <a:tailEnd type="triangle"/>
-          </a:ln>
-        </p:spPr>
-        <p:style>
-          <a:lnRef idx="1">
-            <a:schemeClr val="accent1"/>
-          </a:lnRef>
-          <a:fillRef idx="0">
-            <a:schemeClr val="accent1"/>
-          </a:fillRef>
-          <a:effectRef idx="0">
-            <a:schemeClr val="accent1"/>
-          </a:effectRef>
-          <a:fontRef idx="minor">
-            <a:schemeClr val="tx1"/>
-          </a:fontRef>
-        </p:style>
-      </p:cxnSp>
-      <p:sp>
-        <p:nvSpPr>
-          <p:cNvPr id="37" name="Rectangle 36"/>
-          <p:cNvSpPr/>
-          <p:nvPr/>
-        </p:nvSpPr>
-        <p:spPr>
-          <a:xfrm>
-            <a:off x="2441749" y="2049342"/>
-            <a:ext cx="2308798" cy="623723"/>
-          </a:xfrm>
-          <a:prstGeom prst="rect">
-            <a:avLst/>
-          </a:prstGeom>
-          <a:solidFill>
-            <a:schemeClr val="bg1"/>
-          </a:solidFill>
-          <a:ln w="28575">
-            <a:solidFill>
-              <a:schemeClr val="accent5"/>
-            </a:solidFill>
-          </a:ln>
-        </p:spPr>
-        <p:style>
-          <a:lnRef idx="2">
-            <a:schemeClr val="accent1">
-              <a:shade val="50000"/>
-            </a:schemeClr>
-          </a:lnRef>
-          <a:fillRef idx="1">
-            <a:schemeClr val="accent1"/>
-          </a:fillRef>
-          <a:effectRef idx="0">
-            <a:schemeClr val="accent1"/>
-          </a:effectRef>
-          <a:fontRef idx="minor">
-            <a:schemeClr val="lt1"/>
-          </a:fontRef>
-        </p:style>
-        <p:txBody>
-          <a:bodyPr rot="0" spcFirstLastPara="0" vertOverflow="overflow" horzOverflow="overflow" vert="horz" wrap="square" lIns="91440" tIns="45720" rIns="91440" bIns="45720" numCol="1" spcCol="0" rtlCol="0" fromWordArt="0" anchor="ctr" anchorCtr="0" forceAA="0" compatLnSpc="1">
-            <a:prstTxWarp prst="textNoShape">
-              <a:avLst/>
-            </a:prstTxWarp>
-            <a:noAutofit/>
-          </a:bodyPr>
-          <a:lstStyle/>
-          <a:p>
-            <a:pPr algn="ctr"/>
-            <a:r>
-              <a:rPr lang="en-US" dirty="0" smtClean="0">
-                <a:solidFill>
-                  <a:schemeClr val="accent5"/>
-                </a:solidFill>
-                <a:latin typeface="Raleway" charset="0"/>
-                <a:ea typeface="Raleway" charset="0"/>
-                <a:cs typeface="Raleway" charset="0"/>
-              </a:rPr>
-              <a:t>conditional prediction repair</a:t>
-            </a:r>
-          </a:p>
-        </p:txBody>
-      </p:sp>
-      <p:sp>
-        <p:nvSpPr>
-          <p:cNvPr id="46" name="TextBox 45"/>
-          <p:cNvSpPr txBox="1"/>
-          <p:nvPr/>
-        </p:nvSpPr>
-        <p:spPr>
-          <a:xfrm>
-            <a:off x="6949869" y="779093"/>
-            <a:ext cx="1265090" cy="369332"/>
-          </a:xfrm>
-          <a:prstGeom prst="rect">
-            <a:avLst/>
-          </a:prstGeom>
-          <a:noFill/>
-        </p:spPr>
-        <p:txBody>
-          <a:bodyPr wrap="none" rtlCol="0">
-            <a:spAutoFit/>
-          </a:bodyPr>
-          <a:lstStyle/>
-          <a:p>
-            <a:r>
-              <a:rPr lang="en-US" dirty="0" smtClean="0">
-                <a:solidFill>
-                  <a:schemeClr val="bg1">
-                    <a:lumMod val="50000"/>
-                  </a:schemeClr>
-                </a:solidFill>
-                <a:latin typeface="Raleway" charset="0"/>
-                <a:ea typeface="Raleway" charset="0"/>
-                <a:cs typeface="Raleway" charset="0"/>
-              </a:rPr>
-              <a:t>prediction</a:t>
-            </a:r>
             <a:endParaRPr lang="en-US" dirty="0">
               <a:solidFill>
                 <a:schemeClr val="bg1">
@@ -6747,6 +6619,195 @@
           </a:p>
         </p:txBody>
       </p:sp>
+      <p:sp>
+        <p:nvSpPr>
+          <p:cNvPr id="23" name="Rectangle 22"/>
+          <p:cNvSpPr/>
+          <p:nvPr/>
+        </p:nvSpPr>
+        <p:spPr>
+          <a:xfrm>
+            <a:off x="4085272" y="2655817"/>
+            <a:ext cx="1410353" cy="499496"/>
+          </a:xfrm>
+          <a:prstGeom prst="rect">
+            <a:avLst/>
+          </a:prstGeom>
+          <a:solidFill>
+            <a:schemeClr val="bg1"/>
+          </a:solidFill>
+          <a:ln w="28575">
+            <a:solidFill>
+              <a:schemeClr val="accent2"/>
+            </a:solidFill>
+          </a:ln>
+        </p:spPr>
+        <p:style>
+          <a:lnRef idx="2">
+            <a:schemeClr val="accent1">
+              <a:shade val="50000"/>
+            </a:schemeClr>
+          </a:lnRef>
+          <a:fillRef idx="1">
+            <a:schemeClr val="accent1"/>
+          </a:fillRef>
+          <a:effectRef idx="0">
+            <a:schemeClr val="accent1"/>
+          </a:effectRef>
+          <a:fontRef idx="minor">
+            <a:schemeClr val="lt1"/>
+          </a:fontRef>
+        </p:style>
+        <p:txBody>
+          <a:bodyPr rot="0" spcFirstLastPara="0" vertOverflow="overflow" horzOverflow="overflow" vert="horz" wrap="square" lIns="91440" tIns="45720" rIns="91440" bIns="45720" numCol="1" spcCol="0" rtlCol="0" fromWordArt="0" anchor="ctr" anchorCtr="0" forceAA="0" compatLnSpc="1">
+            <a:prstTxWarp prst="textNoShape">
+              <a:avLst/>
+            </a:prstTxWarp>
+            <a:noAutofit/>
+          </a:bodyPr>
+          <a:lstStyle/>
+          <a:p>
+            <a:pPr algn="ctr"/>
+            <a:r>
+              <a:rPr lang="en-US" sz="1400" dirty="0" err="1" smtClean="0">
+                <a:solidFill>
+                  <a:schemeClr val="accent2"/>
+                </a:solidFill>
+                <a:latin typeface="Raleway" charset="0"/>
+                <a:ea typeface="Raleway" charset="0"/>
+                <a:cs typeface="Raleway" charset="0"/>
+              </a:rPr>
+              <a:t>Eval</a:t>
+            </a:r>
+            <a:r>
+              <a:rPr lang="en-US" sz="1400" dirty="0" smtClean="0">
+                <a:solidFill>
+                  <a:schemeClr val="accent2"/>
+                </a:solidFill>
+                <a:latin typeface="Raleway" charset="0"/>
+                <a:ea typeface="Raleway" charset="0"/>
+                <a:cs typeface="Raleway" charset="0"/>
+              </a:rPr>
+              <a:t>. Test Accuracy</a:t>
+            </a:r>
+            <a:endParaRPr lang="en-US" sz="1400" dirty="0" smtClean="0">
+              <a:solidFill>
+                <a:schemeClr val="accent2"/>
+              </a:solidFill>
+              <a:latin typeface="Raleway" charset="0"/>
+              <a:ea typeface="Raleway" charset="0"/>
+              <a:cs typeface="Raleway" charset="0"/>
+            </a:endParaRPr>
+          </a:p>
+        </p:txBody>
+      </p:sp>
+      <p:sp>
+        <p:nvSpPr>
+          <p:cNvPr id="37" name="Rectangle 36"/>
+          <p:cNvSpPr/>
+          <p:nvPr/>
+        </p:nvSpPr>
+        <p:spPr>
+          <a:xfrm>
+            <a:off x="2423088" y="5715585"/>
+            <a:ext cx="2308798" cy="623723"/>
+          </a:xfrm>
+          <a:prstGeom prst="rect">
+            <a:avLst/>
+          </a:prstGeom>
+          <a:solidFill>
+            <a:schemeClr val="bg1"/>
+          </a:solidFill>
+          <a:ln w="28575">
+            <a:solidFill>
+              <a:schemeClr val="accent5"/>
+            </a:solidFill>
+          </a:ln>
+        </p:spPr>
+        <p:style>
+          <a:lnRef idx="2">
+            <a:schemeClr val="accent1">
+              <a:shade val="50000"/>
+            </a:schemeClr>
+          </a:lnRef>
+          <a:fillRef idx="1">
+            <a:schemeClr val="accent1"/>
+          </a:fillRef>
+          <a:effectRef idx="0">
+            <a:schemeClr val="accent1"/>
+          </a:effectRef>
+          <a:fontRef idx="minor">
+            <a:schemeClr val="lt1"/>
+          </a:fontRef>
+        </p:style>
+        <p:txBody>
+          <a:bodyPr rot="0" spcFirstLastPara="0" vertOverflow="overflow" horzOverflow="overflow" vert="horz" wrap="square" lIns="91440" tIns="45720" rIns="91440" bIns="45720" numCol="1" spcCol="0" rtlCol="0" fromWordArt="0" anchor="ctr" anchorCtr="0" forceAA="0" compatLnSpc="1">
+            <a:prstTxWarp prst="textNoShape">
+              <a:avLst/>
+            </a:prstTxWarp>
+            <a:noAutofit/>
+          </a:bodyPr>
+          <a:lstStyle/>
+          <a:p>
+            <a:pPr algn="ctr"/>
+            <a:r>
+              <a:rPr lang="en-US" dirty="0" smtClean="0">
+                <a:solidFill>
+                  <a:schemeClr val="accent5"/>
+                </a:solidFill>
+                <a:latin typeface="Raleway" charset="0"/>
+                <a:ea typeface="Raleway" charset="0"/>
+                <a:cs typeface="Raleway" charset="0"/>
+              </a:rPr>
+              <a:t>conditional prediction repair</a:t>
+            </a:r>
+          </a:p>
+        </p:txBody>
+      </p:sp>
+      <p:sp>
+        <p:nvSpPr>
+          <p:cNvPr id="46" name="TextBox 45"/>
+          <p:cNvSpPr txBox="1"/>
+          <p:nvPr/>
+        </p:nvSpPr>
+        <p:spPr>
+          <a:xfrm>
+            <a:off x="6931208" y="5385137"/>
+            <a:ext cx="1265090" cy="369332"/>
+          </a:xfrm>
+          <a:prstGeom prst="rect">
+            <a:avLst/>
+          </a:prstGeom>
+          <a:noFill/>
+        </p:spPr>
+        <p:txBody>
+          <a:bodyPr wrap="none" rtlCol="0">
+            <a:spAutoFit/>
+          </a:bodyPr>
+          <a:lstStyle/>
+          <a:p>
+            <a:r>
+              <a:rPr lang="en-US" dirty="0" smtClean="0">
+                <a:solidFill>
+                  <a:schemeClr val="accent5"/>
+                </a:solidFill>
+                <a:latin typeface="Raleway" charset="0"/>
+                <a:ea typeface="Raleway" charset="0"/>
+                <a:cs typeface="Raleway" charset="0"/>
+              </a:rPr>
+              <a:t>prediction</a:t>
+            </a:r>
+            <a:endParaRPr lang="en-US" dirty="0">
+              <a:solidFill>
+                <a:schemeClr val="accent5"/>
+              </a:solidFill>
+              <a:latin typeface="Raleway" charset="0"/>
+              <a:ea typeface="Raleway" charset="0"/>
+              <a:cs typeface="Raleway" charset="0"/>
+            </a:endParaRPr>
+          </a:p>
+        </p:txBody>
+      </p:sp>
       <p:grpSp>
         <p:nvGrpSpPr>
           <p:cNvPr id="55" name="Group 54"/>
@@ -6755,7 +6816,7 @@
         </p:nvGrpSpPr>
         <p:grpSpPr>
           <a:xfrm>
-            <a:off x="6961516" y="2257900"/>
+            <a:off x="6942855" y="5924143"/>
             <a:ext cx="1364476" cy="379380"/>
             <a:chOff x="371789" y="4541855"/>
             <a:chExt cx="1364476" cy="379380"/>
@@ -6850,7 +6911,7 @@
         </p:nvGrpSpPr>
         <p:grpSpPr>
           <a:xfrm>
-            <a:off x="6951464" y="1815771"/>
+            <a:off x="6932803" y="6421815"/>
             <a:ext cx="1383712" cy="379380"/>
             <a:chOff x="3044651" y="4441371"/>
             <a:chExt cx="1383712" cy="379380"/>
@@ -6937,6 +6998,1817 @@
           </p:txBody>
         </p:sp>
       </p:grpSp>
+      <p:grpSp>
+        <p:nvGrpSpPr>
+          <p:cNvPr id="18" name="Group 17"/>
+          <p:cNvGrpSpPr/>
+          <p:nvPr/>
+        </p:nvGrpSpPr>
+        <p:grpSpPr>
+          <a:xfrm>
+            <a:off x="5767696" y="2454077"/>
+            <a:ext cx="1662829" cy="712458"/>
+            <a:chOff x="5767696" y="2276273"/>
+            <a:chExt cx="1662829" cy="712458"/>
+          </a:xfrm>
+        </p:grpSpPr>
+        <p:sp>
+          <p:nvSpPr>
+            <p:cNvPr id="25" name="Rectangle 24"/>
+            <p:cNvSpPr/>
+            <p:nvPr/>
+          </p:nvSpPr>
+          <p:spPr>
+            <a:xfrm>
+              <a:off x="5767696" y="2276273"/>
+              <a:ext cx="1662829" cy="712458"/>
+            </a:xfrm>
+            <a:prstGeom prst="rect">
+              <a:avLst/>
+            </a:prstGeom>
+            <a:solidFill>
+              <a:schemeClr val="bg1"/>
+            </a:solidFill>
+            <a:ln w="28575">
+              <a:solidFill>
+                <a:schemeClr val="accent1"/>
+              </a:solidFill>
+            </a:ln>
+          </p:spPr>
+          <p:style>
+            <a:lnRef idx="2">
+              <a:schemeClr val="accent1">
+                <a:shade val="50000"/>
+              </a:schemeClr>
+            </a:lnRef>
+            <a:fillRef idx="1">
+              <a:schemeClr val="accent1"/>
+            </a:fillRef>
+            <a:effectRef idx="0">
+              <a:schemeClr val="accent1"/>
+            </a:effectRef>
+            <a:fontRef idx="minor">
+              <a:schemeClr val="lt1"/>
+            </a:fontRef>
+          </p:style>
+          <p:txBody>
+            <a:bodyPr rot="0" spcFirstLastPara="0" vertOverflow="overflow" horzOverflow="overflow" vert="horz" wrap="square" lIns="91440" tIns="45720" rIns="91440" bIns="45720" numCol="1" spcCol="0" rtlCol="0" fromWordArt="0" anchor="t" anchorCtr="0" forceAA="0" compatLnSpc="1">
+              <a:prstTxWarp prst="textNoShape">
+                <a:avLst/>
+              </a:prstTxWarp>
+              <a:noAutofit/>
+            </a:bodyPr>
+            <a:lstStyle/>
+            <a:p>
+              <a:pPr algn="ctr"/>
+              <a:r>
+                <a:rPr lang="en-US" sz="1400" dirty="0" smtClean="0">
+                  <a:solidFill>
+                    <a:schemeClr val="accent1"/>
+                  </a:solidFill>
+                  <a:latin typeface="Raleway" charset="0"/>
+                  <a:ea typeface="Raleway" charset="0"/>
+                  <a:cs typeface="Raleway" charset="0"/>
+                </a:rPr>
+                <a:t>Repair Selector</a:t>
+              </a:r>
+            </a:p>
+          </p:txBody>
+        </p:sp>
+        <p:sp>
+          <p:nvSpPr>
+            <p:cNvPr id="26" name="Rectangle 25"/>
+            <p:cNvSpPr/>
+            <p:nvPr/>
+          </p:nvSpPr>
+          <p:spPr>
+            <a:xfrm>
+              <a:off x="5928868" y="2656823"/>
+              <a:ext cx="1340484" cy="214282"/>
+            </a:xfrm>
+            <a:prstGeom prst="rect">
+              <a:avLst/>
+            </a:prstGeom>
+            <a:solidFill>
+              <a:schemeClr val="accent1"/>
+            </a:solidFill>
+            <a:ln w="28575">
+              <a:solidFill>
+                <a:schemeClr val="accent1"/>
+              </a:solidFill>
+            </a:ln>
+          </p:spPr>
+          <p:style>
+            <a:lnRef idx="2">
+              <a:schemeClr val="accent1">
+                <a:shade val="50000"/>
+              </a:schemeClr>
+            </a:lnRef>
+            <a:fillRef idx="1">
+              <a:schemeClr val="accent1"/>
+            </a:fillRef>
+            <a:effectRef idx="0">
+              <a:schemeClr val="accent1"/>
+            </a:effectRef>
+            <a:fontRef idx="minor">
+              <a:schemeClr val="lt1"/>
+            </a:fontRef>
+          </p:style>
+          <p:txBody>
+            <a:bodyPr rot="0" spcFirstLastPara="0" vertOverflow="overflow" horzOverflow="overflow" vert="horz" wrap="square" lIns="91440" tIns="45720" rIns="91440" bIns="45720" numCol="1" spcCol="0" rtlCol="0" fromWordArt="0" anchor="ctr" anchorCtr="0" forceAA="0" compatLnSpc="1">
+              <a:prstTxWarp prst="textNoShape">
+                <a:avLst/>
+              </a:prstTxWarp>
+              <a:noAutofit/>
+            </a:bodyPr>
+            <a:lstStyle/>
+            <a:p>
+              <a:pPr algn="ctr"/>
+              <a:r>
+                <a:rPr lang="en-US" sz="1400" smtClean="0">
+                  <a:solidFill>
+                    <a:schemeClr val="bg1"/>
+                  </a:solidFill>
+                  <a:latin typeface="Raleway" charset="0"/>
+                  <a:ea typeface="Raleway" charset="0"/>
+                  <a:cs typeface="Raleway" charset="0"/>
+                </a:rPr>
+                <a:t>Library</a:t>
+              </a:r>
+              <a:endParaRPr lang="en-US" sz="1400" dirty="0" smtClean="0">
+                <a:solidFill>
+                  <a:schemeClr val="bg1"/>
+                </a:solidFill>
+                <a:latin typeface="Raleway" charset="0"/>
+                <a:ea typeface="Raleway" charset="0"/>
+                <a:cs typeface="Raleway" charset="0"/>
+              </a:endParaRPr>
+            </a:p>
+          </p:txBody>
+        </p:sp>
+      </p:grpSp>
+      <p:grpSp>
+        <p:nvGrpSpPr>
+          <p:cNvPr id="17" name="Group 16"/>
+          <p:cNvGrpSpPr/>
+          <p:nvPr/>
+        </p:nvGrpSpPr>
+        <p:grpSpPr>
+          <a:xfrm>
+            <a:off x="5767695" y="1529833"/>
+            <a:ext cx="1662829" cy="712458"/>
+            <a:chOff x="5767695" y="1529833"/>
+            <a:chExt cx="1662829" cy="712458"/>
+          </a:xfrm>
+        </p:grpSpPr>
+        <p:sp>
+          <p:nvSpPr>
+            <p:cNvPr id="21" name="Rectangle 20"/>
+            <p:cNvSpPr/>
+            <p:nvPr/>
+          </p:nvSpPr>
+          <p:spPr>
+            <a:xfrm>
+              <a:off x="5767695" y="1529833"/>
+              <a:ext cx="1662829" cy="712458"/>
+            </a:xfrm>
+            <a:prstGeom prst="rect">
+              <a:avLst/>
+            </a:prstGeom>
+            <a:solidFill>
+              <a:schemeClr val="bg1"/>
+            </a:solidFill>
+            <a:ln w="28575">
+              <a:solidFill>
+                <a:schemeClr val="accent1"/>
+              </a:solidFill>
+            </a:ln>
+          </p:spPr>
+          <p:style>
+            <a:lnRef idx="2">
+              <a:schemeClr val="accent1">
+                <a:shade val="50000"/>
+              </a:schemeClr>
+            </a:lnRef>
+            <a:fillRef idx="1">
+              <a:schemeClr val="accent1"/>
+            </a:fillRef>
+            <a:effectRef idx="0">
+              <a:schemeClr val="accent1"/>
+            </a:effectRef>
+            <a:fontRef idx="minor">
+              <a:schemeClr val="lt1"/>
+            </a:fontRef>
+          </p:style>
+          <p:txBody>
+            <a:bodyPr rot="0" spcFirstLastPara="0" vertOverflow="overflow" horzOverflow="overflow" vert="horz" wrap="square" lIns="91440" tIns="45720" rIns="91440" bIns="45720" numCol="1" spcCol="0" rtlCol="0" fromWordArt="0" anchor="t" anchorCtr="0" forceAA="0" compatLnSpc="1">
+              <a:prstTxWarp prst="textNoShape">
+                <a:avLst/>
+              </a:prstTxWarp>
+              <a:noAutofit/>
+            </a:bodyPr>
+            <a:lstStyle/>
+            <a:p>
+              <a:pPr algn="ctr"/>
+              <a:r>
+                <a:rPr lang="en-US" sz="1400" dirty="0" smtClean="0">
+                  <a:solidFill>
+                    <a:schemeClr val="accent1"/>
+                  </a:solidFill>
+                  <a:latin typeface="Raleway" charset="0"/>
+                  <a:ea typeface="Raleway" charset="0"/>
+                  <a:cs typeface="Raleway" charset="0"/>
+                </a:rPr>
+                <a:t>Detector Selector</a:t>
+              </a:r>
+            </a:p>
+          </p:txBody>
+        </p:sp>
+        <p:sp>
+          <p:nvSpPr>
+            <p:cNvPr id="27" name="Rectangle 26"/>
+            <p:cNvSpPr/>
+            <p:nvPr/>
+          </p:nvSpPr>
+          <p:spPr>
+            <a:xfrm>
+              <a:off x="5915233" y="1915791"/>
+              <a:ext cx="1340484" cy="214282"/>
+            </a:xfrm>
+            <a:prstGeom prst="rect">
+              <a:avLst/>
+            </a:prstGeom>
+            <a:solidFill>
+              <a:schemeClr val="accent1"/>
+            </a:solidFill>
+            <a:ln w="28575">
+              <a:solidFill>
+                <a:schemeClr val="accent1"/>
+              </a:solidFill>
+            </a:ln>
+          </p:spPr>
+          <p:style>
+            <a:lnRef idx="2">
+              <a:schemeClr val="accent1">
+                <a:shade val="50000"/>
+              </a:schemeClr>
+            </a:lnRef>
+            <a:fillRef idx="1">
+              <a:schemeClr val="accent1"/>
+            </a:fillRef>
+            <a:effectRef idx="0">
+              <a:schemeClr val="accent1"/>
+            </a:effectRef>
+            <a:fontRef idx="minor">
+              <a:schemeClr val="lt1"/>
+            </a:fontRef>
+          </p:style>
+          <p:txBody>
+            <a:bodyPr rot="0" spcFirstLastPara="0" vertOverflow="overflow" horzOverflow="overflow" vert="horz" wrap="square" lIns="91440" tIns="45720" rIns="91440" bIns="45720" numCol="1" spcCol="0" rtlCol="0" fromWordArt="0" anchor="ctr" anchorCtr="0" forceAA="0" compatLnSpc="1">
+              <a:prstTxWarp prst="textNoShape">
+                <a:avLst/>
+              </a:prstTxWarp>
+              <a:noAutofit/>
+            </a:bodyPr>
+            <a:lstStyle/>
+            <a:p>
+              <a:pPr algn="ctr"/>
+              <a:r>
+                <a:rPr lang="en-US" sz="1400" dirty="0" smtClean="0">
+                  <a:solidFill>
+                    <a:schemeClr val="bg1"/>
+                  </a:solidFill>
+                  <a:latin typeface="Raleway" charset="0"/>
+                  <a:ea typeface="Raleway" charset="0"/>
+                  <a:cs typeface="Raleway" charset="0"/>
+                </a:rPr>
+                <a:t>Library</a:t>
+              </a:r>
+            </a:p>
+          </p:txBody>
+        </p:sp>
+      </p:grpSp>
+      <p:sp>
+        <p:nvSpPr>
+          <p:cNvPr id="28" name="Rectangle 27"/>
+          <p:cNvSpPr/>
+          <p:nvPr/>
+        </p:nvSpPr>
+        <p:spPr>
+          <a:xfrm>
+            <a:off x="4085586" y="1529833"/>
+            <a:ext cx="1409724" cy="895669"/>
+          </a:xfrm>
+          <a:prstGeom prst="rect">
+            <a:avLst/>
+          </a:prstGeom>
+          <a:solidFill>
+            <a:schemeClr val="bg1"/>
+          </a:solidFill>
+          <a:ln w="28575">
+            <a:solidFill>
+              <a:schemeClr val="accent2"/>
+            </a:solidFill>
+          </a:ln>
+        </p:spPr>
+        <p:style>
+          <a:lnRef idx="2">
+            <a:schemeClr val="accent1">
+              <a:shade val="50000"/>
+            </a:schemeClr>
+          </a:lnRef>
+          <a:fillRef idx="1">
+            <a:schemeClr val="accent1"/>
+          </a:fillRef>
+          <a:effectRef idx="0">
+            <a:schemeClr val="accent1"/>
+          </a:effectRef>
+          <a:fontRef idx="minor">
+            <a:schemeClr val="lt1"/>
+          </a:fontRef>
+        </p:style>
+        <p:txBody>
+          <a:bodyPr rot="0" spcFirstLastPara="0" vertOverflow="overflow" horzOverflow="overflow" vert="horz" wrap="square" lIns="91440" tIns="45720" rIns="91440" bIns="45720" numCol="1" spcCol="0" rtlCol="0" fromWordArt="0" anchor="t" anchorCtr="0" forceAA="0" compatLnSpc="1">
+            <a:prstTxWarp prst="textNoShape">
+              <a:avLst/>
+            </a:prstTxWarp>
+            <a:noAutofit/>
+          </a:bodyPr>
+          <a:lstStyle/>
+          <a:p>
+            <a:pPr algn="ctr"/>
+            <a:r>
+              <a:rPr lang="en-US" sz="1400" dirty="0" smtClean="0">
+                <a:solidFill>
+                  <a:schemeClr val="accent2"/>
+                </a:solidFill>
+                <a:latin typeface="Raleway" charset="0"/>
+                <a:ea typeface="Raleway" charset="0"/>
+                <a:cs typeface="Raleway" charset="0"/>
+              </a:rPr>
+              <a:t>Boost </a:t>
+            </a:r>
+            <a:r>
+              <a:rPr lang="en-US" sz="1400" dirty="0" smtClean="0">
+                <a:solidFill>
+                  <a:schemeClr val="accent2"/>
+                </a:solidFill>
+                <a:latin typeface="Raleway" charset="0"/>
+                <a:ea typeface="Raleway" charset="0"/>
+                <a:cs typeface="Raleway" charset="0"/>
+              </a:rPr>
+              <a:t>&amp; </a:t>
+            </a:r>
+            <a:r>
+              <a:rPr lang="en-US" sz="1400" dirty="0" smtClean="0">
+                <a:solidFill>
+                  <a:schemeClr val="accent2"/>
+                </a:solidFill>
+                <a:latin typeface="Raleway" charset="0"/>
+                <a:ea typeface="Raleway" charset="0"/>
+                <a:cs typeface="Raleway" charset="0"/>
+              </a:rPr>
+              <a:t>Clean</a:t>
+            </a:r>
+          </a:p>
+        </p:txBody>
+      </p:sp>
+      <p:cxnSp>
+        <p:nvCxnSpPr>
+          <p:cNvPr id="32" name="Straight Arrow Connector 31"/>
+          <p:cNvCxnSpPr>
+            <a:stCxn id="5" idx="2"/>
+            <a:endCxn id="28" idx="0"/>
+          </p:cNvCxnSpPr>
+          <p:nvPr/>
+        </p:nvCxnSpPr>
+        <p:spPr>
+          <a:xfrm flipH="1">
+            <a:off x="4790448" y="1064834"/>
+            <a:ext cx="1" cy="464999"/>
+          </a:xfrm>
+          <a:prstGeom prst="straightConnector1">
+            <a:avLst/>
+          </a:prstGeom>
+          <a:ln w="28575">
+            <a:solidFill>
+              <a:schemeClr val="bg1">
+                <a:lumMod val="50000"/>
+              </a:schemeClr>
+            </a:solidFill>
+            <a:tailEnd type="triangle"/>
+          </a:ln>
+        </p:spPr>
+        <p:style>
+          <a:lnRef idx="1">
+            <a:schemeClr val="accent1"/>
+          </a:lnRef>
+          <a:fillRef idx="0">
+            <a:schemeClr val="accent1"/>
+          </a:fillRef>
+          <a:effectRef idx="0">
+            <a:schemeClr val="accent1"/>
+          </a:effectRef>
+          <a:fontRef idx="minor">
+            <a:schemeClr val="tx1"/>
+          </a:fontRef>
+        </p:style>
+      </p:cxnSp>
+      <p:cxnSp>
+        <p:nvCxnSpPr>
+          <p:cNvPr id="34" name="Straight Arrow Connector 33"/>
+          <p:cNvCxnSpPr/>
+          <p:nvPr/>
+        </p:nvCxnSpPr>
+        <p:spPr>
+          <a:xfrm flipH="1">
+            <a:off x="5482819" y="1915791"/>
+            <a:ext cx="285506" cy="0"/>
+          </a:xfrm>
+          <a:prstGeom prst="straightConnector1">
+            <a:avLst/>
+          </a:prstGeom>
+          <a:ln w="28575">
+            <a:solidFill>
+              <a:schemeClr val="bg1">
+                <a:lumMod val="50000"/>
+              </a:schemeClr>
+            </a:solidFill>
+            <a:tailEnd type="triangle"/>
+          </a:ln>
+        </p:spPr>
+        <p:style>
+          <a:lnRef idx="1">
+            <a:schemeClr val="accent1"/>
+          </a:lnRef>
+          <a:fillRef idx="0">
+            <a:schemeClr val="accent1"/>
+          </a:fillRef>
+          <a:effectRef idx="0">
+            <a:schemeClr val="accent1"/>
+          </a:effectRef>
+          <a:fontRef idx="minor">
+            <a:schemeClr val="tx1"/>
+          </a:fontRef>
+        </p:style>
+      </p:cxnSp>
+      <p:grpSp>
+        <p:nvGrpSpPr>
+          <p:cNvPr id="16" name="Group 15"/>
+          <p:cNvGrpSpPr/>
+          <p:nvPr/>
+        </p:nvGrpSpPr>
+        <p:grpSpPr>
+          <a:xfrm>
+            <a:off x="4624284" y="2438206"/>
+            <a:ext cx="381004" cy="204908"/>
+            <a:chOff x="4759754" y="2463607"/>
+            <a:chExt cx="381004" cy="204908"/>
+          </a:xfrm>
+        </p:grpSpPr>
+        <p:cxnSp>
+          <p:nvCxnSpPr>
+            <p:cNvPr id="43" name="Straight Arrow Connector 42"/>
+            <p:cNvCxnSpPr/>
+            <p:nvPr/>
+          </p:nvCxnSpPr>
+          <p:spPr>
+            <a:xfrm flipH="1" flipV="1">
+              <a:off x="4759754" y="2463607"/>
+              <a:ext cx="1" cy="204908"/>
+            </a:xfrm>
+            <a:prstGeom prst="straightConnector1">
+              <a:avLst/>
+            </a:prstGeom>
+            <a:ln w="28575">
+              <a:solidFill>
+                <a:schemeClr val="accent2"/>
+              </a:solidFill>
+              <a:headEnd type="triangle" w="med" len="med"/>
+              <a:tailEnd type="none" w="med" len="med"/>
+            </a:ln>
+          </p:spPr>
+          <p:style>
+            <a:lnRef idx="1">
+              <a:schemeClr val="accent1"/>
+            </a:lnRef>
+            <a:fillRef idx="0">
+              <a:schemeClr val="accent1"/>
+            </a:fillRef>
+            <a:effectRef idx="0">
+              <a:schemeClr val="accent1"/>
+            </a:effectRef>
+            <a:fontRef idx="minor">
+              <a:schemeClr val="tx1"/>
+            </a:fontRef>
+          </p:style>
+        </p:cxnSp>
+        <p:cxnSp>
+          <p:nvCxnSpPr>
+            <p:cNvPr id="52" name="Straight Arrow Connector 51"/>
+            <p:cNvCxnSpPr/>
+            <p:nvPr/>
+          </p:nvCxnSpPr>
+          <p:spPr>
+            <a:xfrm flipH="1" flipV="1">
+              <a:off x="5140757" y="2463607"/>
+              <a:ext cx="1" cy="204908"/>
+            </a:xfrm>
+            <a:prstGeom prst="straightConnector1">
+              <a:avLst/>
+            </a:prstGeom>
+            <a:ln w="28575">
+              <a:solidFill>
+                <a:schemeClr val="accent2"/>
+              </a:solidFill>
+              <a:headEnd type="none" w="med" len="med"/>
+              <a:tailEnd type="triangle" w="med" len="med"/>
+            </a:ln>
+          </p:spPr>
+          <p:style>
+            <a:lnRef idx="1">
+              <a:schemeClr val="accent1"/>
+            </a:lnRef>
+            <a:fillRef idx="0">
+              <a:schemeClr val="accent1"/>
+            </a:fillRef>
+            <a:effectRef idx="0">
+              <a:schemeClr val="accent1"/>
+            </a:effectRef>
+            <a:fontRef idx="minor">
+              <a:schemeClr val="tx1"/>
+            </a:fontRef>
+          </p:style>
+        </p:cxnSp>
+      </p:grpSp>
+      <p:pic>
+        <p:nvPicPr>
+          <p:cNvPr id="56" name="Picture 55"/>
+          <p:cNvPicPr>
+            <a:picLocks noChangeAspect="1"/>
+          </p:cNvPicPr>
+          <p:nvPr/>
+        </p:nvPicPr>
+        <p:blipFill>
+          <a:blip r:embed="rId3"/>
+          <a:stretch>
+            <a:fillRect/>
+          </a:stretch>
+        </p:blipFill>
+        <p:spPr>
+          <a:xfrm>
+            <a:off x="7882636" y="1972402"/>
+            <a:ext cx="728871" cy="728871"/>
+          </a:xfrm>
+          <a:prstGeom prst="rect">
+            <a:avLst/>
+          </a:prstGeom>
+        </p:spPr>
+      </p:pic>
+      <p:cxnSp>
+        <p:nvCxnSpPr>
+          <p:cNvPr id="58" name="Elbow Connector 57"/>
+          <p:cNvCxnSpPr>
+            <a:stCxn id="56" idx="0"/>
+          </p:cNvCxnSpPr>
+          <p:nvPr/>
+        </p:nvCxnSpPr>
+        <p:spPr>
+          <a:xfrm rot="16200000" flipV="1">
+            <a:off x="7850273" y="1575602"/>
+            <a:ext cx="137160" cy="656439"/>
+          </a:xfrm>
+          <a:prstGeom prst="bentConnector2">
+            <a:avLst/>
+          </a:prstGeom>
+          <a:ln w="28575">
+            <a:solidFill>
+              <a:schemeClr val="bg1">
+                <a:lumMod val="50000"/>
+              </a:schemeClr>
+            </a:solidFill>
+            <a:tailEnd type="triangle"/>
+          </a:ln>
+        </p:spPr>
+        <p:style>
+          <a:lnRef idx="1">
+            <a:schemeClr val="accent1"/>
+          </a:lnRef>
+          <a:fillRef idx="0">
+            <a:schemeClr val="accent1"/>
+          </a:fillRef>
+          <a:effectRef idx="0">
+            <a:schemeClr val="accent1"/>
+          </a:effectRef>
+          <a:fontRef idx="minor">
+            <a:schemeClr val="tx1"/>
+          </a:fontRef>
+        </p:style>
+      </p:cxnSp>
+      <p:sp>
+        <p:nvSpPr>
+          <p:cNvPr id="45" name="TextBox 44"/>
+          <p:cNvSpPr txBox="1"/>
+          <p:nvPr/>
+        </p:nvSpPr>
+        <p:spPr>
+          <a:xfrm>
+            <a:off x="7710247" y="1473584"/>
+            <a:ext cx="1002197" cy="307777"/>
+          </a:xfrm>
+          <a:prstGeom prst="rect">
+            <a:avLst/>
+          </a:prstGeom>
+          <a:noFill/>
+        </p:spPr>
+        <p:txBody>
+          <a:bodyPr wrap="none" rtlCol="0">
+            <a:spAutoFit/>
+          </a:bodyPr>
+          <a:lstStyle/>
+          <a:p>
+            <a:r>
+              <a:rPr lang="en-US" sz="1400" smtClean="0">
+                <a:solidFill>
+                  <a:schemeClr val="bg1">
+                    <a:lumMod val="50000"/>
+                  </a:schemeClr>
+                </a:solidFill>
+                <a:latin typeface="Raleway" charset="0"/>
+                <a:ea typeface="Raleway" charset="0"/>
+                <a:cs typeface="Raleway" charset="0"/>
+              </a:rPr>
+              <a:t>Detectors</a:t>
+            </a:r>
+            <a:endParaRPr lang="en-US" sz="1400" dirty="0">
+              <a:solidFill>
+                <a:schemeClr val="bg1">
+                  <a:lumMod val="50000"/>
+                </a:schemeClr>
+              </a:solidFill>
+              <a:latin typeface="Raleway" charset="0"/>
+              <a:ea typeface="Raleway" charset="0"/>
+              <a:cs typeface="Raleway" charset="0"/>
+            </a:endParaRPr>
+          </a:p>
+        </p:txBody>
+      </p:sp>
+      <p:cxnSp>
+        <p:nvCxnSpPr>
+          <p:cNvPr id="61" name="Elbow Connector 60"/>
+          <p:cNvCxnSpPr>
+            <a:stCxn id="56" idx="2"/>
+          </p:cNvCxnSpPr>
+          <p:nvPr/>
+        </p:nvCxnSpPr>
+        <p:spPr>
+          <a:xfrm rot="5400000">
+            <a:off x="7858453" y="2449813"/>
+            <a:ext cx="137160" cy="640080"/>
+          </a:xfrm>
+          <a:prstGeom prst="bentConnector2">
+            <a:avLst/>
+          </a:prstGeom>
+          <a:ln w="28575">
+            <a:solidFill>
+              <a:schemeClr val="bg1">
+                <a:lumMod val="50000"/>
+              </a:schemeClr>
+            </a:solidFill>
+            <a:tailEnd type="triangle"/>
+          </a:ln>
+        </p:spPr>
+        <p:style>
+          <a:lnRef idx="1">
+            <a:schemeClr val="accent1"/>
+          </a:lnRef>
+          <a:fillRef idx="0">
+            <a:schemeClr val="accent1"/>
+          </a:fillRef>
+          <a:effectRef idx="0">
+            <a:schemeClr val="accent1"/>
+          </a:effectRef>
+          <a:fontRef idx="minor">
+            <a:schemeClr val="tx1"/>
+          </a:fontRef>
+        </p:style>
+      </p:cxnSp>
+      <p:sp>
+        <p:nvSpPr>
+          <p:cNvPr id="65" name="TextBox 64"/>
+          <p:cNvSpPr txBox="1"/>
+          <p:nvPr/>
+        </p:nvSpPr>
+        <p:spPr>
+          <a:xfrm>
+            <a:off x="7710247" y="2912992"/>
+            <a:ext cx="805029" cy="307777"/>
+          </a:xfrm>
+          <a:prstGeom prst="rect">
+            <a:avLst/>
+          </a:prstGeom>
+          <a:noFill/>
+        </p:spPr>
+        <p:txBody>
+          <a:bodyPr wrap="none" rtlCol="0">
+            <a:spAutoFit/>
+          </a:bodyPr>
+          <a:lstStyle/>
+          <a:p>
+            <a:r>
+              <a:rPr lang="en-US" sz="1400" dirty="0" smtClean="0">
+                <a:solidFill>
+                  <a:schemeClr val="bg1">
+                    <a:lumMod val="50000"/>
+                  </a:schemeClr>
+                </a:solidFill>
+                <a:latin typeface="Raleway" charset="0"/>
+                <a:ea typeface="Raleway" charset="0"/>
+                <a:cs typeface="Raleway" charset="0"/>
+              </a:rPr>
+              <a:t>Repairs</a:t>
+            </a:r>
+            <a:endParaRPr lang="en-US" sz="1400" dirty="0">
+              <a:solidFill>
+                <a:schemeClr val="bg1">
+                  <a:lumMod val="50000"/>
+                </a:schemeClr>
+              </a:solidFill>
+              <a:latin typeface="Raleway" charset="0"/>
+              <a:ea typeface="Raleway" charset="0"/>
+              <a:cs typeface="Raleway" charset="0"/>
+            </a:endParaRPr>
+          </a:p>
+        </p:txBody>
+      </p:sp>
+      <p:cxnSp>
+        <p:nvCxnSpPr>
+          <p:cNvPr id="66" name="Straight Arrow Connector 65"/>
+          <p:cNvCxnSpPr>
+            <a:stCxn id="23" idx="2"/>
+            <a:endCxn id="68" idx="0"/>
+          </p:cNvCxnSpPr>
+          <p:nvPr/>
+        </p:nvCxnSpPr>
+        <p:spPr>
+          <a:xfrm flipH="1">
+            <a:off x="4790448" y="3155313"/>
+            <a:ext cx="1" cy="268165"/>
+          </a:xfrm>
+          <a:prstGeom prst="straightConnector1">
+            <a:avLst/>
+          </a:prstGeom>
+          <a:ln w="28575">
+            <a:solidFill>
+              <a:schemeClr val="bg1">
+                <a:lumMod val="50000"/>
+              </a:schemeClr>
+            </a:solidFill>
+            <a:tailEnd type="triangle"/>
+          </a:ln>
+        </p:spPr>
+        <p:style>
+          <a:lnRef idx="1">
+            <a:schemeClr val="accent1"/>
+          </a:lnRef>
+          <a:fillRef idx="0">
+            <a:schemeClr val="accent1"/>
+          </a:fillRef>
+          <a:effectRef idx="0">
+            <a:schemeClr val="accent1"/>
+          </a:effectRef>
+          <a:fontRef idx="minor">
+            <a:schemeClr val="tx1"/>
+          </a:fontRef>
+        </p:style>
+      </p:cxnSp>
+      <p:sp>
+        <p:nvSpPr>
+          <p:cNvPr id="68" name="TextBox 67"/>
+          <p:cNvSpPr txBox="1"/>
+          <p:nvPr/>
+        </p:nvSpPr>
+        <p:spPr>
+          <a:xfrm>
+            <a:off x="4203589" y="3423478"/>
+            <a:ext cx="1173718" cy="523220"/>
+          </a:xfrm>
+          <a:prstGeom prst="rect">
+            <a:avLst/>
+          </a:prstGeom>
+          <a:noFill/>
+          <a:ln>
+            <a:noFill/>
+          </a:ln>
+        </p:spPr>
+        <p:txBody>
+          <a:bodyPr wrap="none" rtlCol="0">
+            <a:spAutoFit/>
+          </a:bodyPr>
+          <a:lstStyle/>
+          <a:p>
+            <a:pPr algn="ctr"/>
+            <a:r>
+              <a:rPr lang="en-US" sz="1400" dirty="0" smtClean="0">
+                <a:solidFill>
+                  <a:schemeClr val="bg1">
+                    <a:lumMod val="50000"/>
+                  </a:schemeClr>
+                </a:solidFill>
+                <a:latin typeface="Raleway" charset="0"/>
+                <a:ea typeface="Raleway" charset="0"/>
+                <a:cs typeface="Raleway" charset="0"/>
+              </a:rPr>
+              <a:t>Conditional </a:t>
+            </a:r>
+          </a:p>
+          <a:p>
+            <a:pPr algn="ctr"/>
+            <a:r>
+              <a:rPr lang="en-US" sz="1400" dirty="0" smtClean="0">
+                <a:solidFill>
+                  <a:schemeClr val="bg1">
+                    <a:lumMod val="50000"/>
+                  </a:schemeClr>
+                </a:solidFill>
+                <a:latin typeface="Raleway" charset="0"/>
+                <a:ea typeface="Raleway" charset="0"/>
+                <a:cs typeface="Raleway" charset="0"/>
+              </a:rPr>
+              <a:t>Repairs </a:t>
+            </a:r>
+            <a:r>
+              <a:rPr lang="en-US" sz="1400" dirty="0" smtClean="0">
+                <a:solidFill>
+                  <a:schemeClr val="bg1">
+                    <a:lumMod val="50000"/>
+                  </a:schemeClr>
+                </a:solidFill>
+                <a:latin typeface="Alegreya" charset="0"/>
+                <a:ea typeface="Alegreya" charset="0"/>
+                <a:cs typeface="Alegreya" charset="0"/>
+              </a:rPr>
+              <a:t>L</a:t>
+            </a:r>
+            <a:r>
+              <a:rPr lang="en-US" sz="1400" baseline="30000" dirty="0" smtClean="0">
+                <a:solidFill>
+                  <a:schemeClr val="bg1">
+                    <a:lumMod val="50000"/>
+                  </a:schemeClr>
+                </a:solidFill>
+                <a:latin typeface="Alegreya" charset="0"/>
+                <a:ea typeface="Alegreya" charset="0"/>
+                <a:cs typeface="Alegreya" charset="0"/>
+              </a:rPr>
+              <a:t>*</a:t>
+            </a:r>
+            <a:endParaRPr lang="en-US" sz="1400" dirty="0">
+              <a:solidFill>
+                <a:schemeClr val="bg1">
+                  <a:lumMod val="50000"/>
+                </a:schemeClr>
+              </a:solidFill>
+              <a:latin typeface="Alegreya" charset="0"/>
+              <a:ea typeface="Alegreya" charset="0"/>
+              <a:cs typeface="Alegreya" charset="0"/>
+            </a:endParaRPr>
+          </a:p>
+        </p:txBody>
+      </p:sp>
+      <p:cxnSp>
+        <p:nvCxnSpPr>
+          <p:cNvPr id="73" name="Elbow Connector 72"/>
+          <p:cNvCxnSpPr>
+            <a:stCxn id="9" idx="2"/>
+            <a:endCxn id="23" idx="1"/>
+          </p:cNvCxnSpPr>
+          <p:nvPr/>
+        </p:nvCxnSpPr>
+        <p:spPr>
+          <a:xfrm rot="16200000" flipH="1">
+            <a:off x="3032865" y="1853157"/>
+            <a:ext cx="1840731" cy="264084"/>
+          </a:xfrm>
+          <a:prstGeom prst="bentConnector2">
+            <a:avLst/>
+          </a:prstGeom>
+          <a:ln w="28575">
+            <a:solidFill>
+              <a:schemeClr val="bg1">
+                <a:lumMod val="50000"/>
+              </a:schemeClr>
+            </a:solidFill>
+            <a:tailEnd type="triangle"/>
+          </a:ln>
+        </p:spPr>
+        <p:style>
+          <a:lnRef idx="1">
+            <a:schemeClr val="accent1"/>
+          </a:lnRef>
+          <a:fillRef idx="0">
+            <a:schemeClr val="accent1"/>
+          </a:fillRef>
+          <a:effectRef idx="0">
+            <a:schemeClr val="accent1"/>
+          </a:effectRef>
+          <a:fontRef idx="minor">
+            <a:schemeClr val="tx1"/>
+          </a:fontRef>
+        </p:style>
+      </p:cxnSp>
+      <p:cxnSp>
+        <p:nvCxnSpPr>
+          <p:cNvPr id="11" name="Elbow Connector 10"/>
+          <p:cNvCxnSpPr>
+            <a:stCxn id="25" idx="1"/>
+            <a:endCxn id="28" idx="3"/>
+          </p:cNvCxnSpPr>
+          <p:nvPr/>
+        </p:nvCxnSpPr>
+        <p:spPr>
+          <a:xfrm rot="10800000">
+            <a:off x="5495310" y="1977668"/>
+            <a:ext cx="272386" cy="832638"/>
+          </a:xfrm>
+          <a:prstGeom prst="bentConnector3">
+            <a:avLst/>
+          </a:prstGeom>
+          <a:ln w="28575">
+            <a:solidFill>
+              <a:schemeClr val="bg1">
+                <a:lumMod val="50000"/>
+              </a:schemeClr>
+            </a:solidFill>
+            <a:tailEnd type="triangle"/>
+          </a:ln>
+        </p:spPr>
+        <p:style>
+          <a:lnRef idx="1">
+            <a:schemeClr val="accent1"/>
+          </a:lnRef>
+          <a:fillRef idx="0">
+            <a:schemeClr val="accent1"/>
+          </a:fillRef>
+          <a:effectRef idx="0">
+            <a:schemeClr val="accent1"/>
+          </a:effectRef>
+          <a:fontRef idx="minor">
+            <a:schemeClr val="tx1"/>
+          </a:fontRef>
+        </p:style>
+      </p:cxnSp>
+      <p:sp>
+        <p:nvSpPr>
+          <p:cNvPr id="53" name="Rectangle 52"/>
+          <p:cNvSpPr/>
+          <p:nvPr/>
+        </p:nvSpPr>
+        <p:spPr>
+          <a:xfrm>
+            <a:off x="4202261" y="2030515"/>
+            <a:ext cx="1176374" cy="295918"/>
+          </a:xfrm>
+          <a:prstGeom prst="rect">
+            <a:avLst/>
+          </a:prstGeom>
+          <a:solidFill>
+            <a:schemeClr val="accent2"/>
+          </a:solidFill>
+          <a:ln w="28575">
+            <a:solidFill>
+              <a:schemeClr val="accent2"/>
+            </a:solidFill>
+          </a:ln>
+        </p:spPr>
+        <p:style>
+          <a:lnRef idx="2">
+            <a:schemeClr val="accent1">
+              <a:shade val="50000"/>
+            </a:schemeClr>
+          </a:lnRef>
+          <a:fillRef idx="1">
+            <a:schemeClr val="accent1"/>
+          </a:fillRef>
+          <a:effectRef idx="0">
+            <a:schemeClr val="accent1"/>
+          </a:effectRef>
+          <a:fontRef idx="minor">
+            <a:schemeClr val="lt1"/>
+          </a:fontRef>
+        </p:style>
+        <p:txBody>
+          <a:bodyPr rot="0" spcFirstLastPara="0" vertOverflow="overflow" horzOverflow="overflow" vert="horz" wrap="square" lIns="91440" tIns="45720" rIns="91440" bIns="45720" numCol="1" spcCol="0" rtlCol="0" fromWordArt="0" anchor="ctr" anchorCtr="0" forceAA="0" compatLnSpc="1">
+            <a:prstTxWarp prst="textNoShape">
+              <a:avLst/>
+            </a:prstTxWarp>
+            <a:noAutofit/>
+          </a:bodyPr>
+          <a:lstStyle/>
+          <a:p>
+            <a:pPr algn="ctr"/>
+            <a:r>
+              <a:rPr lang="en-US" sz="1400" smtClean="0">
+                <a:solidFill>
+                  <a:schemeClr val="bg1"/>
+                </a:solidFill>
+                <a:latin typeface="Raleway" charset="0"/>
+                <a:ea typeface="Raleway" charset="0"/>
+                <a:cs typeface="Raleway" charset="0"/>
+              </a:rPr>
+              <a:t>train model</a:t>
+            </a:r>
+            <a:endParaRPr lang="en-US" sz="1400" dirty="0" smtClean="0">
+              <a:solidFill>
+                <a:schemeClr val="bg1"/>
+              </a:solidFill>
+              <a:latin typeface="Raleway" charset="0"/>
+              <a:ea typeface="Raleway" charset="0"/>
+              <a:cs typeface="Raleway" charset="0"/>
+            </a:endParaRPr>
+          </a:p>
+        </p:txBody>
+      </p:sp>
+    </p:spTree>
+    <p:extLst>
+      <p:ext uri="{BB962C8B-B14F-4D97-AF65-F5344CB8AC3E}">
+        <p14:creationId xmlns:p14="http://schemas.microsoft.com/office/powerpoint/2010/main" val="578784889"/>
+      </p:ext>
+    </p:extLst>
+  </p:cSld>
+  <p:clrMapOvr>
+    <a:masterClrMapping/>
+  </p:clrMapOvr>
+</p:sld>
+</file>
+
+<file path=ppt/slides/slide4.xml><?xml version="1.0" encoding="utf-8"?>
+<p:sld xmlns:a="http://schemas.openxmlformats.org/drawingml/2006/main" xmlns:r="http://schemas.openxmlformats.org/officeDocument/2006/relationships" xmlns:p="http://schemas.openxmlformats.org/presentationml/2006/main">
+  <p:cSld>
+    <p:spTree>
+      <p:nvGrpSpPr>
+        <p:cNvPr id="1" name=""/>
+        <p:cNvGrpSpPr/>
+        <p:nvPr/>
+      </p:nvGrpSpPr>
+      <p:grpSpPr>
+        <a:xfrm>
+          <a:off x="0" y="0"/>
+          <a:ext cx="0" cy="0"/>
+          <a:chOff x="0" y="0"/>
+          <a:chExt cx="0" cy="0"/>
+        </a:xfrm>
+      </p:grpSpPr>
+      <p:cxnSp>
+        <p:nvCxnSpPr>
+          <p:cNvPr id="40" name="Straight Arrow Connector 39"/>
+          <p:cNvCxnSpPr/>
+          <p:nvPr/>
+        </p:nvCxnSpPr>
+        <p:spPr>
+          <a:xfrm flipV="1">
+            <a:off x="3872278" y="3285068"/>
+            <a:ext cx="24135" cy="3315635"/>
+          </a:xfrm>
+          <a:prstGeom prst="straightConnector1">
+            <a:avLst/>
+          </a:prstGeom>
+          <a:ln w="28575">
+            <a:solidFill>
+              <a:schemeClr val="bg1">
+                <a:lumMod val="50000"/>
+              </a:schemeClr>
+            </a:solidFill>
+            <a:prstDash val="sysDot"/>
+            <a:headEnd type="none" w="med" len="med"/>
+            <a:tailEnd type="none" w="med" len="med"/>
+          </a:ln>
+        </p:spPr>
+        <p:style>
+          <a:lnRef idx="1">
+            <a:schemeClr val="accent1"/>
+          </a:lnRef>
+          <a:fillRef idx="0">
+            <a:schemeClr val="accent1"/>
+          </a:fillRef>
+          <a:effectRef idx="0">
+            <a:schemeClr val="accent1"/>
+          </a:effectRef>
+          <a:fontRef idx="minor">
+            <a:schemeClr val="tx1"/>
+          </a:fontRef>
+        </p:style>
+      </p:cxnSp>
+      <p:sp>
+        <p:nvSpPr>
+          <p:cNvPr id="5" name="TextBox 4"/>
+          <p:cNvSpPr txBox="1"/>
+          <p:nvPr/>
+        </p:nvSpPr>
+        <p:spPr>
+          <a:xfrm>
+            <a:off x="1472361" y="659506"/>
+            <a:ext cx="1400395" cy="584775"/>
+          </a:xfrm>
+          <a:prstGeom prst="rect">
+            <a:avLst/>
+          </a:prstGeom>
+          <a:noFill/>
+          <a:ln>
+            <a:noFill/>
+          </a:ln>
+        </p:spPr>
+        <p:txBody>
+          <a:bodyPr wrap="square" rtlCol="0">
+            <a:spAutoFit/>
+          </a:bodyPr>
+          <a:lstStyle/>
+          <a:p>
+            <a:pPr algn="ctr"/>
+            <a:r>
+              <a:rPr lang="en-US" sz="1600" dirty="0" smtClean="0">
+                <a:solidFill>
+                  <a:srgbClr val="FF0000"/>
+                </a:solidFill>
+                <a:latin typeface="Raleway" charset="0"/>
+                <a:ea typeface="Raleway" charset="0"/>
+                <a:cs typeface="Raleway" charset="0"/>
+              </a:rPr>
+              <a:t>Dirty</a:t>
+            </a:r>
+          </a:p>
+          <a:p>
+            <a:pPr algn="ctr"/>
+            <a:r>
+              <a:rPr lang="en-US" sz="1600" dirty="0" smtClean="0">
+                <a:solidFill>
+                  <a:srgbClr val="FF0000"/>
+                </a:solidFill>
+                <a:latin typeface="Raleway" charset="0"/>
+                <a:ea typeface="Raleway" charset="0"/>
+                <a:cs typeface="Raleway" charset="0"/>
+              </a:rPr>
+              <a:t>training data</a:t>
+            </a:r>
+            <a:endParaRPr lang="en-US" sz="1600" dirty="0">
+              <a:solidFill>
+                <a:srgbClr val="FF0000"/>
+              </a:solidFill>
+              <a:latin typeface="Raleway" charset="0"/>
+              <a:ea typeface="Raleway" charset="0"/>
+              <a:cs typeface="Raleway" charset="0"/>
+            </a:endParaRPr>
+          </a:p>
+        </p:txBody>
+      </p:sp>
+      <p:sp>
+        <p:nvSpPr>
+          <p:cNvPr id="8" name="Oval 7"/>
+          <p:cNvSpPr/>
+          <p:nvPr/>
+        </p:nvSpPr>
+        <p:spPr>
+          <a:xfrm>
+            <a:off x="5627080" y="572234"/>
+            <a:ext cx="763675" cy="763675"/>
+          </a:xfrm>
+          <a:prstGeom prst="ellipse">
+            <a:avLst/>
+          </a:prstGeom>
+          <a:solidFill>
+            <a:schemeClr val="bg1"/>
+          </a:solidFill>
+          <a:ln w="28575">
+            <a:solidFill>
+              <a:schemeClr val="bg1">
+                <a:lumMod val="50000"/>
+              </a:schemeClr>
+            </a:solidFill>
+          </a:ln>
+        </p:spPr>
+        <p:style>
+          <a:lnRef idx="2">
+            <a:schemeClr val="accent1">
+              <a:shade val="50000"/>
+            </a:schemeClr>
+          </a:lnRef>
+          <a:fillRef idx="1">
+            <a:schemeClr val="accent1"/>
+          </a:fillRef>
+          <a:effectRef idx="0">
+            <a:schemeClr val="accent1"/>
+          </a:effectRef>
+          <a:fontRef idx="minor">
+            <a:schemeClr val="lt1"/>
+          </a:fontRef>
+        </p:style>
+        <p:txBody>
+          <a:bodyPr rtlCol="0" anchor="ctr"/>
+          <a:lstStyle/>
+          <a:p>
+            <a:pPr algn="ctr"/>
+            <a:r>
+              <a:rPr lang="en-US" dirty="0">
+                <a:solidFill>
+                  <a:schemeClr val="bg1">
+                    <a:lumMod val="50000"/>
+                  </a:schemeClr>
+                </a:solidFill>
+                <a:latin typeface="Arvo" charset="0"/>
+                <a:ea typeface="Arvo" charset="0"/>
+                <a:cs typeface="Arvo" charset="0"/>
+              </a:rPr>
+              <a:t>C</a:t>
+            </a:r>
+            <a:endParaRPr lang="en-US" dirty="0">
+              <a:solidFill>
+                <a:schemeClr val="bg1">
+                  <a:lumMod val="50000"/>
+                </a:schemeClr>
+              </a:solidFill>
+              <a:latin typeface="Arvo" charset="0"/>
+              <a:ea typeface="Arvo" charset="0"/>
+              <a:cs typeface="Arvo" charset="0"/>
+            </a:endParaRPr>
+          </a:p>
+        </p:txBody>
+      </p:sp>
+      <p:sp>
+        <p:nvSpPr>
+          <p:cNvPr id="9" name="TextBox 8"/>
+          <p:cNvSpPr txBox="1"/>
+          <p:nvPr/>
+        </p:nvSpPr>
+        <p:spPr>
+          <a:xfrm>
+            <a:off x="5500605" y="2000437"/>
+            <a:ext cx="1016625" cy="584775"/>
+          </a:xfrm>
+          <a:prstGeom prst="rect">
+            <a:avLst/>
+          </a:prstGeom>
+          <a:noFill/>
+        </p:spPr>
+        <p:txBody>
+          <a:bodyPr wrap="none" rtlCol="0">
+            <a:spAutoFit/>
+          </a:bodyPr>
+          <a:lstStyle/>
+          <a:p>
+            <a:pPr algn="ctr"/>
+            <a:r>
+              <a:rPr lang="en-US" sz="1600" dirty="0" smtClean="0">
+                <a:solidFill>
+                  <a:srgbClr val="FF0000"/>
+                </a:solidFill>
+                <a:latin typeface="Raleway" charset="0"/>
+                <a:ea typeface="Raleway" charset="0"/>
+                <a:cs typeface="Raleway" charset="0"/>
+              </a:rPr>
+              <a:t>Dirty </a:t>
+            </a:r>
+          </a:p>
+          <a:p>
+            <a:pPr algn="ctr"/>
+            <a:r>
+              <a:rPr lang="en-US" sz="1600" dirty="0" smtClean="0">
+                <a:solidFill>
+                  <a:srgbClr val="FF0000"/>
+                </a:solidFill>
+                <a:latin typeface="Raleway" charset="0"/>
+                <a:ea typeface="Raleway" charset="0"/>
+                <a:cs typeface="Raleway" charset="0"/>
+              </a:rPr>
+              <a:t>test data</a:t>
+            </a:r>
+            <a:endParaRPr lang="en-US" sz="1600" dirty="0">
+              <a:solidFill>
+                <a:srgbClr val="FF0000"/>
+              </a:solidFill>
+              <a:latin typeface="Raleway" charset="0"/>
+              <a:ea typeface="Raleway" charset="0"/>
+              <a:cs typeface="Raleway" charset="0"/>
+            </a:endParaRPr>
+          </a:p>
+        </p:txBody>
+      </p:sp>
+      <p:cxnSp>
+        <p:nvCxnSpPr>
+          <p:cNvPr id="24" name="Elbow Connector 23"/>
+          <p:cNvCxnSpPr>
+            <a:stCxn id="5" idx="3"/>
+            <a:endCxn id="8" idx="2"/>
+          </p:cNvCxnSpPr>
+          <p:nvPr/>
+        </p:nvCxnSpPr>
+        <p:spPr>
+          <a:xfrm>
+            <a:off x="2872756" y="951894"/>
+            <a:ext cx="2754324" cy="2178"/>
+          </a:xfrm>
+          <a:prstGeom prst="bentConnector3">
+            <a:avLst>
+              <a:gd name="adj1" fmla="val 50000"/>
+            </a:avLst>
+          </a:prstGeom>
+          <a:ln w="28575">
+            <a:solidFill>
+              <a:schemeClr val="bg1">
+                <a:lumMod val="50000"/>
+              </a:schemeClr>
+            </a:solidFill>
+            <a:tailEnd type="triangle"/>
+          </a:ln>
+        </p:spPr>
+        <p:style>
+          <a:lnRef idx="1">
+            <a:schemeClr val="accent1"/>
+          </a:lnRef>
+          <a:fillRef idx="0">
+            <a:schemeClr val="accent1"/>
+          </a:fillRef>
+          <a:effectRef idx="0">
+            <a:schemeClr val="accent1"/>
+          </a:effectRef>
+          <a:fontRef idx="minor">
+            <a:schemeClr val="tx1"/>
+          </a:fontRef>
+        </p:style>
+      </p:cxnSp>
+      <p:sp>
+        <p:nvSpPr>
+          <p:cNvPr id="4" name="Rectangle 3"/>
+          <p:cNvSpPr/>
+          <p:nvPr/>
+        </p:nvSpPr>
+        <p:spPr>
+          <a:xfrm>
+            <a:off x="3056467" y="651899"/>
+            <a:ext cx="1413843" cy="623162"/>
+          </a:xfrm>
+          <a:prstGeom prst="rect">
+            <a:avLst/>
+          </a:prstGeom>
+          <a:solidFill>
+            <a:srgbClr val="FF0000"/>
+          </a:solidFill>
+          <a:ln w="28575">
+            <a:solidFill>
+              <a:srgbClr val="FF0000"/>
+            </a:solidFill>
+          </a:ln>
+        </p:spPr>
+        <p:style>
+          <a:lnRef idx="2">
+            <a:schemeClr val="accent1">
+              <a:shade val="50000"/>
+            </a:schemeClr>
+          </a:lnRef>
+          <a:fillRef idx="1">
+            <a:schemeClr val="accent1"/>
+          </a:fillRef>
+          <a:effectRef idx="0">
+            <a:schemeClr val="accent1"/>
+          </a:effectRef>
+          <a:fontRef idx="minor">
+            <a:schemeClr val="lt1"/>
+          </a:fontRef>
+        </p:style>
+        <p:txBody>
+          <a:bodyPr rtlCol="0" anchor="ctr"/>
+          <a:lstStyle/>
+          <a:p>
+            <a:pPr algn="ctr"/>
+            <a:r>
+              <a:rPr lang="en-US" sz="1400" smtClean="0">
+                <a:solidFill>
+                  <a:schemeClr val="bg1"/>
+                </a:solidFill>
+                <a:latin typeface="Raleway" charset="0"/>
+                <a:ea typeface="Raleway" charset="0"/>
+                <a:cs typeface="Raleway" charset="0"/>
+              </a:rPr>
+              <a:t>Detect Training Errors</a:t>
+            </a:r>
+            <a:endParaRPr lang="en-US" sz="1400" dirty="0">
+              <a:solidFill>
+                <a:schemeClr val="bg1"/>
+              </a:solidFill>
+              <a:latin typeface="Raleway" charset="0"/>
+              <a:ea typeface="Raleway" charset="0"/>
+              <a:cs typeface="Raleway" charset="0"/>
+            </a:endParaRPr>
+          </a:p>
+        </p:txBody>
+      </p:sp>
+      <p:sp>
+        <p:nvSpPr>
+          <p:cNvPr id="23" name="Rectangle 22"/>
+          <p:cNvSpPr/>
+          <p:nvPr/>
+        </p:nvSpPr>
+        <p:spPr>
+          <a:xfrm>
+            <a:off x="4675464" y="651898"/>
+            <a:ext cx="698400" cy="623723"/>
+          </a:xfrm>
+          <a:prstGeom prst="rect">
+            <a:avLst/>
+          </a:prstGeom>
+          <a:solidFill>
+            <a:schemeClr val="bg1"/>
+          </a:solidFill>
+          <a:ln w="28575">
+            <a:solidFill>
+              <a:schemeClr val="bg1">
+                <a:lumMod val="50000"/>
+              </a:schemeClr>
+            </a:solidFill>
+          </a:ln>
+        </p:spPr>
+        <p:style>
+          <a:lnRef idx="2">
+            <a:schemeClr val="accent1">
+              <a:shade val="50000"/>
+            </a:schemeClr>
+          </a:lnRef>
+          <a:fillRef idx="1">
+            <a:schemeClr val="accent1"/>
+          </a:fillRef>
+          <a:effectRef idx="0">
+            <a:schemeClr val="accent1"/>
+          </a:effectRef>
+          <a:fontRef idx="minor">
+            <a:schemeClr val="lt1"/>
+          </a:fontRef>
+        </p:style>
+        <p:txBody>
+          <a:bodyPr rot="0" spcFirstLastPara="0" vertOverflow="overflow" horzOverflow="overflow" vert="horz" wrap="square" lIns="91440" tIns="45720" rIns="91440" bIns="45720" numCol="1" spcCol="0" rtlCol="0" fromWordArt="0" anchor="ctr" anchorCtr="0" forceAA="0" compatLnSpc="1">
+            <a:prstTxWarp prst="textNoShape">
+              <a:avLst/>
+            </a:prstTxWarp>
+            <a:noAutofit/>
+          </a:bodyPr>
+          <a:lstStyle/>
+          <a:p>
+            <a:pPr algn="ctr"/>
+            <a:r>
+              <a:rPr lang="en-US" smtClean="0">
+                <a:solidFill>
+                  <a:schemeClr val="bg1">
+                    <a:lumMod val="50000"/>
+                  </a:schemeClr>
+                </a:solidFill>
+                <a:latin typeface="Raleway" charset="0"/>
+                <a:ea typeface="Raleway" charset="0"/>
+                <a:cs typeface="Raleway" charset="0"/>
+              </a:rPr>
+              <a:t>train</a:t>
+            </a:r>
+          </a:p>
+        </p:txBody>
+      </p:sp>
+      <p:cxnSp>
+        <p:nvCxnSpPr>
+          <p:cNvPr id="31" name="Straight Arrow Connector 30"/>
+          <p:cNvCxnSpPr>
+            <a:stCxn id="8" idx="6"/>
+          </p:cNvCxnSpPr>
+          <p:nvPr/>
+        </p:nvCxnSpPr>
+        <p:spPr>
+          <a:xfrm flipV="1">
+            <a:off x="6390755" y="951894"/>
+            <a:ext cx="582805" cy="2178"/>
+          </a:xfrm>
+          <a:prstGeom prst="straightConnector1">
+            <a:avLst/>
+          </a:prstGeom>
+          <a:ln w="28575">
+            <a:solidFill>
+              <a:schemeClr val="bg1">
+                <a:lumMod val="50000"/>
+              </a:schemeClr>
+            </a:solidFill>
+            <a:tailEnd type="triangle"/>
+          </a:ln>
+        </p:spPr>
+        <p:style>
+          <a:lnRef idx="1">
+            <a:schemeClr val="accent1"/>
+          </a:lnRef>
+          <a:fillRef idx="0">
+            <a:schemeClr val="accent1"/>
+          </a:fillRef>
+          <a:effectRef idx="0">
+            <a:schemeClr val="accent1"/>
+          </a:effectRef>
+          <a:fontRef idx="minor">
+            <a:schemeClr val="tx1"/>
+          </a:fontRef>
+        </p:style>
+      </p:cxnSp>
+      <p:sp>
+        <p:nvSpPr>
+          <p:cNvPr id="37" name="Rectangle 36"/>
+          <p:cNvSpPr/>
+          <p:nvPr/>
+        </p:nvSpPr>
+        <p:spPr>
+          <a:xfrm>
+            <a:off x="2441749" y="2049342"/>
+            <a:ext cx="2308798" cy="623723"/>
+          </a:xfrm>
+          <a:prstGeom prst="rect">
+            <a:avLst/>
+          </a:prstGeom>
+          <a:solidFill>
+            <a:schemeClr val="bg1"/>
+          </a:solidFill>
+          <a:ln w="28575">
+            <a:solidFill>
+              <a:schemeClr val="accent5"/>
+            </a:solidFill>
+          </a:ln>
+        </p:spPr>
+        <p:style>
+          <a:lnRef idx="2">
+            <a:schemeClr val="accent1">
+              <a:shade val="50000"/>
+            </a:schemeClr>
+          </a:lnRef>
+          <a:fillRef idx="1">
+            <a:schemeClr val="accent1"/>
+          </a:fillRef>
+          <a:effectRef idx="0">
+            <a:schemeClr val="accent1"/>
+          </a:effectRef>
+          <a:fontRef idx="minor">
+            <a:schemeClr val="lt1"/>
+          </a:fontRef>
+        </p:style>
+        <p:txBody>
+          <a:bodyPr rot="0" spcFirstLastPara="0" vertOverflow="overflow" horzOverflow="overflow" vert="horz" wrap="square" lIns="91440" tIns="45720" rIns="91440" bIns="45720" numCol="1" spcCol="0" rtlCol="0" fromWordArt="0" anchor="ctr" anchorCtr="0" forceAA="0" compatLnSpc="1">
+            <a:prstTxWarp prst="textNoShape">
+              <a:avLst/>
+            </a:prstTxWarp>
+            <a:noAutofit/>
+          </a:bodyPr>
+          <a:lstStyle/>
+          <a:p>
+            <a:pPr algn="ctr"/>
+            <a:r>
+              <a:rPr lang="en-US" dirty="0" smtClean="0">
+                <a:solidFill>
+                  <a:schemeClr val="accent5"/>
+                </a:solidFill>
+                <a:latin typeface="Raleway" charset="0"/>
+                <a:ea typeface="Raleway" charset="0"/>
+                <a:cs typeface="Raleway" charset="0"/>
+              </a:rPr>
+              <a:t>conditional prediction repair</a:t>
+            </a:r>
+          </a:p>
+        </p:txBody>
+      </p:sp>
+      <p:sp>
+        <p:nvSpPr>
+          <p:cNvPr id="46" name="TextBox 45"/>
+          <p:cNvSpPr txBox="1"/>
+          <p:nvPr/>
+        </p:nvSpPr>
+        <p:spPr>
+          <a:xfrm>
+            <a:off x="6949869" y="779093"/>
+            <a:ext cx="1265090" cy="369332"/>
+          </a:xfrm>
+          <a:prstGeom prst="rect">
+            <a:avLst/>
+          </a:prstGeom>
+          <a:noFill/>
+        </p:spPr>
+        <p:txBody>
+          <a:bodyPr wrap="none" rtlCol="0">
+            <a:spAutoFit/>
+          </a:bodyPr>
+          <a:lstStyle/>
+          <a:p>
+            <a:r>
+              <a:rPr lang="en-US" dirty="0" smtClean="0">
+                <a:solidFill>
+                  <a:schemeClr val="bg1">
+                    <a:lumMod val="50000"/>
+                  </a:schemeClr>
+                </a:solidFill>
+                <a:latin typeface="Raleway" charset="0"/>
+                <a:ea typeface="Raleway" charset="0"/>
+                <a:cs typeface="Raleway" charset="0"/>
+              </a:rPr>
+              <a:t>prediction</a:t>
+            </a:r>
+            <a:endParaRPr lang="en-US" dirty="0">
+              <a:solidFill>
+                <a:schemeClr val="bg1">
+                  <a:lumMod val="50000"/>
+                </a:schemeClr>
+              </a:solidFill>
+              <a:latin typeface="Raleway" charset="0"/>
+              <a:ea typeface="Raleway" charset="0"/>
+              <a:cs typeface="Raleway" charset="0"/>
+            </a:endParaRPr>
+          </a:p>
+        </p:txBody>
+      </p:sp>
+      <p:grpSp>
+        <p:nvGrpSpPr>
+          <p:cNvPr id="55" name="Group 54"/>
+          <p:cNvGrpSpPr/>
+          <p:nvPr/>
+        </p:nvGrpSpPr>
+        <p:grpSpPr>
+          <a:xfrm>
+            <a:off x="6961516" y="2257900"/>
+            <a:ext cx="1364476" cy="379380"/>
+            <a:chOff x="371789" y="4541855"/>
+            <a:chExt cx="1364476" cy="379380"/>
+          </a:xfrm>
+        </p:grpSpPr>
+        <p:cxnSp>
+          <p:nvCxnSpPr>
+            <p:cNvPr id="48" name="Straight Arrow Connector 47"/>
+            <p:cNvCxnSpPr/>
+            <p:nvPr/>
+          </p:nvCxnSpPr>
+          <p:spPr>
+            <a:xfrm flipV="1">
+              <a:off x="434173" y="4911187"/>
+              <a:ext cx="1302092" cy="10048"/>
+            </a:xfrm>
+            <a:prstGeom prst="straightConnector1">
+              <a:avLst/>
+            </a:prstGeom>
+            <a:ln w="38100">
+              <a:solidFill>
+                <a:schemeClr val="accent5"/>
+              </a:solidFill>
+              <a:tailEnd type="triangle"/>
+            </a:ln>
+          </p:spPr>
+          <p:style>
+            <a:lnRef idx="1">
+              <a:schemeClr val="accent1"/>
+            </a:lnRef>
+            <a:fillRef idx="0">
+              <a:schemeClr val="accent1"/>
+            </a:fillRef>
+            <a:effectRef idx="0">
+              <a:schemeClr val="accent1"/>
+            </a:effectRef>
+            <a:fontRef idx="minor">
+              <a:schemeClr val="tx1"/>
+            </a:fontRef>
+          </p:style>
+        </p:cxnSp>
+        <p:sp>
+          <p:nvSpPr>
+            <p:cNvPr id="50" name="TextBox 49"/>
+            <p:cNvSpPr txBox="1"/>
+            <p:nvPr/>
+          </p:nvSpPr>
+          <p:spPr>
+            <a:xfrm>
+              <a:off x="371789" y="4541855"/>
+              <a:ext cx="1364476" cy="369332"/>
+            </a:xfrm>
+            <a:prstGeom prst="rect">
+              <a:avLst/>
+            </a:prstGeom>
+            <a:noFill/>
+          </p:spPr>
+          <p:txBody>
+            <a:bodyPr wrap="none" rtlCol="0">
+              <a:spAutoFit/>
+            </a:bodyPr>
+            <a:lstStyle/>
+            <a:p>
+              <a:r>
+                <a:rPr lang="en-US" dirty="0" smtClean="0">
+                  <a:solidFill>
+                    <a:schemeClr val="accent5"/>
+                  </a:solidFill>
+                  <a:latin typeface="Raleway" charset="0"/>
+                  <a:ea typeface="Raleway" charset="0"/>
+                  <a:cs typeface="Raleway" charset="0"/>
+                </a:rPr>
+                <a:t>online flow</a:t>
+              </a:r>
+              <a:endParaRPr lang="en-US" dirty="0">
+                <a:solidFill>
+                  <a:schemeClr val="accent5"/>
+                </a:solidFill>
+                <a:latin typeface="Raleway" charset="0"/>
+                <a:ea typeface="Raleway" charset="0"/>
+                <a:cs typeface="Raleway" charset="0"/>
+              </a:endParaRPr>
+            </a:p>
+          </p:txBody>
+        </p:sp>
+      </p:grpSp>
+      <p:grpSp>
+        <p:nvGrpSpPr>
+          <p:cNvPr id="54" name="Group 53"/>
+          <p:cNvGrpSpPr/>
+          <p:nvPr/>
+        </p:nvGrpSpPr>
+        <p:grpSpPr>
+          <a:xfrm>
+            <a:off x="6951464" y="1815771"/>
+            <a:ext cx="1383712" cy="379380"/>
+            <a:chOff x="3044651" y="4441371"/>
+            <a:chExt cx="1383712" cy="379380"/>
+          </a:xfrm>
+        </p:grpSpPr>
+        <p:cxnSp>
+          <p:nvCxnSpPr>
+            <p:cNvPr id="49" name="Straight Arrow Connector 48"/>
+            <p:cNvCxnSpPr/>
+            <p:nvPr/>
+          </p:nvCxnSpPr>
+          <p:spPr>
+            <a:xfrm flipV="1">
+              <a:off x="3130061" y="4810703"/>
+              <a:ext cx="1298302" cy="10048"/>
+            </a:xfrm>
+            <a:prstGeom prst="straightConnector1">
+              <a:avLst/>
+            </a:prstGeom>
+            <a:ln w="38100">
+              <a:solidFill>
+                <a:schemeClr val="accent2"/>
+              </a:solidFill>
+              <a:tailEnd type="triangle"/>
+            </a:ln>
+          </p:spPr>
+          <p:style>
+            <a:lnRef idx="1">
+              <a:schemeClr val="accent1"/>
+            </a:lnRef>
+            <a:fillRef idx="0">
+              <a:schemeClr val="accent1"/>
+            </a:fillRef>
+            <a:effectRef idx="0">
+              <a:schemeClr val="accent1"/>
+            </a:effectRef>
+            <a:fontRef idx="minor">
+              <a:schemeClr val="tx1"/>
+            </a:fontRef>
+          </p:style>
+        </p:cxnSp>
+        <p:sp>
+          <p:nvSpPr>
+            <p:cNvPr id="51" name="TextBox 50"/>
+            <p:cNvSpPr txBox="1"/>
+            <p:nvPr/>
+          </p:nvSpPr>
+          <p:spPr>
+            <a:xfrm>
+              <a:off x="3044651" y="4441371"/>
+              <a:ext cx="1383712" cy="369332"/>
+            </a:xfrm>
+            <a:prstGeom prst="rect">
+              <a:avLst/>
+            </a:prstGeom>
+            <a:noFill/>
+          </p:spPr>
+          <p:txBody>
+            <a:bodyPr wrap="none" rtlCol="0">
+              <a:spAutoFit/>
+            </a:bodyPr>
+            <a:lstStyle/>
+            <a:p>
+              <a:r>
+                <a:rPr lang="en-US" dirty="0" smtClean="0">
+                  <a:solidFill>
+                    <a:schemeClr val="accent2"/>
+                  </a:solidFill>
+                  <a:latin typeface="Raleway" charset="0"/>
+                  <a:ea typeface="Raleway" charset="0"/>
+                  <a:cs typeface="Raleway" charset="0"/>
+                </a:rPr>
+                <a:t>offline flow</a:t>
+              </a:r>
+              <a:endParaRPr lang="en-US" dirty="0">
+                <a:solidFill>
+                  <a:schemeClr val="accent2"/>
+                </a:solidFill>
+                <a:latin typeface="Raleway" charset="0"/>
+                <a:ea typeface="Raleway" charset="0"/>
+                <a:cs typeface="Raleway" charset="0"/>
+              </a:endParaRPr>
+            </a:p>
+          </p:txBody>
+        </p:sp>
+      </p:grpSp>
       <p:sp>
         <p:nvSpPr>
           <p:cNvPr id="7" name="TextBox 6"/>
@@ -8138,7 +10010,7 @@
 </p:sld>
 </file>
 
-<file path=ppt/slides/slide4.xml><?xml version="1.0" encoding="utf-8"?>
+<file path=ppt/slides/slide5.xml><?xml version="1.0" encoding="utf-8"?>
 <p:sld xmlns:a="http://schemas.openxmlformats.org/drawingml/2006/main" xmlns:r="http://schemas.openxmlformats.org/officeDocument/2006/relationships" xmlns:p="http://schemas.openxmlformats.org/presentationml/2006/main">
   <p:cSld>
     <p:spTree>
@@ -9360,6 +11232,34 @@
         </a:fontRef>
       </a:style>
     </a:spDef>
+    <a:lnDef>
+      <a:spPr>
+        <a:ln w="28575">
+          <a:solidFill>
+            <a:schemeClr val="bg1">
+              <a:lumMod val="50000"/>
+            </a:schemeClr>
+          </a:solidFill>
+          <a:tailEnd type="triangle"/>
+        </a:ln>
+      </a:spPr>
+      <a:bodyPr/>
+      <a:lstStyle/>
+      <a:style>
+        <a:lnRef idx="1">
+          <a:schemeClr val="accent1"/>
+        </a:lnRef>
+        <a:fillRef idx="0">
+          <a:schemeClr val="accent1"/>
+        </a:fillRef>
+        <a:effectRef idx="0">
+          <a:schemeClr val="accent1"/>
+        </a:effectRef>
+        <a:fontRef idx="minor">
+          <a:schemeClr val="tx1"/>
+        </a:fontRef>
+      </a:style>
+    </a:lnDef>
     <a:txDef>
       <a:spPr>
         <a:noFill/>

--- a/figures/figures.pptx
+++ b/figures/figures.pptx
@@ -5,14 +5,15 @@
     <p:sldMasterId id="2147483648" r:id="rId1"/>
   </p:sldMasterIdLst>
   <p:notesMasterIdLst>
-    <p:notesMasterId r:id="rId7"/>
+    <p:notesMasterId r:id="rId8"/>
   </p:notesMasterIdLst>
   <p:sldIdLst>
     <p:sldId id="256" r:id="rId2"/>
     <p:sldId id="257" r:id="rId3"/>
     <p:sldId id="260" r:id="rId4"/>
-    <p:sldId id="258" r:id="rId5"/>
-    <p:sldId id="259" r:id="rId6"/>
+    <p:sldId id="261" r:id="rId5"/>
+    <p:sldId id="258" r:id="rId6"/>
+    <p:sldId id="259" r:id="rId7"/>
   </p:sldIdLst>
   <p:sldSz cx="12192000" cy="6858000"/>
   <p:notesSz cx="6858000" cy="9144000"/>
@@ -795,7 +796,7 @@
     </p:spTree>
     <p:extLst>
       <p:ext uri="{BB962C8B-B14F-4D97-AF65-F5344CB8AC3E}">
-        <p14:creationId xmlns:p14="http://schemas.microsoft.com/office/powerpoint/2010/main" val="1592470929"/>
+        <p14:creationId xmlns:p14="http://schemas.microsoft.com/office/powerpoint/2010/main" val="254187771"/>
       </p:ext>
     </p:extLst>
   </p:cSld>
@@ -871,6 +872,90 @@
             <a:fld id="{B0DEB76D-F3F5-5948-B3EE-A967BEDAE6F6}" type="slidenum">
               <a:rPr lang="en-US" smtClean="0"/>
               <a:t>5</a:t>
+            </a:fld>
+            <a:endParaRPr lang="en-US"/>
+          </a:p>
+        </p:txBody>
+      </p:sp>
+    </p:spTree>
+    <p:extLst>
+      <p:ext uri="{BB962C8B-B14F-4D97-AF65-F5344CB8AC3E}">
+        <p14:creationId xmlns:p14="http://schemas.microsoft.com/office/powerpoint/2010/main" val="1592470929"/>
+      </p:ext>
+    </p:extLst>
+  </p:cSld>
+  <p:clrMapOvr>
+    <a:masterClrMapping/>
+  </p:clrMapOvr>
+</p:notes>
+</file>
+
+<file path=ppt/notesSlides/notesSlide6.xml><?xml version="1.0" encoding="utf-8"?>
+<p:notes xmlns:a="http://schemas.openxmlformats.org/drawingml/2006/main" xmlns:r="http://schemas.openxmlformats.org/officeDocument/2006/relationships" xmlns:p="http://schemas.openxmlformats.org/presentationml/2006/main">
+  <p:cSld>
+    <p:spTree>
+      <p:nvGrpSpPr>
+        <p:cNvPr id="1" name=""/>
+        <p:cNvGrpSpPr/>
+        <p:nvPr/>
+      </p:nvGrpSpPr>
+      <p:grpSpPr>
+        <a:xfrm>
+          <a:off x="0" y="0"/>
+          <a:ext cx="0" cy="0"/>
+          <a:chOff x="0" y="0"/>
+          <a:chExt cx="0" cy="0"/>
+        </a:xfrm>
+      </p:grpSpPr>
+      <p:sp>
+        <p:nvSpPr>
+          <p:cNvPr id="2" name="Slide Image Placeholder 1"/>
+          <p:cNvSpPr>
+            <a:spLocks noGrp="1" noRot="1" noChangeAspect="1"/>
+          </p:cNvSpPr>
+          <p:nvPr>
+            <p:ph type="sldImg"/>
+          </p:nvPr>
+        </p:nvSpPr>
+        <p:spPr/>
+      </p:sp>
+      <p:sp>
+        <p:nvSpPr>
+          <p:cNvPr id="3" name="Notes Placeholder 2"/>
+          <p:cNvSpPr>
+            <a:spLocks noGrp="1"/>
+          </p:cNvSpPr>
+          <p:nvPr>
+            <p:ph type="body" idx="1"/>
+          </p:nvPr>
+        </p:nvSpPr>
+        <p:spPr/>
+        <p:txBody>
+          <a:bodyPr/>
+          <a:lstStyle/>
+          <a:p>
+            <a:endParaRPr lang="en-US" dirty="0"/>
+          </a:p>
+        </p:txBody>
+      </p:sp>
+      <p:sp>
+        <p:nvSpPr>
+          <p:cNvPr id="4" name="Slide Number Placeholder 3"/>
+          <p:cNvSpPr>
+            <a:spLocks noGrp="1"/>
+          </p:cNvSpPr>
+          <p:nvPr>
+            <p:ph type="sldNum" sz="quarter" idx="10"/>
+          </p:nvPr>
+        </p:nvSpPr>
+        <p:spPr/>
+        <p:txBody>
+          <a:bodyPr/>
+          <a:lstStyle/>
+          <a:p>
+            <a:fld id="{B0DEB76D-F3F5-5948-B3EE-A967BEDAE6F6}" type="slidenum">
+              <a:rPr lang="en-US" smtClean="0"/>
+              <a:t>6</a:t>
             </a:fld>
             <a:endParaRPr lang="en-US"/>
           </a:p>
@@ -5004,14 +5089,6 @@
               </a:rPr>
               <a:t>Evaluate accuracy</a:t>
             </a:r>
-            <a:endParaRPr lang="en-US" sz="1600" dirty="0" smtClean="0">
-              <a:solidFill>
-                <a:schemeClr val="accent2"/>
-              </a:solidFill>
-              <a:latin typeface="Raleway" charset="0"/>
-              <a:ea typeface="Raleway" charset="0"/>
-              <a:cs typeface="Raleway" charset="0"/>
-            </a:endParaRPr>
           </a:p>
         </p:txBody>
       </p:sp>
@@ -6339,78 +6416,6 @@
       </p:sp>
       <p:sp>
         <p:nvSpPr>
-          <p:cNvPr id="8" name="Oval 7"/>
-          <p:cNvSpPr/>
-          <p:nvPr/>
-        </p:nvSpPr>
-        <p:spPr>
-          <a:xfrm>
-            <a:off x="5608419" y="5178278"/>
-            <a:ext cx="763675" cy="763675"/>
-          </a:xfrm>
-          <a:prstGeom prst="ellipse">
-            <a:avLst/>
-          </a:prstGeom>
-          <a:solidFill>
-            <a:schemeClr val="bg1"/>
-          </a:solidFill>
-          <a:ln w="28575">
-            <a:solidFill>
-              <a:schemeClr val="bg1">
-                <a:lumMod val="50000"/>
-              </a:schemeClr>
-            </a:solidFill>
-          </a:ln>
-        </p:spPr>
-        <p:style>
-          <a:lnRef idx="2">
-            <a:schemeClr val="accent1">
-              <a:shade val="50000"/>
-            </a:schemeClr>
-          </a:lnRef>
-          <a:fillRef idx="1">
-            <a:schemeClr val="accent1"/>
-          </a:fillRef>
-          <a:effectRef idx="0">
-            <a:schemeClr val="accent1"/>
-          </a:effectRef>
-          <a:fontRef idx="minor">
-            <a:schemeClr val="lt1"/>
-          </a:fontRef>
-        </p:style>
-        <p:txBody>
-          <a:bodyPr rtlCol="0" anchor="ctr"/>
-          <a:lstStyle/>
-          <a:p>
-            <a:pPr algn="ctr"/>
-            <a:r>
-              <a:rPr lang="en-US" sz="2400" smtClean="0">
-                <a:solidFill>
-                  <a:schemeClr val="bg1">
-                    <a:lumMod val="50000"/>
-                  </a:schemeClr>
-                </a:solidFill>
-                <a:latin typeface="Arvo" charset="0"/>
-                <a:ea typeface="Arvo" charset="0"/>
-                <a:cs typeface="Arvo" charset="0"/>
-              </a:rPr>
-              <a:t>C</a:t>
-            </a:r>
-            <a:endParaRPr lang="en-US" sz="2400" dirty="0">
-              <a:solidFill>
-                <a:schemeClr val="bg1">
-                  <a:lumMod val="50000"/>
-                </a:schemeClr>
-              </a:solidFill>
-              <a:latin typeface="Arvo" charset="0"/>
-              <a:ea typeface="Arvo" charset="0"/>
-              <a:cs typeface="Arvo" charset="0"/>
-            </a:endParaRPr>
-          </a:p>
-        </p:txBody>
-      </p:sp>
-      <p:sp>
-        <p:nvSpPr>
           <p:cNvPr id="9" name="TextBox 8"/>
           <p:cNvSpPr txBox="1"/>
           <p:nvPr/>
@@ -6487,79 +6492,6 @@
           </a:p>
         </p:txBody>
       </p:sp>
-      <p:cxnSp>
-        <p:nvCxnSpPr>
-          <p:cNvPr id="13" name="Elbow Connector 12"/>
-          <p:cNvCxnSpPr/>
-          <p:nvPr/>
-        </p:nvCxnSpPr>
-        <p:spPr>
-          <a:xfrm>
-            <a:off x="2091493" y="5264468"/>
-            <a:ext cx="4507618" cy="767641"/>
-          </a:xfrm>
-          <a:prstGeom prst="bentConnector3">
-            <a:avLst>
-              <a:gd name="adj1" fmla="val 1849"/>
-            </a:avLst>
-          </a:prstGeom>
-          <a:ln w="28575">
-            <a:solidFill>
-              <a:schemeClr val="accent5"/>
-            </a:solidFill>
-          </a:ln>
-        </p:spPr>
-        <p:style>
-          <a:lnRef idx="1">
-            <a:schemeClr val="accent1"/>
-          </a:lnRef>
-          <a:fillRef idx="0">
-            <a:schemeClr val="accent1"/>
-          </a:fillRef>
-          <a:effectRef idx="0">
-            <a:schemeClr val="accent1"/>
-          </a:effectRef>
-          <a:fontRef idx="minor">
-            <a:schemeClr val="tx1"/>
-          </a:fontRef>
-        </p:style>
-      </p:cxnSp>
-      <p:cxnSp>
-        <p:nvCxnSpPr>
-          <p:cNvPr id="20" name="Straight Arrow Connector 19"/>
-          <p:cNvCxnSpPr/>
-          <p:nvPr/>
-        </p:nvCxnSpPr>
-        <p:spPr>
-          <a:xfrm flipV="1">
-            <a:off x="6599111" y="4620314"/>
-            <a:ext cx="0" cy="1411795"/>
-          </a:xfrm>
-          <a:prstGeom prst="straightConnector1">
-            <a:avLst/>
-          </a:prstGeom>
-          <a:ln w="28575">
-            <a:solidFill>
-              <a:schemeClr val="accent5"/>
-            </a:solidFill>
-            <a:tailEnd type="triangle"/>
-          </a:ln>
-        </p:spPr>
-        <p:style>
-          <a:lnRef idx="1">
-            <a:schemeClr val="accent1"/>
-          </a:lnRef>
-          <a:fillRef idx="0">
-            <a:schemeClr val="accent1"/>
-          </a:fillRef>
-          <a:effectRef idx="0">
-            <a:schemeClr val="accent1"/>
-          </a:effectRef>
-          <a:fontRef idx="minor">
-            <a:schemeClr val="tx1"/>
-          </a:fontRef>
-        </p:style>
-      </p:cxnSp>
       <p:sp>
         <p:nvSpPr>
           <p:cNvPr id="4" name="Rectangle 3"/>
@@ -6569,7 +6501,7 @@
         <p:spPr>
           <a:xfrm>
             <a:off x="3937000" y="1360746"/>
-            <a:ext cx="3640668" cy="1925560"/>
+            <a:ext cx="3640668" cy="2062732"/>
           </a:xfrm>
           <a:prstGeom prst="rect">
             <a:avLst/>
@@ -6628,7 +6560,7 @@
         <p:spPr>
           <a:xfrm>
             <a:off x="4085272" y="2655817"/>
-            <a:ext cx="1410353" cy="499496"/>
+            <a:ext cx="1396917" cy="550049"/>
           </a:xfrm>
           <a:prstGeom prst="rect">
             <a:avLst/>
@@ -6669,7 +6601,7 @@
           <a:p>
             <a:pPr algn="ctr"/>
             <a:r>
-              <a:rPr lang="en-US" sz="1400" dirty="0" err="1" smtClean="0">
+              <a:rPr lang="en-US" sz="1400" dirty="0" smtClean="0">
                 <a:solidFill>
                   <a:schemeClr val="accent2"/>
                 </a:solidFill>
@@ -6677,40 +6609,21 @@
                 <a:ea typeface="Raleway" charset="0"/>
                 <a:cs typeface="Raleway" charset="0"/>
               </a:rPr>
-              <a:t>Eval</a:t>
-            </a:r>
-            <a:r>
-              <a:rPr lang="en-US" sz="1400" dirty="0" smtClean="0">
-                <a:solidFill>
-                  <a:schemeClr val="accent2"/>
-                </a:solidFill>
-                <a:latin typeface="Raleway" charset="0"/>
-                <a:ea typeface="Raleway" charset="0"/>
-                <a:cs typeface="Raleway" charset="0"/>
-              </a:rPr>
-              <a:t>. Test Accuracy</a:t>
-            </a:r>
-            <a:endParaRPr lang="en-US" sz="1400" dirty="0" smtClean="0">
-              <a:solidFill>
-                <a:schemeClr val="accent2"/>
-              </a:solidFill>
-              <a:latin typeface="Raleway" charset="0"/>
-              <a:ea typeface="Raleway" charset="0"/>
-              <a:cs typeface="Raleway" charset="0"/>
-            </a:endParaRPr>
-          </a:p>
-        </p:txBody>
-      </p:sp>
-      <p:sp>
-        <p:nvSpPr>
-          <p:cNvPr id="37" name="Rectangle 36"/>
+              <a:t>Test Accuracy Evaluator</a:t>
+            </a:r>
+          </a:p>
+        </p:txBody>
+      </p:sp>
+      <p:sp>
+        <p:nvSpPr>
+          <p:cNvPr id="25" name="Rectangle 24"/>
           <p:cNvSpPr/>
           <p:nvPr/>
         </p:nvSpPr>
         <p:spPr>
           <a:xfrm>
-            <a:off x="2423088" y="5715585"/>
-            <a:ext cx="2308798" cy="623723"/>
+            <a:off x="5884137" y="2080971"/>
+            <a:ext cx="1546387" cy="332824"/>
           </a:xfrm>
           <a:prstGeom prst="rect">
             <a:avLst/>
@@ -6720,7 +6633,7 @@
           </a:solidFill>
           <a:ln w="28575">
             <a:solidFill>
-              <a:schemeClr val="accent5"/>
+              <a:schemeClr val="accent1"/>
             </a:solidFill>
           </a:ln>
         </p:spPr>
@@ -6751,55 +6664,19 @@
           <a:p>
             <a:pPr algn="ctr"/>
             <a:r>
-              <a:rPr lang="en-US" dirty="0" smtClean="0">
-                <a:solidFill>
-                  <a:schemeClr val="accent5"/>
+              <a:rPr lang="en-US" sz="1400" dirty="0" smtClean="0">
+                <a:solidFill>
+                  <a:schemeClr val="accent1"/>
                 </a:solidFill>
                 <a:latin typeface="Raleway" charset="0"/>
                 <a:ea typeface="Raleway" charset="0"/>
                 <a:cs typeface="Raleway" charset="0"/>
               </a:rPr>
-              <a:t>conditional prediction repair</a:t>
-            </a:r>
-          </a:p>
-        </p:txBody>
-      </p:sp>
-      <p:sp>
-        <p:nvSpPr>
-          <p:cNvPr id="46" name="TextBox 45"/>
-          <p:cNvSpPr txBox="1"/>
-          <p:nvPr/>
-        </p:nvSpPr>
-        <p:spPr>
-          <a:xfrm>
-            <a:off x="6931208" y="5385137"/>
-            <a:ext cx="1265090" cy="369332"/>
-          </a:xfrm>
-          <a:prstGeom prst="rect">
-            <a:avLst/>
-          </a:prstGeom>
-          <a:noFill/>
-        </p:spPr>
-        <p:txBody>
-          <a:bodyPr wrap="none" rtlCol="0">
-            <a:spAutoFit/>
-          </a:bodyPr>
-          <a:lstStyle/>
-          <a:p>
-            <a:r>
-              <a:rPr lang="en-US" dirty="0" smtClean="0">
-                <a:solidFill>
-                  <a:schemeClr val="accent5"/>
-                </a:solidFill>
-                <a:latin typeface="Raleway" charset="0"/>
-                <a:ea typeface="Raleway" charset="0"/>
-                <a:cs typeface="Raleway" charset="0"/>
-              </a:rPr>
-              <a:t>prediction</a:t>
-            </a:r>
-            <a:endParaRPr lang="en-US" dirty="0">
+              <a:t>Repair Library</a:t>
+            </a:r>
+            <a:endParaRPr lang="en-US" sz="1400" dirty="0" smtClean="0">
               <a:solidFill>
-                <a:schemeClr val="accent5"/>
+                <a:schemeClr val="accent1"/>
               </a:solidFill>
               <a:latin typeface="Raleway" charset="0"/>
               <a:ea typeface="Raleway" charset="0"/>
@@ -6808,486 +6685,77 @@
           </a:p>
         </p:txBody>
       </p:sp>
-      <p:grpSp>
-        <p:nvGrpSpPr>
-          <p:cNvPr id="55" name="Group 54"/>
-          <p:cNvGrpSpPr/>
-          <p:nvPr/>
-        </p:nvGrpSpPr>
-        <p:grpSpPr>
-          <a:xfrm>
-            <a:off x="6942855" y="5924143"/>
-            <a:ext cx="1364476" cy="379380"/>
-            <a:chOff x="371789" y="4541855"/>
-            <a:chExt cx="1364476" cy="379380"/>
-          </a:xfrm>
-        </p:grpSpPr>
-        <p:cxnSp>
-          <p:nvCxnSpPr>
-            <p:cNvPr id="48" name="Straight Arrow Connector 47"/>
-            <p:cNvCxnSpPr/>
-            <p:nvPr/>
-          </p:nvCxnSpPr>
-          <p:spPr>
-            <a:xfrm flipV="1">
-              <a:off x="434173" y="4911187"/>
-              <a:ext cx="1302092" cy="10048"/>
-            </a:xfrm>
-            <a:prstGeom prst="straightConnector1">
+      <p:sp>
+        <p:nvSpPr>
+          <p:cNvPr id="21" name="Rectangle 20"/>
+          <p:cNvSpPr/>
+          <p:nvPr/>
+        </p:nvSpPr>
+        <p:spPr>
+          <a:xfrm>
+            <a:off x="5884137" y="1529833"/>
+            <a:ext cx="1546387" cy="332824"/>
+          </a:xfrm>
+          <a:prstGeom prst="rect">
+            <a:avLst/>
+          </a:prstGeom>
+          <a:solidFill>
+            <a:schemeClr val="bg1"/>
+          </a:solidFill>
+          <a:ln w="28575">
+            <a:solidFill>
+              <a:schemeClr val="accent1"/>
+            </a:solidFill>
+          </a:ln>
+        </p:spPr>
+        <p:style>
+          <a:lnRef idx="2">
+            <a:schemeClr val="accent1">
+              <a:shade val="50000"/>
+            </a:schemeClr>
+          </a:lnRef>
+          <a:fillRef idx="1">
+            <a:schemeClr val="accent1"/>
+          </a:fillRef>
+          <a:effectRef idx="0">
+            <a:schemeClr val="accent1"/>
+          </a:effectRef>
+          <a:fontRef idx="minor">
+            <a:schemeClr val="lt1"/>
+          </a:fontRef>
+        </p:style>
+        <p:txBody>
+          <a:bodyPr rot="0" spcFirstLastPara="0" vertOverflow="overflow" horzOverflow="overflow" vert="horz" wrap="square" lIns="91440" tIns="45720" rIns="91440" bIns="45720" numCol="1" spcCol="0" rtlCol="0" fromWordArt="0" anchor="ctr" anchorCtr="0" forceAA="0" compatLnSpc="1">
+            <a:prstTxWarp prst="textNoShape">
               <a:avLst/>
-            </a:prstGeom>
-            <a:ln w="38100">
-              <a:solidFill>
-                <a:schemeClr val="accent5"/>
-              </a:solidFill>
-              <a:tailEnd type="triangle"/>
-            </a:ln>
-          </p:spPr>
-          <p:style>
-            <a:lnRef idx="1">
-              <a:schemeClr val="accent1"/>
-            </a:lnRef>
-            <a:fillRef idx="0">
-              <a:schemeClr val="accent1"/>
-            </a:fillRef>
-            <a:effectRef idx="0">
-              <a:schemeClr val="accent1"/>
-            </a:effectRef>
-            <a:fontRef idx="minor">
-              <a:schemeClr val="tx1"/>
-            </a:fontRef>
-          </p:style>
-        </p:cxnSp>
-        <p:sp>
-          <p:nvSpPr>
-            <p:cNvPr id="50" name="TextBox 49"/>
-            <p:cNvSpPr txBox="1"/>
-            <p:nvPr/>
-          </p:nvSpPr>
-          <p:spPr>
-            <a:xfrm>
-              <a:off x="371789" y="4541855"/>
-              <a:ext cx="1364476" cy="369332"/>
-            </a:xfrm>
-            <a:prstGeom prst="rect">
-              <a:avLst/>
-            </a:prstGeom>
-            <a:noFill/>
-          </p:spPr>
-          <p:txBody>
-            <a:bodyPr wrap="none" rtlCol="0">
-              <a:spAutoFit/>
-            </a:bodyPr>
-            <a:lstStyle/>
-            <a:p>
-              <a:r>
-                <a:rPr lang="en-US" dirty="0" smtClean="0">
-                  <a:solidFill>
-                    <a:schemeClr val="accent5"/>
-                  </a:solidFill>
-                  <a:latin typeface="Raleway" charset="0"/>
-                  <a:ea typeface="Raleway" charset="0"/>
-                  <a:cs typeface="Raleway" charset="0"/>
-                </a:rPr>
-                <a:t>online flow</a:t>
-              </a:r>
-              <a:endParaRPr lang="en-US" dirty="0">
-                <a:solidFill>
-                  <a:schemeClr val="accent5"/>
+            </a:prstTxWarp>
+            <a:noAutofit/>
+          </a:bodyPr>
+          <a:lstStyle/>
+          <a:p>
+            <a:pPr algn="ctr"/>
+            <a:r>
+              <a:rPr lang="en-US" sz="1400" dirty="0" smtClean="0">
+                <a:solidFill>
+                  <a:schemeClr val="accent1"/>
                 </a:solidFill>
                 <a:latin typeface="Raleway" charset="0"/>
                 <a:ea typeface="Raleway" charset="0"/>
                 <a:cs typeface="Raleway" charset="0"/>
-              </a:endParaRPr>
-            </a:p>
-          </p:txBody>
-        </p:sp>
-      </p:grpSp>
-      <p:grpSp>
-        <p:nvGrpSpPr>
-          <p:cNvPr id="54" name="Group 53"/>
-          <p:cNvGrpSpPr/>
-          <p:nvPr/>
-        </p:nvGrpSpPr>
-        <p:grpSpPr>
-          <a:xfrm>
-            <a:off x="6932803" y="6421815"/>
-            <a:ext cx="1383712" cy="379380"/>
-            <a:chOff x="3044651" y="4441371"/>
-            <a:chExt cx="1383712" cy="379380"/>
-          </a:xfrm>
-        </p:grpSpPr>
-        <p:cxnSp>
-          <p:nvCxnSpPr>
-            <p:cNvPr id="49" name="Straight Arrow Connector 48"/>
-            <p:cNvCxnSpPr/>
-            <p:nvPr/>
-          </p:nvCxnSpPr>
-          <p:spPr>
-            <a:xfrm flipV="1">
-              <a:off x="3130061" y="4810703"/>
-              <a:ext cx="1298302" cy="10048"/>
-            </a:xfrm>
-            <a:prstGeom prst="straightConnector1">
-              <a:avLst/>
-            </a:prstGeom>
-            <a:ln w="38100">
-              <a:solidFill>
-                <a:schemeClr val="accent2"/>
-              </a:solidFill>
-              <a:tailEnd type="triangle"/>
-            </a:ln>
-          </p:spPr>
-          <p:style>
-            <a:lnRef idx="1">
-              <a:schemeClr val="accent1"/>
-            </a:lnRef>
-            <a:fillRef idx="0">
-              <a:schemeClr val="accent1"/>
-            </a:fillRef>
-            <a:effectRef idx="0">
-              <a:schemeClr val="accent1"/>
-            </a:effectRef>
-            <a:fontRef idx="minor">
-              <a:schemeClr val="tx1"/>
-            </a:fontRef>
-          </p:style>
-        </p:cxnSp>
-        <p:sp>
-          <p:nvSpPr>
-            <p:cNvPr id="51" name="TextBox 50"/>
-            <p:cNvSpPr txBox="1"/>
-            <p:nvPr/>
-          </p:nvSpPr>
-          <p:spPr>
-            <a:xfrm>
-              <a:off x="3044651" y="4441371"/>
-              <a:ext cx="1383712" cy="369332"/>
-            </a:xfrm>
-            <a:prstGeom prst="rect">
-              <a:avLst/>
-            </a:prstGeom>
-            <a:noFill/>
-          </p:spPr>
-          <p:txBody>
-            <a:bodyPr wrap="none" rtlCol="0">
-              <a:spAutoFit/>
-            </a:bodyPr>
-            <a:lstStyle/>
-            <a:p>
-              <a:r>
-                <a:rPr lang="en-US" dirty="0" smtClean="0">
-                  <a:solidFill>
-                    <a:schemeClr val="accent2"/>
-                  </a:solidFill>
-                  <a:latin typeface="Raleway" charset="0"/>
-                  <a:ea typeface="Raleway" charset="0"/>
-                  <a:cs typeface="Raleway" charset="0"/>
-                </a:rPr>
-                <a:t>offline flow</a:t>
-              </a:r>
-              <a:endParaRPr lang="en-US" dirty="0">
-                <a:solidFill>
-                  <a:schemeClr val="accent2"/>
-                </a:solidFill>
-                <a:latin typeface="Raleway" charset="0"/>
-                <a:ea typeface="Raleway" charset="0"/>
-                <a:cs typeface="Raleway" charset="0"/>
-              </a:endParaRPr>
-            </a:p>
-          </p:txBody>
-        </p:sp>
-      </p:grpSp>
-      <p:grpSp>
-        <p:nvGrpSpPr>
-          <p:cNvPr id="18" name="Group 17"/>
-          <p:cNvGrpSpPr/>
-          <p:nvPr/>
-        </p:nvGrpSpPr>
-        <p:grpSpPr>
-          <a:xfrm>
-            <a:off x="5767696" y="2454077"/>
-            <a:ext cx="1662829" cy="712458"/>
-            <a:chOff x="5767696" y="2276273"/>
-            <a:chExt cx="1662829" cy="712458"/>
-          </a:xfrm>
-        </p:grpSpPr>
-        <p:sp>
-          <p:nvSpPr>
-            <p:cNvPr id="25" name="Rectangle 24"/>
-            <p:cNvSpPr/>
-            <p:nvPr/>
-          </p:nvSpPr>
-          <p:spPr>
-            <a:xfrm>
-              <a:off x="5767696" y="2276273"/>
-              <a:ext cx="1662829" cy="712458"/>
-            </a:xfrm>
-            <a:prstGeom prst="rect">
-              <a:avLst/>
-            </a:prstGeom>
-            <a:solidFill>
-              <a:schemeClr val="bg1"/>
-            </a:solidFill>
-            <a:ln w="28575">
+              </a:rPr>
+              <a:t>Detector Library</a:t>
+            </a:r>
+            <a:endParaRPr lang="en-US" sz="1400" dirty="0" smtClean="0">
               <a:solidFill>
                 <a:schemeClr val="accent1"/>
               </a:solidFill>
-            </a:ln>
-          </p:spPr>
-          <p:style>
-            <a:lnRef idx="2">
-              <a:schemeClr val="accent1">
-                <a:shade val="50000"/>
-              </a:schemeClr>
-            </a:lnRef>
-            <a:fillRef idx="1">
-              <a:schemeClr val="accent1"/>
-            </a:fillRef>
-            <a:effectRef idx="0">
-              <a:schemeClr val="accent1"/>
-            </a:effectRef>
-            <a:fontRef idx="minor">
-              <a:schemeClr val="lt1"/>
-            </a:fontRef>
-          </p:style>
-          <p:txBody>
-            <a:bodyPr rot="0" spcFirstLastPara="0" vertOverflow="overflow" horzOverflow="overflow" vert="horz" wrap="square" lIns="91440" tIns="45720" rIns="91440" bIns="45720" numCol="1" spcCol="0" rtlCol="0" fromWordArt="0" anchor="t" anchorCtr="0" forceAA="0" compatLnSpc="1">
-              <a:prstTxWarp prst="textNoShape">
-                <a:avLst/>
-              </a:prstTxWarp>
-              <a:noAutofit/>
-            </a:bodyPr>
-            <a:lstStyle/>
-            <a:p>
-              <a:pPr algn="ctr"/>
-              <a:r>
-                <a:rPr lang="en-US" sz="1400" dirty="0" smtClean="0">
-                  <a:solidFill>
-                    <a:schemeClr val="accent1"/>
-                  </a:solidFill>
-                  <a:latin typeface="Raleway" charset="0"/>
-                  <a:ea typeface="Raleway" charset="0"/>
-                  <a:cs typeface="Raleway" charset="0"/>
-                </a:rPr>
-                <a:t>Repair Selector</a:t>
-              </a:r>
-            </a:p>
-          </p:txBody>
-        </p:sp>
-        <p:sp>
-          <p:nvSpPr>
-            <p:cNvPr id="26" name="Rectangle 25"/>
-            <p:cNvSpPr/>
-            <p:nvPr/>
-          </p:nvSpPr>
-          <p:spPr>
-            <a:xfrm>
-              <a:off x="5928868" y="2656823"/>
-              <a:ext cx="1340484" cy="214282"/>
-            </a:xfrm>
-            <a:prstGeom prst="rect">
-              <a:avLst/>
-            </a:prstGeom>
-            <a:solidFill>
-              <a:schemeClr val="accent1"/>
-            </a:solidFill>
-            <a:ln w="28575">
-              <a:solidFill>
-                <a:schemeClr val="accent1"/>
-              </a:solidFill>
-            </a:ln>
-          </p:spPr>
-          <p:style>
-            <a:lnRef idx="2">
-              <a:schemeClr val="accent1">
-                <a:shade val="50000"/>
-              </a:schemeClr>
-            </a:lnRef>
-            <a:fillRef idx="1">
-              <a:schemeClr val="accent1"/>
-            </a:fillRef>
-            <a:effectRef idx="0">
-              <a:schemeClr val="accent1"/>
-            </a:effectRef>
-            <a:fontRef idx="minor">
-              <a:schemeClr val="lt1"/>
-            </a:fontRef>
-          </p:style>
-          <p:txBody>
-            <a:bodyPr rot="0" spcFirstLastPara="0" vertOverflow="overflow" horzOverflow="overflow" vert="horz" wrap="square" lIns="91440" tIns="45720" rIns="91440" bIns="45720" numCol="1" spcCol="0" rtlCol="0" fromWordArt="0" anchor="ctr" anchorCtr="0" forceAA="0" compatLnSpc="1">
-              <a:prstTxWarp prst="textNoShape">
-                <a:avLst/>
-              </a:prstTxWarp>
-              <a:noAutofit/>
-            </a:bodyPr>
-            <a:lstStyle/>
-            <a:p>
-              <a:pPr algn="ctr"/>
-              <a:r>
-                <a:rPr lang="en-US" sz="1400" smtClean="0">
-                  <a:solidFill>
-                    <a:schemeClr val="bg1"/>
-                  </a:solidFill>
-                  <a:latin typeface="Raleway" charset="0"/>
-                  <a:ea typeface="Raleway" charset="0"/>
-                  <a:cs typeface="Raleway" charset="0"/>
-                </a:rPr>
-                <a:t>Library</a:t>
-              </a:r>
-              <a:endParaRPr lang="en-US" sz="1400" dirty="0" smtClean="0">
-                <a:solidFill>
-                  <a:schemeClr val="bg1"/>
-                </a:solidFill>
-                <a:latin typeface="Raleway" charset="0"/>
-                <a:ea typeface="Raleway" charset="0"/>
-                <a:cs typeface="Raleway" charset="0"/>
-              </a:endParaRPr>
-            </a:p>
-          </p:txBody>
-        </p:sp>
-      </p:grpSp>
-      <p:grpSp>
-        <p:nvGrpSpPr>
-          <p:cNvPr id="17" name="Group 16"/>
-          <p:cNvGrpSpPr/>
-          <p:nvPr/>
-        </p:nvGrpSpPr>
-        <p:grpSpPr>
-          <a:xfrm>
-            <a:off x="5767695" y="1529833"/>
-            <a:ext cx="1662829" cy="712458"/>
-            <a:chOff x="5767695" y="1529833"/>
-            <a:chExt cx="1662829" cy="712458"/>
-          </a:xfrm>
-        </p:grpSpPr>
-        <p:sp>
-          <p:nvSpPr>
-            <p:cNvPr id="21" name="Rectangle 20"/>
-            <p:cNvSpPr/>
-            <p:nvPr/>
-          </p:nvSpPr>
-          <p:spPr>
-            <a:xfrm>
-              <a:off x="5767695" y="1529833"/>
-              <a:ext cx="1662829" cy="712458"/>
-            </a:xfrm>
-            <a:prstGeom prst="rect">
-              <a:avLst/>
-            </a:prstGeom>
-            <a:solidFill>
-              <a:schemeClr val="bg1"/>
-            </a:solidFill>
-            <a:ln w="28575">
-              <a:solidFill>
-                <a:schemeClr val="accent1"/>
-              </a:solidFill>
-            </a:ln>
-          </p:spPr>
-          <p:style>
-            <a:lnRef idx="2">
-              <a:schemeClr val="accent1">
-                <a:shade val="50000"/>
-              </a:schemeClr>
-            </a:lnRef>
-            <a:fillRef idx="1">
-              <a:schemeClr val="accent1"/>
-            </a:fillRef>
-            <a:effectRef idx="0">
-              <a:schemeClr val="accent1"/>
-            </a:effectRef>
-            <a:fontRef idx="minor">
-              <a:schemeClr val="lt1"/>
-            </a:fontRef>
-          </p:style>
-          <p:txBody>
-            <a:bodyPr rot="0" spcFirstLastPara="0" vertOverflow="overflow" horzOverflow="overflow" vert="horz" wrap="square" lIns="91440" tIns="45720" rIns="91440" bIns="45720" numCol="1" spcCol="0" rtlCol="0" fromWordArt="0" anchor="t" anchorCtr="0" forceAA="0" compatLnSpc="1">
-              <a:prstTxWarp prst="textNoShape">
-                <a:avLst/>
-              </a:prstTxWarp>
-              <a:noAutofit/>
-            </a:bodyPr>
-            <a:lstStyle/>
-            <a:p>
-              <a:pPr algn="ctr"/>
-              <a:r>
-                <a:rPr lang="en-US" sz="1400" dirty="0" smtClean="0">
-                  <a:solidFill>
-                    <a:schemeClr val="accent1"/>
-                  </a:solidFill>
-                  <a:latin typeface="Raleway" charset="0"/>
-                  <a:ea typeface="Raleway" charset="0"/>
-                  <a:cs typeface="Raleway" charset="0"/>
-                </a:rPr>
-                <a:t>Detector Selector</a:t>
-              </a:r>
-            </a:p>
-          </p:txBody>
-        </p:sp>
-        <p:sp>
-          <p:nvSpPr>
-            <p:cNvPr id="27" name="Rectangle 26"/>
-            <p:cNvSpPr/>
-            <p:nvPr/>
-          </p:nvSpPr>
-          <p:spPr>
-            <a:xfrm>
-              <a:off x="5915233" y="1915791"/>
-              <a:ext cx="1340484" cy="214282"/>
-            </a:xfrm>
-            <a:prstGeom prst="rect">
-              <a:avLst/>
-            </a:prstGeom>
-            <a:solidFill>
-              <a:schemeClr val="accent1"/>
-            </a:solidFill>
-            <a:ln w="28575">
-              <a:solidFill>
-                <a:schemeClr val="accent1"/>
-              </a:solidFill>
-            </a:ln>
-          </p:spPr>
-          <p:style>
-            <a:lnRef idx="2">
-              <a:schemeClr val="accent1">
-                <a:shade val="50000"/>
-              </a:schemeClr>
-            </a:lnRef>
-            <a:fillRef idx="1">
-              <a:schemeClr val="accent1"/>
-            </a:fillRef>
-            <a:effectRef idx="0">
-              <a:schemeClr val="accent1"/>
-            </a:effectRef>
-            <a:fontRef idx="minor">
-              <a:schemeClr val="lt1"/>
-            </a:fontRef>
-          </p:style>
-          <p:txBody>
-            <a:bodyPr rot="0" spcFirstLastPara="0" vertOverflow="overflow" horzOverflow="overflow" vert="horz" wrap="square" lIns="91440" tIns="45720" rIns="91440" bIns="45720" numCol="1" spcCol="0" rtlCol="0" fromWordArt="0" anchor="ctr" anchorCtr="0" forceAA="0" compatLnSpc="1">
-              <a:prstTxWarp prst="textNoShape">
-                <a:avLst/>
-              </a:prstTxWarp>
-              <a:noAutofit/>
-            </a:bodyPr>
-            <a:lstStyle/>
-            <a:p>
-              <a:pPr algn="ctr"/>
-              <a:r>
-                <a:rPr lang="en-US" sz="1400" dirty="0" smtClean="0">
-                  <a:solidFill>
-                    <a:schemeClr val="bg1"/>
-                  </a:solidFill>
-                  <a:latin typeface="Raleway" charset="0"/>
-                  <a:ea typeface="Raleway" charset="0"/>
-                  <a:cs typeface="Raleway" charset="0"/>
-                </a:rPr>
-                <a:t>Library</a:t>
-              </a:r>
-            </a:p>
-          </p:txBody>
-        </p:sp>
-      </p:grpSp>
+              <a:latin typeface="Raleway" charset="0"/>
+              <a:ea typeface="Raleway" charset="0"/>
+              <a:cs typeface="Raleway" charset="0"/>
+            </a:endParaRPr>
+          </a:p>
+        </p:txBody>
+      </p:sp>
       <p:sp>
         <p:nvSpPr>
           <p:cNvPr id="28" name="Rectangle 27"/>
@@ -7346,29 +6814,7 @@
                 <a:ea typeface="Raleway" charset="0"/>
                 <a:cs typeface="Raleway" charset="0"/>
               </a:rPr>
-              <a:t>Boost </a:t>
-            </a:r>
-            <a:r>
-              <a:rPr lang="en-US" sz="1400" dirty="0" smtClean="0">
-                <a:solidFill>
-                  <a:schemeClr val="accent2"/>
-                </a:solidFill>
-                <a:latin typeface="Raleway" charset="0"/>
-                <a:ea typeface="Raleway" charset="0"/>
-                <a:cs typeface="Raleway" charset="0"/>
-              </a:rPr>
-              <a:t>&amp; </a:t>
-            </a:r>
-            <a:r>
-              <a:rPr lang="en-US" sz="1400" dirty="0" smtClean="0">
-                <a:solidFill>
-                  <a:schemeClr val="accent2"/>
-                </a:solidFill>
-                <a:latin typeface="Raleway" charset="0"/>
-                <a:ea typeface="Raleway" charset="0"/>
-                <a:cs typeface="Raleway" charset="0"/>
-              </a:rPr>
-              <a:t>Clean</a:t>
+              <a:t>Boost &amp; Clean</a:t>
             </a:r>
           </a:p>
         </p:txBody>
@@ -7417,13 +6863,15 @@
       <p:cxnSp>
         <p:nvCxnSpPr>
           <p:cNvPr id="34" name="Straight Arrow Connector 33"/>
-          <p:cNvCxnSpPr/>
+          <p:cNvCxnSpPr>
+            <a:stCxn id="21" idx="1"/>
+          </p:cNvCxnSpPr>
           <p:nvPr/>
         </p:nvCxnSpPr>
         <p:spPr>
-          <a:xfrm flipH="1">
-            <a:off x="5482819" y="1915791"/>
-            <a:ext cx="285506" cy="0"/>
+          <a:xfrm flipH="1" flipV="1">
+            <a:off x="5482819" y="1691070"/>
+            <a:ext cx="401318" cy="0"/>
           </a:xfrm>
           <a:prstGeom prst="straightConnector1">
             <a:avLst/>
@@ -7557,7 +7005,7 @@
         </p:blipFill>
         <p:spPr>
           <a:xfrm>
-            <a:off x="7882636" y="1972402"/>
+            <a:off x="8446981" y="1597562"/>
             <a:ext cx="728871" cy="728871"/>
           </a:xfrm>
           <a:prstGeom prst="rect">
@@ -7565,46 +7013,6 @@
           </a:prstGeom>
         </p:spPr>
       </p:pic>
-      <p:cxnSp>
-        <p:nvCxnSpPr>
-          <p:cNvPr id="58" name="Elbow Connector 57"/>
-          <p:cNvCxnSpPr>
-            <a:stCxn id="56" idx="0"/>
-          </p:cNvCxnSpPr>
-          <p:nvPr/>
-        </p:nvCxnSpPr>
-        <p:spPr>
-          <a:xfrm rot="16200000" flipV="1">
-            <a:off x="7850273" y="1575602"/>
-            <a:ext cx="137160" cy="656439"/>
-          </a:xfrm>
-          <a:prstGeom prst="bentConnector2">
-            <a:avLst/>
-          </a:prstGeom>
-          <a:ln w="28575">
-            <a:solidFill>
-              <a:schemeClr val="bg1">
-                <a:lumMod val="50000"/>
-              </a:schemeClr>
-            </a:solidFill>
-            <a:tailEnd type="triangle"/>
-          </a:ln>
-        </p:spPr>
-        <p:style>
-          <a:lnRef idx="1">
-            <a:schemeClr val="accent1"/>
-          </a:lnRef>
-          <a:fillRef idx="0">
-            <a:schemeClr val="accent1"/>
-          </a:fillRef>
-          <a:effectRef idx="0">
-            <a:schemeClr val="accent1"/>
-          </a:effectRef>
-          <a:fontRef idx="minor">
-            <a:schemeClr val="tx1"/>
-          </a:fontRef>
-        </p:style>
-      </p:cxnSp>
       <p:sp>
         <p:nvSpPr>
           <p:cNvPr id="45" name="TextBox 44"/>
@@ -7613,7 +7021,7 @@
         </p:nvSpPr>
         <p:spPr>
           <a:xfrm>
-            <a:off x="7710247" y="1473584"/>
+            <a:off x="7577516" y="1357898"/>
             <a:ext cx="1002197" cy="307777"/>
           </a:xfrm>
           <a:prstGeom prst="rect">
@@ -7628,7 +7036,7 @@
           <a:lstStyle/>
           <a:p>
             <a:r>
-              <a:rPr lang="en-US" sz="1400" smtClean="0">
+              <a:rPr lang="en-US" sz="1400" dirty="0" smtClean="0">
                 <a:solidFill>
                   <a:schemeClr val="bg1">
                     <a:lumMod val="50000"/>
@@ -7653,46 +7061,6 @@
           </a:p>
         </p:txBody>
       </p:sp>
-      <p:cxnSp>
-        <p:nvCxnSpPr>
-          <p:cNvPr id="61" name="Elbow Connector 60"/>
-          <p:cNvCxnSpPr>
-            <a:stCxn id="56" idx="2"/>
-          </p:cNvCxnSpPr>
-          <p:nvPr/>
-        </p:nvCxnSpPr>
-        <p:spPr>
-          <a:xfrm rot="5400000">
-            <a:off x="7858453" y="2449813"/>
-            <a:ext cx="137160" cy="640080"/>
-          </a:xfrm>
-          <a:prstGeom prst="bentConnector2">
-            <a:avLst/>
-          </a:prstGeom>
-          <a:ln w="28575">
-            <a:solidFill>
-              <a:schemeClr val="bg1">
-                <a:lumMod val="50000"/>
-              </a:schemeClr>
-            </a:solidFill>
-            <a:tailEnd type="triangle"/>
-          </a:ln>
-        </p:spPr>
-        <p:style>
-          <a:lnRef idx="1">
-            <a:schemeClr val="accent1"/>
-          </a:lnRef>
-          <a:fillRef idx="0">
-            <a:schemeClr val="accent1"/>
-          </a:fillRef>
-          <a:effectRef idx="0">
-            <a:schemeClr val="accent1"/>
-          </a:effectRef>
-          <a:fontRef idx="minor">
-            <a:schemeClr val="tx1"/>
-          </a:fontRef>
-        </p:style>
-      </p:cxnSp>
       <p:sp>
         <p:nvSpPr>
           <p:cNvPr id="65" name="TextBox 64"/>
@@ -7701,7 +7069,7 @@
         </p:nvSpPr>
         <p:spPr>
           <a:xfrm>
-            <a:off x="7710247" y="2912992"/>
+            <a:off x="7577516" y="2277953"/>
             <a:ext cx="805029" cy="307777"/>
           </a:xfrm>
           <a:prstGeom prst="rect">
@@ -7745,15 +7113,15 @@
         <p:nvCxnSpPr>
           <p:cNvPr id="66" name="Straight Arrow Connector 65"/>
           <p:cNvCxnSpPr>
-            <a:stCxn id="23" idx="2"/>
-            <a:endCxn id="68" idx="0"/>
+            <a:stCxn id="23" idx="3"/>
+            <a:endCxn id="39" idx="1"/>
           </p:cNvCxnSpPr>
           <p:nvPr/>
         </p:nvCxnSpPr>
         <p:spPr>
-          <a:xfrm flipH="1">
-            <a:off x="4790448" y="3155313"/>
-            <a:ext cx="1" cy="268165"/>
+          <a:xfrm flipV="1">
+            <a:off x="5482189" y="2924490"/>
+            <a:ext cx="539012" cy="6352"/>
           </a:xfrm>
           <a:prstGeom prst="straightConnector1">
             <a:avLst/>
@@ -7790,8 +7158,8 @@
         </p:nvSpPr>
         <p:spPr>
           <a:xfrm>
-            <a:off x="4203589" y="3423478"/>
-            <a:ext cx="1173718" cy="523220"/>
+            <a:off x="5567414" y="2592068"/>
+            <a:ext cx="372218" cy="369332"/>
           </a:xfrm>
           <a:prstGeom prst="rect">
             <a:avLst/>
@@ -7809,36 +7177,7 @@
           <a:p>
             <a:pPr algn="ctr"/>
             <a:r>
-              <a:rPr lang="en-US" sz="1400" dirty="0" smtClean="0">
-                <a:solidFill>
-                  <a:schemeClr val="bg1">
-                    <a:lumMod val="50000"/>
-                  </a:schemeClr>
-                </a:solidFill>
-                <a:latin typeface="Raleway" charset="0"/>
-                <a:ea typeface="Raleway" charset="0"/>
-                <a:cs typeface="Raleway" charset="0"/>
-              </a:rPr>
-              <a:t>Conditional </a:t>
-            </a:r>
-          </a:p>
-          <a:p>
-            <a:pPr algn="ctr"/>
-            <a:r>
-              <a:rPr lang="en-US" sz="1400" dirty="0" smtClean="0">
-                <a:solidFill>
-                  <a:schemeClr val="bg1">
-                    <a:lumMod val="50000"/>
-                  </a:schemeClr>
-                </a:solidFill>
-                <a:latin typeface="Raleway" charset="0"/>
-                <a:ea typeface="Raleway" charset="0"/>
-                <a:cs typeface="Raleway" charset="0"/>
-              </a:rPr>
-              <a:t>Repairs </a:t>
-            </a:r>
-            <a:r>
-              <a:rPr lang="en-US" sz="1400" dirty="0" smtClean="0">
+              <a:rPr lang="en-US" smtClean="0">
                 <a:solidFill>
                   <a:schemeClr val="bg1">
                     <a:lumMod val="50000"/>
@@ -7851,7 +7190,7 @@
               <a:t>L</a:t>
             </a:r>
             <a:r>
-              <a:rPr lang="en-US" sz="1400" baseline="30000" dirty="0" smtClean="0">
+              <a:rPr lang="en-US" baseline="30000" dirty="0" smtClean="0">
                 <a:solidFill>
                   <a:schemeClr val="bg1">
                     <a:lumMod val="50000"/>
@@ -7863,7 +7202,7 @@
               </a:rPr>
               <a:t>*</a:t>
             </a:r>
-            <a:endParaRPr lang="en-US" sz="1400" dirty="0">
+            <a:endParaRPr lang="en-US" dirty="0">
               <a:solidFill>
                 <a:schemeClr val="bg1">
                   <a:lumMod val="50000"/>
@@ -7887,8 +7226,8 @@
         </p:nvCxnSpPr>
         <p:spPr>
           <a:xfrm rot="16200000" flipH="1">
-            <a:off x="3032865" y="1853157"/>
-            <a:ext cx="1840731" cy="264084"/>
+            <a:off x="3020226" y="1865796"/>
+            <a:ext cx="1866008" cy="264084"/>
           </a:xfrm>
           <a:prstGeom prst="bentConnector2">
             <a:avLst/>
@@ -7917,21 +7256,91 @@
           </a:fontRef>
         </p:style>
       </p:cxnSp>
+      <p:sp>
+        <p:nvSpPr>
+          <p:cNvPr id="53" name="Rectangle 52"/>
+          <p:cNvSpPr/>
+          <p:nvPr/>
+        </p:nvSpPr>
+        <p:spPr>
+          <a:xfrm>
+            <a:off x="4202261" y="2002234"/>
+            <a:ext cx="1176374" cy="295918"/>
+          </a:xfrm>
+          <a:prstGeom prst="rect">
+            <a:avLst/>
+          </a:prstGeom>
+          <a:solidFill>
+            <a:schemeClr val="accent2"/>
+          </a:solidFill>
+          <a:ln w="28575">
+            <a:solidFill>
+              <a:schemeClr val="accent2"/>
+            </a:solidFill>
+          </a:ln>
+        </p:spPr>
+        <p:style>
+          <a:lnRef idx="2">
+            <a:schemeClr val="accent1">
+              <a:shade val="50000"/>
+            </a:schemeClr>
+          </a:lnRef>
+          <a:fillRef idx="1">
+            <a:schemeClr val="accent1"/>
+          </a:fillRef>
+          <a:effectRef idx="0">
+            <a:schemeClr val="accent1"/>
+          </a:effectRef>
+          <a:fontRef idx="minor">
+            <a:schemeClr val="lt1"/>
+          </a:fontRef>
+        </p:style>
+        <p:txBody>
+          <a:bodyPr rot="0" spcFirstLastPara="0" vertOverflow="overflow" horzOverflow="overflow" vert="horz" wrap="square" lIns="91440" tIns="45720" rIns="91440" bIns="45720" numCol="1" spcCol="0" rtlCol="0" fromWordArt="0" anchor="ctr" anchorCtr="0" forceAA="0" compatLnSpc="1">
+            <a:prstTxWarp prst="textNoShape">
+              <a:avLst/>
+            </a:prstTxWarp>
+            <a:noAutofit/>
+          </a:bodyPr>
+          <a:lstStyle/>
+          <a:p>
+            <a:pPr algn="ctr"/>
+            <a:r>
+              <a:rPr lang="en-US" sz="1400" smtClean="0">
+                <a:solidFill>
+                  <a:schemeClr val="bg1"/>
+                </a:solidFill>
+                <a:latin typeface="Raleway" charset="0"/>
+                <a:ea typeface="Raleway" charset="0"/>
+                <a:cs typeface="Raleway" charset="0"/>
+              </a:rPr>
+              <a:t>train model</a:t>
+            </a:r>
+            <a:endParaRPr lang="en-US" sz="1400" dirty="0" smtClean="0">
+              <a:solidFill>
+                <a:schemeClr val="bg1"/>
+              </a:solidFill>
+              <a:latin typeface="Raleway" charset="0"/>
+              <a:ea typeface="Raleway" charset="0"/>
+              <a:cs typeface="Raleway" charset="0"/>
+            </a:endParaRPr>
+          </a:p>
+        </p:txBody>
+      </p:sp>
       <p:cxnSp>
         <p:nvCxnSpPr>
-          <p:cNvPr id="11" name="Elbow Connector 10"/>
+          <p:cNvPr id="30" name="Straight Arrow Connector 29"/>
           <p:cNvCxnSpPr>
             <a:stCxn id="25" idx="1"/>
-            <a:endCxn id="28" idx="3"/>
           </p:cNvCxnSpPr>
           <p:nvPr/>
         </p:nvCxnSpPr>
         <p:spPr>
-          <a:xfrm rot="10800000">
-            <a:off x="5495310" y="1977668"/>
-            <a:ext cx="272386" cy="832638"/>
-          </a:xfrm>
-          <a:prstGeom prst="bentConnector3">
+          <a:xfrm flipH="1">
+            <a:off x="5482189" y="2247383"/>
+            <a:ext cx="401948" cy="0"/>
+          </a:xfrm>
+          <a:prstGeom prst="straightConnector1">
             <a:avLst/>
           </a:prstGeom>
           <a:ln w="28575">
@@ -7958,26 +7367,66 @@
           </a:fontRef>
         </p:style>
       </p:cxnSp>
-      <p:sp>
-        <p:nvSpPr>
-          <p:cNvPr id="53" name="Rectangle 52"/>
+      <p:cxnSp>
+        <p:nvCxnSpPr>
+          <p:cNvPr id="35" name="Straight Arrow Connector 34"/>
+          <p:cNvCxnSpPr/>
+          <p:nvPr/>
+        </p:nvCxnSpPr>
+        <p:spPr>
+          <a:xfrm flipH="1" flipV="1">
+            <a:off x="8732382" y="541614"/>
+            <a:ext cx="1143000" cy="2681"/>
+          </a:xfrm>
+          <a:prstGeom prst="straightConnector1">
+            <a:avLst/>
+          </a:prstGeom>
+          <a:ln w="28575">
+            <a:solidFill>
+              <a:schemeClr val="bg1">
+                <a:lumMod val="50000"/>
+              </a:schemeClr>
+            </a:solidFill>
+            <a:tailEnd type="triangle"/>
+          </a:ln>
+        </p:spPr>
+        <p:style>
+          <a:lnRef idx="1">
+            <a:schemeClr val="accent1"/>
+          </a:lnRef>
+          <a:fillRef idx="0">
+            <a:schemeClr val="accent1"/>
+          </a:fillRef>
+          <a:effectRef idx="0">
+            <a:schemeClr val="accent1"/>
+          </a:effectRef>
+          <a:fontRef idx="minor">
+            <a:schemeClr val="tx1"/>
+          </a:fontRef>
+        </p:style>
+      </p:cxnSp>
+      <p:sp>
+        <p:nvSpPr>
+          <p:cNvPr id="39" name="Rectangle 38"/>
           <p:cNvSpPr/>
           <p:nvPr/>
         </p:nvSpPr>
         <p:spPr>
           <a:xfrm>
-            <a:off x="4202261" y="2030515"/>
-            <a:ext cx="1176374" cy="295918"/>
+            <a:off x="6021201" y="2643114"/>
+            <a:ext cx="1409323" cy="562752"/>
           </a:xfrm>
           <a:prstGeom prst="rect">
             <a:avLst/>
           </a:prstGeom>
           <a:solidFill>
-            <a:schemeClr val="accent2"/>
+            <a:schemeClr val="bg1"/>
           </a:solidFill>
           <a:ln w="28575">
             <a:solidFill>
-              <a:schemeClr val="accent2"/>
+              <a:schemeClr val="bg1">
+                <a:lumMod val="50000"/>
+              </a:schemeClr>
             </a:solidFill>
           </a:ln>
         </p:spPr>
@@ -8010,17 +7459,21 @@
             <a:r>
               <a:rPr lang="en-US" sz="1400" smtClean="0">
                 <a:solidFill>
-                  <a:schemeClr val="bg1"/>
+                  <a:schemeClr val="bg1">
+                    <a:lumMod val="50000"/>
+                  </a:schemeClr>
                 </a:solidFill>
                 <a:latin typeface="Raleway" charset="0"/>
                 <a:ea typeface="Raleway" charset="0"/>
                 <a:cs typeface="Raleway" charset="0"/>
               </a:rPr>
-              <a:t>train model</a:t>
+              <a:t>Deployer</a:t>
             </a:r>
             <a:endParaRPr lang="en-US" sz="1400" dirty="0" smtClean="0">
               <a:solidFill>
-                <a:schemeClr val="bg1"/>
+                <a:schemeClr val="bg1">
+                  <a:lumMod val="50000"/>
+                </a:schemeClr>
               </a:solidFill>
               <a:latin typeface="Raleway" charset="0"/>
               <a:ea typeface="Raleway" charset="0"/>
@@ -8029,6 +7482,209 @@
           </a:p>
         </p:txBody>
       </p:sp>
+      <p:cxnSp>
+        <p:nvCxnSpPr>
+          <p:cNvPr id="55" name="Straight Arrow Connector 54"/>
+          <p:cNvCxnSpPr>
+            <a:endCxn id="39" idx="3"/>
+          </p:cNvCxnSpPr>
+          <p:nvPr/>
+        </p:nvCxnSpPr>
+        <p:spPr>
+          <a:xfrm flipH="1">
+            <a:off x="7430524" y="2924490"/>
+            <a:ext cx="427118" cy="0"/>
+          </a:xfrm>
+          <a:prstGeom prst="straightConnector1">
+            <a:avLst/>
+          </a:prstGeom>
+          <a:ln w="28575">
+            <a:solidFill>
+              <a:schemeClr val="bg1">
+                <a:lumMod val="50000"/>
+              </a:schemeClr>
+            </a:solidFill>
+            <a:headEnd type="triangle" w="med" len="med"/>
+            <a:tailEnd type="none" w="med" len="med"/>
+          </a:ln>
+        </p:spPr>
+        <p:style>
+          <a:lnRef idx="1">
+            <a:schemeClr val="accent1"/>
+          </a:lnRef>
+          <a:fillRef idx="0">
+            <a:schemeClr val="accent1"/>
+          </a:fillRef>
+          <a:effectRef idx="0">
+            <a:schemeClr val="accent1"/>
+          </a:effectRef>
+          <a:fontRef idx="minor">
+            <a:schemeClr val="tx1"/>
+          </a:fontRef>
+        </p:style>
+      </p:cxnSp>
+      <p:sp>
+        <p:nvSpPr>
+          <p:cNvPr id="59" name="TextBox 58"/>
+          <p:cNvSpPr txBox="1"/>
+          <p:nvPr/>
+        </p:nvSpPr>
+        <p:spPr>
+          <a:xfrm>
+            <a:off x="7857641" y="2682646"/>
+            <a:ext cx="1233030" cy="584775"/>
+          </a:xfrm>
+          <a:prstGeom prst="rect">
+            <a:avLst/>
+          </a:prstGeom>
+          <a:noFill/>
+        </p:spPr>
+        <p:txBody>
+          <a:bodyPr wrap="none" rtlCol="0">
+            <a:spAutoFit/>
+          </a:bodyPr>
+          <a:lstStyle/>
+          <a:p>
+            <a:r>
+              <a:rPr lang="en-US" sz="1400" dirty="0" smtClean="0">
+                <a:solidFill>
+                  <a:schemeClr val="bg1">
+                    <a:lumMod val="50000"/>
+                  </a:schemeClr>
+                </a:solidFill>
+                <a:latin typeface="Raleway" charset="0"/>
+                <a:ea typeface="Raleway" charset="0"/>
+                <a:cs typeface="Raleway" charset="0"/>
+              </a:rPr>
+              <a:t>Robust </a:t>
+            </a:r>
+          </a:p>
+          <a:p>
+            <a:r>
+              <a:rPr lang="en-US" sz="1400" dirty="0" smtClean="0">
+                <a:solidFill>
+                  <a:schemeClr val="bg1">
+                    <a:lumMod val="50000"/>
+                  </a:schemeClr>
+                </a:solidFill>
+                <a:latin typeface="Raleway" charset="0"/>
+                <a:ea typeface="Raleway" charset="0"/>
+                <a:cs typeface="Raleway" charset="0"/>
+              </a:rPr>
+              <a:t>Classifier </a:t>
+            </a:r>
+            <a:r>
+              <a:rPr lang="en-US" dirty="0" smtClean="0">
+                <a:solidFill>
+                  <a:schemeClr val="bg1">
+                    <a:lumMod val="50000"/>
+                  </a:schemeClr>
+                </a:solidFill>
+                <a:latin typeface="Alegreya" charset="0"/>
+                <a:ea typeface="Alegreya" charset="0"/>
+                <a:cs typeface="Alegreya" charset="0"/>
+              </a:rPr>
+              <a:t>C*</a:t>
+            </a:r>
+            <a:endParaRPr lang="en-US" dirty="0">
+              <a:solidFill>
+                <a:schemeClr val="bg1">
+                  <a:lumMod val="50000"/>
+                </a:schemeClr>
+              </a:solidFill>
+              <a:latin typeface="Alegreya" charset="0"/>
+              <a:ea typeface="Alegreya" charset="0"/>
+              <a:cs typeface="Alegreya" charset="0"/>
+            </a:endParaRPr>
+          </a:p>
+        </p:txBody>
+      </p:sp>
+      <p:cxnSp>
+        <p:nvCxnSpPr>
+          <p:cNvPr id="49" name="Elbow Connector 48"/>
+          <p:cNvCxnSpPr>
+            <a:stCxn id="56" idx="1"/>
+            <a:endCxn id="21" idx="3"/>
+          </p:cNvCxnSpPr>
+          <p:nvPr/>
+        </p:nvCxnSpPr>
+        <p:spPr>
+          <a:xfrm rot="10800000">
+            <a:off x="7430525" y="1696246"/>
+            <a:ext cx="1016457" cy="265753"/>
+          </a:xfrm>
+          <a:prstGeom prst="bentConnector3">
+            <a:avLst>
+              <a:gd name="adj1" fmla="val 15693"/>
+            </a:avLst>
+          </a:prstGeom>
+          <a:ln w="28575">
+            <a:solidFill>
+              <a:schemeClr val="bg1">
+                <a:lumMod val="50000"/>
+              </a:schemeClr>
+            </a:solidFill>
+            <a:tailEnd type="triangle"/>
+          </a:ln>
+        </p:spPr>
+        <p:style>
+          <a:lnRef idx="1">
+            <a:schemeClr val="accent1"/>
+          </a:lnRef>
+          <a:fillRef idx="0">
+            <a:schemeClr val="accent1"/>
+          </a:fillRef>
+          <a:effectRef idx="0">
+            <a:schemeClr val="accent1"/>
+          </a:effectRef>
+          <a:fontRef idx="minor">
+            <a:schemeClr val="tx1"/>
+          </a:fontRef>
+        </p:style>
+      </p:cxnSp>
+      <p:cxnSp>
+        <p:nvCxnSpPr>
+          <p:cNvPr id="62" name="Elbow Connector 61"/>
+          <p:cNvCxnSpPr>
+            <a:stCxn id="56" idx="1"/>
+            <a:endCxn id="25" idx="3"/>
+          </p:cNvCxnSpPr>
+          <p:nvPr/>
+        </p:nvCxnSpPr>
+        <p:spPr>
+          <a:xfrm rot="10800000" flipV="1">
+            <a:off x="7430525" y="1961997"/>
+            <a:ext cx="1016457" cy="285385"/>
+          </a:xfrm>
+          <a:prstGeom prst="bentConnector3">
+            <a:avLst>
+              <a:gd name="adj1" fmla="val 15694"/>
+            </a:avLst>
+          </a:prstGeom>
+          <a:ln w="28575">
+            <a:solidFill>
+              <a:schemeClr val="bg1">
+                <a:lumMod val="50000"/>
+              </a:schemeClr>
+            </a:solidFill>
+            <a:tailEnd type="triangle"/>
+          </a:ln>
+        </p:spPr>
+        <p:style>
+          <a:lnRef idx="1">
+            <a:schemeClr val="accent1"/>
+          </a:lnRef>
+          <a:fillRef idx="0">
+            <a:schemeClr val="accent1"/>
+          </a:fillRef>
+          <a:effectRef idx="0">
+            <a:schemeClr val="accent1"/>
+          </a:effectRef>
+          <a:fontRef idx="minor">
+            <a:schemeClr val="tx1"/>
+          </a:fontRef>
+        </p:style>
+      </p:cxnSp>
     </p:spTree>
     <p:extLst>
       <p:ext uri="{BB962C8B-B14F-4D97-AF65-F5344CB8AC3E}">
@@ -8059,6 +7715,1324 @@
           <a:chExt cx="0" cy="0"/>
         </a:xfrm>
       </p:grpSpPr>
+      <p:sp>
+        <p:nvSpPr>
+          <p:cNvPr id="5" name="TextBox 4"/>
+          <p:cNvSpPr txBox="1"/>
+          <p:nvPr/>
+        </p:nvSpPr>
+        <p:spPr>
+          <a:xfrm>
+            <a:off x="4365492" y="541614"/>
+            <a:ext cx="849913" cy="523220"/>
+          </a:xfrm>
+          <a:prstGeom prst="rect">
+            <a:avLst/>
+          </a:prstGeom>
+          <a:noFill/>
+          <a:ln>
+            <a:noFill/>
+          </a:ln>
+        </p:spPr>
+        <p:txBody>
+          <a:bodyPr wrap="none" rtlCol="0">
+            <a:spAutoFit/>
+          </a:bodyPr>
+          <a:lstStyle/>
+          <a:p>
+            <a:pPr algn="ctr"/>
+            <a:r>
+              <a:rPr lang="en-US" sz="1400" dirty="0" smtClean="0">
+                <a:solidFill>
+                  <a:schemeClr val="bg1">
+                    <a:lumMod val="50000"/>
+                  </a:schemeClr>
+                </a:solidFill>
+                <a:latin typeface="Raleway" charset="0"/>
+                <a:ea typeface="Raleway" charset="0"/>
+                <a:cs typeface="Raleway" charset="0"/>
+              </a:rPr>
+              <a:t>Training</a:t>
+            </a:r>
+          </a:p>
+          <a:p>
+            <a:pPr algn="ctr"/>
+            <a:r>
+              <a:rPr lang="en-US" sz="1400" dirty="0" smtClean="0">
+                <a:solidFill>
+                  <a:schemeClr val="bg1">
+                    <a:lumMod val="50000"/>
+                  </a:schemeClr>
+                </a:solidFill>
+                <a:latin typeface="Raleway" charset="0"/>
+                <a:ea typeface="Raleway" charset="0"/>
+                <a:cs typeface="Raleway" charset="0"/>
+              </a:rPr>
+              <a:t>data</a:t>
+            </a:r>
+            <a:endParaRPr lang="en-US" sz="1400" dirty="0">
+              <a:solidFill>
+                <a:schemeClr val="bg1">
+                  <a:lumMod val="50000"/>
+                </a:schemeClr>
+              </a:solidFill>
+              <a:latin typeface="Raleway" charset="0"/>
+              <a:ea typeface="Raleway" charset="0"/>
+              <a:cs typeface="Raleway" charset="0"/>
+            </a:endParaRPr>
+          </a:p>
+        </p:txBody>
+      </p:sp>
+      <p:sp>
+        <p:nvSpPr>
+          <p:cNvPr id="9" name="TextBox 8"/>
+          <p:cNvSpPr txBox="1"/>
+          <p:nvPr/>
+        </p:nvSpPr>
+        <p:spPr>
+          <a:xfrm>
+            <a:off x="3544509" y="541614"/>
+            <a:ext cx="553357" cy="523220"/>
+          </a:xfrm>
+          <a:prstGeom prst="rect">
+            <a:avLst/>
+          </a:prstGeom>
+          <a:noFill/>
+        </p:spPr>
+        <p:txBody>
+          <a:bodyPr wrap="none" rtlCol="0">
+            <a:spAutoFit/>
+          </a:bodyPr>
+          <a:lstStyle/>
+          <a:p>
+            <a:pPr algn="ctr"/>
+            <a:r>
+              <a:rPr lang="en-US" sz="1400" dirty="0">
+                <a:solidFill>
+                  <a:schemeClr val="bg1">
+                    <a:lumMod val="50000"/>
+                  </a:schemeClr>
+                </a:solidFill>
+                <a:latin typeface="Raleway" charset="0"/>
+                <a:ea typeface="Raleway" charset="0"/>
+                <a:cs typeface="Raleway" charset="0"/>
+              </a:rPr>
+              <a:t>T</a:t>
+            </a:r>
+            <a:r>
+              <a:rPr lang="en-US" sz="1400" dirty="0" smtClean="0">
+                <a:solidFill>
+                  <a:schemeClr val="bg1">
+                    <a:lumMod val="50000"/>
+                  </a:schemeClr>
+                </a:solidFill>
+                <a:latin typeface="Raleway" charset="0"/>
+                <a:ea typeface="Raleway" charset="0"/>
+                <a:cs typeface="Raleway" charset="0"/>
+              </a:rPr>
+              <a:t>est</a:t>
+            </a:r>
+          </a:p>
+          <a:p>
+            <a:pPr algn="ctr"/>
+            <a:r>
+              <a:rPr lang="en-US" sz="1400" dirty="0" smtClean="0">
+                <a:solidFill>
+                  <a:schemeClr val="bg1">
+                    <a:lumMod val="50000"/>
+                  </a:schemeClr>
+                </a:solidFill>
+                <a:latin typeface="Raleway" charset="0"/>
+                <a:ea typeface="Raleway" charset="0"/>
+                <a:cs typeface="Raleway" charset="0"/>
+              </a:rPr>
+              <a:t>data</a:t>
+            </a:r>
+            <a:endParaRPr lang="en-US" sz="1400" dirty="0">
+              <a:solidFill>
+                <a:schemeClr val="bg1">
+                  <a:lumMod val="50000"/>
+                </a:schemeClr>
+              </a:solidFill>
+              <a:latin typeface="Raleway" charset="0"/>
+              <a:ea typeface="Raleway" charset="0"/>
+              <a:cs typeface="Raleway" charset="0"/>
+            </a:endParaRPr>
+          </a:p>
+        </p:txBody>
+      </p:sp>
+      <p:sp>
+        <p:nvSpPr>
+          <p:cNvPr id="4" name="Rectangle 3"/>
+          <p:cNvSpPr/>
+          <p:nvPr/>
+        </p:nvSpPr>
+        <p:spPr>
+          <a:xfrm>
+            <a:off x="3937000" y="1360746"/>
+            <a:ext cx="3640668" cy="2062732"/>
+          </a:xfrm>
+          <a:prstGeom prst="rect">
+            <a:avLst/>
+          </a:prstGeom>
+          <a:solidFill>
+            <a:schemeClr val="bg1"/>
+          </a:solidFill>
+          <a:ln w="28575">
+            <a:solidFill>
+              <a:schemeClr val="bg1">
+                <a:lumMod val="50000"/>
+              </a:schemeClr>
+            </a:solidFill>
+          </a:ln>
+        </p:spPr>
+        <p:style>
+          <a:lnRef idx="2">
+            <a:schemeClr val="accent1">
+              <a:shade val="50000"/>
+            </a:schemeClr>
+          </a:lnRef>
+          <a:fillRef idx="1">
+            <a:schemeClr val="accent1"/>
+          </a:fillRef>
+          <a:effectRef idx="0">
+            <a:schemeClr val="accent1"/>
+          </a:effectRef>
+          <a:fontRef idx="minor">
+            <a:schemeClr val="lt1"/>
+          </a:fontRef>
+        </p:style>
+        <p:txBody>
+          <a:bodyPr rtlCol="0" anchor="ctr"/>
+          <a:lstStyle/>
+          <a:p>
+            <a:pPr algn="ctr"/>
+            <a:endParaRPr lang="en-US" dirty="0">
+              <a:solidFill>
+                <a:schemeClr val="bg1">
+                  <a:lumMod val="50000"/>
+                </a:schemeClr>
+              </a:solidFill>
+              <a:latin typeface="Raleway" charset="0"/>
+              <a:ea typeface="Raleway" charset="0"/>
+              <a:cs typeface="Raleway" charset="0"/>
+            </a:endParaRPr>
+          </a:p>
+        </p:txBody>
+      </p:sp>
+      <p:sp>
+        <p:nvSpPr>
+          <p:cNvPr id="23" name="Rectangle 22"/>
+          <p:cNvSpPr/>
+          <p:nvPr/>
+        </p:nvSpPr>
+        <p:spPr>
+          <a:xfrm>
+            <a:off x="4085272" y="2655817"/>
+            <a:ext cx="1396917" cy="550049"/>
+          </a:xfrm>
+          <a:prstGeom prst="rect">
+            <a:avLst/>
+          </a:prstGeom>
+          <a:solidFill>
+            <a:schemeClr val="bg1"/>
+          </a:solidFill>
+          <a:ln w="28575">
+            <a:solidFill>
+              <a:schemeClr val="accent2"/>
+            </a:solidFill>
+          </a:ln>
+        </p:spPr>
+        <p:style>
+          <a:lnRef idx="2">
+            <a:schemeClr val="accent1">
+              <a:shade val="50000"/>
+            </a:schemeClr>
+          </a:lnRef>
+          <a:fillRef idx="1">
+            <a:schemeClr val="accent1"/>
+          </a:fillRef>
+          <a:effectRef idx="0">
+            <a:schemeClr val="accent1"/>
+          </a:effectRef>
+          <a:fontRef idx="minor">
+            <a:schemeClr val="lt1"/>
+          </a:fontRef>
+        </p:style>
+        <p:txBody>
+          <a:bodyPr rot="0" spcFirstLastPara="0" vertOverflow="overflow" horzOverflow="overflow" vert="horz" wrap="square" lIns="91440" tIns="45720" rIns="91440" bIns="45720" numCol="1" spcCol="0" rtlCol="0" fromWordArt="0" anchor="ctr" anchorCtr="0" forceAA="0" compatLnSpc="1">
+            <a:prstTxWarp prst="textNoShape">
+              <a:avLst/>
+            </a:prstTxWarp>
+            <a:noAutofit/>
+          </a:bodyPr>
+          <a:lstStyle/>
+          <a:p>
+            <a:pPr algn="ctr"/>
+            <a:r>
+              <a:rPr lang="en-US" sz="1400" dirty="0" smtClean="0">
+                <a:solidFill>
+                  <a:schemeClr val="accent2"/>
+                </a:solidFill>
+                <a:latin typeface="Raleway" charset="0"/>
+                <a:ea typeface="Raleway" charset="0"/>
+                <a:cs typeface="Raleway" charset="0"/>
+              </a:rPr>
+              <a:t>Test Accuracy Evaluator</a:t>
+            </a:r>
+          </a:p>
+        </p:txBody>
+      </p:sp>
+      <p:sp>
+        <p:nvSpPr>
+          <p:cNvPr id="21" name="Rectangle 20"/>
+          <p:cNvSpPr/>
+          <p:nvPr/>
+        </p:nvSpPr>
+        <p:spPr>
+          <a:xfrm>
+            <a:off x="6020487" y="1529832"/>
+            <a:ext cx="1410037" cy="895669"/>
+          </a:xfrm>
+          <a:prstGeom prst="rect">
+            <a:avLst/>
+          </a:prstGeom>
+          <a:solidFill>
+            <a:schemeClr val="bg1"/>
+          </a:solidFill>
+          <a:ln w="28575">
+            <a:solidFill>
+              <a:schemeClr val="accent1"/>
+            </a:solidFill>
+          </a:ln>
+        </p:spPr>
+        <p:style>
+          <a:lnRef idx="2">
+            <a:schemeClr val="accent1">
+              <a:shade val="50000"/>
+            </a:schemeClr>
+          </a:lnRef>
+          <a:fillRef idx="1">
+            <a:schemeClr val="accent1"/>
+          </a:fillRef>
+          <a:effectRef idx="0">
+            <a:schemeClr val="accent1"/>
+          </a:effectRef>
+          <a:fontRef idx="minor">
+            <a:schemeClr val="lt1"/>
+          </a:fontRef>
+        </p:style>
+        <p:txBody>
+          <a:bodyPr rot="0" spcFirstLastPara="0" vertOverflow="overflow" horzOverflow="overflow" vert="horz" wrap="square" lIns="91440" tIns="45720" rIns="91440" bIns="45720" numCol="1" spcCol="0" rtlCol="0" fromWordArt="0" anchor="t" anchorCtr="0" forceAA="0" compatLnSpc="1">
+            <a:prstTxWarp prst="textNoShape">
+              <a:avLst/>
+            </a:prstTxWarp>
+            <a:noAutofit/>
+          </a:bodyPr>
+          <a:lstStyle/>
+          <a:p>
+            <a:pPr algn="ctr"/>
+            <a:r>
+              <a:rPr lang="en-US" sz="1400" dirty="0" smtClean="0">
+                <a:solidFill>
+                  <a:schemeClr val="accent1"/>
+                </a:solidFill>
+                <a:latin typeface="Raleway" charset="0"/>
+                <a:ea typeface="Raleway" charset="0"/>
+                <a:cs typeface="Raleway" charset="0"/>
+              </a:rPr>
+              <a:t>Libraries</a:t>
+            </a:r>
+            <a:endParaRPr lang="en-US" sz="1400" dirty="0" smtClean="0">
+              <a:solidFill>
+                <a:schemeClr val="accent1"/>
+              </a:solidFill>
+              <a:latin typeface="Raleway" charset="0"/>
+              <a:ea typeface="Raleway" charset="0"/>
+              <a:cs typeface="Raleway" charset="0"/>
+            </a:endParaRPr>
+          </a:p>
+        </p:txBody>
+      </p:sp>
+      <p:sp>
+        <p:nvSpPr>
+          <p:cNvPr id="28" name="Rectangle 27"/>
+          <p:cNvSpPr/>
+          <p:nvPr/>
+        </p:nvSpPr>
+        <p:spPr>
+          <a:xfrm>
+            <a:off x="4085586" y="1529833"/>
+            <a:ext cx="1409724" cy="895669"/>
+          </a:xfrm>
+          <a:prstGeom prst="rect">
+            <a:avLst/>
+          </a:prstGeom>
+          <a:solidFill>
+            <a:schemeClr val="bg1"/>
+          </a:solidFill>
+          <a:ln w="28575">
+            <a:solidFill>
+              <a:schemeClr val="accent2"/>
+            </a:solidFill>
+          </a:ln>
+        </p:spPr>
+        <p:style>
+          <a:lnRef idx="2">
+            <a:schemeClr val="accent1">
+              <a:shade val="50000"/>
+            </a:schemeClr>
+          </a:lnRef>
+          <a:fillRef idx="1">
+            <a:schemeClr val="accent1"/>
+          </a:fillRef>
+          <a:effectRef idx="0">
+            <a:schemeClr val="accent1"/>
+          </a:effectRef>
+          <a:fontRef idx="minor">
+            <a:schemeClr val="lt1"/>
+          </a:fontRef>
+        </p:style>
+        <p:txBody>
+          <a:bodyPr rot="0" spcFirstLastPara="0" vertOverflow="overflow" horzOverflow="overflow" vert="horz" wrap="square" lIns="91440" tIns="45720" rIns="91440" bIns="45720" numCol="1" spcCol="0" rtlCol="0" fromWordArt="0" anchor="t" anchorCtr="0" forceAA="0" compatLnSpc="1">
+            <a:prstTxWarp prst="textNoShape">
+              <a:avLst/>
+            </a:prstTxWarp>
+            <a:noAutofit/>
+          </a:bodyPr>
+          <a:lstStyle/>
+          <a:p>
+            <a:pPr algn="ctr"/>
+            <a:r>
+              <a:rPr lang="en-US" sz="1400" dirty="0" smtClean="0">
+                <a:solidFill>
+                  <a:schemeClr val="accent2"/>
+                </a:solidFill>
+                <a:latin typeface="Raleway" charset="0"/>
+                <a:ea typeface="Raleway" charset="0"/>
+                <a:cs typeface="Raleway" charset="0"/>
+              </a:rPr>
+              <a:t>Boost &amp; Clean</a:t>
+            </a:r>
+          </a:p>
+        </p:txBody>
+      </p:sp>
+      <p:cxnSp>
+        <p:nvCxnSpPr>
+          <p:cNvPr id="32" name="Straight Arrow Connector 31"/>
+          <p:cNvCxnSpPr>
+            <a:stCxn id="5" idx="2"/>
+            <a:endCxn id="28" idx="0"/>
+          </p:cNvCxnSpPr>
+          <p:nvPr/>
+        </p:nvCxnSpPr>
+        <p:spPr>
+          <a:xfrm flipH="1">
+            <a:off x="4790448" y="1064834"/>
+            <a:ext cx="1" cy="464999"/>
+          </a:xfrm>
+          <a:prstGeom prst="straightConnector1">
+            <a:avLst/>
+          </a:prstGeom>
+          <a:ln w="28575">
+            <a:solidFill>
+              <a:schemeClr val="bg1">
+                <a:lumMod val="50000"/>
+              </a:schemeClr>
+            </a:solidFill>
+            <a:tailEnd type="triangle"/>
+          </a:ln>
+        </p:spPr>
+        <p:style>
+          <a:lnRef idx="1">
+            <a:schemeClr val="accent1"/>
+          </a:lnRef>
+          <a:fillRef idx="0">
+            <a:schemeClr val="accent1"/>
+          </a:fillRef>
+          <a:effectRef idx="0">
+            <a:schemeClr val="accent1"/>
+          </a:effectRef>
+          <a:fontRef idx="minor">
+            <a:schemeClr val="tx1"/>
+          </a:fontRef>
+        </p:style>
+      </p:cxnSp>
+      <p:cxnSp>
+        <p:nvCxnSpPr>
+          <p:cNvPr id="34" name="Straight Arrow Connector 33"/>
+          <p:cNvCxnSpPr>
+            <a:stCxn id="21" idx="1"/>
+            <a:endCxn id="28" idx="3"/>
+          </p:cNvCxnSpPr>
+          <p:nvPr/>
+        </p:nvCxnSpPr>
+        <p:spPr>
+          <a:xfrm flipH="1">
+            <a:off x="5495310" y="1977667"/>
+            <a:ext cx="525177" cy="1"/>
+          </a:xfrm>
+          <a:prstGeom prst="straightConnector1">
+            <a:avLst/>
+          </a:prstGeom>
+          <a:ln w="28575">
+            <a:solidFill>
+              <a:schemeClr val="bg1">
+                <a:lumMod val="50000"/>
+              </a:schemeClr>
+            </a:solidFill>
+            <a:tailEnd type="triangle"/>
+          </a:ln>
+        </p:spPr>
+        <p:style>
+          <a:lnRef idx="1">
+            <a:schemeClr val="accent1"/>
+          </a:lnRef>
+          <a:fillRef idx="0">
+            <a:schemeClr val="accent1"/>
+          </a:fillRef>
+          <a:effectRef idx="0">
+            <a:schemeClr val="accent1"/>
+          </a:effectRef>
+          <a:fontRef idx="minor">
+            <a:schemeClr val="tx1"/>
+          </a:fontRef>
+        </p:style>
+      </p:cxnSp>
+      <p:grpSp>
+        <p:nvGrpSpPr>
+          <p:cNvPr id="16" name="Group 15"/>
+          <p:cNvGrpSpPr/>
+          <p:nvPr/>
+        </p:nvGrpSpPr>
+        <p:grpSpPr>
+          <a:xfrm>
+            <a:off x="4624284" y="2438206"/>
+            <a:ext cx="381004" cy="204908"/>
+            <a:chOff x="4759754" y="2463607"/>
+            <a:chExt cx="381004" cy="204908"/>
+          </a:xfrm>
+        </p:grpSpPr>
+        <p:cxnSp>
+          <p:nvCxnSpPr>
+            <p:cNvPr id="43" name="Straight Arrow Connector 42"/>
+            <p:cNvCxnSpPr/>
+            <p:nvPr/>
+          </p:nvCxnSpPr>
+          <p:spPr>
+            <a:xfrm flipH="1" flipV="1">
+              <a:off x="4759754" y="2463607"/>
+              <a:ext cx="1" cy="204908"/>
+            </a:xfrm>
+            <a:prstGeom prst="straightConnector1">
+              <a:avLst/>
+            </a:prstGeom>
+            <a:ln w="28575">
+              <a:solidFill>
+                <a:schemeClr val="accent2"/>
+              </a:solidFill>
+              <a:headEnd type="triangle" w="med" len="med"/>
+              <a:tailEnd type="none" w="med" len="med"/>
+            </a:ln>
+          </p:spPr>
+          <p:style>
+            <a:lnRef idx="1">
+              <a:schemeClr val="accent1"/>
+            </a:lnRef>
+            <a:fillRef idx="0">
+              <a:schemeClr val="accent1"/>
+            </a:fillRef>
+            <a:effectRef idx="0">
+              <a:schemeClr val="accent1"/>
+            </a:effectRef>
+            <a:fontRef idx="minor">
+              <a:schemeClr val="tx1"/>
+            </a:fontRef>
+          </p:style>
+        </p:cxnSp>
+        <p:cxnSp>
+          <p:nvCxnSpPr>
+            <p:cNvPr id="52" name="Straight Arrow Connector 51"/>
+            <p:cNvCxnSpPr/>
+            <p:nvPr/>
+          </p:nvCxnSpPr>
+          <p:spPr>
+            <a:xfrm flipH="1" flipV="1">
+              <a:off x="5140757" y="2463607"/>
+              <a:ext cx="1" cy="204908"/>
+            </a:xfrm>
+            <a:prstGeom prst="straightConnector1">
+              <a:avLst/>
+            </a:prstGeom>
+            <a:ln w="28575">
+              <a:solidFill>
+                <a:schemeClr val="accent2"/>
+              </a:solidFill>
+              <a:headEnd type="none" w="med" len="med"/>
+              <a:tailEnd type="triangle" w="med" len="med"/>
+            </a:ln>
+          </p:spPr>
+          <p:style>
+            <a:lnRef idx="1">
+              <a:schemeClr val="accent1"/>
+            </a:lnRef>
+            <a:fillRef idx="0">
+              <a:schemeClr val="accent1"/>
+            </a:fillRef>
+            <a:effectRef idx="0">
+              <a:schemeClr val="accent1"/>
+            </a:effectRef>
+            <a:fontRef idx="minor">
+              <a:schemeClr val="tx1"/>
+            </a:fontRef>
+          </p:style>
+        </p:cxnSp>
+      </p:grpSp>
+      <p:pic>
+        <p:nvPicPr>
+          <p:cNvPr id="56" name="Picture 55"/>
+          <p:cNvPicPr>
+            <a:picLocks noChangeAspect="1"/>
+          </p:cNvPicPr>
+          <p:nvPr/>
+        </p:nvPicPr>
+        <p:blipFill>
+          <a:blip r:embed="rId3"/>
+          <a:stretch>
+            <a:fillRect/>
+          </a:stretch>
+        </p:blipFill>
+        <p:spPr>
+          <a:xfrm>
+            <a:off x="8443118" y="1613230"/>
+            <a:ext cx="728871" cy="728871"/>
+          </a:xfrm>
+          <a:prstGeom prst="rect">
+            <a:avLst/>
+          </a:prstGeom>
+        </p:spPr>
+      </p:pic>
+      <p:sp>
+        <p:nvSpPr>
+          <p:cNvPr id="45" name="TextBox 44"/>
+          <p:cNvSpPr txBox="1"/>
+          <p:nvPr/>
+        </p:nvSpPr>
+        <p:spPr>
+          <a:xfrm>
+            <a:off x="7577516" y="1667135"/>
+            <a:ext cx="1002197" cy="307777"/>
+          </a:xfrm>
+          <a:prstGeom prst="rect">
+            <a:avLst/>
+          </a:prstGeom>
+          <a:noFill/>
+        </p:spPr>
+        <p:txBody>
+          <a:bodyPr wrap="none" rtlCol="0">
+            <a:spAutoFit/>
+          </a:bodyPr>
+          <a:lstStyle/>
+          <a:p>
+            <a:r>
+              <a:rPr lang="en-US" sz="1400" dirty="0" smtClean="0">
+                <a:solidFill>
+                  <a:schemeClr val="bg1">
+                    <a:lumMod val="50000"/>
+                  </a:schemeClr>
+                </a:solidFill>
+                <a:latin typeface="Raleway" charset="0"/>
+                <a:ea typeface="Raleway" charset="0"/>
+                <a:cs typeface="Raleway" charset="0"/>
+              </a:rPr>
+              <a:t>Detectors</a:t>
+            </a:r>
+            <a:endParaRPr lang="en-US" sz="1400" dirty="0">
+              <a:solidFill>
+                <a:schemeClr val="bg1">
+                  <a:lumMod val="50000"/>
+                </a:schemeClr>
+              </a:solidFill>
+              <a:latin typeface="Raleway" charset="0"/>
+              <a:ea typeface="Raleway" charset="0"/>
+              <a:cs typeface="Raleway" charset="0"/>
+            </a:endParaRPr>
+          </a:p>
+        </p:txBody>
+      </p:sp>
+      <p:sp>
+        <p:nvSpPr>
+          <p:cNvPr id="65" name="TextBox 64"/>
+          <p:cNvSpPr txBox="1"/>
+          <p:nvPr/>
+        </p:nvSpPr>
+        <p:spPr>
+          <a:xfrm>
+            <a:off x="7676100" y="1974912"/>
+            <a:ext cx="805029" cy="307777"/>
+          </a:xfrm>
+          <a:prstGeom prst="rect">
+            <a:avLst/>
+          </a:prstGeom>
+          <a:noFill/>
+        </p:spPr>
+        <p:txBody>
+          <a:bodyPr wrap="none" rtlCol="0">
+            <a:spAutoFit/>
+          </a:bodyPr>
+          <a:lstStyle/>
+          <a:p>
+            <a:r>
+              <a:rPr lang="en-US" sz="1400" dirty="0" smtClean="0">
+                <a:solidFill>
+                  <a:schemeClr val="bg1">
+                    <a:lumMod val="50000"/>
+                  </a:schemeClr>
+                </a:solidFill>
+                <a:latin typeface="Raleway" charset="0"/>
+                <a:ea typeface="Raleway" charset="0"/>
+                <a:cs typeface="Raleway" charset="0"/>
+              </a:rPr>
+              <a:t>Repairs</a:t>
+            </a:r>
+            <a:endParaRPr lang="en-US" sz="1400" dirty="0">
+              <a:solidFill>
+                <a:schemeClr val="bg1">
+                  <a:lumMod val="50000"/>
+                </a:schemeClr>
+              </a:solidFill>
+              <a:latin typeface="Raleway" charset="0"/>
+              <a:ea typeface="Raleway" charset="0"/>
+              <a:cs typeface="Raleway" charset="0"/>
+            </a:endParaRPr>
+          </a:p>
+        </p:txBody>
+      </p:sp>
+      <p:cxnSp>
+        <p:nvCxnSpPr>
+          <p:cNvPr id="66" name="Straight Arrow Connector 65"/>
+          <p:cNvCxnSpPr>
+            <a:stCxn id="23" idx="3"/>
+            <a:endCxn id="39" idx="1"/>
+          </p:cNvCxnSpPr>
+          <p:nvPr/>
+        </p:nvCxnSpPr>
+        <p:spPr>
+          <a:xfrm flipV="1">
+            <a:off x="5482189" y="2924490"/>
+            <a:ext cx="539012" cy="6352"/>
+          </a:xfrm>
+          <a:prstGeom prst="straightConnector1">
+            <a:avLst/>
+          </a:prstGeom>
+          <a:ln w="28575">
+            <a:solidFill>
+              <a:schemeClr val="bg1">
+                <a:lumMod val="50000"/>
+              </a:schemeClr>
+            </a:solidFill>
+            <a:tailEnd type="triangle"/>
+          </a:ln>
+        </p:spPr>
+        <p:style>
+          <a:lnRef idx="1">
+            <a:schemeClr val="accent1"/>
+          </a:lnRef>
+          <a:fillRef idx="0">
+            <a:schemeClr val="accent1"/>
+          </a:fillRef>
+          <a:effectRef idx="0">
+            <a:schemeClr val="accent1"/>
+          </a:effectRef>
+          <a:fontRef idx="minor">
+            <a:schemeClr val="tx1"/>
+          </a:fontRef>
+        </p:style>
+      </p:cxnSp>
+      <p:sp>
+        <p:nvSpPr>
+          <p:cNvPr id="68" name="TextBox 67"/>
+          <p:cNvSpPr txBox="1"/>
+          <p:nvPr/>
+        </p:nvSpPr>
+        <p:spPr>
+          <a:xfrm>
+            <a:off x="5567414" y="2592068"/>
+            <a:ext cx="372218" cy="369332"/>
+          </a:xfrm>
+          <a:prstGeom prst="rect">
+            <a:avLst/>
+          </a:prstGeom>
+          <a:noFill/>
+          <a:ln>
+            <a:noFill/>
+          </a:ln>
+        </p:spPr>
+        <p:txBody>
+          <a:bodyPr wrap="none" rtlCol="0">
+            <a:spAutoFit/>
+          </a:bodyPr>
+          <a:lstStyle/>
+          <a:p>
+            <a:pPr algn="ctr"/>
+            <a:r>
+              <a:rPr lang="en-US" smtClean="0">
+                <a:solidFill>
+                  <a:schemeClr val="bg1">
+                    <a:lumMod val="50000"/>
+                  </a:schemeClr>
+                </a:solidFill>
+                <a:latin typeface="Alegreya" charset="0"/>
+                <a:ea typeface="Alegreya" charset="0"/>
+                <a:cs typeface="Alegreya" charset="0"/>
+              </a:rPr>
+              <a:t>L</a:t>
+            </a:r>
+            <a:r>
+              <a:rPr lang="en-US" baseline="30000" dirty="0" smtClean="0">
+                <a:solidFill>
+                  <a:schemeClr val="bg1">
+                    <a:lumMod val="50000"/>
+                  </a:schemeClr>
+                </a:solidFill>
+                <a:latin typeface="Alegreya" charset="0"/>
+                <a:ea typeface="Alegreya" charset="0"/>
+                <a:cs typeface="Alegreya" charset="0"/>
+              </a:rPr>
+              <a:t>*</a:t>
+            </a:r>
+            <a:endParaRPr lang="en-US" dirty="0">
+              <a:solidFill>
+                <a:schemeClr val="bg1">
+                  <a:lumMod val="50000"/>
+                </a:schemeClr>
+              </a:solidFill>
+              <a:latin typeface="Alegreya" charset="0"/>
+              <a:ea typeface="Alegreya" charset="0"/>
+              <a:cs typeface="Alegreya" charset="0"/>
+            </a:endParaRPr>
+          </a:p>
+        </p:txBody>
+      </p:sp>
+      <p:cxnSp>
+        <p:nvCxnSpPr>
+          <p:cNvPr id="73" name="Elbow Connector 72"/>
+          <p:cNvCxnSpPr>
+            <a:stCxn id="9" idx="2"/>
+            <a:endCxn id="23" idx="1"/>
+          </p:cNvCxnSpPr>
+          <p:nvPr/>
+        </p:nvCxnSpPr>
+        <p:spPr>
+          <a:xfrm rot="16200000" flipH="1">
+            <a:off x="3020226" y="1865796"/>
+            <a:ext cx="1866008" cy="264084"/>
+          </a:xfrm>
+          <a:prstGeom prst="bentConnector2">
+            <a:avLst/>
+          </a:prstGeom>
+          <a:ln w="28575">
+            <a:solidFill>
+              <a:schemeClr val="bg1">
+                <a:lumMod val="50000"/>
+              </a:schemeClr>
+            </a:solidFill>
+            <a:tailEnd type="triangle"/>
+          </a:ln>
+        </p:spPr>
+        <p:style>
+          <a:lnRef idx="1">
+            <a:schemeClr val="accent1"/>
+          </a:lnRef>
+          <a:fillRef idx="0">
+            <a:schemeClr val="accent1"/>
+          </a:fillRef>
+          <a:effectRef idx="0">
+            <a:schemeClr val="accent1"/>
+          </a:effectRef>
+          <a:fontRef idx="minor">
+            <a:schemeClr val="tx1"/>
+          </a:fontRef>
+        </p:style>
+      </p:cxnSp>
+      <p:sp>
+        <p:nvSpPr>
+          <p:cNvPr id="53" name="Rectangle 52"/>
+          <p:cNvSpPr/>
+          <p:nvPr/>
+        </p:nvSpPr>
+        <p:spPr>
+          <a:xfrm>
+            <a:off x="4202261" y="2002234"/>
+            <a:ext cx="1176374" cy="295918"/>
+          </a:xfrm>
+          <a:prstGeom prst="rect">
+            <a:avLst/>
+          </a:prstGeom>
+          <a:solidFill>
+            <a:schemeClr val="accent2"/>
+          </a:solidFill>
+          <a:ln w="28575">
+            <a:solidFill>
+              <a:schemeClr val="accent2"/>
+            </a:solidFill>
+          </a:ln>
+        </p:spPr>
+        <p:style>
+          <a:lnRef idx="2">
+            <a:schemeClr val="accent1">
+              <a:shade val="50000"/>
+            </a:schemeClr>
+          </a:lnRef>
+          <a:fillRef idx="1">
+            <a:schemeClr val="accent1"/>
+          </a:fillRef>
+          <a:effectRef idx="0">
+            <a:schemeClr val="accent1"/>
+          </a:effectRef>
+          <a:fontRef idx="minor">
+            <a:schemeClr val="lt1"/>
+          </a:fontRef>
+        </p:style>
+        <p:txBody>
+          <a:bodyPr rot="0" spcFirstLastPara="0" vertOverflow="overflow" horzOverflow="overflow" vert="horz" wrap="square" lIns="91440" tIns="45720" rIns="91440" bIns="45720" numCol="1" spcCol="0" rtlCol="0" fromWordArt="0" anchor="ctr" anchorCtr="0" forceAA="0" compatLnSpc="1">
+            <a:prstTxWarp prst="textNoShape">
+              <a:avLst/>
+            </a:prstTxWarp>
+            <a:noAutofit/>
+          </a:bodyPr>
+          <a:lstStyle/>
+          <a:p>
+            <a:pPr algn="ctr"/>
+            <a:r>
+              <a:rPr lang="en-US" sz="1400" smtClean="0">
+                <a:solidFill>
+                  <a:schemeClr val="bg1"/>
+                </a:solidFill>
+                <a:latin typeface="Raleway" charset="0"/>
+                <a:ea typeface="Raleway" charset="0"/>
+                <a:cs typeface="Raleway" charset="0"/>
+              </a:rPr>
+              <a:t>train model</a:t>
+            </a:r>
+            <a:endParaRPr lang="en-US" sz="1400" dirty="0" smtClean="0">
+              <a:solidFill>
+                <a:schemeClr val="bg1"/>
+              </a:solidFill>
+              <a:latin typeface="Raleway" charset="0"/>
+              <a:ea typeface="Raleway" charset="0"/>
+              <a:cs typeface="Raleway" charset="0"/>
+            </a:endParaRPr>
+          </a:p>
+        </p:txBody>
+      </p:sp>
+      <p:cxnSp>
+        <p:nvCxnSpPr>
+          <p:cNvPr id="35" name="Straight Arrow Connector 34"/>
+          <p:cNvCxnSpPr>
+            <a:stCxn id="56" idx="1"/>
+            <a:endCxn id="21" idx="3"/>
+          </p:cNvCxnSpPr>
+          <p:nvPr/>
+        </p:nvCxnSpPr>
+        <p:spPr>
+          <a:xfrm flipH="1">
+            <a:off x="7430524" y="1977666"/>
+            <a:ext cx="1012594" cy="1"/>
+          </a:xfrm>
+          <a:prstGeom prst="straightConnector1">
+            <a:avLst/>
+          </a:prstGeom>
+          <a:ln w="28575">
+            <a:solidFill>
+              <a:schemeClr val="bg1">
+                <a:lumMod val="50000"/>
+              </a:schemeClr>
+            </a:solidFill>
+            <a:tailEnd type="triangle"/>
+          </a:ln>
+        </p:spPr>
+        <p:style>
+          <a:lnRef idx="1">
+            <a:schemeClr val="accent1"/>
+          </a:lnRef>
+          <a:fillRef idx="0">
+            <a:schemeClr val="accent1"/>
+          </a:fillRef>
+          <a:effectRef idx="0">
+            <a:schemeClr val="accent1"/>
+          </a:effectRef>
+          <a:fontRef idx="minor">
+            <a:schemeClr val="tx1"/>
+          </a:fontRef>
+        </p:style>
+      </p:cxnSp>
+      <p:sp>
+        <p:nvSpPr>
+          <p:cNvPr id="39" name="Rectangle 38"/>
+          <p:cNvSpPr/>
+          <p:nvPr/>
+        </p:nvSpPr>
+        <p:spPr>
+          <a:xfrm>
+            <a:off x="6021201" y="2643114"/>
+            <a:ext cx="1409323" cy="562752"/>
+          </a:xfrm>
+          <a:prstGeom prst="rect">
+            <a:avLst/>
+          </a:prstGeom>
+          <a:solidFill>
+            <a:schemeClr val="bg1"/>
+          </a:solidFill>
+          <a:ln w="28575">
+            <a:solidFill>
+              <a:schemeClr val="bg1">
+                <a:lumMod val="50000"/>
+              </a:schemeClr>
+            </a:solidFill>
+          </a:ln>
+        </p:spPr>
+        <p:style>
+          <a:lnRef idx="2">
+            <a:schemeClr val="accent1">
+              <a:shade val="50000"/>
+            </a:schemeClr>
+          </a:lnRef>
+          <a:fillRef idx="1">
+            <a:schemeClr val="accent1"/>
+          </a:fillRef>
+          <a:effectRef idx="0">
+            <a:schemeClr val="accent1"/>
+          </a:effectRef>
+          <a:fontRef idx="minor">
+            <a:schemeClr val="lt1"/>
+          </a:fontRef>
+        </p:style>
+        <p:txBody>
+          <a:bodyPr rot="0" spcFirstLastPara="0" vertOverflow="overflow" horzOverflow="overflow" vert="horz" wrap="square" lIns="91440" tIns="45720" rIns="91440" bIns="45720" numCol="1" spcCol="0" rtlCol="0" fromWordArt="0" anchor="ctr" anchorCtr="0" forceAA="0" compatLnSpc="1">
+            <a:prstTxWarp prst="textNoShape">
+              <a:avLst/>
+            </a:prstTxWarp>
+            <a:noAutofit/>
+          </a:bodyPr>
+          <a:lstStyle/>
+          <a:p>
+            <a:pPr algn="ctr"/>
+            <a:r>
+              <a:rPr lang="en-US" sz="1400" smtClean="0">
+                <a:solidFill>
+                  <a:schemeClr val="bg1">
+                    <a:lumMod val="50000"/>
+                  </a:schemeClr>
+                </a:solidFill>
+                <a:latin typeface="Raleway" charset="0"/>
+                <a:ea typeface="Raleway" charset="0"/>
+                <a:cs typeface="Raleway" charset="0"/>
+              </a:rPr>
+              <a:t>Deployer</a:t>
+            </a:r>
+            <a:endParaRPr lang="en-US" sz="1400" dirty="0" smtClean="0">
+              <a:solidFill>
+                <a:schemeClr val="bg1">
+                  <a:lumMod val="50000"/>
+                </a:schemeClr>
+              </a:solidFill>
+              <a:latin typeface="Raleway" charset="0"/>
+              <a:ea typeface="Raleway" charset="0"/>
+              <a:cs typeface="Raleway" charset="0"/>
+            </a:endParaRPr>
+          </a:p>
+        </p:txBody>
+      </p:sp>
+      <p:cxnSp>
+        <p:nvCxnSpPr>
+          <p:cNvPr id="55" name="Straight Arrow Connector 54"/>
+          <p:cNvCxnSpPr>
+            <a:endCxn id="39" idx="3"/>
+          </p:cNvCxnSpPr>
+          <p:nvPr/>
+        </p:nvCxnSpPr>
+        <p:spPr>
+          <a:xfrm flipH="1">
+            <a:off x="7430524" y="2924490"/>
+            <a:ext cx="427118" cy="0"/>
+          </a:xfrm>
+          <a:prstGeom prst="straightConnector1">
+            <a:avLst/>
+          </a:prstGeom>
+          <a:ln w="28575">
+            <a:solidFill>
+              <a:schemeClr val="bg1">
+                <a:lumMod val="50000"/>
+              </a:schemeClr>
+            </a:solidFill>
+            <a:headEnd type="triangle" w="med" len="med"/>
+            <a:tailEnd type="none" w="med" len="med"/>
+          </a:ln>
+        </p:spPr>
+        <p:style>
+          <a:lnRef idx="1">
+            <a:schemeClr val="accent1"/>
+          </a:lnRef>
+          <a:fillRef idx="0">
+            <a:schemeClr val="accent1"/>
+          </a:fillRef>
+          <a:effectRef idx="0">
+            <a:schemeClr val="accent1"/>
+          </a:effectRef>
+          <a:fontRef idx="minor">
+            <a:schemeClr val="tx1"/>
+          </a:fontRef>
+        </p:style>
+      </p:cxnSp>
+      <p:sp>
+        <p:nvSpPr>
+          <p:cNvPr id="59" name="TextBox 58"/>
+          <p:cNvSpPr txBox="1"/>
+          <p:nvPr/>
+        </p:nvSpPr>
+        <p:spPr>
+          <a:xfrm>
+            <a:off x="7857641" y="2682646"/>
+            <a:ext cx="1233030" cy="584775"/>
+          </a:xfrm>
+          <a:prstGeom prst="rect">
+            <a:avLst/>
+          </a:prstGeom>
+          <a:noFill/>
+        </p:spPr>
+        <p:txBody>
+          <a:bodyPr wrap="none" rtlCol="0">
+            <a:spAutoFit/>
+          </a:bodyPr>
+          <a:lstStyle/>
+          <a:p>
+            <a:r>
+              <a:rPr lang="en-US" sz="1400" dirty="0" smtClean="0">
+                <a:solidFill>
+                  <a:schemeClr val="bg1">
+                    <a:lumMod val="50000"/>
+                  </a:schemeClr>
+                </a:solidFill>
+                <a:latin typeface="Raleway" charset="0"/>
+                <a:ea typeface="Raleway" charset="0"/>
+                <a:cs typeface="Raleway" charset="0"/>
+              </a:rPr>
+              <a:t>Robust </a:t>
+            </a:r>
+          </a:p>
+          <a:p>
+            <a:r>
+              <a:rPr lang="en-US" sz="1400" dirty="0" smtClean="0">
+                <a:solidFill>
+                  <a:schemeClr val="bg1">
+                    <a:lumMod val="50000"/>
+                  </a:schemeClr>
+                </a:solidFill>
+                <a:latin typeface="Raleway" charset="0"/>
+                <a:ea typeface="Raleway" charset="0"/>
+                <a:cs typeface="Raleway" charset="0"/>
+              </a:rPr>
+              <a:t>Classifier </a:t>
+            </a:r>
+            <a:r>
+              <a:rPr lang="en-US" dirty="0" smtClean="0">
+                <a:solidFill>
+                  <a:schemeClr val="bg1">
+                    <a:lumMod val="50000"/>
+                  </a:schemeClr>
+                </a:solidFill>
+                <a:latin typeface="Alegreya" charset="0"/>
+                <a:ea typeface="Alegreya" charset="0"/>
+                <a:cs typeface="Alegreya" charset="0"/>
+              </a:rPr>
+              <a:t>C*</a:t>
+            </a:r>
+            <a:endParaRPr lang="en-US" dirty="0">
+              <a:solidFill>
+                <a:schemeClr val="bg1">
+                  <a:lumMod val="50000"/>
+                </a:schemeClr>
+              </a:solidFill>
+              <a:latin typeface="Alegreya" charset="0"/>
+              <a:ea typeface="Alegreya" charset="0"/>
+              <a:cs typeface="Alegreya" charset="0"/>
+            </a:endParaRPr>
+          </a:p>
+        </p:txBody>
+      </p:sp>
+      <p:sp>
+        <p:nvSpPr>
+          <p:cNvPr id="31" name="Rectangle 30"/>
+          <p:cNvSpPr/>
+          <p:nvPr/>
+        </p:nvSpPr>
+        <p:spPr>
+          <a:xfrm>
+            <a:off x="6143773" y="1857079"/>
+            <a:ext cx="1163464" cy="209901"/>
+          </a:xfrm>
+          <a:prstGeom prst="rect">
+            <a:avLst/>
+          </a:prstGeom>
+          <a:solidFill>
+            <a:schemeClr val="accent1"/>
+          </a:solidFill>
+          <a:ln w="28575">
+            <a:solidFill>
+              <a:schemeClr val="accent1"/>
+            </a:solidFill>
+          </a:ln>
+        </p:spPr>
+        <p:style>
+          <a:lnRef idx="2">
+            <a:schemeClr val="accent1">
+              <a:shade val="50000"/>
+            </a:schemeClr>
+          </a:lnRef>
+          <a:fillRef idx="1">
+            <a:schemeClr val="accent1"/>
+          </a:fillRef>
+          <a:effectRef idx="0">
+            <a:schemeClr val="accent1"/>
+          </a:effectRef>
+          <a:fontRef idx="minor">
+            <a:schemeClr val="lt1"/>
+          </a:fontRef>
+        </p:style>
+        <p:txBody>
+          <a:bodyPr rot="0" spcFirstLastPara="0" vertOverflow="overflow" horzOverflow="overflow" vert="horz" wrap="square" lIns="91440" tIns="45720" rIns="91440" bIns="45720" numCol="1" spcCol="0" rtlCol="0" fromWordArt="0" anchor="ctr" anchorCtr="0" forceAA="0" compatLnSpc="1">
+            <a:prstTxWarp prst="textNoShape">
+              <a:avLst/>
+            </a:prstTxWarp>
+            <a:noAutofit/>
+          </a:bodyPr>
+          <a:lstStyle/>
+          <a:p>
+            <a:pPr algn="ctr"/>
+            <a:r>
+              <a:rPr lang="en-US" sz="1400" dirty="0" smtClean="0">
+                <a:solidFill>
+                  <a:schemeClr val="bg1"/>
+                </a:solidFill>
+                <a:latin typeface="Raleway" charset="0"/>
+                <a:ea typeface="Raleway" charset="0"/>
+                <a:cs typeface="Raleway" charset="0"/>
+              </a:rPr>
+              <a:t>Detectors</a:t>
+            </a:r>
+            <a:endParaRPr lang="en-US" sz="1400" dirty="0" smtClean="0">
+              <a:solidFill>
+                <a:schemeClr val="bg1"/>
+              </a:solidFill>
+              <a:latin typeface="Raleway" charset="0"/>
+              <a:ea typeface="Raleway" charset="0"/>
+              <a:cs typeface="Raleway" charset="0"/>
+            </a:endParaRPr>
+          </a:p>
+        </p:txBody>
+      </p:sp>
+      <p:sp>
+        <p:nvSpPr>
+          <p:cNvPr id="33" name="Rectangle 32"/>
+          <p:cNvSpPr/>
+          <p:nvPr/>
+        </p:nvSpPr>
+        <p:spPr>
+          <a:xfrm>
+            <a:off x="6143773" y="2124626"/>
+            <a:ext cx="1163464" cy="209901"/>
+          </a:xfrm>
+          <a:prstGeom prst="rect">
+            <a:avLst/>
+          </a:prstGeom>
+          <a:solidFill>
+            <a:schemeClr val="accent1"/>
+          </a:solidFill>
+          <a:ln w="28575">
+            <a:solidFill>
+              <a:schemeClr val="accent1"/>
+            </a:solidFill>
+          </a:ln>
+        </p:spPr>
+        <p:style>
+          <a:lnRef idx="2">
+            <a:schemeClr val="accent1">
+              <a:shade val="50000"/>
+            </a:schemeClr>
+          </a:lnRef>
+          <a:fillRef idx="1">
+            <a:schemeClr val="accent1"/>
+          </a:fillRef>
+          <a:effectRef idx="0">
+            <a:schemeClr val="accent1"/>
+          </a:effectRef>
+          <a:fontRef idx="minor">
+            <a:schemeClr val="lt1"/>
+          </a:fontRef>
+        </p:style>
+        <p:txBody>
+          <a:bodyPr rot="0" spcFirstLastPara="0" vertOverflow="overflow" horzOverflow="overflow" vert="horz" wrap="square" lIns="91440" tIns="45720" rIns="91440" bIns="45720" numCol="1" spcCol="0" rtlCol="0" fromWordArt="0" anchor="ctr" anchorCtr="0" forceAA="0" compatLnSpc="1">
+            <a:prstTxWarp prst="textNoShape">
+              <a:avLst/>
+            </a:prstTxWarp>
+            <a:noAutofit/>
+          </a:bodyPr>
+          <a:lstStyle/>
+          <a:p>
+            <a:pPr algn="ctr"/>
+            <a:r>
+              <a:rPr lang="en-US" sz="1400" dirty="0" smtClean="0">
+                <a:solidFill>
+                  <a:schemeClr val="bg1"/>
+                </a:solidFill>
+                <a:latin typeface="Raleway" charset="0"/>
+                <a:ea typeface="Raleway" charset="0"/>
+                <a:cs typeface="Raleway" charset="0"/>
+              </a:rPr>
+              <a:t>Repairs</a:t>
+            </a:r>
+            <a:endParaRPr lang="en-US" sz="1400" dirty="0" smtClean="0">
+              <a:solidFill>
+                <a:schemeClr val="bg1"/>
+              </a:solidFill>
+              <a:latin typeface="Raleway" charset="0"/>
+              <a:ea typeface="Raleway" charset="0"/>
+              <a:cs typeface="Raleway" charset="0"/>
+            </a:endParaRPr>
+          </a:p>
+        </p:txBody>
+      </p:sp>
+    </p:spTree>
+    <p:extLst>
+      <p:ext uri="{BB962C8B-B14F-4D97-AF65-F5344CB8AC3E}">
+        <p14:creationId xmlns:p14="http://schemas.microsoft.com/office/powerpoint/2010/main" val="1751529721"/>
+      </p:ext>
+    </p:extLst>
+  </p:cSld>
+  <p:clrMapOvr>
+    <a:masterClrMapping/>
+  </p:clrMapOvr>
+</p:sld>
+</file>
+
+<file path=ppt/slides/slide5.xml><?xml version="1.0" encoding="utf-8"?>
+<p:sld xmlns:a="http://schemas.openxmlformats.org/drawingml/2006/main" xmlns:r="http://schemas.openxmlformats.org/officeDocument/2006/relationships" xmlns:p="http://schemas.openxmlformats.org/presentationml/2006/main">
+  <p:cSld>
+    <p:spTree>
+      <p:nvGrpSpPr>
+        <p:cNvPr id="1" name=""/>
+        <p:cNvGrpSpPr/>
+        <p:nvPr/>
+      </p:nvGrpSpPr>
+      <p:grpSpPr>
+        <a:xfrm>
+          <a:off x="0" y="0"/>
+          <a:ext cx="0" cy="0"/>
+          <a:chOff x="0" y="0"/>
+          <a:chExt cx="0" cy="0"/>
+        </a:xfrm>
+      </p:grpSpPr>
       <p:cxnSp>
         <p:nvCxnSpPr>
           <p:cNvPr id="40" name="Straight Arrow Connector 39"/>
@@ -8220,16 +9194,6 @@
               </a:rPr>
               <a:t>C</a:t>
             </a:r>
-            <a:endParaRPr lang="en-US" dirty="0">
-              <a:solidFill>
-                <a:schemeClr val="bg1">
-                  <a:lumMod val="50000"/>
-                </a:schemeClr>
-              </a:solidFill>
-              <a:latin typeface="Arvo" charset="0"/>
-              <a:ea typeface="Arvo" charset="0"/>
-              <a:cs typeface="Arvo" charset="0"/>
-            </a:endParaRPr>
           </a:p>
         </p:txBody>
       </p:sp>
@@ -9107,16 +10071,6 @@
               </a:rPr>
               <a:t>C</a:t>
             </a:r>
-            <a:endParaRPr lang="en-US" dirty="0">
-              <a:solidFill>
-                <a:schemeClr val="bg1">
-                  <a:lumMod val="50000"/>
-                </a:schemeClr>
-              </a:solidFill>
-              <a:latin typeface="Arvo" charset="0"/>
-              <a:ea typeface="Arvo" charset="0"/>
-              <a:cs typeface="Arvo" charset="0"/>
-            </a:endParaRPr>
           </a:p>
         </p:txBody>
       </p:sp>
@@ -9690,16 +10644,6 @@
               </a:rPr>
               <a:t>C</a:t>
             </a:r>
-            <a:endParaRPr lang="en-US" dirty="0">
-              <a:solidFill>
-                <a:schemeClr val="bg1">
-                  <a:lumMod val="50000"/>
-                </a:schemeClr>
-              </a:solidFill>
-              <a:latin typeface="Arvo" charset="0"/>
-              <a:ea typeface="Arvo" charset="0"/>
-              <a:cs typeface="Arvo" charset="0"/>
-            </a:endParaRPr>
           </a:p>
         </p:txBody>
       </p:sp>
@@ -10010,7 +10954,7 @@
 </p:sld>
 </file>
 
-<file path=ppt/slides/slide5.xml><?xml version="1.0" encoding="utf-8"?>
+<file path=ppt/slides/slide6.xml><?xml version="1.0" encoding="utf-8"?>
 <p:sld xmlns:a="http://schemas.openxmlformats.org/drawingml/2006/main" xmlns:r="http://schemas.openxmlformats.org/officeDocument/2006/relationships" xmlns:p="http://schemas.openxmlformats.org/presentationml/2006/main">
   <p:cSld>
     <p:spTree>
@@ -10330,16 +11274,6 @@
               </a:rPr>
               <a:t>C</a:t>
             </a:r>
-            <a:endParaRPr lang="en-US" dirty="0">
-              <a:solidFill>
-                <a:schemeClr val="bg1">
-                  <a:lumMod val="50000"/>
-                </a:schemeClr>
-              </a:solidFill>
-              <a:latin typeface="Arvo" charset="0"/>
-              <a:ea typeface="Arvo" charset="0"/>
-              <a:cs typeface="Arvo" charset="0"/>
-            </a:endParaRPr>
           </a:p>
         </p:txBody>
       </p:sp>
@@ -10558,16 +11492,6 @@
               </a:rPr>
               <a:t>C</a:t>
             </a:r>
-            <a:endParaRPr lang="en-US" dirty="0">
-              <a:solidFill>
-                <a:schemeClr val="bg1">
-                  <a:lumMod val="50000"/>
-                </a:schemeClr>
-              </a:solidFill>
-              <a:latin typeface="Arvo" charset="0"/>
-              <a:ea typeface="Arvo" charset="0"/>
-              <a:cs typeface="Arvo" charset="0"/>
-            </a:endParaRPr>
           </a:p>
         </p:txBody>
       </p:sp>

--- a/figures/figures.pptx
+++ b/figures/figures.pptx
@@ -5,15 +5,16 @@
     <p:sldMasterId id="2147483648" r:id="rId1"/>
   </p:sldMasterIdLst>
   <p:notesMasterIdLst>
-    <p:notesMasterId r:id="rId8"/>
+    <p:notesMasterId r:id="rId9"/>
   </p:notesMasterIdLst>
   <p:sldIdLst>
     <p:sldId id="256" r:id="rId2"/>
     <p:sldId id="257" r:id="rId3"/>
     <p:sldId id="260" r:id="rId4"/>
-    <p:sldId id="261" r:id="rId5"/>
-    <p:sldId id="258" r:id="rId6"/>
-    <p:sldId id="259" r:id="rId7"/>
+    <p:sldId id="262" r:id="rId5"/>
+    <p:sldId id="261" r:id="rId6"/>
+    <p:sldId id="258" r:id="rId7"/>
+    <p:sldId id="259" r:id="rId8"/>
   </p:sldIdLst>
   <p:sldSz cx="12192000" cy="6858000"/>
   <p:notesSz cx="6858000" cy="9144000"/>
@@ -202,7 +203,7 @@
           <a:p>
             <a:fld id="{408416C6-49CC-1E4E-9E74-F6B4A8781F61}" type="datetimeFigureOut">
               <a:rPr lang="en-US" smtClean="0"/>
-              <a:t>11/8/16</a:t>
+              <a:t>11/10/16</a:t>
             </a:fld>
             <a:endParaRPr lang="en-US"/>
           </a:p>
@@ -796,7 +797,7 @@
     </p:spTree>
     <p:extLst>
       <p:ext uri="{BB962C8B-B14F-4D97-AF65-F5344CB8AC3E}">
-        <p14:creationId xmlns:p14="http://schemas.microsoft.com/office/powerpoint/2010/main" val="254187771"/>
+        <p14:creationId xmlns:p14="http://schemas.microsoft.com/office/powerpoint/2010/main" val="838984320"/>
       </p:ext>
     </p:extLst>
   </p:cSld>
@@ -880,7 +881,7 @@
     </p:spTree>
     <p:extLst>
       <p:ext uri="{BB962C8B-B14F-4D97-AF65-F5344CB8AC3E}">
-        <p14:creationId xmlns:p14="http://schemas.microsoft.com/office/powerpoint/2010/main" val="1592470929"/>
+        <p14:creationId xmlns:p14="http://schemas.microsoft.com/office/powerpoint/2010/main" val="254187771"/>
       </p:ext>
     </p:extLst>
   </p:cSld>
@@ -956,6 +957,90 @@
             <a:fld id="{B0DEB76D-F3F5-5948-B3EE-A967BEDAE6F6}" type="slidenum">
               <a:rPr lang="en-US" smtClean="0"/>
               <a:t>6</a:t>
+            </a:fld>
+            <a:endParaRPr lang="en-US"/>
+          </a:p>
+        </p:txBody>
+      </p:sp>
+    </p:spTree>
+    <p:extLst>
+      <p:ext uri="{BB962C8B-B14F-4D97-AF65-F5344CB8AC3E}">
+        <p14:creationId xmlns:p14="http://schemas.microsoft.com/office/powerpoint/2010/main" val="1592470929"/>
+      </p:ext>
+    </p:extLst>
+  </p:cSld>
+  <p:clrMapOvr>
+    <a:masterClrMapping/>
+  </p:clrMapOvr>
+</p:notes>
+</file>
+
+<file path=ppt/notesSlides/notesSlide7.xml><?xml version="1.0" encoding="utf-8"?>
+<p:notes xmlns:a="http://schemas.openxmlformats.org/drawingml/2006/main" xmlns:r="http://schemas.openxmlformats.org/officeDocument/2006/relationships" xmlns:p="http://schemas.openxmlformats.org/presentationml/2006/main">
+  <p:cSld>
+    <p:spTree>
+      <p:nvGrpSpPr>
+        <p:cNvPr id="1" name=""/>
+        <p:cNvGrpSpPr/>
+        <p:nvPr/>
+      </p:nvGrpSpPr>
+      <p:grpSpPr>
+        <a:xfrm>
+          <a:off x="0" y="0"/>
+          <a:ext cx="0" cy="0"/>
+          <a:chOff x="0" y="0"/>
+          <a:chExt cx="0" cy="0"/>
+        </a:xfrm>
+      </p:grpSpPr>
+      <p:sp>
+        <p:nvSpPr>
+          <p:cNvPr id="2" name="Slide Image Placeholder 1"/>
+          <p:cNvSpPr>
+            <a:spLocks noGrp="1" noRot="1" noChangeAspect="1"/>
+          </p:cNvSpPr>
+          <p:nvPr>
+            <p:ph type="sldImg"/>
+          </p:nvPr>
+        </p:nvSpPr>
+        <p:spPr/>
+      </p:sp>
+      <p:sp>
+        <p:nvSpPr>
+          <p:cNvPr id="3" name="Notes Placeholder 2"/>
+          <p:cNvSpPr>
+            <a:spLocks noGrp="1"/>
+          </p:cNvSpPr>
+          <p:nvPr>
+            <p:ph type="body" idx="1"/>
+          </p:nvPr>
+        </p:nvSpPr>
+        <p:spPr/>
+        <p:txBody>
+          <a:bodyPr/>
+          <a:lstStyle/>
+          <a:p>
+            <a:endParaRPr lang="en-US" dirty="0"/>
+          </a:p>
+        </p:txBody>
+      </p:sp>
+      <p:sp>
+        <p:nvSpPr>
+          <p:cNvPr id="4" name="Slide Number Placeholder 3"/>
+          <p:cNvSpPr>
+            <a:spLocks noGrp="1"/>
+          </p:cNvSpPr>
+          <p:nvPr>
+            <p:ph type="sldNum" sz="quarter" idx="10"/>
+          </p:nvPr>
+        </p:nvSpPr>
+        <p:spPr/>
+        <p:txBody>
+          <a:bodyPr/>
+          <a:lstStyle/>
+          <a:p>
+            <a:fld id="{B0DEB76D-F3F5-5948-B3EE-A967BEDAE6F6}" type="slidenum">
+              <a:rPr lang="en-US" smtClean="0"/>
+              <a:t>7</a:t>
             </a:fld>
             <a:endParaRPr lang="en-US"/>
           </a:p>
@@ -1105,7 +1190,7 @@
           <a:p>
             <a:fld id="{61455DB2-C591-B64E-8B2D-5C06E7D02A5A}" type="datetimeFigureOut">
               <a:rPr lang="en-US" smtClean="0"/>
-              <a:t>11/8/16</a:t>
+              <a:t>11/10/16</a:t>
             </a:fld>
             <a:endParaRPr lang="en-US"/>
           </a:p>
@@ -1275,7 +1360,7 @@
           <a:p>
             <a:fld id="{61455DB2-C591-B64E-8B2D-5C06E7D02A5A}" type="datetimeFigureOut">
               <a:rPr lang="en-US" smtClean="0"/>
-              <a:t>11/8/16</a:t>
+              <a:t>11/10/16</a:t>
             </a:fld>
             <a:endParaRPr lang="en-US"/>
           </a:p>
@@ -1455,7 +1540,7 @@
           <a:p>
             <a:fld id="{61455DB2-C591-B64E-8B2D-5C06E7D02A5A}" type="datetimeFigureOut">
               <a:rPr lang="en-US" smtClean="0"/>
-              <a:t>11/8/16</a:t>
+              <a:t>11/10/16</a:t>
             </a:fld>
             <a:endParaRPr lang="en-US"/>
           </a:p>
@@ -1625,7 +1710,7 @@
           <a:p>
             <a:fld id="{61455DB2-C591-B64E-8B2D-5C06E7D02A5A}" type="datetimeFigureOut">
               <a:rPr lang="en-US" smtClean="0"/>
-              <a:t>11/8/16</a:t>
+              <a:t>11/10/16</a:t>
             </a:fld>
             <a:endParaRPr lang="en-US"/>
           </a:p>
@@ -1871,7 +1956,7 @@
           <a:p>
             <a:fld id="{61455DB2-C591-B64E-8B2D-5C06E7D02A5A}" type="datetimeFigureOut">
               <a:rPr lang="en-US" smtClean="0"/>
-              <a:t>11/8/16</a:t>
+              <a:t>11/10/16</a:t>
             </a:fld>
             <a:endParaRPr lang="en-US"/>
           </a:p>
@@ -2103,7 +2188,7 @@
           <a:p>
             <a:fld id="{61455DB2-C591-B64E-8B2D-5C06E7D02A5A}" type="datetimeFigureOut">
               <a:rPr lang="en-US" smtClean="0"/>
-              <a:t>11/8/16</a:t>
+              <a:t>11/10/16</a:t>
             </a:fld>
             <a:endParaRPr lang="en-US"/>
           </a:p>
@@ -2470,7 +2555,7 @@
           <a:p>
             <a:fld id="{61455DB2-C591-B64E-8B2D-5C06E7D02A5A}" type="datetimeFigureOut">
               <a:rPr lang="en-US" smtClean="0"/>
-              <a:t>11/8/16</a:t>
+              <a:t>11/10/16</a:t>
             </a:fld>
             <a:endParaRPr lang="en-US"/>
           </a:p>
@@ -2588,7 +2673,7 @@
           <a:p>
             <a:fld id="{61455DB2-C591-B64E-8B2D-5C06E7D02A5A}" type="datetimeFigureOut">
               <a:rPr lang="en-US" smtClean="0"/>
-              <a:t>11/8/16</a:t>
+              <a:t>11/10/16</a:t>
             </a:fld>
             <a:endParaRPr lang="en-US"/>
           </a:p>
@@ -2683,7 +2768,7 @@
           <a:p>
             <a:fld id="{61455DB2-C591-B64E-8B2D-5C06E7D02A5A}" type="datetimeFigureOut">
               <a:rPr lang="en-US" smtClean="0"/>
-              <a:t>11/8/16</a:t>
+              <a:t>11/10/16</a:t>
             </a:fld>
             <a:endParaRPr lang="en-US"/>
           </a:p>
@@ -2960,7 +3045,7 @@
           <a:p>
             <a:fld id="{61455DB2-C591-B64E-8B2D-5C06E7D02A5A}" type="datetimeFigureOut">
               <a:rPr lang="en-US" smtClean="0"/>
-              <a:t>11/8/16</a:t>
+              <a:t>11/10/16</a:t>
             </a:fld>
             <a:endParaRPr lang="en-US"/>
           </a:p>
@@ -3213,7 +3298,7 @@
           <a:p>
             <a:fld id="{61455DB2-C591-B64E-8B2D-5C06E7D02A5A}" type="datetimeFigureOut">
               <a:rPr lang="en-US" smtClean="0"/>
-              <a:t>11/8/16</a:t>
+              <a:t>11/10/16</a:t>
             </a:fld>
             <a:endParaRPr lang="en-US"/>
           </a:p>
@@ -3426,7 +3511,7 @@
           <a:p>
             <a:fld id="{61455DB2-C591-B64E-8B2D-5C06E7D02A5A}" type="datetimeFigureOut">
               <a:rPr lang="en-US" smtClean="0"/>
-              <a:t>11/8/16</a:t>
+              <a:t>11/10/16</a:t>
             </a:fld>
             <a:endParaRPr lang="en-US"/>
           </a:p>
@@ -6674,14 +6759,6 @@
               </a:rPr>
               <a:t>Repair Library</a:t>
             </a:r>
-            <a:endParaRPr lang="en-US" sz="1400" dirty="0" smtClean="0">
-              <a:solidFill>
-                <a:schemeClr val="accent1"/>
-              </a:solidFill>
-              <a:latin typeface="Raleway" charset="0"/>
-              <a:ea typeface="Raleway" charset="0"/>
-              <a:cs typeface="Raleway" charset="0"/>
-            </a:endParaRPr>
           </a:p>
         </p:txBody>
       </p:sp>
@@ -6745,14 +6822,6 @@
               </a:rPr>
               <a:t>Detector Library</a:t>
             </a:r>
-            <a:endParaRPr lang="en-US" sz="1400" dirty="0" smtClean="0">
-              <a:solidFill>
-                <a:schemeClr val="accent1"/>
-              </a:solidFill>
-              <a:latin typeface="Raleway" charset="0"/>
-              <a:ea typeface="Raleway" charset="0"/>
-              <a:cs typeface="Raleway" charset="0"/>
-            </a:endParaRPr>
           </a:p>
         </p:txBody>
       </p:sp>
@@ -7723,7 +7792,7 @@
         </p:nvSpPr>
         <p:spPr>
           <a:xfrm>
-            <a:off x="4365492" y="541614"/>
+            <a:off x="4176952" y="541614"/>
             <a:ext cx="849913" cy="523220"/>
           </a:xfrm>
           <a:prstGeom prst="rect">
@@ -7791,7 +7860,7 @@
         </p:nvSpPr>
         <p:spPr>
           <a:xfrm>
-            <a:off x="3544509" y="541614"/>
+            <a:off x="3289981" y="541614"/>
             <a:ext cx="553357" cy="523220"/>
           </a:xfrm>
           <a:prstGeom prst="rect">
@@ -7869,8 +7938,8 @@
         </p:nvSpPr>
         <p:spPr>
           <a:xfrm>
-            <a:off x="3937000" y="1360746"/>
-            <a:ext cx="3640668" cy="2062732"/>
+            <a:off x="3723588" y="1360746"/>
+            <a:ext cx="3854080" cy="2023477"/>
           </a:xfrm>
           <a:prstGeom prst="rect">
             <a:avLst/>
@@ -7928,7 +7997,7 @@
         </p:nvSpPr>
         <p:spPr>
           <a:xfrm>
-            <a:off x="4085272" y="2655817"/>
+            <a:off x="3896732" y="2655817"/>
             <a:ext cx="1396917" cy="550049"/>
           </a:xfrm>
           <a:prstGeom prst="rect">
@@ -7985,14 +8054,14 @@
       </p:sp>
       <p:sp>
         <p:nvSpPr>
-          <p:cNvPr id="21" name="Rectangle 20"/>
+          <p:cNvPr id="25" name="Rectangle 24"/>
           <p:cNvSpPr/>
           <p:nvPr/>
         </p:nvSpPr>
         <p:spPr>
           <a:xfrm>
-            <a:off x="6020487" y="1529832"/>
-            <a:ext cx="1410037" cy="895669"/>
+            <a:off x="5803591" y="2158569"/>
+            <a:ext cx="1626933" cy="255226"/>
           </a:xfrm>
           <a:prstGeom prst="rect">
             <a:avLst/>
@@ -8023,6 +8092,69 @@
           </a:fontRef>
         </p:style>
         <p:txBody>
+          <a:bodyPr rot="0" spcFirstLastPara="0" vertOverflow="overflow" horzOverflow="overflow" vert="horz" wrap="square" lIns="91440" tIns="45720" rIns="91440" bIns="45720" numCol="1" spcCol="0" rtlCol="0" fromWordArt="0" anchor="ctr" anchorCtr="0" forceAA="0" compatLnSpc="1">
+            <a:prstTxWarp prst="textNoShape">
+              <a:avLst/>
+            </a:prstTxWarp>
+            <a:noAutofit/>
+          </a:bodyPr>
+          <a:lstStyle/>
+          <a:p>
+            <a:pPr algn="ctr"/>
+            <a:r>
+              <a:rPr lang="en-US" sz="1400" dirty="0" smtClean="0">
+                <a:solidFill>
+                  <a:schemeClr val="accent1"/>
+                </a:solidFill>
+                <a:latin typeface="Raleway" charset="0"/>
+                <a:ea typeface="Raleway" charset="0"/>
+                <a:cs typeface="Raleway" charset="0"/>
+              </a:rPr>
+              <a:t>Repair Library</a:t>
+            </a:r>
+          </a:p>
+        </p:txBody>
+      </p:sp>
+      <p:sp>
+        <p:nvSpPr>
+          <p:cNvPr id="21" name="Rectangle 20"/>
+          <p:cNvSpPr/>
+          <p:nvPr/>
+        </p:nvSpPr>
+        <p:spPr>
+          <a:xfrm>
+            <a:off x="5803591" y="1529833"/>
+            <a:ext cx="1626933" cy="628736"/>
+          </a:xfrm>
+          <a:prstGeom prst="rect">
+            <a:avLst/>
+          </a:prstGeom>
+          <a:solidFill>
+            <a:schemeClr val="bg1"/>
+          </a:solidFill>
+          <a:ln w="28575">
+            <a:solidFill>
+              <a:schemeClr val="accent1"/>
+            </a:solidFill>
+          </a:ln>
+        </p:spPr>
+        <p:style>
+          <a:lnRef idx="2">
+            <a:schemeClr val="accent1">
+              <a:shade val="50000"/>
+            </a:schemeClr>
+          </a:lnRef>
+          <a:fillRef idx="1">
+            <a:schemeClr val="accent1"/>
+          </a:fillRef>
+          <a:effectRef idx="0">
+            <a:schemeClr val="accent1"/>
+          </a:effectRef>
+          <a:fontRef idx="minor">
+            <a:schemeClr val="lt1"/>
+          </a:fontRef>
+        </p:style>
+        <p:txBody>
           <a:bodyPr rot="0" spcFirstLastPara="0" vertOverflow="overflow" horzOverflow="overflow" vert="horz" wrap="square" lIns="91440" tIns="45720" rIns="91440" bIns="45720" numCol="1" spcCol="0" rtlCol="0" fromWordArt="0" anchor="t" anchorCtr="0" forceAA="0" compatLnSpc="1">
             <a:prstTxWarp prst="textNoShape">
               <a:avLst/>
@@ -8033,6 +8165,1324 @@
           <a:p>
             <a:pPr algn="ctr"/>
             <a:r>
+              <a:rPr lang="en-US" sz="1400" smtClean="0">
+                <a:solidFill>
+                  <a:schemeClr val="accent1"/>
+                </a:solidFill>
+                <a:latin typeface="Raleway" charset="0"/>
+                <a:ea typeface="Raleway" charset="0"/>
+                <a:cs typeface="Raleway" charset="0"/>
+              </a:rPr>
+              <a:t>Detector Library </a:t>
+            </a:r>
+            <a:r>
+              <a:rPr lang="en-US" sz="1400" dirty="0" smtClean="0">
+                <a:solidFill>
+                  <a:schemeClr val="accent1"/>
+                </a:solidFill>
+                <a:latin typeface="Raleway" charset="0"/>
+                <a:ea typeface="Raleway" charset="0"/>
+                <a:cs typeface="Raleway" charset="0"/>
+              </a:rPr>
+              <a:t>Library</a:t>
+            </a:r>
+          </a:p>
+        </p:txBody>
+      </p:sp>
+      <p:sp>
+        <p:nvSpPr>
+          <p:cNvPr id="28" name="Rectangle 27"/>
+          <p:cNvSpPr/>
+          <p:nvPr/>
+        </p:nvSpPr>
+        <p:spPr>
+          <a:xfrm>
+            <a:off x="3897046" y="1529833"/>
+            <a:ext cx="1409724" cy="895669"/>
+          </a:xfrm>
+          <a:prstGeom prst="rect">
+            <a:avLst/>
+          </a:prstGeom>
+          <a:solidFill>
+            <a:schemeClr val="bg1"/>
+          </a:solidFill>
+          <a:ln w="28575">
+            <a:solidFill>
+              <a:schemeClr val="accent2"/>
+            </a:solidFill>
+          </a:ln>
+        </p:spPr>
+        <p:style>
+          <a:lnRef idx="2">
+            <a:schemeClr val="accent1">
+              <a:shade val="50000"/>
+            </a:schemeClr>
+          </a:lnRef>
+          <a:fillRef idx="1">
+            <a:schemeClr val="accent1"/>
+          </a:fillRef>
+          <a:effectRef idx="0">
+            <a:schemeClr val="accent1"/>
+          </a:effectRef>
+          <a:fontRef idx="minor">
+            <a:schemeClr val="lt1"/>
+          </a:fontRef>
+        </p:style>
+        <p:txBody>
+          <a:bodyPr rot="0" spcFirstLastPara="0" vertOverflow="overflow" horzOverflow="overflow" vert="horz" wrap="square" lIns="91440" tIns="45720" rIns="91440" bIns="45720" numCol="1" spcCol="0" rtlCol="0" fromWordArt="0" anchor="t" anchorCtr="0" forceAA="0" compatLnSpc="1">
+            <a:prstTxWarp prst="textNoShape">
+              <a:avLst/>
+            </a:prstTxWarp>
+            <a:noAutofit/>
+          </a:bodyPr>
+          <a:lstStyle/>
+          <a:p>
+            <a:pPr algn="ctr"/>
+            <a:r>
+              <a:rPr lang="en-US" sz="1400" dirty="0" smtClean="0">
+                <a:solidFill>
+                  <a:schemeClr val="accent2"/>
+                </a:solidFill>
+                <a:latin typeface="Raleway" charset="0"/>
+                <a:ea typeface="Raleway" charset="0"/>
+                <a:cs typeface="Raleway" charset="0"/>
+              </a:rPr>
+              <a:t>Boost &amp; Clean</a:t>
+            </a:r>
+          </a:p>
+        </p:txBody>
+      </p:sp>
+      <p:cxnSp>
+        <p:nvCxnSpPr>
+          <p:cNvPr id="32" name="Straight Arrow Connector 31"/>
+          <p:cNvCxnSpPr>
+            <a:stCxn id="5" idx="2"/>
+            <a:endCxn id="28" idx="0"/>
+          </p:cNvCxnSpPr>
+          <p:nvPr/>
+        </p:nvCxnSpPr>
+        <p:spPr>
+          <a:xfrm flipH="1">
+            <a:off x="4601908" y="1064834"/>
+            <a:ext cx="1" cy="464999"/>
+          </a:xfrm>
+          <a:prstGeom prst="straightConnector1">
+            <a:avLst/>
+          </a:prstGeom>
+          <a:ln w="28575">
+            <a:solidFill>
+              <a:schemeClr val="bg1">
+                <a:lumMod val="50000"/>
+              </a:schemeClr>
+            </a:solidFill>
+            <a:tailEnd type="triangle"/>
+          </a:ln>
+        </p:spPr>
+        <p:style>
+          <a:lnRef idx="1">
+            <a:schemeClr val="accent1"/>
+          </a:lnRef>
+          <a:fillRef idx="0">
+            <a:schemeClr val="accent1"/>
+          </a:fillRef>
+          <a:effectRef idx="0">
+            <a:schemeClr val="accent1"/>
+          </a:effectRef>
+          <a:fontRef idx="minor">
+            <a:schemeClr val="tx1"/>
+          </a:fontRef>
+        </p:style>
+      </p:cxnSp>
+      <p:cxnSp>
+        <p:nvCxnSpPr>
+          <p:cNvPr id="34" name="Straight Arrow Connector 33"/>
+          <p:cNvCxnSpPr>
+            <a:stCxn id="21" idx="1"/>
+          </p:cNvCxnSpPr>
+          <p:nvPr/>
+        </p:nvCxnSpPr>
+        <p:spPr>
+          <a:xfrm flipH="1">
+            <a:off x="5293649" y="1844201"/>
+            <a:ext cx="509942" cy="0"/>
+          </a:xfrm>
+          <a:prstGeom prst="straightConnector1">
+            <a:avLst/>
+          </a:prstGeom>
+          <a:ln w="28575">
+            <a:solidFill>
+              <a:schemeClr val="bg1">
+                <a:lumMod val="50000"/>
+              </a:schemeClr>
+            </a:solidFill>
+            <a:tailEnd type="triangle"/>
+          </a:ln>
+        </p:spPr>
+        <p:style>
+          <a:lnRef idx="1">
+            <a:schemeClr val="accent1"/>
+          </a:lnRef>
+          <a:fillRef idx="0">
+            <a:schemeClr val="accent1"/>
+          </a:fillRef>
+          <a:effectRef idx="0">
+            <a:schemeClr val="accent1"/>
+          </a:effectRef>
+          <a:fontRef idx="minor">
+            <a:schemeClr val="tx1"/>
+          </a:fontRef>
+        </p:style>
+      </p:cxnSp>
+      <p:grpSp>
+        <p:nvGrpSpPr>
+          <p:cNvPr id="16" name="Group 15"/>
+          <p:cNvGrpSpPr/>
+          <p:nvPr/>
+        </p:nvGrpSpPr>
+        <p:grpSpPr>
+          <a:xfrm>
+            <a:off x="4435744" y="2438206"/>
+            <a:ext cx="381004" cy="204908"/>
+            <a:chOff x="4759754" y="2463607"/>
+            <a:chExt cx="381004" cy="204908"/>
+          </a:xfrm>
+        </p:grpSpPr>
+        <p:cxnSp>
+          <p:nvCxnSpPr>
+            <p:cNvPr id="43" name="Straight Arrow Connector 42"/>
+            <p:cNvCxnSpPr/>
+            <p:nvPr/>
+          </p:nvCxnSpPr>
+          <p:spPr>
+            <a:xfrm flipH="1" flipV="1">
+              <a:off x="4759754" y="2463607"/>
+              <a:ext cx="1" cy="204908"/>
+            </a:xfrm>
+            <a:prstGeom prst="straightConnector1">
+              <a:avLst/>
+            </a:prstGeom>
+            <a:ln w="28575">
+              <a:solidFill>
+                <a:schemeClr val="accent2"/>
+              </a:solidFill>
+              <a:headEnd type="triangle" w="med" len="med"/>
+              <a:tailEnd type="none" w="med" len="med"/>
+            </a:ln>
+          </p:spPr>
+          <p:style>
+            <a:lnRef idx="1">
+              <a:schemeClr val="accent1"/>
+            </a:lnRef>
+            <a:fillRef idx="0">
+              <a:schemeClr val="accent1"/>
+            </a:fillRef>
+            <a:effectRef idx="0">
+              <a:schemeClr val="accent1"/>
+            </a:effectRef>
+            <a:fontRef idx="minor">
+              <a:schemeClr val="tx1"/>
+            </a:fontRef>
+          </p:style>
+        </p:cxnSp>
+        <p:cxnSp>
+          <p:nvCxnSpPr>
+            <p:cNvPr id="52" name="Straight Arrow Connector 51"/>
+            <p:cNvCxnSpPr/>
+            <p:nvPr/>
+          </p:nvCxnSpPr>
+          <p:spPr>
+            <a:xfrm flipH="1" flipV="1">
+              <a:off x="5140757" y="2463607"/>
+              <a:ext cx="1" cy="204908"/>
+            </a:xfrm>
+            <a:prstGeom prst="straightConnector1">
+              <a:avLst/>
+            </a:prstGeom>
+            <a:ln w="28575">
+              <a:solidFill>
+                <a:schemeClr val="accent2"/>
+              </a:solidFill>
+              <a:headEnd type="none" w="med" len="med"/>
+              <a:tailEnd type="triangle" w="med" len="med"/>
+            </a:ln>
+          </p:spPr>
+          <p:style>
+            <a:lnRef idx="1">
+              <a:schemeClr val="accent1"/>
+            </a:lnRef>
+            <a:fillRef idx="0">
+              <a:schemeClr val="accent1"/>
+            </a:fillRef>
+            <a:effectRef idx="0">
+              <a:schemeClr val="accent1"/>
+            </a:effectRef>
+            <a:fontRef idx="minor">
+              <a:schemeClr val="tx1"/>
+            </a:fontRef>
+          </p:style>
+        </p:cxnSp>
+      </p:grpSp>
+      <p:cxnSp>
+        <p:nvCxnSpPr>
+          <p:cNvPr id="66" name="Straight Arrow Connector 65"/>
+          <p:cNvCxnSpPr>
+            <a:stCxn id="23" idx="3"/>
+            <a:endCxn id="39" idx="1"/>
+          </p:cNvCxnSpPr>
+          <p:nvPr/>
+        </p:nvCxnSpPr>
+        <p:spPr>
+          <a:xfrm flipV="1">
+            <a:off x="5293649" y="2924490"/>
+            <a:ext cx="509942" cy="6352"/>
+          </a:xfrm>
+          <a:prstGeom prst="straightConnector1">
+            <a:avLst/>
+          </a:prstGeom>
+          <a:ln w="28575">
+            <a:solidFill>
+              <a:schemeClr val="bg1">
+                <a:lumMod val="50000"/>
+              </a:schemeClr>
+            </a:solidFill>
+            <a:tailEnd type="triangle"/>
+          </a:ln>
+        </p:spPr>
+        <p:style>
+          <a:lnRef idx="1">
+            <a:schemeClr val="accent1"/>
+          </a:lnRef>
+          <a:fillRef idx="0">
+            <a:schemeClr val="accent1"/>
+          </a:fillRef>
+          <a:effectRef idx="0">
+            <a:schemeClr val="accent1"/>
+          </a:effectRef>
+          <a:fontRef idx="minor">
+            <a:schemeClr val="tx1"/>
+          </a:fontRef>
+        </p:style>
+      </p:cxnSp>
+      <p:sp>
+        <p:nvSpPr>
+          <p:cNvPr id="68" name="TextBox 67"/>
+          <p:cNvSpPr txBox="1"/>
+          <p:nvPr/>
+        </p:nvSpPr>
+        <p:spPr>
+          <a:xfrm>
+            <a:off x="5369448" y="2592068"/>
+            <a:ext cx="372218" cy="369332"/>
+          </a:xfrm>
+          <a:prstGeom prst="rect">
+            <a:avLst/>
+          </a:prstGeom>
+          <a:noFill/>
+          <a:ln>
+            <a:noFill/>
+          </a:ln>
+        </p:spPr>
+        <p:txBody>
+          <a:bodyPr wrap="none" rtlCol="0">
+            <a:spAutoFit/>
+          </a:bodyPr>
+          <a:lstStyle/>
+          <a:p>
+            <a:pPr algn="ctr"/>
+            <a:r>
+              <a:rPr lang="en-US" smtClean="0">
+                <a:solidFill>
+                  <a:schemeClr val="bg1">
+                    <a:lumMod val="50000"/>
+                  </a:schemeClr>
+                </a:solidFill>
+                <a:latin typeface="Alegreya" charset="0"/>
+                <a:ea typeface="Alegreya" charset="0"/>
+                <a:cs typeface="Alegreya" charset="0"/>
+              </a:rPr>
+              <a:t>L</a:t>
+            </a:r>
+            <a:r>
+              <a:rPr lang="en-US" baseline="30000" dirty="0" smtClean="0">
+                <a:solidFill>
+                  <a:schemeClr val="bg1">
+                    <a:lumMod val="50000"/>
+                  </a:schemeClr>
+                </a:solidFill>
+                <a:latin typeface="Alegreya" charset="0"/>
+                <a:ea typeface="Alegreya" charset="0"/>
+                <a:cs typeface="Alegreya" charset="0"/>
+              </a:rPr>
+              <a:t>*</a:t>
+            </a:r>
+            <a:endParaRPr lang="en-US" dirty="0">
+              <a:solidFill>
+                <a:schemeClr val="bg1">
+                  <a:lumMod val="50000"/>
+                </a:schemeClr>
+              </a:solidFill>
+              <a:latin typeface="Alegreya" charset="0"/>
+              <a:ea typeface="Alegreya" charset="0"/>
+              <a:cs typeface="Alegreya" charset="0"/>
+            </a:endParaRPr>
+          </a:p>
+        </p:txBody>
+      </p:sp>
+      <p:cxnSp>
+        <p:nvCxnSpPr>
+          <p:cNvPr id="73" name="Elbow Connector 72"/>
+          <p:cNvCxnSpPr>
+            <a:stCxn id="9" idx="2"/>
+            <a:endCxn id="23" idx="1"/>
+          </p:cNvCxnSpPr>
+          <p:nvPr/>
+        </p:nvCxnSpPr>
+        <p:spPr>
+          <a:xfrm rot="16200000" flipH="1">
+            <a:off x="2798692" y="1832802"/>
+            <a:ext cx="1866008" cy="330072"/>
+          </a:xfrm>
+          <a:prstGeom prst="bentConnector2">
+            <a:avLst/>
+          </a:prstGeom>
+          <a:ln w="28575">
+            <a:solidFill>
+              <a:schemeClr val="bg1">
+                <a:lumMod val="50000"/>
+              </a:schemeClr>
+            </a:solidFill>
+            <a:tailEnd type="triangle"/>
+          </a:ln>
+        </p:spPr>
+        <p:style>
+          <a:lnRef idx="1">
+            <a:schemeClr val="accent1"/>
+          </a:lnRef>
+          <a:fillRef idx="0">
+            <a:schemeClr val="accent1"/>
+          </a:fillRef>
+          <a:effectRef idx="0">
+            <a:schemeClr val="accent1"/>
+          </a:effectRef>
+          <a:fontRef idx="minor">
+            <a:schemeClr val="tx1"/>
+          </a:fontRef>
+        </p:style>
+      </p:cxnSp>
+      <p:sp>
+        <p:nvSpPr>
+          <p:cNvPr id="53" name="Rectangle 52"/>
+          <p:cNvSpPr/>
+          <p:nvPr/>
+        </p:nvSpPr>
+        <p:spPr>
+          <a:xfrm>
+            <a:off x="4013721" y="2002234"/>
+            <a:ext cx="1176374" cy="295918"/>
+          </a:xfrm>
+          <a:prstGeom prst="rect">
+            <a:avLst/>
+          </a:prstGeom>
+          <a:solidFill>
+            <a:schemeClr val="accent2"/>
+          </a:solidFill>
+          <a:ln w="28575">
+            <a:solidFill>
+              <a:schemeClr val="accent2"/>
+            </a:solidFill>
+          </a:ln>
+        </p:spPr>
+        <p:style>
+          <a:lnRef idx="2">
+            <a:schemeClr val="accent1">
+              <a:shade val="50000"/>
+            </a:schemeClr>
+          </a:lnRef>
+          <a:fillRef idx="1">
+            <a:schemeClr val="accent1"/>
+          </a:fillRef>
+          <a:effectRef idx="0">
+            <a:schemeClr val="accent1"/>
+          </a:effectRef>
+          <a:fontRef idx="minor">
+            <a:schemeClr val="lt1"/>
+          </a:fontRef>
+        </p:style>
+        <p:txBody>
+          <a:bodyPr rot="0" spcFirstLastPara="0" vertOverflow="overflow" horzOverflow="overflow" vert="horz" wrap="square" lIns="91440" tIns="45720" rIns="91440" bIns="45720" numCol="1" spcCol="0" rtlCol="0" fromWordArt="0" anchor="ctr" anchorCtr="0" forceAA="0" compatLnSpc="1">
+            <a:prstTxWarp prst="textNoShape">
+              <a:avLst/>
+            </a:prstTxWarp>
+            <a:noAutofit/>
+          </a:bodyPr>
+          <a:lstStyle/>
+          <a:p>
+            <a:pPr algn="ctr"/>
+            <a:r>
+              <a:rPr lang="en-US" sz="1400" dirty="0" smtClean="0">
+                <a:solidFill>
+                  <a:schemeClr val="bg1"/>
+                </a:solidFill>
+                <a:latin typeface="Raleway" charset="0"/>
+                <a:ea typeface="Raleway" charset="0"/>
+                <a:cs typeface="Raleway" charset="0"/>
+              </a:rPr>
+              <a:t>train model</a:t>
+            </a:r>
+          </a:p>
+        </p:txBody>
+      </p:sp>
+      <p:cxnSp>
+        <p:nvCxnSpPr>
+          <p:cNvPr id="30" name="Straight Arrow Connector 29"/>
+          <p:cNvCxnSpPr>
+            <a:stCxn id="25" idx="1"/>
+          </p:cNvCxnSpPr>
+          <p:nvPr/>
+        </p:nvCxnSpPr>
+        <p:spPr>
+          <a:xfrm flipH="1">
+            <a:off x="5306771" y="2286182"/>
+            <a:ext cx="496820" cy="0"/>
+          </a:xfrm>
+          <a:prstGeom prst="straightConnector1">
+            <a:avLst/>
+          </a:prstGeom>
+          <a:ln w="28575">
+            <a:solidFill>
+              <a:schemeClr val="bg1">
+                <a:lumMod val="50000"/>
+              </a:schemeClr>
+            </a:solidFill>
+            <a:tailEnd type="triangle"/>
+          </a:ln>
+        </p:spPr>
+        <p:style>
+          <a:lnRef idx="1">
+            <a:schemeClr val="accent1"/>
+          </a:lnRef>
+          <a:fillRef idx="0">
+            <a:schemeClr val="accent1"/>
+          </a:fillRef>
+          <a:effectRef idx="0">
+            <a:schemeClr val="accent1"/>
+          </a:effectRef>
+          <a:fontRef idx="minor">
+            <a:schemeClr val="tx1"/>
+          </a:fontRef>
+        </p:style>
+      </p:cxnSp>
+      <p:cxnSp>
+        <p:nvCxnSpPr>
+          <p:cNvPr id="35" name="Straight Arrow Connector 34"/>
+          <p:cNvCxnSpPr/>
+          <p:nvPr/>
+        </p:nvCxnSpPr>
+        <p:spPr>
+          <a:xfrm flipH="1" flipV="1">
+            <a:off x="8732382" y="541614"/>
+            <a:ext cx="1143000" cy="2681"/>
+          </a:xfrm>
+          <a:prstGeom prst="straightConnector1">
+            <a:avLst/>
+          </a:prstGeom>
+          <a:ln w="28575">
+            <a:solidFill>
+              <a:schemeClr val="bg1">
+                <a:lumMod val="50000"/>
+              </a:schemeClr>
+            </a:solidFill>
+            <a:tailEnd type="triangle"/>
+          </a:ln>
+        </p:spPr>
+        <p:style>
+          <a:lnRef idx="1">
+            <a:schemeClr val="accent1"/>
+          </a:lnRef>
+          <a:fillRef idx="0">
+            <a:schemeClr val="accent1"/>
+          </a:fillRef>
+          <a:effectRef idx="0">
+            <a:schemeClr val="accent1"/>
+          </a:effectRef>
+          <a:fontRef idx="minor">
+            <a:schemeClr val="tx1"/>
+          </a:fontRef>
+        </p:style>
+      </p:cxnSp>
+      <p:sp>
+        <p:nvSpPr>
+          <p:cNvPr id="39" name="Rectangle 38"/>
+          <p:cNvSpPr/>
+          <p:nvPr/>
+        </p:nvSpPr>
+        <p:spPr>
+          <a:xfrm>
+            <a:off x="5803591" y="2643114"/>
+            <a:ext cx="1626933" cy="562752"/>
+          </a:xfrm>
+          <a:prstGeom prst="rect">
+            <a:avLst/>
+          </a:prstGeom>
+          <a:solidFill>
+            <a:schemeClr val="bg1"/>
+          </a:solidFill>
+          <a:ln w="28575">
+            <a:solidFill>
+              <a:schemeClr val="bg1">
+                <a:lumMod val="50000"/>
+              </a:schemeClr>
+            </a:solidFill>
+          </a:ln>
+        </p:spPr>
+        <p:style>
+          <a:lnRef idx="2">
+            <a:schemeClr val="accent1">
+              <a:shade val="50000"/>
+            </a:schemeClr>
+          </a:lnRef>
+          <a:fillRef idx="1">
+            <a:schemeClr val="accent1"/>
+          </a:fillRef>
+          <a:effectRef idx="0">
+            <a:schemeClr val="accent1"/>
+          </a:effectRef>
+          <a:fontRef idx="minor">
+            <a:schemeClr val="lt1"/>
+          </a:fontRef>
+        </p:style>
+        <p:txBody>
+          <a:bodyPr rot="0" spcFirstLastPara="0" vertOverflow="overflow" horzOverflow="overflow" vert="horz" wrap="square" lIns="91440" tIns="45720" rIns="91440" bIns="45720" numCol="1" spcCol="0" rtlCol="0" fromWordArt="0" anchor="ctr" anchorCtr="0" forceAA="0" compatLnSpc="1">
+            <a:prstTxWarp prst="textNoShape">
+              <a:avLst/>
+            </a:prstTxWarp>
+            <a:noAutofit/>
+          </a:bodyPr>
+          <a:lstStyle/>
+          <a:p>
+            <a:pPr algn="ctr"/>
+            <a:r>
+              <a:rPr lang="en-US" sz="1400" smtClean="0">
+                <a:solidFill>
+                  <a:schemeClr val="bg1">
+                    <a:lumMod val="50000"/>
+                  </a:schemeClr>
+                </a:solidFill>
+                <a:latin typeface="Raleway" charset="0"/>
+                <a:ea typeface="Raleway" charset="0"/>
+                <a:cs typeface="Raleway" charset="0"/>
+              </a:rPr>
+              <a:t>Deployer</a:t>
+            </a:r>
+            <a:endParaRPr lang="en-US" sz="1400" dirty="0" smtClean="0">
+              <a:solidFill>
+                <a:schemeClr val="bg1">
+                  <a:lumMod val="50000"/>
+                </a:schemeClr>
+              </a:solidFill>
+              <a:latin typeface="Raleway" charset="0"/>
+              <a:ea typeface="Raleway" charset="0"/>
+              <a:cs typeface="Raleway" charset="0"/>
+            </a:endParaRPr>
+          </a:p>
+        </p:txBody>
+      </p:sp>
+      <p:cxnSp>
+        <p:nvCxnSpPr>
+          <p:cNvPr id="55" name="Straight Arrow Connector 54"/>
+          <p:cNvCxnSpPr>
+            <a:endCxn id="39" idx="3"/>
+          </p:cNvCxnSpPr>
+          <p:nvPr/>
+        </p:nvCxnSpPr>
+        <p:spPr>
+          <a:xfrm flipH="1">
+            <a:off x="7430524" y="2924490"/>
+            <a:ext cx="427118" cy="0"/>
+          </a:xfrm>
+          <a:prstGeom prst="straightConnector1">
+            <a:avLst/>
+          </a:prstGeom>
+          <a:ln w="28575">
+            <a:solidFill>
+              <a:schemeClr val="bg1">
+                <a:lumMod val="50000"/>
+              </a:schemeClr>
+            </a:solidFill>
+            <a:headEnd type="triangle" w="med" len="med"/>
+            <a:tailEnd type="none" w="med" len="med"/>
+          </a:ln>
+        </p:spPr>
+        <p:style>
+          <a:lnRef idx="1">
+            <a:schemeClr val="accent1"/>
+          </a:lnRef>
+          <a:fillRef idx="0">
+            <a:schemeClr val="accent1"/>
+          </a:fillRef>
+          <a:effectRef idx="0">
+            <a:schemeClr val="accent1"/>
+          </a:effectRef>
+          <a:fontRef idx="minor">
+            <a:schemeClr val="tx1"/>
+          </a:fontRef>
+        </p:style>
+      </p:cxnSp>
+      <p:sp>
+        <p:nvSpPr>
+          <p:cNvPr id="59" name="TextBox 58"/>
+          <p:cNvSpPr txBox="1"/>
+          <p:nvPr/>
+        </p:nvSpPr>
+        <p:spPr>
+          <a:xfrm>
+            <a:off x="7857641" y="2682646"/>
+            <a:ext cx="1233030" cy="584775"/>
+          </a:xfrm>
+          <a:prstGeom prst="rect">
+            <a:avLst/>
+          </a:prstGeom>
+          <a:noFill/>
+        </p:spPr>
+        <p:txBody>
+          <a:bodyPr wrap="none" rtlCol="0">
+            <a:spAutoFit/>
+          </a:bodyPr>
+          <a:lstStyle/>
+          <a:p>
+            <a:r>
+              <a:rPr lang="en-US" sz="1400" dirty="0" smtClean="0">
+                <a:solidFill>
+                  <a:schemeClr val="bg1">
+                    <a:lumMod val="50000"/>
+                  </a:schemeClr>
+                </a:solidFill>
+                <a:latin typeface="Raleway" charset="0"/>
+                <a:ea typeface="Raleway" charset="0"/>
+                <a:cs typeface="Raleway" charset="0"/>
+              </a:rPr>
+              <a:t>Robust </a:t>
+            </a:r>
+          </a:p>
+          <a:p>
+            <a:r>
+              <a:rPr lang="en-US" sz="1400" dirty="0" smtClean="0">
+                <a:solidFill>
+                  <a:schemeClr val="bg1">
+                    <a:lumMod val="50000"/>
+                  </a:schemeClr>
+                </a:solidFill>
+                <a:latin typeface="Raleway" charset="0"/>
+                <a:ea typeface="Raleway" charset="0"/>
+                <a:cs typeface="Raleway" charset="0"/>
+              </a:rPr>
+              <a:t>Classifier </a:t>
+            </a:r>
+            <a:r>
+              <a:rPr lang="en-US" dirty="0" smtClean="0">
+                <a:solidFill>
+                  <a:schemeClr val="bg1">
+                    <a:lumMod val="50000"/>
+                  </a:schemeClr>
+                </a:solidFill>
+                <a:latin typeface="Alegreya" charset="0"/>
+                <a:ea typeface="Alegreya" charset="0"/>
+                <a:cs typeface="Alegreya" charset="0"/>
+              </a:rPr>
+              <a:t>C*</a:t>
+            </a:r>
+            <a:endParaRPr lang="en-US" dirty="0">
+              <a:solidFill>
+                <a:schemeClr val="bg1">
+                  <a:lumMod val="50000"/>
+                </a:schemeClr>
+              </a:solidFill>
+              <a:latin typeface="Alegreya" charset="0"/>
+              <a:ea typeface="Alegreya" charset="0"/>
+              <a:cs typeface="Alegreya" charset="0"/>
+            </a:endParaRPr>
+          </a:p>
+        </p:txBody>
+      </p:sp>
+      <p:sp>
+        <p:nvSpPr>
+          <p:cNvPr id="36" name="Rectangle 35"/>
+          <p:cNvSpPr/>
+          <p:nvPr/>
+        </p:nvSpPr>
+        <p:spPr>
+          <a:xfrm>
+            <a:off x="6028282" y="1853060"/>
+            <a:ext cx="1177551" cy="206177"/>
+          </a:xfrm>
+          <a:prstGeom prst="rect">
+            <a:avLst/>
+          </a:prstGeom>
+          <a:solidFill>
+            <a:schemeClr val="accent1"/>
+          </a:solidFill>
+          <a:ln w="28575">
+            <a:solidFill>
+              <a:schemeClr val="accent1"/>
+            </a:solidFill>
+          </a:ln>
+        </p:spPr>
+        <p:style>
+          <a:lnRef idx="2">
+            <a:schemeClr val="accent1">
+              <a:shade val="50000"/>
+            </a:schemeClr>
+          </a:lnRef>
+          <a:fillRef idx="1">
+            <a:schemeClr val="accent1"/>
+          </a:fillRef>
+          <a:effectRef idx="0">
+            <a:schemeClr val="accent1"/>
+          </a:effectRef>
+          <a:fontRef idx="minor">
+            <a:schemeClr val="lt1"/>
+          </a:fontRef>
+        </p:style>
+        <p:txBody>
+          <a:bodyPr rot="0" spcFirstLastPara="0" vertOverflow="overflow" horzOverflow="overflow" vert="horz" wrap="square" lIns="91440" tIns="45720" rIns="91440" bIns="45720" numCol="1" spcCol="0" rtlCol="0" fromWordArt="0" anchor="ctr" anchorCtr="0" forceAA="0" compatLnSpc="1">
+            <a:prstTxWarp prst="textNoShape">
+              <a:avLst/>
+            </a:prstTxWarp>
+            <a:noAutofit/>
+          </a:bodyPr>
+          <a:lstStyle/>
+          <a:p>
+            <a:pPr algn="ctr"/>
+            <a:r>
+              <a:rPr lang="en-US" sz="1400" dirty="0" err="1" smtClean="0">
+                <a:solidFill>
+                  <a:schemeClr val="bg1"/>
+                </a:solidFill>
+                <a:latin typeface="Raleway" charset="0"/>
+                <a:ea typeface="Raleway" charset="0"/>
+                <a:cs typeface="Raleway" charset="0"/>
+              </a:rPr>
+              <a:t>IsoDetect</a:t>
+            </a:r>
+            <a:endParaRPr lang="en-US" sz="1400" dirty="0" smtClean="0">
+              <a:solidFill>
+                <a:schemeClr val="bg1"/>
+              </a:solidFill>
+              <a:latin typeface="Raleway" charset="0"/>
+              <a:ea typeface="Raleway" charset="0"/>
+              <a:cs typeface="Raleway" charset="0"/>
+            </a:endParaRPr>
+          </a:p>
+        </p:txBody>
+      </p:sp>
+      <p:pic>
+        <p:nvPicPr>
+          <p:cNvPr id="40" name="Picture 39"/>
+          <p:cNvPicPr>
+            <a:picLocks noChangeAspect="1"/>
+          </p:cNvPicPr>
+          <p:nvPr/>
+        </p:nvPicPr>
+        <p:blipFill>
+          <a:blip r:embed="rId3"/>
+          <a:stretch>
+            <a:fillRect/>
+          </a:stretch>
+        </p:blipFill>
+        <p:spPr>
+          <a:xfrm>
+            <a:off x="8537388" y="1613230"/>
+            <a:ext cx="728871" cy="728871"/>
+          </a:xfrm>
+          <a:prstGeom prst="rect">
+            <a:avLst/>
+          </a:prstGeom>
+        </p:spPr>
+      </p:pic>
+      <p:sp>
+        <p:nvSpPr>
+          <p:cNvPr id="41" name="TextBox 40"/>
+          <p:cNvSpPr txBox="1"/>
+          <p:nvPr/>
+        </p:nvSpPr>
+        <p:spPr>
+          <a:xfrm>
+            <a:off x="7643505" y="1667135"/>
+            <a:ext cx="1002197" cy="307777"/>
+          </a:xfrm>
+          <a:prstGeom prst="rect">
+            <a:avLst/>
+          </a:prstGeom>
+          <a:noFill/>
+        </p:spPr>
+        <p:txBody>
+          <a:bodyPr wrap="none" rtlCol="0">
+            <a:spAutoFit/>
+          </a:bodyPr>
+          <a:lstStyle/>
+          <a:p>
+            <a:r>
+              <a:rPr lang="en-US" sz="1400" dirty="0" smtClean="0">
+                <a:solidFill>
+                  <a:schemeClr val="bg1">
+                    <a:lumMod val="50000"/>
+                  </a:schemeClr>
+                </a:solidFill>
+                <a:latin typeface="Raleway" charset="0"/>
+                <a:ea typeface="Raleway" charset="0"/>
+                <a:cs typeface="Raleway" charset="0"/>
+              </a:rPr>
+              <a:t>Detectors</a:t>
+            </a:r>
+            <a:endParaRPr lang="en-US" sz="1400" dirty="0">
+              <a:solidFill>
+                <a:schemeClr val="bg1">
+                  <a:lumMod val="50000"/>
+                </a:schemeClr>
+              </a:solidFill>
+              <a:latin typeface="Raleway" charset="0"/>
+              <a:ea typeface="Raleway" charset="0"/>
+              <a:cs typeface="Raleway" charset="0"/>
+            </a:endParaRPr>
+          </a:p>
+        </p:txBody>
+      </p:sp>
+      <p:sp>
+        <p:nvSpPr>
+          <p:cNvPr id="42" name="TextBox 41"/>
+          <p:cNvSpPr txBox="1"/>
+          <p:nvPr/>
+        </p:nvSpPr>
+        <p:spPr>
+          <a:xfrm>
+            <a:off x="7742089" y="1974912"/>
+            <a:ext cx="805029" cy="307777"/>
+          </a:xfrm>
+          <a:prstGeom prst="rect">
+            <a:avLst/>
+          </a:prstGeom>
+          <a:noFill/>
+        </p:spPr>
+        <p:txBody>
+          <a:bodyPr wrap="none" rtlCol="0">
+            <a:spAutoFit/>
+          </a:bodyPr>
+          <a:lstStyle/>
+          <a:p>
+            <a:r>
+              <a:rPr lang="en-US" sz="1400" dirty="0" smtClean="0">
+                <a:solidFill>
+                  <a:schemeClr val="bg1">
+                    <a:lumMod val="50000"/>
+                  </a:schemeClr>
+                </a:solidFill>
+                <a:latin typeface="Raleway" charset="0"/>
+                <a:ea typeface="Raleway" charset="0"/>
+                <a:cs typeface="Raleway" charset="0"/>
+              </a:rPr>
+              <a:t>Repairs</a:t>
+            </a:r>
+            <a:endParaRPr lang="en-US" sz="1400" dirty="0">
+              <a:solidFill>
+                <a:schemeClr val="bg1">
+                  <a:lumMod val="50000"/>
+                </a:schemeClr>
+              </a:solidFill>
+              <a:latin typeface="Raleway" charset="0"/>
+              <a:ea typeface="Raleway" charset="0"/>
+              <a:cs typeface="Raleway" charset="0"/>
+            </a:endParaRPr>
+          </a:p>
+        </p:txBody>
+      </p:sp>
+      <p:cxnSp>
+        <p:nvCxnSpPr>
+          <p:cNvPr id="44" name="Straight Arrow Connector 43"/>
+          <p:cNvCxnSpPr>
+            <a:stCxn id="40" idx="1"/>
+          </p:cNvCxnSpPr>
+          <p:nvPr/>
+        </p:nvCxnSpPr>
+        <p:spPr>
+          <a:xfrm flipH="1" flipV="1">
+            <a:off x="7577516" y="1974912"/>
+            <a:ext cx="959872" cy="2754"/>
+          </a:xfrm>
+          <a:prstGeom prst="straightConnector1">
+            <a:avLst/>
+          </a:prstGeom>
+          <a:ln w="28575">
+            <a:solidFill>
+              <a:schemeClr val="bg1">
+                <a:lumMod val="50000"/>
+              </a:schemeClr>
+            </a:solidFill>
+            <a:tailEnd type="triangle"/>
+          </a:ln>
+        </p:spPr>
+        <p:style>
+          <a:lnRef idx="1">
+            <a:schemeClr val="accent1"/>
+          </a:lnRef>
+          <a:fillRef idx="0">
+            <a:schemeClr val="accent1"/>
+          </a:fillRef>
+          <a:effectRef idx="0">
+            <a:schemeClr val="accent1"/>
+          </a:effectRef>
+          <a:fontRef idx="minor">
+            <a:schemeClr val="tx1"/>
+          </a:fontRef>
+        </p:style>
+      </p:cxnSp>
+    </p:spTree>
+    <p:extLst>
+      <p:ext uri="{BB962C8B-B14F-4D97-AF65-F5344CB8AC3E}">
+        <p14:creationId xmlns:p14="http://schemas.microsoft.com/office/powerpoint/2010/main" val="1772902635"/>
+      </p:ext>
+    </p:extLst>
+  </p:cSld>
+  <p:clrMapOvr>
+    <a:masterClrMapping/>
+  </p:clrMapOvr>
+</p:sld>
+</file>
+
+<file path=ppt/slides/slide5.xml><?xml version="1.0" encoding="utf-8"?>
+<p:sld xmlns:a="http://schemas.openxmlformats.org/drawingml/2006/main" xmlns:r="http://schemas.openxmlformats.org/officeDocument/2006/relationships" xmlns:p="http://schemas.openxmlformats.org/presentationml/2006/main">
+  <p:cSld>
+    <p:spTree>
+      <p:nvGrpSpPr>
+        <p:cNvPr id="1" name=""/>
+        <p:cNvGrpSpPr/>
+        <p:nvPr/>
+      </p:nvGrpSpPr>
+      <p:grpSpPr>
+        <a:xfrm>
+          <a:off x="0" y="0"/>
+          <a:ext cx="0" cy="0"/>
+          <a:chOff x="0" y="0"/>
+          <a:chExt cx="0" cy="0"/>
+        </a:xfrm>
+      </p:grpSpPr>
+      <p:sp>
+        <p:nvSpPr>
+          <p:cNvPr id="5" name="TextBox 4"/>
+          <p:cNvSpPr txBox="1"/>
+          <p:nvPr/>
+        </p:nvSpPr>
+        <p:spPr>
+          <a:xfrm>
+            <a:off x="4365492" y="541614"/>
+            <a:ext cx="849913" cy="523220"/>
+          </a:xfrm>
+          <a:prstGeom prst="rect">
+            <a:avLst/>
+          </a:prstGeom>
+          <a:noFill/>
+          <a:ln>
+            <a:noFill/>
+          </a:ln>
+        </p:spPr>
+        <p:txBody>
+          <a:bodyPr wrap="none" rtlCol="0">
+            <a:spAutoFit/>
+          </a:bodyPr>
+          <a:lstStyle/>
+          <a:p>
+            <a:pPr algn="ctr"/>
+            <a:r>
+              <a:rPr lang="en-US" sz="1400" dirty="0" smtClean="0">
+                <a:solidFill>
+                  <a:schemeClr val="bg1">
+                    <a:lumMod val="50000"/>
+                  </a:schemeClr>
+                </a:solidFill>
+                <a:latin typeface="Raleway" charset="0"/>
+                <a:ea typeface="Raleway" charset="0"/>
+                <a:cs typeface="Raleway" charset="0"/>
+              </a:rPr>
+              <a:t>Training</a:t>
+            </a:r>
+          </a:p>
+          <a:p>
+            <a:pPr algn="ctr"/>
+            <a:r>
+              <a:rPr lang="en-US" sz="1400" dirty="0" smtClean="0">
+                <a:solidFill>
+                  <a:schemeClr val="bg1">
+                    <a:lumMod val="50000"/>
+                  </a:schemeClr>
+                </a:solidFill>
+                <a:latin typeface="Raleway" charset="0"/>
+                <a:ea typeface="Raleway" charset="0"/>
+                <a:cs typeface="Raleway" charset="0"/>
+              </a:rPr>
+              <a:t>data</a:t>
+            </a:r>
+            <a:endParaRPr lang="en-US" sz="1400" dirty="0">
+              <a:solidFill>
+                <a:schemeClr val="bg1">
+                  <a:lumMod val="50000"/>
+                </a:schemeClr>
+              </a:solidFill>
+              <a:latin typeface="Raleway" charset="0"/>
+              <a:ea typeface="Raleway" charset="0"/>
+              <a:cs typeface="Raleway" charset="0"/>
+            </a:endParaRPr>
+          </a:p>
+        </p:txBody>
+      </p:sp>
+      <p:sp>
+        <p:nvSpPr>
+          <p:cNvPr id="9" name="TextBox 8"/>
+          <p:cNvSpPr txBox="1"/>
+          <p:nvPr/>
+        </p:nvSpPr>
+        <p:spPr>
+          <a:xfrm>
+            <a:off x="3544509" y="541614"/>
+            <a:ext cx="553357" cy="523220"/>
+          </a:xfrm>
+          <a:prstGeom prst="rect">
+            <a:avLst/>
+          </a:prstGeom>
+          <a:noFill/>
+        </p:spPr>
+        <p:txBody>
+          <a:bodyPr wrap="none" rtlCol="0">
+            <a:spAutoFit/>
+          </a:bodyPr>
+          <a:lstStyle/>
+          <a:p>
+            <a:pPr algn="ctr"/>
+            <a:r>
+              <a:rPr lang="en-US" sz="1400" dirty="0">
+                <a:solidFill>
+                  <a:schemeClr val="bg1">
+                    <a:lumMod val="50000"/>
+                  </a:schemeClr>
+                </a:solidFill>
+                <a:latin typeface="Raleway" charset="0"/>
+                <a:ea typeface="Raleway" charset="0"/>
+                <a:cs typeface="Raleway" charset="0"/>
+              </a:rPr>
+              <a:t>T</a:t>
+            </a:r>
+            <a:r>
+              <a:rPr lang="en-US" sz="1400" dirty="0" smtClean="0">
+                <a:solidFill>
+                  <a:schemeClr val="bg1">
+                    <a:lumMod val="50000"/>
+                  </a:schemeClr>
+                </a:solidFill>
+                <a:latin typeface="Raleway" charset="0"/>
+                <a:ea typeface="Raleway" charset="0"/>
+                <a:cs typeface="Raleway" charset="0"/>
+              </a:rPr>
+              <a:t>est</a:t>
+            </a:r>
+          </a:p>
+          <a:p>
+            <a:pPr algn="ctr"/>
+            <a:r>
+              <a:rPr lang="en-US" sz="1400" dirty="0" smtClean="0">
+                <a:solidFill>
+                  <a:schemeClr val="bg1">
+                    <a:lumMod val="50000"/>
+                  </a:schemeClr>
+                </a:solidFill>
+                <a:latin typeface="Raleway" charset="0"/>
+                <a:ea typeface="Raleway" charset="0"/>
+                <a:cs typeface="Raleway" charset="0"/>
+              </a:rPr>
+              <a:t>data</a:t>
+            </a:r>
+            <a:endParaRPr lang="en-US" sz="1400" dirty="0">
+              <a:solidFill>
+                <a:schemeClr val="bg1">
+                  <a:lumMod val="50000"/>
+                </a:schemeClr>
+              </a:solidFill>
+              <a:latin typeface="Raleway" charset="0"/>
+              <a:ea typeface="Raleway" charset="0"/>
+              <a:cs typeface="Raleway" charset="0"/>
+            </a:endParaRPr>
+          </a:p>
+        </p:txBody>
+      </p:sp>
+      <p:sp>
+        <p:nvSpPr>
+          <p:cNvPr id="4" name="Rectangle 3"/>
+          <p:cNvSpPr/>
+          <p:nvPr/>
+        </p:nvSpPr>
+        <p:spPr>
+          <a:xfrm>
+            <a:off x="3937000" y="1360746"/>
+            <a:ext cx="3640668" cy="2062732"/>
+          </a:xfrm>
+          <a:prstGeom prst="rect">
+            <a:avLst/>
+          </a:prstGeom>
+          <a:solidFill>
+            <a:schemeClr val="bg1"/>
+          </a:solidFill>
+          <a:ln w="28575">
+            <a:solidFill>
+              <a:schemeClr val="bg1">
+                <a:lumMod val="50000"/>
+              </a:schemeClr>
+            </a:solidFill>
+          </a:ln>
+        </p:spPr>
+        <p:style>
+          <a:lnRef idx="2">
+            <a:schemeClr val="accent1">
+              <a:shade val="50000"/>
+            </a:schemeClr>
+          </a:lnRef>
+          <a:fillRef idx="1">
+            <a:schemeClr val="accent1"/>
+          </a:fillRef>
+          <a:effectRef idx="0">
+            <a:schemeClr val="accent1"/>
+          </a:effectRef>
+          <a:fontRef idx="minor">
+            <a:schemeClr val="lt1"/>
+          </a:fontRef>
+        </p:style>
+        <p:txBody>
+          <a:bodyPr rtlCol="0" anchor="ctr"/>
+          <a:lstStyle/>
+          <a:p>
+            <a:pPr algn="ctr"/>
+            <a:endParaRPr lang="en-US" dirty="0">
+              <a:solidFill>
+                <a:schemeClr val="bg1">
+                  <a:lumMod val="50000"/>
+                </a:schemeClr>
+              </a:solidFill>
+              <a:latin typeface="Raleway" charset="0"/>
+              <a:ea typeface="Raleway" charset="0"/>
+              <a:cs typeface="Raleway" charset="0"/>
+            </a:endParaRPr>
+          </a:p>
+        </p:txBody>
+      </p:sp>
+      <p:sp>
+        <p:nvSpPr>
+          <p:cNvPr id="23" name="Rectangle 22"/>
+          <p:cNvSpPr/>
+          <p:nvPr/>
+        </p:nvSpPr>
+        <p:spPr>
+          <a:xfrm>
+            <a:off x="4085272" y="2655817"/>
+            <a:ext cx="1396917" cy="550049"/>
+          </a:xfrm>
+          <a:prstGeom prst="rect">
+            <a:avLst/>
+          </a:prstGeom>
+          <a:solidFill>
+            <a:schemeClr val="bg1"/>
+          </a:solidFill>
+          <a:ln w="28575">
+            <a:solidFill>
+              <a:schemeClr val="accent2"/>
+            </a:solidFill>
+          </a:ln>
+        </p:spPr>
+        <p:style>
+          <a:lnRef idx="2">
+            <a:schemeClr val="accent1">
+              <a:shade val="50000"/>
+            </a:schemeClr>
+          </a:lnRef>
+          <a:fillRef idx="1">
+            <a:schemeClr val="accent1"/>
+          </a:fillRef>
+          <a:effectRef idx="0">
+            <a:schemeClr val="accent1"/>
+          </a:effectRef>
+          <a:fontRef idx="minor">
+            <a:schemeClr val="lt1"/>
+          </a:fontRef>
+        </p:style>
+        <p:txBody>
+          <a:bodyPr rot="0" spcFirstLastPara="0" vertOverflow="overflow" horzOverflow="overflow" vert="horz" wrap="square" lIns="91440" tIns="45720" rIns="91440" bIns="45720" numCol="1" spcCol="0" rtlCol="0" fromWordArt="0" anchor="ctr" anchorCtr="0" forceAA="0" compatLnSpc="1">
+            <a:prstTxWarp prst="textNoShape">
+              <a:avLst/>
+            </a:prstTxWarp>
+            <a:noAutofit/>
+          </a:bodyPr>
+          <a:lstStyle/>
+          <a:p>
+            <a:pPr algn="ctr"/>
+            <a:r>
+              <a:rPr lang="en-US" sz="1400" dirty="0" smtClean="0">
+                <a:solidFill>
+                  <a:schemeClr val="accent2"/>
+                </a:solidFill>
+                <a:latin typeface="Raleway" charset="0"/>
+                <a:ea typeface="Raleway" charset="0"/>
+                <a:cs typeface="Raleway" charset="0"/>
+              </a:rPr>
+              <a:t>Test Accuracy Evaluator</a:t>
+            </a:r>
+          </a:p>
+        </p:txBody>
+      </p:sp>
+      <p:sp>
+        <p:nvSpPr>
+          <p:cNvPr id="21" name="Rectangle 20"/>
+          <p:cNvSpPr/>
+          <p:nvPr/>
+        </p:nvSpPr>
+        <p:spPr>
+          <a:xfrm>
+            <a:off x="6020487" y="1529832"/>
+            <a:ext cx="1410037" cy="895669"/>
+          </a:xfrm>
+          <a:prstGeom prst="rect">
+            <a:avLst/>
+          </a:prstGeom>
+          <a:solidFill>
+            <a:schemeClr val="bg1"/>
+          </a:solidFill>
+          <a:ln w="28575">
+            <a:solidFill>
+              <a:schemeClr val="accent1"/>
+            </a:solidFill>
+          </a:ln>
+        </p:spPr>
+        <p:style>
+          <a:lnRef idx="2">
+            <a:schemeClr val="accent1">
+              <a:shade val="50000"/>
+            </a:schemeClr>
+          </a:lnRef>
+          <a:fillRef idx="1">
+            <a:schemeClr val="accent1"/>
+          </a:fillRef>
+          <a:effectRef idx="0">
+            <a:schemeClr val="accent1"/>
+          </a:effectRef>
+          <a:fontRef idx="minor">
+            <a:schemeClr val="lt1"/>
+          </a:fontRef>
+        </p:style>
+        <p:txBody>
+          <a:bodyPr rot="0" spcFirstLastPara="0" vertOverflow="overflow" horzOverflow="overflow" vert="horz" wrap="square" lIns="91440" tIns="45720" rIns="91440" bIns="45720" numCol="1" spcCol="0" rtlCol="0" fromWordArt="0" anchor="t" anchorCtr="0" forceAA="0" compatLnSpc="1">
+            <a:prstTxWarp prst="textNoShape">
+              <a:avLst/>
+            </a:prstTxWarp>
+            <a:noAutofit/>
+          </a:bodyPr>
+          <a:lstStyle/>
+          <a:p>
+            <a:pPr algn="ctr"/>
+            <a:r>
               <a:rPr lang="en-US" sz="1400" dirty="0" smtClean="0">
                 <a:solidFill>
                   <a:schemeClr val="accent1"/>
@@ -8043,14 +9493,6 @@
               </a:rPr>
               <a:t>Libraries</a:t>
             </a:r>
-            <a:endParaRPr lang="en-US" sz="1400" dirty="0" smtClean="0">
-              <a:solidFill>
-                <a:schemeClr val="accent1"/>
-              </a:solidFill>
-              <a:latin typeface="Raleway" charset="0"/>
-              <a:ea typeface="Raleway" charset="0"/>
-              <a:cs typeface="Raleway" charset="0"/>
-            </a:endParaRPr>
           </a:p>
         </p:txBody>
       </p:sp>
@@ -8921,14 +10363,6 @@
               </a:rPr>
               <a:t>Detectors</a:t>
             </a:r>
-            <a:endParaRPr lang="en-US" sz="1400" dirty="0" smtClean="0">
-              <a:solidFill>
-                <a:schemeClr val="bg1"/>
-              </a:solidFill>
-              <a:latin typeface="Raleway" charset="0"/>
-              <a:ea typeface="Raleway" charset="0"/>
-              <a:cs typeface="Raleway" charset="0"/>
-            </a:endParaRPr>
           </a:p>
         </p:txBody>
       </p:sp>
@@ -8992,14 +10426,6 @@
               </a:rPr>
               <a:t>Repairs</a:t>
             </a:r>
-            <a:endParaRPr lang="en-US" sz="1400" dirty="0" smtClean="0">
-              <a:solidFill>
-                <a:schemeClr val="bg1"/>
-              </a:solidFill>
-              <a:latin typeface="Raleway" charset="0"/>
-              <a:ea typeface="Raleway" charset="0"/>
-              <a:cs typeface="Raleway" charset="0"/>
-            </a:endParaRPr>
           </a:p>
         </p:txBody>
       </p:sp>
@@ -9016,7 +10442,7 @@
 </p:sld>
 </file>
 
-<file path=ppt/slides/slide5.xml><?xml version="1.0" encoding="utf-8"?>
+<file path=ppt/slides/slide6.xml><?xml version="1.0" encoding="utf-8"?>
 <p:sld xmlns:a="http://schemas.openxmlformats.org/drawingml/2006/main" xmlns:r="http://schemas.openxmlformats.org/officeDocument/2006/relationships" xmlns:p="http://schemas.openxmlformats.org/presentationml/2006/main">
   <p:cSld>
     <p:spTree>
@@ -10954,7 +12380,7 @@
 </p:sld>
 </file>
 
-<file path=ppt/slides/slide6.xml><?xml version="1.0" encoding="utf-8"?>
+<file path=ppt/slides/slide7.xml><?xml version="1.0" encoding="utf-8"?>
 <p:sld xmlns:a="http://schemas.openxmlformats.org/drawingml/2006/main" xmlns:r="http://schemas.openxmlformats.org/officeDocument/2006/relationships" xmlns:p="http://schemas.openxmlformats.org/presentationml/2006/main">
   <p:cSld>
     <p:spTree>
